--- a/Presentation/1-Proposal seminar.pptx
+++ b/Presentation/1-Proposal seminar.pptx
@@ -109,6 +109,11 @@
       </a:defRPr>
     </a:lvl9pPr>
   </p:defaultTextStyle>
+  <p:extLst>
+    <p:ext uri="{EFAFB233-063F-42B5-8137-9DF3F51BA10A}">
+      <p15:sldGuideLst xmlns:p15="http://schemas.microsoft.com/office/powerpoint/2012/main"/>
+    </p:ext>
+  </p:extLst>
 </p:presentation>
 </file>
 
@@ -198,7 +203,7 @@
           </a:lstStyle>
           <a:p>
             <a:r>
-              <a:rPr lang="en-US" smtClean="0"/>
+              <a:rPr lang="en-US"/>
               <a:t>Click to edit Master title style</a:t>
             </a:r>
             <a:endParaRPr lang="en-US" dirty="0"/>
@@ -317,7 +322,7 @@
           </a:lstStyle>
           <a:p>
             <a:r>
-              <a:rPr lang="en-US" smtClean="0"/>
+              <a:rPr lang="en-US"/>
               <a:t>Click to edit Master subtitle style</a:t>
             </a:r>
             <a:endParaRPr lang="en-US" dirty="0"/>
@@ -358,7 +363,7 @@
             <a:fld id="{B61BEF0D-F0BB-DE4B-95CE-6DB70DBA9567}" type="datetimeFigureOut">
               <a:rPr lang="en-US" dirty="0"/>
               <a:pPr/>
-              <a:t>1/31/17</a:t>
+              <a:t>2/2/2017</a:t>
             </a:fld>
             <a:endParaRPr lang="en-US" dirty="0"/>
           </a:p>
@@ -524,7 +529,7 @@
           <a:lstStyle/>
           <a:p>
             <a:r>
-              <a:rPr lang="en-US" smtClean="0"/>
+              <a:rPr lang="en-US"/>
               <a:t>Click to edit Master title style</a:t>
             </a:r>
             <a:endParaRPr lang="en-US" dirty="0"/>
@@ -564,35 +569,35 @@
           <a:p>
             <a:pPr lvl="0"/>
             <a:r>
-              <a:rPr lang="en-US" smtClean="0"/>
+              <a:rPr lang="en-US"/>
               <a:t>Click to edit Master text styles</a:t>
             </a:r>
           </a:p>
           <a:p>
             <a:pPr lvl="1"/>
             <a:r>
-              <a:rPr lang="en-US" smtClean="0"/>
+              <a:rPr lang="en-US"/>
               <a:t>Second level</a:t>
             </a:r>
           </a:p>
           <a:p>
             <a:pPr lvl="2"/>
             <a:r>
-              <a:rPr lang="en-US" smtClean="0"/>
+              <a:rPr lang="en-US"/>
               <a:t>Third level</a:t>
             </a:r>
           </a:p>
           <a:p>
             <a:pPr lvl="3"/>
             <a:r>
-              <a:rPr lang="en-US" smtClean="0"/>
+              <a:rPr lang="en-US"/>
               <a:t>Fourth level</a:t>
             </a:r>
           </a:p>
           <a:p>
             <a:pPr lvl="4"/>
             <a:r>
-              <a:rPr lang="en-US" smtClean="0"/>
+              <a:rPr lang="en-US"/>
               <a:t>Fifth level</a:t>
             </a:r>
             <a:endParaRPr lang="en-US" dirty="0"/>
@@ -617,7 +622,7 @@
             <a:fld id="{B61BEF0D-F0BB-DE4B-95CE-6DB70DBA9567}" type="datetimeFigureOut">
               <a:rPr lang="en-US" dirty="0"/>
               <a:pPr/>
-              <a:t>1/31/17</a:t>
+              <a:t>2/2/2017</a:t>
             </a:fld>
             <a:endParaRPr lang="en-US" dirty="0"/>
           </a:p>
@@ -751,7 +756,7 @@
           <a:lstStyle/>
           <a:p>
             <a:r>
-              <a:rPr lang="en-US" smtClean="0"/>
+              <a:rPr lang="en-US"/>
               <a:t>Click to edit Master title style</a:t>
             </a:r>
             <a:endParaRPr lang="en-US" dirty="0"/>
@@ -780,35 +785,35 @@
           <a:p>
             <a:pPr lvl="0"/>
             <a:r>
-              <a:rPr lang="en-US" smtClean="0"/>
+              <a:rPr lang="en-US"/>
               <a:t>Click to edit Master text styles</a:t>
             </a:r>
           </a:p>
           <a:p>
             <a:pPr lvl="1"/>
             <a:r>
-              <a:rPr lang="en-US" smtClean="0"/>
+              <a:rPr lang="en-US"/>
               <a:t>Second level</a:t>
             </a:r>
           </a:p>
           <a:p>
             <a:pPr lvl="2"/>
             <a:r>
-              <a:rPr lang="en-US" smtClean="0"/>
+              <a:rPr lang="en-US"/>
               <a:t>Third level</a:t>
             </a:r>
           </a:p>
           <a:p>
             <a:pPr lvl="3"/>
             <a:r>
-              <a:rPr lang="en-US" smtClean="0"/>
+              <a:rPr lang="en-US"/>
               <a:t>Fourth level</a:t>
             </a:r>
           </a:p>
           <a:p>
             <a:pPr lvl="4"/>
             <a:r>
-              <a:rPr lang="en-US" smtClean="0"/>
+              <a:rPr lang="en-US"/>
               <a:t>Fifth level</a:t>
             </a:r>
             <a:endParaRPr lang="en-US" dirty="0"/>
@@ -849,7 +854,7 @@
             <a:fld id="{B61BEF0D-F0BB-DE4B-95CE-6DB70DBA9567}" type="datetimeFigureOut">
               <a:rPr lang="en-US" dirty="0"/>
               <a:pPr/>
-              <a:t>1/31/17</a:t>
+              <a:t>2/2/2017</a:t>
             </a:fld>
             <a:endParaRPr lang="en-US" dirty="0"/>
           </a:p>
@@ -1004,7 +1009,7 @@
           <a:lstStyle/>
           <a:p>
             <a:r>
-              <a:rPr lang="en-US" smtClean="0"/>
+              <a:rPr lang="en-US"/>
               <a:t>Click to edit Master title style</a:t>
             </a:r>
             <a:endParaRPr lang="en-US" dirty="0"/>
@@ -1033,35 +1038,35 @@
           <a:p>
             <a:pPr lvl="0"/>
             <a:r>
-              <a:rPr lang="en-US" smtClean="0"/>
+              <a:rPr lang="en-US"/>
               <a:t>Click to edit Master text styles</a:t>
             </a:r>
           </a:p>
           <a:p>
             <a:pPr lvl="1"/>
             <a:r>
-              <a:rPr lang="en-US" smtClean="0"/>
+              <a:rPr lang="en-US"/>
               <a:t>Second level</a:t>
             </a:r>
           </a:p>
           <a:p>
             <a:pPr lvl="2"/>
             <a:r>
-              <a:rPr lang="en-US" smtClean="0"/>
+              <a:rPr lang="en-US"/>
               <a:t>Third level</a:t>
             </a:r>
           </a:p>
           <a:p>
             <a:pPr lvl="3"/>
             <a:r>
-              <a:rPr lang="en-US" smtClean="0"/>
+              <a:rPr lang="en-US"/>
               <a:t>Fourth level</a:t>
             </a:r>
           </a:p>
           <a:p>
             <a:pPr lvl="4"/>
             <a:r>
-              <a:rPr lang="en-US" smtClean="0"/>
+              <a:rPr lang="en-US"/>
               <a:t>Fifth level</a:t>
             </a:r>
             <a:endParaRPr lang="en-US" dirty="0"/>
@@ -1086,7 +1091,7 @@
             <a:fld id="{B61BEF0D-F0BB-DE4B-95CE-6DB70DBA9567}" type="datetimeFigureOut">
               <a:rPr lang="en-US" dirty="0"/>
               <a:pPr/>
-              <a:t>1/31/17</a:t>
+              <a:t>2/2/2017</a:t>
             </a:fld>
             <a:endParaRPr lang="en-US" dirty="0"/>
           </a:p>
@@ -1235,7 +1240,7 @@
           </a:lstStyle>
           <a:p>
             <a:r>
-              <a:rPr lang="en-US" smtClean="0"/>
+              <a:rPr lang="en-US"/>
               <a:t>Click to edit Master title style</a:t>
             </a:r>
             <a:endParaRPr lang="en-US" dirty="0"/>
@@ -1355,7 +1360,7 @@
           <a:p>
             <a:pPr lvl="0"/>
             <a:r>
-              <a:rPr lang="en-US" smtClean="0"/>
+              <a:rPr lang="en-US"/>
               <a:t>Click to edit Master text styles</a:t>
             </a:r>
           </a:p>
@@ -1390,7 +1395,7 @@
             <a:fld id="{B61BEF0D-F0BB-DE4B-95CE-6DB70DBA9567}" type="datetimeFigureOut">
               <a:rPr lang="en-US" dirty="0"/>
               <a:pPr/>
-              <a:t>1/31/17</a:t>
+              <a:t>2/2/2017</a:t>
             </a:fld>
             <a:endParaRPr lang="en-US" dirty="0"/>
           </a:p>
@@ -1546,7 +1551,7 @@
           <a:lstStyle/>
           <a:p>
             <a:r>
-              <a:rPr lang="en-US" smtClean="0"/>
+              <a:rPr lang="en-US"/>
               <a:t>Click to edit Master title style</a:t>
             </a:r>
             <a:endParaRPr lang="en-US" dirty="0"/>
@@ -1577,35 +1582,35 @@
           <a:p>
             <a:pPr lvl="0"/>
             <a:r>
-              <a:rPr lang="en-US" smtClean="0"/>
+              <a:rPr lang="en-US"/>
               <a:t>Click to edit Master text styles</a:t>
             </a:r>
           </a:p>
           <a:p>
             <a:pPr lvl="1"/>
             <a:r>
-              <a:rPr lang="en-US" smtClean="0"/>
+              <a:rPr lang="en-US"/>
               <a:t>Second level</a:t>
             </a:r>
           </a:p>
           <a:p>
             <a:pPr lvl="2"/>
             <a:r>
-              <a:rPr lang="en-US" smtClean="0"/>
+              <a:rPr lang="en-US"/>
               <a:t>Third level</a:t>
             </a:r>
           </a:p>
           <a:p>
             <a:pPr lvl="3"/>
             <a:r>
-              <a:rPr lang="en-US" smtClean="0"/>
+              <a:rPr lang="en-US"/>
               <a:t>Fourth level</a:t>
             </a:r>
           </a:p>
           <a:p>
             <a:pPr lvl="4"/>
             <a:r>
-              <a:rPr lang="en-US" smtClean="0"/>
+              <a:rPr lang="en-US"/>
               <a:t>Fifth level</a:t>
             </a:r>
             <a:endParaRPr lang="en-US" dirty="0"/>
@@ -1636,35 +1641,35 @@
           <a:p>
             <a:pPr lvl="0"/>
             <a:r>
-              <a:rPr lang="en-US" smtClean="0"/>
+              <a:rPr lang="en-US"/>
               <a:t>Click to edit Master text styles</a:t>
             </a:r>
           </a:p>
           <a:p>
             <a:pPr lvl="1"/>
             <a:r>
-              <a:rPr lang="en-US" smtClean="0"/>
+              <a:rPr lang="en-US"/>
               <a:t>Second level</a:t>
             </a:r>
           </a:p>
           <a:p>
             <a:pPr lvl="2"/>
             <a:r>
-              <a:rPr lang="en-US" smtClean="0"/>
+              <a:rPr lang="en-US"/>
               <a:t>Third level</a:t>
             </a:r>
           </a:p>
           <a:p>
             <a:pPr lvl="3"/>
             <a:r>
-              <a:rPr lang="en-US" smtClean="0"/>
+              <a:rPr lang="en-US"/>
               <a:t>Fourth level</a:t>
             </a:r>
           </a:p>
           <a:p>
             <a:pPr lvl="4"/>
             <a:r>
-              <a:rPr lang="en-US" smtClean="0"/>
+              <a:rPr lang="en-US"/>
               <a:t>Fifth level</a:t>
             </a:r>
             <a:endParaRPr lang="en-US" dirty="0"/>
@@ -1689,7 +1694,7 @@
             <a:fld id="{B61BEF0D-F0BB-DE4B-95CE-6DB70DBA9567}" type="datetimeFigureOut">
               <a:rPr lang="en-US" dirty="0"/>
               <a:pPr/>
-              <a:t>1/31/17</a:t>
+              <a:t>2/2/2017</a:t>
             </a:fld>
             <a:endParaRPr lang="en-US" dirty="0"/>
           </a:p>
@@ -1823,7 +1828,7 @@
           <a:lstStyle/>
           <a:p>
             <a:r>
-              <a:rPr lang="en-US" smtClean="0"/>
+              <a:rPr lang="en-US"/>
               <a:t>Click to edit Master title style</a:t>
             </a:r>
             <a:endParaRPr lang="en-US" dirty="0"/>
@@ -1895,7 +1900,7 @@
           <a:p>
             <a:pPr lvl="0"/>
             <a:r>
-              <a:rPr lang="en-US" smtClean="0"/>
+              <a:rPr lang="en-US"/>
               <a:t>Click to edit Master text styles</a:t>
             </a:r>
           </a:p>
@@ -1925,35 +1930,35 @@
           <a:p>
             <a:pPr lvl="0"/>
             <a:r>
-              <a:rPr lang="en-US" smtClean="0"/>
+              <a:rPr lang="en-US"/>
               <a:t>Click to edit Master text styles</a:t>
             </a:r>
           </a:p>
           <a:p>
             <a:pPr lvl="1"/>
             <a:r>
-              <a:rPr lang="en-US" smtClean="0"/>
+              <a:rPr lang="en-US"/>
               <a:t>Second level</a:t>
             </a:r>
           </a:p>
           <a:p>
             <a:pPr lvl="2"/>
             <a:r>
-              <a:rPr lang="en-US" smtClean="0"/>
+              <a:rPr lang="en-US"/>
               <a:t>Third level</a:t>
             </a:r>
           </a:p>
           <a:p>
             <a:pPr lvl="3"/>
             <a:r>
-              <a:rPr lang="en-US" smtClean="0"/>
+              <a:rPr lang="en-US"/>
               <a:t>Fourth level</a:t>
             </a:r>
           </a:p>
           <a:p>
             <a:pPr lvl="4"/>
             <a:r>
-              <a:rPr lang="en-US" smtClean="0"/>
+              <a:rPr lang="en-US"/>
               <a:t>Fifth level</a:t>
             </a:r>
             <a:endParaRPr lang="en-US" dirty="0"/>
@@ -2025,7 +2030,7 @@
           <a:p>
             <a:pPr lvl="0"/>
             <a:r>
-              <a:rPr lang="en-US" smtClean="0"/>
+              <a:rPr lang="en-US"/>
               <a:t>Click to edit Master text styles</a:t>
             </a:r>
           </a:p>
@@ -2055,35 +2060,35 @@
           <a:p>
             <a:pPr lvl="0"/>
             <a:r>
-              <a:rPr lang="en-US" smtClean="0"/>
+              <a:rPr lang="en-US"/>
               <a:t>Click to edit Master text styles</a:t>
             </a:r>
           </a:p>
           <a:p>
             <a:pPr lvl="1"/>
             <a:r>
-              <a:rPr lang="en-US" smtClean="0"/>
+              <a:rPr lang="en-US"/>
               <a:t>Second level</a:t>
             </a:r>
           </a:p>
           <a:p>
             <a:pPr lvl="2"/>
             <a:r>
-              <a:rPr lang="en-US" smtClean="0"/>
+              <a:rPr lang="en-US"/>
               <a:t>Third level</a:t>
             </a:r>
           </a:p>
           <a:p>
             <a:pPr lvl="3"/>
             <a:r>
-              <a:rPr lang="en-US" smtClean="0"/>
+              <a:rPr lang="en-US"/>
               <a:t>Fourth level</a:t>
             </a:r>
           </a:p>
           <a:p>
             <a:pPr lvl="4"/>
             <a:r>
-              <a:rPr lang="en-US" smtClean="0"/>
+              <a:rPr lang="en-US"/>
               <a:t>Fifth level</a:t>
             </a:r>
             <a:endParaRPr lang="en-US" dirty="0"/>
@@ -2108,7 +2113,7 @@
             <a:fld id="{B61BEF0D-F0BB-DE4B-95CE-6DB70DBA9567}" type="datetimeFigureOut">
               <a:rPr lang="en-US" dirty="0"/>
               <a:pPr/>
-              <a:t>1/31/17</a:t>
+              <a:t>2/2/2017</a:t>
             </a:fld>
             <a:endParaRPr lang="en-US" dirty="0"/>
           </a:p>
@@ -2242,7 +2247,7 @@
           <a:lstStyle/>
           <a:p>
             <a:r>
-              <a:rPr lang="en-US" smtClean="0"/>
+              <a:rPr lang="en-US"/>
               <a:t>Click to edit Master title style</a:t>
             </a:r>
             <a:endParaRPr lang="en-US" dirty="0"/>
@@ -2267,7 +2272,7 @@
             <a:fld id="{B61BEF0D-F0BB-DE4B-95CE-6DB70DBA9567}" type="datetimeFigureOut">
               <a:rPr lang="en-US" dirty="0"/>
               <a:pPr/>
-              <a:t>1/31/17</a:t>
+              <a:t>2/2/2017</a:t>
             </a:fld>
             <a:endParaRPr lang="en-US" dirty="0"/>
           </a:p>
@@ -2359,7 +2364,7 @@
             <a:fld id="{B61BEF0D-F0BB-DE4B-95CE-6DB70DBA9567}" type="datetimeFigureOut">
               <a:rPr lang="en-US" dirty="0"/>
               <a:pPr/>
-              <a:t>1/31/17</a:t>
+              <a:t>2/2/2017</a:t>
             </a:fld>
             <a:endParaRPr lang="en-US" dirty="0"/>
           </a:p>
@@ -2504,7 +2509,7 @@
           </a:lstStyle>
           <a:p>
             <a:r>
-              <a:rPr lang="en-US" smtClean="0"/>
+              <a:rPr lang="en-US"/>
               <a:t>Click to edit Master title style</a:t>
             </a:r>
             <a:endParaRPr lang="en-US" dirty="0"/>
@@ -2599,35 +2604,35 @@
           <a:p>
             <a:pPr lvl="0"/>
             <a:r>
-              <a:rPr lang="en-US" smtClean="0"/>
+              <a:rPr lang="en-US"/>
               <a:t>Click to edit Master text styles</a:t>
             </a:r>
           </a:p>
           <a:p>
             <a:pPr lvl="1"/>
             <a:r>
-              <a:rPr lang="en-US" smtClean="0"/>
+              <a:rPr lang="en-US"/>
               <a:t>Second level</a:t>
             </a:r>
           </a:p>
           <a:p>
             <a:pPr lvl="2"/>
             <a:r>
-              <a:rPr lang="en-US" smtClean="0"/>
+              <a:rPr lang="en-US"/>
               <a:t>Third level</a:t>
             </a:r>
           </a:p>
           <a:p>
             <a:pPr lvl="3"/>
             <a:r>
-              <a:rPr lang="en-US" smtClean="0"/>
+              <a:rPr lang="en-US"/>
               <a:t>Fourth level</a:t>
             </a:r>
           </a:p>
           <a:p>
             <a:pPr lvl="4"/>
             <a:r>
-              <a:rPr lang="en-US" smtClean="0"/>
+              <a:rPr lang="en-US"/>
               <a:t>Fifth level</a:t>
             </a:r>
             <a:endParaRPr lang="en-US" dirty="0"/>
@@ -2699,7 +2704,7 @@
           <a:p>
             <a:pPr lvl="0"/>
             <a:r>
-              <a:rPr lang="en-US" smtClean="0"/>
+              <a:rPr lang="en-US"/>
               <a:t>Click to edit Master text styles</a:t>
             </a:r>
           </a:p>
@@ -2734,7 +2739,7 @@
             <a:fld id="{B61BEF0D-F0BB-DE4B-95CE-6DB70DBA9567}" type="datetimeFigureOut">
               <a:rPr lang="en-US" dirty="0"/>
               <a:pPr/>
-              <a:t>1/31/17</a:t>
+              <a:t>2/2/2017</a:t>
             </a:fld>
             <a:endParaRPr lang="en-US" dirty="0"/>
           </a:p>
@@ -2861,7 +2866,7 @@
           </a:lstStyle>
           <a:p>
             <a:r>
-              <a:rPr lang="en-US" smtClean="0"/>
+              <a:rPr lang="en-US"/>
               <a:t>Click to edit Master title style</a:t>
             </a:r>
             <a:endParaRPr lang="en-US" dirty="0"/>
@@ -2928,7 +2933,7 @@
           </a:lstStyle>
           <a:p>
             <a:r>
-              <a:rPr lang="en-US" smtClean="0"/>
+              <a:rPr lang="en-US"/>
               <a:t>Drag picture to placeholder or click icon to add</a:t>
             </a:r>
             <a:endParaRPr lang="en-US" dirty="0"/>
@@ -2996,7 +3001,7 @@
           <a:p>
             <a:pPr lvl="0"/>
             <a:r>
-              <a:rPr lang="en-US" smtClean="0"/>
+              <a:rPr lang="en-US"/>
               <a:t>Click to edit Master text styles</a:t>
             </a:r>
           </a:p>
@@ -3020,7 +3025,7 @@
             <a:fld id="{B61BEF0D-F0BB-DE4B-95CE-6DB70DBA9567}" type="datetimeFigureOut">
               <a:rPr lang="en-US" dirty="0"/>
               <a:pPr/>
-              <a:t>1/31/17</a:t>
+              <a:t>2/2/2017</a:t>
             </a:fld>
             <a:endParaRPr lang="en-US" dirty="0"/>
           </a:p>
@@ -3125,7 +3130,7 @@
           <a:lstStyle/>
           <a:p>
             <a:r>
-              <a:rPr lang="en-US" smtClean="0"/>
+              <a:rPr lang="en-US"/>
               <a:t>Click to edit Master title style</a:t>
             </a:r>
             <a:endParaRPr lang="en-US" dirty="0"/>
@@ -3159,35 +3164,35 @@
           <a:p>
             <a:pPr lvl="0"/>
             <a:r>
-              <a:rPr lang="en-US" smtClean="0"/>
+              <a:rPr lang="en-US"/>
               <a:t>Click to edit Master text styles</a:t>
             </a:r>
           </a:p>
           <a:p>
             <a:pPr lvl="1"/>
             <a:r>
-              <a:rPr lang="en-US" smtClean="0"/>
+              <a:rPr lang="en-US"/>
               <a:t>Second level</a:t>
             </a:r>
           </a:p>
           <a:p>
             <a:pPr lvl="2"/>
             <a:r>
-              <a:rPr lang="en-US" smtClean="0"/>
+              <a:rPr lang="en-US"/>
               <a:t>Third level</a:t>
             </a:r>
           </a:p>
           <a:p>
             <a:pPr lvl="3"/>
             <a:r>
-              <a:rPr lang="en-US" smtClean="0"/>
+              <a:rPr lang="en-US"/>
               <a:t>Fourth level</a:t>
             </a:r>
           </a:p>
           <a:p>
             <a:pPr lvl="4"/>
             <a:r>
-              <a:rPr lang="en-US" smtClean="0"/>
+              <a:rPr lang="en-US"/>
               <a:t>Fifth level</a:t>
             </a:r>
             <a:endParaRPr lang="en-US" dirty="0"/>
@@ -3228,7 +3233,7 @@
             <a:fld id="{B61BEF0D-F0BB-DE4B-95CE-6DB70DBA9567}" type="datetimeFigureOut">
               <a:rPr lang="en-US" dirty="0"/>
               <a:pPr/>
-              <a:t>1/31/17</a:t>
+              <a:t>2/2/2017</a:t>
             </a:fld>
             <a:endParaRPr lang="en-US" dirty="0"/>
           </a:p>
@@ -3841,10 +3846,9 @@
           <a:lstStyle/>
           <a:p>
             <a:r>
-              <a:rPr lang="en-US" dirty="0" smtClean="0"/>
+              <a:rPr lang="en-US" dirty="0"/>
               <a:t>Thesis proposal seminar</a:t>
             </a:r>
-            <a:endParaRPr lang="en-US" dirty="0"/>
           </a:p>
         </p:txBody>
       </p:sp>
@@ -3864,10 +3868,9 @@
           <a:lstStyle/>
           <a:p>
             <a:r>
-              <a:rPr lang="en-US" dirty="0" smtClean="0"/>
+              <a:rPr lang="en-US" dirty="0"/>
               <a:t>Apply machine learning to performance trend analysis</a:t>
             </a:r>
-            <a:endParaRPr lang="en-US" dirty="0"/>
           </a:p>
         </p:txBody>
       </p:sp>
@@ -3881,13 +3884,6 @@
   <p:clrMapOvr>
     <a:masterClrMapping/>
   </p:clrMapOvr>
-  <p:timing>
-    <p:tnLst>
-      <p:par>
-        <p:cTn id="1" dur="indefinite" restart="never" nodeType="tmRoot"/>
-      </p:par>
-    </p:tnLst>
-  </p:timing>
 </p:sld>
 </file>
 
@@ -3924,10 +3920,9 @@
           <a:lstStyle/>
           <a:p>
             <a:r>
-              <a:rPr lang="en-US" dirty="0" smtClean="0"/>
+              <a:rPr lang="en-US" dirty="0"/>
               <a:t>Objective</a:t>
             </a:r>
-            <a:endParaRPr lang="en-US" dirty="0"/>
           </a:p>
         </p:txBody>
       </p:sp>
@@ -3960,13 +3955,6 @@
   <p:clrMapOvr>
     <a:masterClrMapping/>
   </p:clrMapOvr>
-  <p:timing>
-    <p:tnLst>
-      <p:par>
-        <p:cTn id="1" dur="indefinite" restart="never" nodeType="tmRoot"/>
-      </p:par>
-    </p:tnLst>
-  </p:timing>
 </p:sld>
 </file>
 
@@ -4003,10 +3991,9 @@
           <a:lstStyle/>
           <a:p>
             <a:r>
-              <a:rPr lang="en-US" dirty="0" smtClean="0"/>
+              <a:rPr lang="en-US" dirty="0"/>
               <a:t>data</a:t>
             </a:r>
-            <a:endParaRPr lang="en-US" dirty="0"/>
           </a:p>
         </p:txBody>
       </p:sp>
@@ -4039,13 +4026,6 @@
   <p:clrMapOvr>
     <a:masterClrMapping/>
   </p:clrMapOvr>
-  <p:timing>
-    <p:tnLst>
-      <p:par>
-        <p:cTn id="1" dur="indefinite" restart="never" nodeType="tmRoot"/>
-      </p:par>
-    </p:tnLst>
-  </p:timing>
 </p:sld>
 </file>
 
@@ -4082,10 +4062,9 @@
           <a:lstStyle/>
           <a:p>
             <a:r>
-              <a:rPr lang="en-US" dirty="0" smtClean="0"/>
+              <a:rPr lang="en-US" dirty="0"/>
               <a:t>methods</a:t>
             </a:r>
-            <a:endParaRPr lang="en-US" dirty="0"/>
           </a:p>
         </p:txBody>
       </p:sp>
@@ -4104,7 +4083,23 @@
           <a:bodyPr/>
           <a:lstStyle/>
           <a:p>
-            <a:endParaRPr lang="en-US"/>
+            <a:r>
+              <a:rPr lang="sv-SE" dirty="0"/>
+              <a:t>Change </a:t>
+            </a:r>
+            <a:r>
+              <a:rPr lang="sv-SE" dirty="0" err="1"/>
+              <a:t>point</a:t>
+            </a:r>
+            <a:r>
+              <a:rPr lang="sv-SE" dirty="0"/>
+              <a:t> </a:t>
+            </a:r>
+            <a:r>
+              <a:rPr lang="sv-SE"/>
+              <a:t>detection</a:t>
+            </a:r>
+            <a:endParaRPr lang="en-US" dirty="0"/>
           </a:p>
         </p:txBody>
       </p:sp>
@@ -4118,13 +4113,6 @@
   <p:clrMapOvr>
     <a:masterClrMapping/>
   </p:clrMapOvr>
-  <p:timing>
-    <p:tnLst>
-      <p:par>
-        <p:cTn id="1" dur="indefinite" restart="never" nodeType="tmRoot"/>
-      </p:par>
-    </p:tnLst>
-  </p:timing>
 </p:sld>
 </file>
 
@@ -4161,10 +4149,9 @@
           <a:lstStyle/>
           <a:p>
             <a:r>
-              <a:rPr lang="en-US" dirty="0" smtClean="0"/>
+              <a:rPr lang="en-US" dirty="0"/>
               <a:t>outline</a:t>
             </a:r>
-            <a:endParaRPr lang="en-US" dirty="0"/>
           </a:p>
         </p:txBody>
       </p:sp>
@@ -4197,13 +4184,6 @@
   <p:clrMapOvr>
     <a:masterClrMapping/>
   </p:clrMapOvr>
-  <p:timing>
-    <p:tnLst>
-      <p:par>
-        <p:cTn id="1" dur="indefinite" restart="never" nodeType="tmRoot"/>
-      </p:par>
-    </p:tnLst>
-  </p:timing>
 </p:sld>
 </file>
 
@@ -4272,13 +4252,6 @@
   <p:clrMapOvr>
     <a:masterClrMapping/>
   </p:clrMapOvr>
-  <p:timing>
-    <p:tnLst>
-      <p:par>
-        <p:cTn id="1" dur="indefinite" restart="never" nodeType="tmRoot"/>
-      </p:par>
-    </p:tnLst>
-  </p:timing>
 </p:sld>
 </file>
 

--- a/Presentation/1-Proposal seminar.pptx
+++ b/Presentation/1-Proposal seminar.pptx
@@ -363,7 +363,7 @@
             <a:fld id="{B61BEF0D-F0BB-DE4B-95CE-6DB70DBA9567}" type="datetimeFigureOut">
               <a:rPr lang="en-US" dirty="0"/>
               <a:pPr/>
-              <a:t>2/2/2017</a:t>
+              <a:t>2/2/17</a:t>
             </a:fld>
             <a:endParaRPr lang="en-US" dirty="0"/>
           </a:p>
@@ -622,7 +622,7 @@
             <a:fld id="{B61BEF0D-F0BB-DE4B-95CE-6DB70DBA9567}" type="datetimeFigureOut">
               <a:rPr lang="en-US" dirty="0"/>
               <a:pPr/>
-              <a:t>2/2/2017</a:t>
+              <a:t>2/2/17</a:t>
             </a:fld>
             <a:endParaRPr lang="en-US" dirty="0"/>
           </a:p>
@@ -854,7 +854,7 @@
             <a:fld id="{B61BEF0D-F0BB-DE4B-95CE-6DB70DBA9567}" type="datetimeFigureOut">
               <a:rPr lang="en-US" dirty="0"/>
               <a:pPr/>
-              <a:t>2/2/2017</a:t>
+              <a:t>2/2/17</a:t>
             </a:fld>
             <a:endParaRPr lang="en-US" dirty="0"/>
           </a:p>
@@ -1091,7 +1091,7 @@
             <a:fld id="{B61BEF0D-F0BB-DE4B-95CE-6DB70DBA9567}" type="datetimeFigureOut">
               <a:rPr lang="en-US" dirty="0"/>
               <a:pPr/>
-              <a:t>2/2/2017</a:t>
+              <a:t>2/2/17</a:t>
             </a:fld>
             <a:endParaRPr lang="en-US" dirty="0"/>
           </a:p>
@@ -1395,7 +1395,7 @@
             <a:fld id="{B61BEF0D-F0BB-DE4B-95CE-6DB70DBA9567}" type="datetimeFigureOut">
               <a:rPr lang="en-US" dirty="0"/>
               <a:pPr/>
-              <a:t>2/2/2017</a:t>
+              <a:t>2/2/17</a:t>
             </a:fld>
             <a:endParaRPr lang="en-US" dirty="0"/>
           </a:p>
@@ -1694,7 +1694,7 @@
             <a:fld id="{B61BEF0D-F0BB-DE4B-95CE-6DB70DBA9567}" type="datetimeFigureOut">
               <a:rPr lang="en-US" dirty="0"/>
               <a:pPr/>
-              <a:t>2/2/2017</a:t>
+              <a:t>2/2/17</a:t>
             </a:fld>
             <a:endParaRPr lang="en-US" dirty="0"/>
           </a:p>
@@ -2113,7 +2113,7 @@
             <a:fld id="{B61BEF0D-F0BB-DE4B-95CE-6DB70DBA9567}" type="datetimeFigureOut">
               <a:rPr lang="en-US" dirty="0"/>
               <a:pPr/>
-              <a:t>2/2/2017</a:t>
+              <a:t>2/2/17</a:t>
             </a:fld>
             <a:endParaRPr lang="en-US" dirty="0"/>
           </a:p>
@@ -2272,7 +2272,7 @@
             <a:fld id="{B61BEF0D-F0BB-DE4B-95CE-6DB70DBA9567}" type="datetimeFigureOut">
               <a:rPr lang="en-US" dirty="0"/>
               <a:pPr/>
-              <a:t>2/2/2017</a:t>
+              <a:t>2/2/17</a:t>
             </a:fld>
             <a:endParaRPr lang="en-US" dirty="0"/>
           </a:p>
@@ -2364,7 +2364,7 @@
             <a:fld id="{B61BEF0D-F0BB-DE4B-95CE-6DB70DBA9567}" type="datetimeFigureOut">
               <a:rPr lang="en-US" dirty="0"/>
               <a:pPr/>
-              <a:t>2/2/2017</a:t>
+              <a:t>2/2/17</a:t>
             </a:fld>
             <a:endParaRPr lang="en-US" dirty="0"/>
           </a:p>
@@ -2739,7 +2739,7 @@
             <a:fld id="{B61BEF0D-F0BB-DE4B-95CE-6DB70DBA9567}" type="datetimeFigureOut">
               <a:rPr lang="en-US" dirty="0"/>
               <a:pPr/>
-              <a:t>2/2/2017</a:t>
+              <a:t>2/2/17</a:t>
             </a:fld>
             <a:endParaRPr lang="en-US" dirty="0"/>
           </a:p>
@@ -3025,7 +3025,7 @@
             <a:fld id="{B61BEF0D-F0BB-DE4B-95CE-6DB70DBA9567}" type="datetimeFigureOut">
               <a:rPr lang="en-US" dirty="0"/>
               <a:pPr/>
-              <a:t>2/2/2017</a:t>
+              <a:t>2/2/17</a:t>
             </a:fld>
             <a:endParaRPr lang="en-US" dirty="0"/>
           </a:p>
@@ -3233,7 +3233,7 @@
             <a:fld id="{B61BEF0D-F0BB-DE4B-95CE-6DB70DBA9567}" type="datetimeFigureOut">
               <a:rPr lang="en-US" dirty="0"/>
               <a:pPr/>
-              <a:t>2/2/2017</a:t>
+              <a:t>2/2/17</a:t>
             </a:fld>
             <a:endParaRPr lang="en-US" dirty="0"/>
           </a:p>
@@ -3941,7 +3941,29 @@
           <a:bodyPr/>
           <a:lstStyle/>
           <a:p>
-            <a:endParaRPr lang="en-US"/>
+            <a:r>
+              <a:rPr lang="en-US" dirty="0"/>
+              <a:t>To detect the degradation, improvement or steady state in CPU </a:t>
+            </a:r>
+            <a:r>
+              <a:rPr lang="en-US" dirty="0" smtClean="0"/>
+              <a:t>Utilization</a:t>
+            </a:r>
+            <a:endParaRPr lang="en-US" dirty="0"/>
+          </a:p>
+          <a:p>
+            <a:r>
+              <a:rPr lang="en-US" dirty="0" smtClean="0"/>
+              <a:t>To </a:t>
+            </a:r>
+            <a:r>
+              <a:rPr lang="en-US" dirty="0"/>
+              <a:t>detect whether there is some changes in test environment that impact on CPU Utilization </a:t>
+            </a:r>
+            <a:endParaRPr lang="en-US" dirty="0"/>
+          </a:p>
+          <a:p>
+            <a:endParaRPr lang="en-US" dirty="0"/>
           </a:p>
         </p:txBody>
       </p:sp>
@@ -4012,7 +4034,11 @@
           <a:bodyPr/>
           <a:lstStyle/>
           <a:p>
-            <a:endParaRPr lang="en-US"/>
+            <a:r>
+              <a:rPr lang="en-US" dirty="0" smtClean="0"/>
+              <a:t>Consists of 17 columns</a:t>
+            </a:r>
+            <a:endParaRPr lang="en-US" dirty="0"/>
           </a:p>
         </p:txBody>
       </p:sp>
@@ -4084,19 +4110,15 @@
           <a:lstStyle/>
           <a:p>
             <a:r>
-              <a:rPr lang="sv-SE" dirty="0"/>
-              <a:t>Change </a:t>
-            </a:r>
-            <a:r>
-              <a:rPr lang="sv-SE" dirty="0" err="1"/>
-              <a:t>point</a:t>
-            </a:r>
-            <a:r>
-              <a:rPr lang="sv-SE" dirty="0"/>
+              <a:rPr lang="en-US" dirty="0" smtClean="0"/>
+              <a:t>Change point</a:t>
+            </a:r>
+            <a:r>
+              <a:rPr lang="sv-SE" dirty="0" smtClean="0"/>
               <a:t> </a:t>
             </a:r>
             <a:r>
-              <a:rPr lang="sv-SE"/>
+              <a:rPr lang="en-US" dirty="0" smtClean="0"/>
               <a:t>detection</a:t>
             </a:r>
             <a:endParaRPr lang="en-US" dirty="0"/>

--- a/Presentation/1-Proposal seminar.pptx
+++ b/Presentation/1-Proposal seminar.pptx
@@ -2,7 +2,7 @@
 <file path=ppt/presentation.xml><?xml version="1.0" encoding="utf-8"?>
 <p:presentation xmlns:a="http://schemas.openxmlformats.org/drawingml/2006/main" xmlns:r="http://schemas.openxmlformats.org/officeDocument/2006/relationships" xmlns:p="http://schemas.openxmlformats.org/presentationml/2006/main" saveSubsetFonts="1" autoCompressPictures="0">
   <p:sldMasterIdLst>
-    <p:sldMasterId id="2147483648" r:id="rId1"/>
+    <p:sldMasterId id="2147483696" r:id="rId1"/>
   </p:sldMasterIdLst>
   <p:sldIdLst>
     <p:sldId id="256" r:id="rId2"/>
@@ -361,9 +361,9 @@
           </a:lstStyle>
           <a:p>
             <a:fld id="{B61BEF0D-F0BB-DE4B-95CE-6DB70DBA9567}" type="datetimeFigureOut">
-              <a:rPr lang="en-US" dirty="0"/>
+              <a:rPr lang="en-US" smtClean="0"/>
               <a:pPr/>
-              <a:t>2/2/17</a:t>
+              <a:t>2/6/2017</a:t>
             </a:fld>
             <a:endParaRPr lang="en-US" dirty="0"/>
           </a:p>
@@ -436,7 +436,7 @@
           </a:lstStyle>
           <a:p>
             <a:fld id="{D57F1E4F-1CFF-5643-939E-217C01CDF565}" type="slidenum">
-              <a:rPr lang="en-US" dirty="0"/>
+              <a:rPr lang="en-US" smtClean="0"/>
               <a:pPr/>
               <a:t>‹#›</a:t>
             </a:fld>
@@ -445,6 +445,11 @@
         </p:txBody>
       </p:sp>
     </p:spTree>
+    <p:extLst>
+      <p:ext uri="{BB962C8B-B14F-4D97-AF65-F5344CB8AC3E}">
+        <p14:creationId xmlns:p14="http://schemas.microsoft.com/office/powerpoint/2010/main" val="1955005661"/>
+      </p:ext>
+    </p:extLst>
   </p:cSld>
   <p:clrMapOvr>
     <a:masterClrMapping/>
@@ -570,7 +575,7 @@
             <a:pPr lvl="0"/>
             <a:r>
               <a:rPr lang="en-US"/>
-              <a:t>Click to edit Master text styles</a:t>
+              <a:t>Edit Master text styles</a:t>
             </a:r>
           </a:p>
           <a:p>
@@ -620,9 +625,9 @@
           <a:lstStyle/>
           <a:p>
             <a:fld id="{B61BEF0D-F0BB-DE4B-95CE-6DB70DBA9567}" type="datetimeFigureOut">
-              <a:rPr lang="en-US" dirty="0"/>
+              <a:rPr lang="en-US" smtClean="0"/>
               <a:pPr/>
-              <a:t>2/2/17</a:t>
+              <a:t>2/6/2017</a:t>
             </a:fld>
             <a:endParaRPr lang="en-US" dirty="0"/>
           </a:p>
@@ -663,7 +668,7 @@
           <a:lstStyle/>
           <a:p>
             <a:fld id="{D57F1E4F-1CFF-5643-939E-217C01CDF565}" type="slidenum">
-              <a:rPr lang="en-US" dirty="0"/>
+              <a:rPr lang="en-US" smtClean="0"/>
               <a:pPr/>
               <a:t>‹#›</a:t>
             </a:fld>
@@ -672,6 +677,11 @@
         </p:txBody>
       </p:sp>
     </p:spTree>
+    <p:extLst>
+      <p:ext uri="{BB962C8B-B14F-4D97-AF65-F5344CB8AC3E}">
+        <p14:creationId xmlns:p14="http://schemas.microsoft.com/office/powerpoint/2010/main" val="3722002179"/>
+      </p:ext>
+    </p:extLst>
   </p:cSld>
   <p:clrMapOvr>
     <a:masterClrMapping/>
@@ -786,7 +796,7 @@
             <a:pPr lvl="0"/>
             <a:r>
               <a:rPr lang="en-US"/>
-              <a:t>Click to edit Master text styles</a:t>
+              <a:t>Edit Master text styles</a:t>
             </a:r>
           </a:p>
           <a:p>
@@ -852,9 +862,9 @@
           </a:lstStyle>
           <a:p>
             <a:fld id="{B61BEF0D-F0BB-DE4B-95CE-6DB70DBA9567}" type="datetimeFigureOut">
-              <a:rPr lang="en-US" dirty="0"/>
+              <a:rPr lang="en-US" smtClean="0"/>
               <a:pPr/>
-              <a:t>2/2/17</a:t>
+              <a:t>2/6/2017</a:t>
             </a:fld>
             <a:endParaRPr lang="en-US" dirty="0"/>
           </a:p>
@@ -916,7 +926,7 @@
           </a:lstStyle>
           <a:p>
             <a:fld id="{D57F1E4F-1CFF-5643-939E-217C01CDF565}" type="slidenum">
-              <a:rPr lang="en-US" dirty="0"/>
+              <a:rPr lang="en-US" smtClean="0"/>
               <a:pPr/>
               <a:t>‹#›</a:t>
             </a:fld>
@@ -925,6 +935,11 @@
         </p:txBody>
       </p:sp>
     </p:spTree>
+    <p:extLst>
+      <p:ext uri="{BB962C8B-B14F-4D97-AF65-F5344CB8AC3E}">
+        <p14:creationId xmlns:p14="http://schemas.microsoft.com/office/powerpoint/2010/main" val="2079709952"/>
+      </p:ext>
+    </p:extLst>
   </p:cSld>
   <p:clrMapOvr>
     <a:masterClrMapping/>
@@ -1039,7 +1054,7 @@
             <a:pPr lvl="0"/>
             <a:r>
               <a:rPr lang="en-US"/>
-              <a:t>Click to edit Master text styles</a:t>
+              <a:t>Edit Master text styles</a:t>
             </a:r>
           </a:p>
           <a:p>
@@ -1089,9 +1104,9 @@
           <a:lstStyle/>
           <a:p>
             <a:fld id="{B61BEF0D-F0BB-DE4B-95CE-6DB70DBA9567}" type="datetimeFigureOut">
-              <a:rPr lang="en-US" dirty="0"/>
+              <a:rPr lang="en-US" smtClean="0"/>
               <a:pPr/>
-              <a:t>2/2/17</a:t>
+              <a:t>2/6/2017</a:t>
             </a:fld>
             <a:endParaRPr lang="en-US" dirty="0"/>
           </a:p>
@@ -1137,7 +1152,7 @@
           <a:lstStyle/>
           <a:p>
             <a:fld id="{D57F1E4F-1CFF-5643-939E-217C01CDF565}" type="slidenum">
-              <a:rPr lang="en-US" dirty="0"/>
+              <a:rPr lang="en-US" smtClean="0"/>
               <a:pPr/>
               <a:t>‹#›</a:t>
             </a:fld>
@@ -1146,6 +1161,11 @@
         </p:txBody>
       </p:sp>
     </p:spTree>
+    <p:extLst>
+      <p:ext uri="{BB962C8B-B14F-4D97-AF65-F5344CB8AC3E}">
+        <p14:creationId xmlns:p14="http://schemas.microsoft.com/office/powerpoint/2010/main" val="1156571372"/>
+      </p:ext>
+    </p:extLst>
   </p:cSld>
   <p:clrMapOvr>
     <a:masterClrMapping/>
@@ -1361,7 +1381,7 @@
             <a:pPr lvl="0"/>
             <a:r>
               <a:rPr lang="en-US"/>
-              <a:t>Click to edit Master text styles</a:t>
+              <a:t>Edit Master text styles</a:t>
             </a:r>
           </a:p>
         </p:txBody>
@@ -1393,9 +1413,9 @@
           </a:lstStyle>
           <a:p>
             <a:fld id="{B61BEF0D-F0BB-DE4B-95CE-6DB70DBA9567}" type="datetimeFigureOut">
-              <a:rPr lang="en-US" dirty="0"/>
+              <a:rPr lang="en-US" smtClean="0"/>
               <a:pPr/>
-              <a:t>2/2/17</a:t>
+              <a:t>2/6/2017</a:t>
             </a:fld>
             <a:endParaRPr lang="en-US" dirty="0"/>
           </a:p>
@@ -1458,7 +1478,7 @@
           </a:lstStyle>
           <a:p>
             <a:fld id="{D57F1E4F-1CFF-5643-939E-217C01CDF565}" type="slidenum">
-              <a:rPr lang="en-US" dirty="0"/>
+              <a:rPr lang="en-US" smtClean="0"/>
               <a:pPr/>
               <a:t>‹#›</a:t>
             </a:fld>
@@ -1467,6 +1487,11 @@
         </p:txBody>
       </p:sp>
     </p:spTree>
+    <p:extLst>
+      <p:ext uri="{BB962C8B-B14F-4D97-AF65-F5344CB8AC3E}">
+        <p14:creationId xmlns:p14="http://schemas.microsoft.com/office/powerpoint/2010/main" val="2128715167"/>
+      </p:ext>
+    </p:extLst>
   </p:cSld>
   <p:clrMapOvr>
     <a:masterClrMapping/>
@@ -1583,7 +1608,7 @@
             <a:pPr lvl="0"/>
             <a:r>
               <a:rPr lang="en-US"/>
-              <a:t>Click to edit Master text styles</a:t>
+              <a:t>Edit Master text styles</a:t>
             </a:r>
           </a:p>
           <a:p>
@@ -1642,7 +1667,7 @@
             <a:pPr lvl="0"/>
             <a:r>
               <a:rPr lang="en-US"/>
-              <a:t>Click to edit Master text styles</a:t>
+              <a:t>Edit Master text styles</a:t>
             </a:r>
           </a:p>
           <a:p>
@@ -1692,9 +1717,9 @@
           <a:lstStyle/>
           <a:p>
             <a:fld id="{B61BEF0D-F0BB-DE4B-95CE-6DB70DBA9567}" type="datetimeFigureOut">
-              <a:rPr lang="en-US" dirty="0"/>
+              <a:rPr lang="en-US" smtClean="0"/>
               <a:pPr/>
-              <a:t>2/2/17</a:t>
+              <a:t>2/6/2017</a:t>
             </a:fld>
             <a:endParaRPr lang="en-US" dirty="0"/>
           </a:p>
@@ -1735,7 +1760,7 @@
           <a:lstStyle/>
           <a:p>
             <a:fld id="{D57F1E4F-1CFF-5643-939E-217C01CDF565}" type="slidenum">
-              <a:rPr lang="en-US" dirty="0"/>
+              <a:rPr lang="en-US" smtClean="0"/>
               <a:pPr/>
               <a:t>‹#›</a:t>
             </a:fld>
@@ -1744,6 +1769,11 @@
         </p:txBody>
       </p:sp>
     </p:spTree>
+    <p:extLst>
+      <p:ext uri="{BB962C8B-B14F-4D97-AF65-F5344CB8AC3E}">
+        <p14:creationId xmlns:p14="http://schemas.microsoft.com/office/powerpoint/2010/main" val="97269402"/>
+      </p:ext>
+    </p:extLst>
   </p:cSld>
   <p:clrMapOvr>
     <a:masterClrMapping/>
@@ -1901,7 +1931,7 @@
             <a:pPr lvl="0"/>
             <a:r>
               <a:rPr lang="en-US"/>
-              <a:t>Click to edit Master text styles</a:t>
+              <a:t>Edit Master text styles</a:t>
             </a:r>
           </a:p>
         </p:txBody>
@@ -1931,7 +1961,7 @@
             <a:pPr lvl="0"/>
             <a:r>
               <a:rPr lang="en-US"/>
-              <a:t>Click to edit Master text styles</a:t>
+              <a:t>Edit Master text styles</a:t>
             </a:r>
           </a:p>
           <a:p>
@@ -2031,7 +2061,7 @@
             <a:pPr lvl="0"/>
             <a:r>
               <a:rPr lang="en-US"/>
-              <a:t>Click to edit Master text styles</a:t>
+              <a:t>Edit Master text styles</a:t>
             </a:r>
           </a:p>
         </p:txBody>
@@ -2061,7 +2091,7 @@
             <a:pPr lvl="0"/>
             <a:r>
               <a:rPr lang="en-US"/>
-              <a:t>Click to edit Master text styles</a:t>
+              <a:t>Edit Master text styles</a:t>
             </a:r>
           </a:p>
           <a:p>
@@ -2111,9 +2141,9 @@
           <a:lstStyle/>
           <a:p>
             <a:fld id="{B61BEF0D-F0BB-DE4B-95CE-6DB70DBA9567}" type="datetimeFigureOut">
-              <a:rPr lang="en-US" dirty="0"/>
+              <a:rPr lang="en-US" smtClean="0"/>
               <a:pPr/>
-              <a:t>2/2/17</a:t>
+              <a:t>2/6/2017</a:t>
             </a:fld>
             <a:endParaRPr lang="en-US" dirty="0"/>
           </a:p>
@@ -2154,7 +2184,7 @@
           <a:lstStyle/>
           <a:p>
             <a:fld id="{D57F1E4F-1CFF-5643-939E-217C01CDF565}" type="slidenum">
-              <a:rPr lang="en-US" dirty="0"/>
+              <a:rPr lang="en-US" smtClean="0"/>
               <a:pPr/>
               <a:t>‹#›</a:t>
             </a:fld>
@@ -2163,6 +2193,11 @@
         </p:txBody>
       </p:sp>
     </p:spTree>
+    <p:extLst>
+      <p:ext uri="{BB962C8B-B14F-4D97-AF65-F5344CB8AC3E}">
+        <p14:creationId xmlns:p14="http://schemas.microsoft.com/office/powerpoint/2010/main" val="2879127656"/>
+      </p:ext>
+    </p:extLst>
   </p:cSld>
   <p:clrMapOvr>
     <a:masterClrMapping/>
@@ -2189,6 +2224,73 @@
       </p:grpSpPr>
       <p:sp>
         <p:nvSpPr>
+          <p:cNvPr id="3" name="Date Placeholder 2"/>
+          <p:cNvSpPr>
+            <a:spLocks noGrp="1"/>
+          </p:cNvSpPr>
+          <p:nvPr>
+            <p:ph type="dt" sz="half" idx="10"/>
+          </p:nvPr>
+        </p:nvSpPr>
+        <p:spPr/>
+        <p:txBody>
+          <a:bodyPr/>
+          <a:lstStyle/>
+          <a:p>
+            <a:fld id="{B61BEF0D-F0BB-DE4B-95CE-6DB70DBA9567}" type="datetimeFigureOut">
+              <a:rPr lang="en-US" smtClean="0"/>
+              <a:pPr/>
+              <a:t>2/6/2017</a:t>
+            </a:fld>
+            <a:endParaRPr lang="en-US" dirty="0"/>
+          </a:p>
+        </p:txBody>
+      </p:sp>
+      <p:sp>
+        <p:nvSpPr>
+          <p:cNvPr id="4" name="Footer Placeholder 3"/>
+          <p:cNvSpPr>
+            <a:spLocks noGrp="1"/>
+          </p:cNvSpPr>
+          <p:nvPr>
+            <p:ph type="ftr" sz="quarter" idx="11"/>
+          </p:nvPr>
+        </p:nvSpPr>
+        <p:spPr/>
+        <p:txBody>
+          <a:bodyPr/>
+          <a:lstStyle/>
+          <a:p>
+            <a:endParaRPr lang="en-US" dirty="0"/>
+          </a:p>
+        </p:txBody>
+      </p:sp>
+      <p:sp>
+        <p:nvSpPr>
+          <p:cNvPr id="5" name="Slide Number Placeholder 4"/>
+          <p:cNvSpPr>
+            <a:spLocks noGrp="1"/>
+          </p:cNvSpPr>
+          <p:nvPr>
+            <p:ph type="sldNum" sz="quarter" idx="12"/>
+          </p:nvPr>
+        </p:nvSpPr>
+        <p:spPr/>
+        <p:txBody>
+          <a:bodyPr/>
+          <a:lstStyle/>
+          <a:p>
+            <a:fld id="{D57F1E4F-1CFF-5643-939E-217C01CDF565}" type="slidenum">
+              <a:rPr lang="en-US" smtClean="0"/>
+              <a:pPr/>
+              <a:t>‹#›</a:t>
+            </a:fld>
+            <a:endParaRPr lang="en-US" dirty="0"/>
+          </a:p>
+        </p:txBody>
+      </p:sp>
+      <p:sp>
+        <p:nvSpPr>
           <p:cNvPr id="7" name="Rectangle 6"/>
           <p:cNvSpPr>
             <a:spLocks noChangeAspect="1"/>
@@ -2254,74 +2356,12 @@
           </a:p>
         </p:txBody>
       </p:sp>
-      <p:sp>
-        <p:nvSpPr>
-          <p:cNvPr id="3" name="Date Placeholder 2"/>
-          <p:cNvSpPr>
-            <a:spLocks noGrp="1"/>
-          </p:cNvSpPr>
-          <p:nvPr>
-            <p:ph type="dt" sz="half" idx="10"/>
-          </p:nvPr>
-        </p:nvSpPr>
-        <p:spPr/>
-        <p:txBody>
-          <a:bodyPr/>
-          <a:lstStyle/>
-          <a:p>
-            <a:fld id="{B61BEF0D-F0BB-DE4B-95CE-6DB70DBA9567}" type="datetimeFigureOut">
-              <a:rPr lang="en-US" dirty="0"/>
-              <a:pPr/>
-              <a:t>2/2/17</a:t>
-            </a:fld>
-            <a:endParaRPr lang="en-US" dirty="0"/>
-          </a:p>
-        </p:txBody>
-      </p:sp>
-      <p:sp>
-        <p:nvSpPr>
-          <p:cNvPr id="4" name="Footer Placeholder 3"/>
-          <p:cNvSpPr>
-            <a:spLocks noGrp="1"/>
-          </p:cNvSpPr>
-          <p:nvPr>
-            <p:ph type="ftr" sz="quarter" idx="11"/>
-          </p:nvPr>
-        </p:nvSpPr>
-        <p:spPr/>
-        <p:txBody>
-          <a:bodyPr/>
-          <a:lstStyle/>
-          <a:p>
-            <a:endParaRPr lang="en-US" dirty="0"/>
-          </a:p>
-        </p:txBody>
-      </p:sp>
-      <p:sp>
-        <p:nvSpPr>
-          <p:cNvPr id="5" name="Slide Number Placeholder 4"/>
-          <p:cNvSpPr>
-            <a:spLocks noGrp="1"/>
-          </p:cNvSpPr>
-          <p:nvPr>
-            <p:ph type="sldNum" sz="quarter" idx="12"/>
-          </p:nvPr>
-        </p:nvSpPr>
-        <p:spPr/>
-        <p:txBody>
-          <a:bodyPr/>
-          <a:lstStyle/>
-          <a:p>
-            <a:fld id="{D57F1E4F-1CFF-5643-939E-217C01CDF565}" type="slidenum">
-              <a:rPr lang="en-US" dirty="0"/>
-              <a:pPr/>
-              <a:t>‹#›</a:t>
-            </a:fld>
-            <a:endParaRPr lang="en-US" dirty="0"/>
-          </a:p>
-        </p:txBody>
-      </p:sp>
     </p:spTree>
+    <p:extLst>
+      <p:ext uri="{BB962C8B-B14F-4D97-AF65-F5344CB8AC3E}">
+        <p14:creationId xmlns:p14="http://schemas.microsoft.com/office/powerpoint/2010/main" val="1210715451"/>
+      </p:ext>
+    </p:extLst>
   </p:cSld>
   <p:clrMapOvr>
     <a:masterClrMapping/>
@@ -2362,9 +2402,9 @@
           <a:lstStyle/>
           <a:p>
             <a:fld id="{B61BEF0D-F0BB-DE4B-95CE-6DB70DBA9567}" type="datetimeFigureOut">
-              <a:rPr lang="en-US" dirty="0"/>
+              <a:rPr lang="en-US" smtClean="0"/>
               <a:pPr/>
-              <a:t>2/2/17</a:t>
+              <a:t>2/6/2017</a:t>
             </a:fld>
             <a:endParaRPr lang="en-US" dirty="0"/>
           </a:p>
@@ -2405,7 +2445,7 @@
           <a:lstStyle/>
           <a:p>
             <a:fld id="{D57F1E4F-1CFF-5643-939E-217C01CDF565}" type="slidenum">
-              <a:rPr lang="en-US" dirty="0"/>
+              <a:rPr lang="en-US" smtClean="0"/>
               <a:pPr/>
               <a:t>‹#›</a:t>
             </a:fld>
@@ -2414,6 +2454,11 @@
         </p:txBody>
       </p:sp>
     </p:spTree>
+    <p:extLst>
+      <p:ext uri="{BB962C8B-B14F-4D97-AF65-F5344CB8AC3E}">
+        <p14:creationId xmlns:p14="http://schemas.microsoft.com/office/powerpoint/2010/main" val="2402172007"/>
+      </p:ext>
+    </p:extLst>
   </p:cSld>
   <p:clrMapOvr>
     <a:masterClrMapping/>
@@ -2605,7 +2650,7 @@
             <a:pPr lvl="0"/>
             <a:r>
               <a:rPr lang="en-US"/>
-              <a:t>Click to edit Master text styles</a:t>
+              <a:t>Edit Master text styles</a:t>
             </a:r>
           </a:p>
           <a:p>
@@ -2705,7 +2750,7 @@
             <a:pPr lvl="0"/>
             <a:r>
               <a:rPr lang="en-US"/>
-              <a:t>Click to edit Master text styles</a:t>
+              <a:t>Edit Master text styles</a:t>
             </a:r>
           </a:p>
         </p:txBody>
@@ -2737,9 +2782,9 @@
           </a:lstStyle>
           <a:p>
             <a:fld id="{B61BEF0D-F0BB-DE4B-95CE-6DB70DBA9567}" type="datetimeFigureOut">
-              <a:rPr lang="en-US" dirty="0"/>
+              <a:rPr lang="en-US" smtClean="0"/>
               <a:pPr/>
-              <a:t>2/2/17</a:t>
+              <a:t>2/6/2017</a:t>
             </a:fld>
             <a:endParaRPr lang="en-US" dirty="0"/>
           </a:p>
@@ -2802,7 +2847,7 @@
           </a:lstStyle>
           <a:p>
             <a:fld id="{D57F1E4F-1CFF-5643-939E-217C01CDF565}" type="slidenum">
-              <a:rPr lang="en-US" dirty="0"/>
+              <a:rPr lang="en-US" smtClean="0"/>
               <a:pPr/>
               <a:t>‹#›</a:t>
             </a:fld>
@@ -2811,6 +2856,11 @@
         </p:txBody>
       </p:sp>
     </p:spTree>
+    <p:extLst>
+      <p:ext uri="{BB962C8B-B14F-4D97-AF65-F5344CB8AC3E}">
+        <p14:creationId xmlns:p14="http://schemas.microsoft.com/office/powerpoint/2010/main" val="4136785275"/>
+      </p:ext>
+    </p:extLst>
   </p:cSld>
   <p:clrMapOvr>
     <a:masterClrMapping/>
@@ -2934,7 +2984,7 @@
           <a:p>
             <a:r>
               <a:rPr lang="en-US"/>
-              <a:t>Drag picture to placeholder or click icon to add</a:t>
+              <a:t>Click icon to add picture</a:t>
             </a:r>
             <a:endParaRPr lang="en-US" dirty="0"/>
           </a:p>
@@ -3002,7 +3052,7 @@
             <a:pPr lvl="0"/>
             <a:r>
               <a:rPr lang="en-US"/>
-              <a:t>Click to edit Master text styles</a:t>
+              <a:t>Edit Master text styles</a:t>
             </a:r>
           </a:p>
         </p:txBody>
@@ -3023,9 +3073,9 @@
           <a:lstStyle/>
           <a:p>
             <a:fld id="{B61BEF0D-F0BB-DE4B-95CE-6DB70DBA9567}" type="datetimeFigureOut">
-              <a:rPr lang="en-US" dirty="0"/>
+              <a:rPr lang="en-US" smtClean="0"/>
               <a:pPr/>
-              <a:t>2/2/17</a:t>
+              <a:t>2/6/2017</a:t>
             </a:fld>
             <a:endParaRPr lang="en-US" dirty="0"/>
           </a:p>
@@ -3066,7 +3116,7 @@
           <a:lstStyle/>
           <a:p>
             <a:fld id="{D57F1E4F-1CFF-5643-939E-217C01CDF565}" type="slidenum">
-              <a:rPr lang="en-US" dirty="0"/>
+              <a:rPr lang="en-US" smtClean="0"/>
               <a:pPr/>
               <a:t>‹#›</a:t>
             </a:fld>
@@ -3075,6 +3125,11 @@
         </p:txBody>
       </p:sp>
     </p:spTree>
+    <p:extLst>
+      <p:ext uri="{BB962C8B-B14F-4D97-AF65-F5344CB8AC3E}">
+        <p14:creationId xmlns:p14="http://schemas.microsoft.com/office/powerpoint/2010/main" val="3170725856"/>
+      </p:ext>
+    </p:extLst>
   </p:cSld>
   <p:clrMapOvr>
     <a:masterClrMapping/>
@@ -3165,7 +3220,7 @@
             <a:pPr lvl="0"/>
             <a:r>
               <a:rPr lang="en-US"/>
-              <a:t>Click to edit Master text styles</a:t>
+              <a:t>Edit Master text styles</a:t>
             </a:r>
           </a:p>
           <a:p>
@@ -3231,9 +3286,9 @@
           </a:lstStyle>
           <a:p>
             <a:fld id="{B61BEF0D-F0BB-DE4B-95CE-6DB70DBA9567}" type="datetimeFigureOut">
-              <a:rPr lang="en-US" dirty="0"/>
+              <a:rPr lang="en-US" smtClean="0"/>
               <a:pPr/>
-              <a:t>2/2/17</a:t>
+              <a:t>2/6/2017</a:t>
             </a:fld>
             <a:endParaRPr lang="en-US" dirty="0"/>
           </a:p>
@@ -3306,7 +3361,7 @@
           </a:lstStyle>
           <a:p>
             <a:fld id="{D57F1E4F-1CFF-5643-939E-217C01CDF565}" type="slidenum">
-              <a:rPr lang="en-US" dirty="0"/>
+              <a:rPr lang="en-US" smtClean="0"/>
               <a:pPr/>
               <a:t>‹#›</a:t>
             </a:fld>
@@ -3426,20 +3481,25 @@
         </p:style>
       </p:sp>
     </p:spTree>
+    <p:extLst>
+      <p:ext uri="{BB962C8B-B14F-4D97-AF65-F5344CB8AC3E}">
+        <p14:creationId xmlns:p14="http://schemas.microsoft.com/office/powerpoint/2010/main" val="1995180179"/>
+      </p:ext>
+    </p:extLst>
   </p:cSld>
   <p:clrMap bg1="lt1" tx1="dk1" bg2="lt2" tx2="dk2" accent1="accent1" accent2="accent2" accent3="accent3" accent4="accent4" accent5="accent5" accent6="accent6" hlink="hlink" folHlink="folHlink"/>
   <p:sldLayoutIdLst>
-    <p:sldLayoutId id="2147483649" r:id="rId1"/>
-    <p:sldLayoutId id="2147483650" r:id="rId2"/>
-    <p:sldLayoutId id="2147483651" r:id="rId3"/>
-    <p:sldLayoutId id="2147483652" r:id="rId4"/>
-    <p:sldLayoutId id="2147483653" r:id="rId5"/>
-    <p:sldLayoutId id="2147483654" r:id="rId6"/>
-    <p:sldLayoutId id="2147483655" r:id="rId7"/>
-    <p:sldLayoutId id="2147483656" r:id="rId8"/>
-    <p:sldLayoutId id="2147483657" r:id="rId9"/>
-    <p:sldLayoutId id="2147483658" r:id="rId10"/>
-    <p:sldLayoutId id="2147483659" r:id="rId11"/>
+    <p:sldLayoutId id="2147483697" r:id="rId1"/>
+    <p:sldLayoutId id="2147483698" r:id="rId2"/>
+    <p:sldLayoutId id="2147483699" r:id="rId3"/>
+    <p:sldLayoutId id="2147483700" r:id="rId4"/>
+    <p:sldLayoutId id="2147483701" r:id="rId5"/>
+    <p:sldLayoutId id="2147483702" r:id="rId6"/>
+    <p:sldLayoutId id="2147483703" r:id="rId7"/>
+    <p:sldLayoutId id="2147483704" r:id="rId8"/>
+    <p:sldLayoutId id="2147483705" r:id="rId9"/>
+    <p:sldLayoutId id="2147483706" r:id="rId10"/>
+    <p:sldLayoutId id="2147483707" r:id="rId11"/>
   </p:sldLayoutIdLst>
   <p:txStyles>
     <p:titleStyle>
@@ -3943,24 +4003,14 @@
           <a:p>
             <a:r>
               <a:rPr lang="en-US" dirty="0"/>
-              <a:t>To detect the degradation, improvement or steady state in CPU </a:t>
-            </a:r>
-            <a:r>
-              <a:rPr lang="en-US" dirty="0" smtClean="0"/>
-              <a:t>Utilization</a:t>
-            </a:r>
-            <a:endParaRPr lang="en-US" dirty="0"/>
-          </a:p>
-          <a:p>
-            <a:r>
-              <a:rPr lang="en-US" dirty="0" smtClean="0"/>
-              <a:t>To </a:t>
-            </a:r>
+              <a:t>To detect the degradation, improvement or steady state in CPU Utilization</a:t>
+            </a:r>
+          </a:p>
+          <a:p>
             <a:r>
               <a:rPr lang="en-US" dirty="0"/>
-              <a:t>detect whether there is some changes in test environment that impact on CPU Utilization </a:t>
-            </a:r>
-            <a:endParaRPr lang="en-US" dirty="0"/>
+              <a:t>To detect whether there is some changes in test environment that impact on CPU Utilization </a:t>
+            </a:r>
           </a:p>
           <a:p>
             <a:endParaRPr lang="en-US" dirty="0"/>
@@ -4035,10 +4085,9 @@
           <a:lstStyle/>
           <a:p>
             <a:r>
-              <a:rPr lang="en-US" dirty="0" smtClean="0"/>
+              <a:rPr lang="en-US" dirty="0"/>
               <a:t>Consists of 17 columns</a:t>
             </a:r>
-            <a:endParaRPr lang="en-US" dirty="0"/>
           </a:p>
         </p:txBody>
       </p:sp>
@@ -4110,18 +4159,17 @@
           <a:lstStyle/>
           <a:p>
             <a:r>
-              <a:rPr lang="en-US" dirty="0" smtClean="0"/>
+              <a:rPr lang="en-US" dirty="0"/>
               <a:t>Change point</a:t>
             </a:r>
             <a:r>
-              <a:rPr lang="sv-SE" dirty="0" smtClean="0"/>
+              <a:rPr lang="sv-SE" dirty="0"/>
               <a:t> </a:t>
             </a:r>
             <a:r>
-              <a:rPr lang="en-US" dirty="0" smtClean="0"/>
+              <a:rPr lang="en-US" dirty="0"/>
               <a:t>detection</a:t>
             </a:r>
-            <a:endParaRPr lang="en-US" dirty="0"/>
           </a:p>
         </p:txBody>
       </p:sp>
@@ -4280,7 +4328,7 @@
 <file path=ppt/theme/theme1.xml><?xml version="1.0" encoding="utf-8"?>
 <a:theme xmlns:a="http://schemas.openxmlformats.org/drawingml/2006/main" name="Dividend">
   <a:themeElements>
-    <a:clrScheme name="Blue Green">
+    <a:clrScheme name="Dividend">
       <a:dk1>
         <a:sysClr val="windowText" lastClr="000000"/>
       </a:dk1>
@@ -4288,34 +4336,34 @@
         <a:sysClr val="window" lastClr="FFFFFF"/>
       </a:lt1>
       <a:dk2>
-        <a:srgbClr val="373545"/>
+        <a:srgbClr val="3D3D3D"/>
       </a:dk2>
       <a:lt2>
-        <a:srgbClr val="CEDBE6"/>
+        <a:srgbClr val="EBEBEB"/>
       </a:lt2>
       <a:accent1>
-        <a:srgbClr val="3494BA"/>
+        <a:srgbClr val="1A3260"/>
       </a:accent1>
       <a:accent2>
-        <a:srgbClr val="58B6C0"/>
+        <a:srgbClr val="4590B8"/>
       </a:accent2>
       <a:accent3>
-        <a:srgbClr val="75BDA7"/>
+        <a:srgbClr val="45CBE8"/>
       </a:accent3>
       <a:accent4>
-        <a:srgbClr val="7A8C8E"/>
+        <a:srgbClr val="969FA7"/>
       </a:accent4>
       <a:accent5>
-        <a:srgbClr val="84ACB6"/>
+        <a:srgbClr val="A2C777"/>
       </a:accent5>
       <a:accent6>
-        <a:srgbClr val="2683C6"/>
+        <a:srgbClr val="42955F"/>
       </a:accent6>
       <a:hlink>
-        <a:srgbClr val="6B9F25"/>
+        <a:srgbClr val="828282"/>
       </a:hlink>
       <a:folHlink>
-        <a:srgbClr val="9F6715"/>
+        <a:srgbClr val="A5A5A5"/>
       </a:folHlink>
     </a:clrScheme>
     <a:fontScheme name="Dividend">
@@ -4540,7 +4588,7 @@
   <a:extraClrSchemeLst/>
   <a:extLst>
     <a:ext uri="{05A4C25C-085E-4340-85A3-A5531E510DB2}">
-      <thm15:themeFamily xmlns:thm15="http://schemas.microsoft.com/office/thememl/2012/main" name="Dividend" id="{9697A71B-4AB7-4A1A-BD5B-BB2D22835B57}" vid="{C21699FF-00E4-43C8-BBCC-D7E5536C3717}"/>
+      <thm15:themeFamily xmlns:thm15="http://schemas.microsoft.com/office/thememl/2012/main" name="Dividend" id="{9697A71B-4AB7-4A1A-BD5B-BB2D22835B57}" vid="{66F1C100-1D2B-4BEA-AD01-C4F230B3B965}"/>
     </a:ext>
   </a:extLst>
 </a:theme>

--- a/Presentation/1-Proposal seminar.pptx
+++ b/Presentation/1-Proposal seminar.pptx
@@ -6,11 +6,12 @@
   </p:sldMasterIdLst>
   <p:sldIdLst>
     <p:sldId id="256" r:id="rId2"/>
-    <p:sldId id="257" r:id="rId3"/>
-    <p:sldId id="258" r:id="rId4"/>
-    <p:sldId id="260" r:id="rId5"/>
-    <p:sldId id="259" r:id="rId6"/>
-    <p:sldId id="261" r:id="rId7"/>
+    <p:sldId id="262" r:id="rId3"/>
+    <p:sldId id="257" r:id="rId4"/>
+    <p:sldId id="258" r:id="rId5"/>
+    <p:sldId id="260" r:id="rId6"/>
+    <p:sldId id="259" r:id="rId7"/>
+    <p:sldId id="261" r:id="rId8"/>
   </p:sldIdLst>
   <p:sldSz cx="12192000" cy="6858000"/>
   <p:notesSz cx="6858000" cy="9144000"/>
@@ -363,7 +364,7 @@
             <a:fld id="{B61BEF0D-F0BB-DE4B-95CE-6DB70DBA9567}" type="datetimeFigureOut">
               <a:rPr lang="en-US" smtClean="0"/>
               <a:pPr/>
-              <a:t>2/6/2017</a:t>
+              <a:t>2/7/2017</a:t>
             </a:fld>
             <a:endParaRPr lang="en-US" dirty="0"/>
           </a:p>
@@ -627,7 +628,7 @@
             <a:fld id="{B61BEF0D-F0BB-DE4B-95CE-6DB70DBA9567}" type="datetimeFigureOut">
               <a:rPr lang="en-US" smtClean="0"/>
               <a:pPr/>
-              <a:t>2/6/2017</a:t>
+              <a:t>2/7/2017</a:t>
             </a:fld>
             <a:endParaRPr lang="en-US" dirty="0"/>
           </a:p>
@@ -864,7 +865,7 @@
             <a:fld id="{B61BEF0D-F0BB-DE4B-95CE-6DB70DBA9567}" type="datetimeFigureOut">
               <a:rPr lang="en-US" smtClean="0"/>
               <a:pPr/>
-              <a:t>2/6/2017</a:t>
+              <a:t>2/7/2017</a:t>
             </a:fld>
             <a:endParaRPr lang="en-US" dirty="0"/>
           </a:p>
@@ -1106,7 +1107,7 @@
             <a:fld id="{B61BEF0D-F0BB-DE4B-95CE-6DB70DBA9567}" type="datetimeFigureOut">
               <a:rPr lang="en-US" smtClean="0"/>
               <a:pPr/>
-              <a:t>2/6/2017</a:t>
+              <a:t>2/7/2017</a:t>
             </a:fld>
             <a:endParaRPr lang="en-US" dirty="0"/>
           </a:p>
@@ -1415,7 +1416,7 @@
             <a:fld id="{B61BEF0D-F0BB-DE4B-95CE-6DB70DBA9567}" type="datetimeFigureOut">
               <a:rPr lang="en-US" smtClean="0"/>
               <a:pPr/>
-              <a:t>2/6/2017</a:t>
+              <a:t>2/7/2017</a:t>
             </a:fld>
             <a:endParaRPr lang="en-US" dirty="0"/>
           </a:p>
@@ -1719,7 +1720,7 @@
             <a:fld id="{B61BEF0D-F0BB-DE4B-95CE-6DB70DBA9567}" type="datetimeFigureOut">
               <a:rPr lang="en-US" smtClean="0"/>
               <a:pPr/>
-              <a:t>2/6/2017</a:t>
+              <a:t>2/7/2017</a:t>
             </a:fld>
             <a:endParaRPr lang="en-US" dirty="0"/>
           </a:p>
@@ -2143,7 +2144,7 @@
             <a:fld id="{B61BEF0D-F0BB-DE4B-95CE-6DB70DBA9567}" type="datetimeFigureOut">
               <a:rPr lang="en-US" smtClean="0"/>
               <a:pPr/>
-              <a:t>2/6/2017</a:t>
+              <a:t>2/7/2017</a:t>
             </a:fld>
             <a:endParaRPr lang="en-US" dirty="0"/>
           </a:p>
@@ -2240,7 +2241,7 @@
             <a:fld id="{B61BEF0D-F0BB-DE4B-95CE-6DB70DBA9567}" type="datetimeFigureOut">
               <a:rPr lang="en-US" smtClean="0"/>
               <a:pPr/>
-              <a:t>2/6/2017</a:t>
+              <a:t>2/7/2017</a:t>
             </a:fld>
             <a:endParaRPr lang="en-US" dirty="0"/>
           </a:p>
@@ -2404,7 +2405,7 @@
             <a:fld id="{B61BEF0D-F0BB-DE4B-95CE-6DB70DBA9567}" type="datetimeFigureOut">
               <a:rPr lang="en-US" smtClean="0"/>
               <a:pPr/>
-              <a:t>2/6/2017</a:t>
+              <a:t>2/7/2017</a:t>
             </a:fld>
             <a:endParaRPr lang="en-US" dirty="0"/>
           </a:p>
@@ -2784,7 +2785,7 @@
             <a:fld id="{B61BEF0D-F0BB-DE4B-95CE-6DB70DBA9567}" type="datetimeFigureOut">
               <a:rPr lang="en-US" smtClean="0"/>
               <a:pPr/>
-              <a:t>2/6/2017</a:t>
+              <a:t>2/7/2017</a:t>
             </a:fld>
             <a:endParaRPr lang="en-US" dirty="0"/>
           </a:p>
@@ -3075,7 +3076,7 @@
             <a:fld id="{B61BEF0D-F0BB-DE4B-95CE-6DB70DBA9567}" type="datetimeFigureOut">
               <a:rPr lang="en-US" smtClean="0"/>
               <a:pPr/>
-              <a:t>2/6/2017</a:t>
+              <a:t>2/7/2017</a:t>
             </a:fld>
             <a:endParaRPr lang="en-US" dirty="0"/>
           </a:p>
@@ -3288,7 +3289,7 @@
             <a:fld id="{B61BEF0D-F0BB-DE4B-95CE-6DB70DBA9567}" type="datetimeFigureOut">
               <a:rPr lang="en-US" smtClean="0"/>
               <a:pPr/>
-              <a:t>2/6/2017</a:t>
+              <a:t>2/7/2017</a:t>
             </a:fld>
             <a:endParaRPr lang="en-US" dirty="0"/>
           </a:p>
@@ -3981,7 +3982,7 @@
           <a:p>
             <a:r>
               <a:rPr lang="en-US" dirty="0"/>
-              <a:t>Objective</a:t>
+              <a:t>Problem</a:t>
             </a:r>
           </a:p>
         </p:txBody>
@@ -3996,31 +3997,72 @@
             <p:ph idx="1"/>
           </p:nvPr>
         </p:nvSpPr>
-        <p:spPr/>
-        <p:txBody>
-          <a:bodyPr/>
+        <p:spPr>
+          <a:xfrm>
+            <a:off x="581192" y="2180496"/>
+            <a:ext cx="11029615" cy="1157063"/>
+          </a:xfrm>
+        </p:spPr>
+        <p:txBody>
+          <a:bodyPr>
+            <a:normAutofit/>
+          </a:bodyPr>
           <a:lstStyle/>
           <a:p>
             <a:r>
-              <a:rPr lang="en-US" dirty="0"/>
-              <a:t>To detect the degradation, improvement or steady state in CPU Utilization</a:t>
-            </a:r>
-          </a:p>
-          <a:p>
-            <a:r>
-              <a:rPr lang="en-US" dirty="0"/>
-              <a:t>To detect whether there is some changes in test environment that impact on CPU Utilization </a:t>
-            </a:r>
-          </a:p>
-          <a:p>
-            <a:endParaRPr lang="en-US" dirty="0"/>
-          </a:p>
-        </p:txBody>
-      </p:sp>
+              <a:rPr lang="sv-SE" sz="2000" dirty="0"/>
+              <a:t>Test </a:t>
+            </a:r>
+            <a:r>
+              <a:rPr lang="sv-SE" sz="2000" dirty="0" err="1"/>
+              <a:t>runs</a:t>
+            </a:r>
+            <a:endParaRPr lang="en-US" sz="2000" dirty="0"/>
+          </a:p>
+          <a:p>
+            <a:r>
+              <a:rPr lang="en-US" sz="2000" dirty="0"/>
+              <a:t>Visual</a:t>
+            </a:r>
+            <a:r>
+              <a:rPr lang="sv-SE" sz="2000" dirty="0"/>
+              <a:t> </a:t>
+            </a:r>
+            <a:r>
+              <a:rPr lang="en-US" sz="2000" dirty="0"/>
+              <a:t>inspection</a:t>
+            </a:r>
+          </a:p>
+        </p:txBody>
+      </p:sp>
+      <p:pic>
+        <p:nvPicPr>
+          <p:cNvPr id="5" name="Picture 4"/>
+          <p:cNvPicPr>
+            <a:picLocks noChangeAspect="1"/>
+          </p:cNvPicPr>
+          <p:nvPr/>
+        </p:nvPicPr>
+        <p:blipFill>
+          <a:blip r:embed="rId2"/>
+          <a:stretch>
+            <a:fillRect/>
+          </a:stretch>
+        </p:blipFill>
+        <p:spPr>
+          <a:xfrm>
+            <a:off x="1066799" y="3337559"/>
+            <a:ext cx="10058400" cy="3233057"/>
+          </a:xfrm>
+          <a:prstGeom prst="rect">
+            <a:avLst/>
+          </a:prstGeom>
+        </p:spPr>
+      </p:pic>
     </p:spTree>
     <p:extLst>
       <p:ext uri="{BB962C8B-B14F-4D97-AF65-F5344CB8AC3E}">
-        <p14:creationId xmlns:p14="http://schemas.microsoft.com/office/powerpoint/2010/main" val="324967826"/>
+        <p14:creationId xmlns:p14="http://schemas.microsoft.com/office/powerpoint/2010/main" val="698132464"/>
       </p:ext>
     </p:extLst>
   </p:cSld>
@@ -4064,7 +4106,7 @@
           <a:p>
             <a:r>
               <a:rPr lang="en-US" dirty="0"/>
-              <a:t>data</a:t>
+              <a:t>Objective</a:t>
             </a:r>
           </a:p>
         </p:txBody>
@@ -4079,22 +4121,115 @@
             <p:ph idx="1"/>
           </p:nvPr>
         </p:nvSpPr>
-        <p:spPr/>
-        <p:txBody>
-          <a:bodyPr/>
+        <p:spPr>
+          <a:xfrm>
+            <a:off x="581192" y="2180496"/>
+            <a:ext cx="11029615" cy="1157063"/>
+          </a:xfrm>
+        </p:spPr>
+        <p:txBody>
+          <a:bodyPr>
+            <a:normAutofit/>
+          </a:bodyPr>
           <a:lstStyle/>
           <a:p>
             <a:r>
-              <a:rPr lang="en-US" dirty="0"/>
-              <a:t>Consists of 17 columns</a:t>
-            </a:r>
-          </a:p>
-        </p:txBody>
-      </p:sp>
+              <a:rPr lang="en-US" sz="2000" dirty="0"/>
+              <a:t>Detect the </a:t>
+            </a:r>
+            <a:r>
+              <a:rPr lang="en-US" sz="2000" dirty="0">
+                <a:solidFill>
+                  <a:schemeClr val="accent2">
+                    <a:lumMod val="75000"/>
+                  </a:schemeClr>
+                </a:solidFill>
+              </a:rPr>
+              <a:t>degradation</a:t>
+            </a:r>
+            <a:r>
+              <a:rPr lang="en-US" sz="2000" dirty="0"/>
+              <a:t>, </a:t>
+            </a:r>
+            <a:r>
+              <a:rPr lang="en-US" sz="2000" dirty="0">
+                <a:solidFill>
+                  <a:schemeClr val="accent2">
+                    <a:lumMod val="75000"/>
+                  </a:schemeClr>
+                </a:solidFill>
+              </a:rPr>
+              <a:t>improvement </a:t>
+            </a:r>
+            <a:r>
+              <a:rPr lang="en-US" sz="2000" dirty="0"/>
+              <a:t>or </a:t>
+            </a:r>
+            <a:r>
+              <a:rPr lang="en-US" sz="2000" dirty="0">
+                <a:solidFill>
+                  <a:schemeClr val="accent2">
+                    <a:lumMod val="75000"/>
+                  </a:schemeClr>
+                </a:solidFill>
+              </a:rPr>
+              <a:t>steady state </a:t>
+            </a:r>
+            <a:r>
+              <a:rPr lang="en-US" sz="2000" dirty="0"/>
+              <a:t>in CPU Utilization</a:t>
+            </a:r>
+          </a:p>
+          <a:p>
+            <a:r>
+              <a:rPr lang="en-US" sz="2000" dirty="0"/>
+              <a:t>Detect whether there is some changes in </a:t>
+            </a:r>
+            <a:r>
+              <a:rPr lang="en-US" sz="2000" dirty="0">
+                <a:solidFill>
+                  <a:schemeClr val="accent2">
+                    <a:lumMod val="75000"/>
+                  </a:schemeClr>
+                </a:solidFill>
+              </a:rPr>
+              <a:t>test environment</a:t>
+            </a:r>
+            <a:r>
+              <a:rPr lang="en-US" sz="2000" dirty="0"/>
+              <a:t> that impact on CPU Utilization </a:t>
+            </a:r>
+          </a:p>
+        </p:txBody>
+      </p:sp>
+      <p:pic>
+        <p:nvPicPr>
+          <p:cNvPr id="4" name="Picture 3"/>
+          <p:cNvPicPr>
+            <a:picLocks noChangeAspect="1"/>
+          </p:cNvPicPr>
+          <p:nvPr/>
+        </p:nvPicPr>
+        <p:blipFill>
+          <a:blip r:embed="rId2"/>
+          <a:stretch>
+            <a:fillRect/>
+          </a:stretch>
+        </p:blipFill>
+        <p:spPr>
+          <a:xfrm>
+            <a:off x="1066799" y="3337559"/>
+            <a:ext cx="10058400" cy="3233057"/>
+          </a:xfrm>
+          <a:prstGeom prst="rect">
+            <a:avLst/>
+          </a:prstGeom>
+        </p:spPr>
+      </p:pic>
     </p:spTree>
     <p:extLst>
       <p:ext uri="{BB962C8B-B14F-4D97-AF65-F5344CB8AC3E}">
-        <p14:creationId xmlns:p14="http://schemas.microsoft.com/office/powerpoint/2010/main" val="1031207590"/>
+        <p14:creationId xmlns:p14="http://schemas.microsoft.com/office/powerpoint/2010/main" val="324967826"/>
       </p:ext>
     </p:extLst>
   </p:cSld>
@@ -4138,7 +4273,7 @@
           <a:p>
             <a:r>
               <a:rPr lang="en-US" dirty="0"/>
-              <a:t>methods</a:t>
+              <a:t>data</a:t>
             </a:r>
           </a:p>
         </p:txBody>
@@ -4153,30 +4288,285 @@
             <p:ph idx="1"/>
           </p:nvPr>
         </p:nvSpPr>
-        <p:spPr/>
-        <p:txBody>
-          <a:bodyPr/>
+        <p:spPr>
+          <a:xfrm>
+            <a:off x="581192" y="2180496"/>
+            <a:ext cx="11029615" cy="3678303"/>
+          </a:xfrm>
+        </p:spPr>
+        <p:txBody>
+          <a:bodyPr>
+            <a:normAutofit fontScale="92500" lnSpcReduction="10000"/>
+          </a:bodyPr>
           <a:lstStyle/>
           <a:p>
             <a:r>
-              <a:rPr lang="en-US" dirty="0"/>
-              <a:t>Change point</a:t>
-            </a:r>
-            <a:r>
-              <a:rPr lang="sv-SE" dirty="0"/>
+              <a:rPr lang="en-US" sz="2000" dirty="0"/>
+              <a:t>There are 2 datasets: 1</a:t>
+            </a:r>
+            <a:r>
+              <a:rPr lang="en-US" sz="2000" baseline="30000" dirty="0"/>
+              <a:t>st</a:t>
+            </a:r>
+            <a:r>
+              <a:rPr lang="en-US" sz="2000" dirty="0"/>
+              <a:t> and 2</a:t>
+            </a:r>
+            <a:r>
+              <a:rPr lang="en-US" sz="2000" baseline="30000" dirty="0"/>
+              <a:t>nd</a:t>
+            </a:r>
+            <a:r>
+              <a:rPr lang="en-US" sz="2000" dirty="0"/>
+              <a:t> generation</a:t>
+            </a:r>
+          </a:p>
+          <a:p>
+            <a:r>
+              <a:rPr lang="en-US" sz="2000" dirty="0"/>
+              <a:t>The 2</a:t>
+            </a:r>
+            <a:r>
+              <a:rPr lang="en-US" sz="2000" baseline="30000" dirty="0"/>
+              <a:t>nd</a:t>
+            </a:r>
+            <a:r>
+              <a:rPr lang="en-US" sz="2000" dirty="0"/>
+              <a:t> generation data consists of 17 columns</a:t>
+            </a:r>
+            <a:endParaRPr lang="en-US" sz="1800" dirty="0"/>
+          </a:p>
+          <a:p>
+            <a:pPr lvl="1"/>
+            <a:r>
+              <a:rPr lang="sv-SE" sz="1800" dirty="0"/>
+              <a:t>N</a:t>
+            </a:r>
+            <a:r>
+              <a:rPr lang="en-US" sz="1800" dirty="0" err="1"/>
+              <a:t>odeName</a:t>
+            </a:r>
+            <a:r>
+              <a:rPr lang="en-US" sz="1800" dirty="0"/>
+              <a:t>: IP address</a:t>
+            </a:r>
+          </a:p>
+          <a:p>
+            <a:pPr lvl="1"/>
+            <a:r>
+              <a:rPr lang="en-US" sz="1800" dirty="0" err="1"/>
+              <a:t>DuProdName</a:t>
+            </a:r>
+            <a:r>
+              <a:rPr lang="en-US" sz="1800" dirty="0"/>
+              <a:t>: Product name</a:t>
+            </a:r>
+          </a:p>
+          <a:p>
+            <a:pPr lvl="1"/>
+            <a:r>
+              <a:rPr lang="en-US" sz="1800" dirty="0" err="1"/>
+              <a:t>Fdd</a:t>
+            </a:r>
+            <a:r>
+              <a:rPr lang="en-US" sz="1800" dirty="0"/>
+              <a:t>/</a:t>
+            </a:r>
+            <a:r>
+              <a:rPr lang="en-US" sz="1800" dirty="0" err="1"/>
+              <a:t>Tdd</a:t>
+            </a:r>
+            <a:r>
+              <a:rPr lang="en-US" sz="1800" dirty="0"/>
+              <a:t>: Different type of Antenna</a:t>
+            </a:r>
+          </a:p>
+          <a:p>
+            <a:pPr lvl="1"/>
+            <a:r>
+              <a:rPr lang="en-US" sz="1800" dirty="0" err="1"/>
+              <a:t>NumCells</a:t>
+            </a:r>
+            <a:r>
+              <a:rPr lang="sv-SE" sz="1800" dirty="0"/>
+              <a:t>: </a:t>
+            </a:r>
+            <a:r>
+              <a:rPr lang="en-US" sz="1800" dirty="0"/>
+              <a:t>Number</a:t>
+            </a:r>
+            <a:r>
+              <a:rPr lang="sv-SE" sz="1800" dirty="0"/>
+              <a:t> o</a:t>
+            </a:r>
+            <a:r>
+              <a:rPr lang="en-US" sz="1800" dirty="0"/>
+              <a:t>f cells</a:t>
+            </a:r>
+          </a:p>
+          <a:p>
+            <a:pPr lvl="1"/>
+            <a:r>
+              <a:rPr lang="en-US" sz="1800" dirty="0"/>
+              <a:t>Release</a:t>
+            </a:r>
+            <a:r>
+              <a:rPr lang="sv-SE" sz="1800" dirty="0"/>
+              <a:t>: Software</a:t>
+            </a:r>
+          </a:p>
+          <a:p>
+            <a:pPr lvl="1"/>
+            <a:r>
+              <a:rPr lang="en-US" sz="1800" dirty="0"/>
+              <a:t>SW</a:t>
+            </a:r>
+            <a:r>
+              <a:rPr lang="sv-SE" sz="1800" dirty="0"/>
+              <a:t>: </a:t>
+            </a:r>
+            <a:r>
+              <a:rPr lang="en-US" sz="1800" dirty="0"/>
+              <a:t>Software</a:t>
+            </a:r>
+            <a:r>
+              <a:rPr lang="sv-SE" sz="1800" dirty="0"/>
               <a:t> </a:t>
             </a:r>
             <a:r>
-              <a:rPr lang="en-US" dirty="0"/>
-              <a:t>detection</a:t>
-            </a:r>
-          </a:p>
-        </p:txBody>
-      </p:sp>
+              <a:rPr lang="en-US" sz="1800" dirty="0"/>
+              <a:t>package</a:t>
+            </a:r>
+          </a:p>
+          <a:p>
+            <a:pPr lvl="1"/>
+            <a:r>
+              <a:rPr lang="en-US" sz="1800" dirty="0" err="1"/>
+              <a:t>TotCpu</a:t>
+            </a:r>
+            <a:r>
+              <a:rPr lang="sv-SE" sz="1800" dirty="0"/>
+              <a:t>%: CPU </a:t>
+            </a:r>
+            <a:r>
+              <a:rPr lang="sv-SE" sz="1800" dirty="0" err="1"/>
+              <a:t>utilization</a:t>
+            </a:r>
+            <a:endParaRPr lang="sv-SE" sz="1800" dirty="0"/>
+          </a:p>
+          <a:p>
+            <a:pPr lvl="1"/>
+            <a:r>
+              <a:rPr lang="sv-SE" sz="1800" dirty="0" err="1"/>
+              <a:t>EventsPerSec</a:t>
+            </a:r>
+            <a:r>
+              <a:rPr lang="sv-SE" sz="1800" dirty="0"/>
+              <a:t>: Event </a:t>
+            </a:r>
+            <a:r>
+              <a:rPr lang="sv-SE" sz="1800" dirty="0" err="1"/>
+              <a:t>intensity</a:t>
+            </a:r>
+            <a:endParaRPr lang="sv-SE" sz="1800" dirty="0"/>
+          </a:p>
+        </p:txBody>
+      </p:sp>
+      <p:grpSp>
+        <p:nvGrpSpPr>
+          <p:cNvPr id="6" name="Group 5"/>
+          <p:cNvGrpSpPr/>
+          <p:nvPr/>
+        </p:nvGrpSpPr>
+        <p:grpSpPr>
+          <a:xfrm>
+            <a:off x="4781005" y="3575510"/>
+            <a:ext cx="3297446" cy="992777"/>
+            <a:chOff x="5068388" y="3291840"/>
+            <a:chExt cx="3297446" cy="992777"/>
+          </a:xfrm>
+        </p:grpSpPr>
+        <p:sp>
+          <p:nvSpPr>
+            <p:cNvPr id="4" name="TextBox 3"/>
+            <p:cNvSpPr txBox="1"/>
+            <p:nvPr/>
+          </p:nvSpPr>
+          <p:spPr>
+            <a:xfrm>
+              <a:off x="5712223" y="3603562"/>
+              <a:ext cx="2653611" cy="369332"/>
+            </a:xfrm>
+            <a:prstGeom prst="rect">
+              <a:avLst/>
+            </a:prstGeom>
+            <a:noFill/>
+          </p:spPr>
+          <p:txBody>
+            <a:bodyPr wrap="square" rtlCol="0">
+              <a:spAutoFit/>
+            </a:bodyPr>
+            <a:lstStyle/>
+            <a:p>
+              <a:r>
+                <a:rPr lang="sv-SE" dirty="0">
+                  <a:solidFill>
+                    <a:schemeClr val="tx2"/>
+                  </a:solidFill>
+                </a:rPr>
+                <a:t>Test Environment</a:t>
+              </a:r>
+              <a:endParaRPr lang="en-US" dirty="0">
+                <a:solidFill>
+                  <a:schemeClr val="tx2"/>
+                </a:solidFill>
+              </a:endParaRPr>
+            </a:p>
+          </p:txBody>
+        </p:sp>
+        <p:sp>
+          <p:nvSpPr>
+            <p:cNvPr id="5" name="Right Brace 4"/>
+            <p:cNvSpPr/>
+            <p:nvPr/>
+          </p:nvSpPr>
+          <p:spPr>
+            <a:xfrm>
+              <a:off x="5068388" y="3291840"/>
+              <a:ext cx="474017" cy="992777"/>
+            </a:xfrm>
+            <a:prstGeom prst="rightBrace">
+              <a:avLst/>
+            </a:prstGeom>
+          </p:spPr>
+          <p:style>
+            <a:lnRef idx="1">
+              <a:schemeClr val="accent1"/>
+            </a:lnRef>
+            <a:fillRef idx="0">
+              <a:schemeClr val="accent1"/>
+            </a:fillRef>
+            <a:effectRef idx="0">
+              <a:schemeClr val="accent1"/>
+            </a:effectRef>
+            <a:fontRef idx="minor">
+              <a:schemeClr val="tx1"/>
+            </a:fontRef>
+          </p:style>
+          <p:txBody>
+            <a:bodyPr rtlCol="0" anchor="ctr"/>
+            <a:lstStyle/>
+            <a:p>
+              <a:pPr algn="ctr"/>
+              <a:endParaRPr lang="en-US"/>
+            </a:p>
+          </p:txBody>
+        </p:sp>
+      </p:grpSp>
     </p:spTree>
     <p:extLst>
       <p:ext uri="{BB962C8B-B14F-4D97-AF65-F5344CB8AC3E}">
-        <p14:creationId xmlns:p14="http://schemas.microsoft.com/office/powerpoint/2010/main" val="1084575955"/>
+        <p14:creationId xmlns:p14="http://schemas.microsoft.com/office/powerpoint/2010/main" val="1031207590"/>
       </p:ext>
     </p:extLst>
   </p:cSld>
@@ -4220,7 +4610,7 @@
           <a:p>
             <a:r>
               <a:rPr lang="en-US" dirty="0"/>
-              <a:t>outline</a:t>
+              <a:t>Suggested methods</a:t>
             </a:r>
           </a:p>
         </p:txBody>
@@ -4237,17 +4627,94 @@
         </p:nvSpPr>
         <p:spPr/>
         <p:txBody>
-          <a:bodyPr/>
+          <a:bodyPr>
+            <a:normAutofit/>
+          </a:bodyPr>
           <a:lstStyle/>
           <a:p>
-            <a:endParaRPr lang="en-US"/>
+            <a:r>
+              <a:rPr lang="en-US" sz="2000" dirty="0"/>
+              <a:t>Change point</a:t>
+            </a:r>
+            <a:r>
+              <a:rPr lang="sv-SE" sz="2000" dirty="0"/>
+              <a:t> </a:t>
+            </a:r>
+            <a:r>
+              <a:rPr lang="en-US" sz="2000" dirty="0"/>
+              <a:t>detection</a:t>
+            </a:r>
+          </a:p>
+          <a:p>
+            <a:r>
+              <a:rPr lang="sv-SE" sz="2000" dirty="0"/>
+              <a:t>N</a:t>
+            </a:r>
+            <a:r>
+              <a:rPr lang="en-US" sz="2000" dirty="0" err="1"/>
+              <a:t>onparametric</a:t>
+            </a:r>
+            <a:r>
+              <a:rPr lang="en-US" sz="2000"/>
+              <a:t> test</a:t>
+            </a:r>
+            <a:endParaRPr lang="en-US" sz="2000" dirty="0"/>
+          </a:p>
+          <a:p>
+            <a:endParaRPr lang="en-US" sz="2000" dirty="0"/>
+          </a:p>
+          <a:p>
+            <a:r>
+              <a:rPr lang="sv-SE" sz="2000" dirty="0"/>
+              <a:t>H</a:t>
+            </a:r>
+            <a:r>
+              <a:rPr lang="en-US" sz="2000" dirty="0"/>
+              <a:t>as anyone studied before?</a:t>
+            </a:r>
+          </a:p>
+          <a:p>
+            <a:r>
+              <a:rPr lang="sv-SE" sz="2000" dirty="0"/>
+              <a:t>A</a:t>
+            </a:r>
+            <a:r>
+              <a:rPr lang="en-US" sz="2000" dirty="0"/>
+              <a:t>re there studies of similar problem?</a:t>
+            </a:r>
+          </a:p>
+          <a:p>
+            <a:r>
+              <a:rPr lang="sv-SE" sz="2000" dirty="0"/>
+              <a:t>W</a:t>
+            </a:r>
+            <a:r>
+              <a:rPr lang="en-US" sz="2000" dirty="0"/>
+              <a:t>hat lessons can be learnt?</a:t>
+            </a:r>
+          </a:p>
+          <a:p>
+            <a:r>
+              <a:rPr lang="sv-SE" sz="2000" dirty="0"/>
+              <a:t>W</a:t>
+            </a:r>
+            <a:r>
+              <a:rPr lang="en-US" sz="2000" dirty="0"/>
+              <a:t>hat is new in your study?</a:t>
+            </a:r>
+          </a:p>
+          <a:p>
+            <a:r>
+              <a:rPr lang="en-US" sz="2000" dirty="0"/>
+              <a:t>Why did you choose this method? </a:t>
+            </a:r>
           </a:p>
         </p:txBody>
       </p:sp>
     </p:spTree>
     <p:extLst>
       <p:ext uri="{BB962C8B-B14F-4D97-AF65-F5344CB8AC3E}">
-        <p14:creationId xmlns:p14="http://schemas.microsoft.com/office/powerpoint/2010/main" val="1312933840"/>
+        <p14:creationId xmlns:p14="http://schemas.microsoft.com/office/powerpoint/2010/main" val="1084575955"/>
       </p:ext>
     </p:extLst>
   </p:cSld>
@@ -4289,6 +4756,77 @@
           <a:bodyPr/>
           <a:lstStyle/>
           <a:p>
+            <a:r>
+              <a:rPr lang="en-US" dirty="0"/>
+              <a:t>Outline for work</a:t>
+            </a:r>
+          </a:p>
+        </p:txBody>
+      </p:sp>
+      <p:sp>
+        <p:nvSpPr>
+          <p:cNvPr id="3" name="Content Placeholder 2"/>
+          <p:cNvSpPr>
+            <a:spLocks noGrp="1"/>
+          </p:cNvSpPr>
+          <p:nvPr>
+            <p:ph idx="1"/>
+          </p:nvPr>
+        </p:nvSpPr>
+        <p:spPr/>
+        <p:txBody>
+          <a:bodyPr/>
+          <a:lstStyle/>
+          <a:p>
+            <a:endParaRPr lang="en-US" dirty="0"/>
+          </a:p>
+        </p:txBody>
+      </p:sp>
+    </p:spTree>
+    <p:extLst>
+      <p:ext uri="{BB962C8B-B14F-4D97-AF65-F5344CB8AC3E}">
+        <p14:creationId xmlns:p14="http://schemas.microsoft.com/office/powerpoint/2010/main" val="1312933840"/>
+      </p:ext>
+    </p:extLst>
+  </p:cSld>
+  <p:clrMapOvr>
+    <a:masterClrMapping/>
+  </p:clrMapOvr>
+</p:sld>
+</file>
+
+<file path=ppt/slides/slide7.xml><?xml version="1.0" encoding="utf-8"?>
+<p:sld xmlns:a="http://schemas.openxmlformats.org/drawingml/2006/main" xmlns:r="http://schemas.openxmlformats.org/officeDocument/2006/relationships" xmlns:p="http://schemas.openxmlformats.org/presentationml/2006/main">
+  <p:cSld>
+    <p:spTree>
+      <p:nvGrpSpPr>
+        <p:cNvPr id="1" name=""/>
+        <p:cNvGrpSpPr/>
+        <p:nvPr/>
+      </p:nvGrpSpPr>
+      <p:grpSpPr>
+        <a:xfrm>
+          <a:off x="0" y="0"/>
+          <a:ext cx="0" cy="0"/>
+          <a:chOff x="0" y="0"/>
+          <a:chExt cx="0" cy="0"/>
+        </a:xfrm>
+      </p:grpSpPr>
+      <p:sp>
+        <p:nvSpPr>
+          <p:cNvPr id="2" name="Title 1"/>
+          <p:cNvSpPr>
+            <a:spLocks noGrp="1"/>
+          </p:cNvSpPr>
+          <p:nvPr>
+            <p:ph type="title"/>
+          </p:nvPr>
+        </p:nvSpPr>
+        <p:spPr/>
+        <p:txBody>
+          <a:bodyPr/>
+          <a:lstStyle/>
+          <a:p>
             <a:endParaRPr lang="en-US"/>
           </a:p>
         </p:txBody>
@@ -4328,7 +4866,7 @@
 <file path=ppt/theme/theme1.xml><?xml version="1.0" encoding="utf-8"?>
 <a:theme xmlns:a="http://schemas.openxmlformats.org/drawingml/2006/main" name="Dividend">
   <a:themeElements>
-    <a:clrScheme name="Dividend">
+    <a:clrScheme name="Median">
       <a:dk1>
         <a:sysClr val="windowText" lastClr="000000"/>
       </a:dk1>
@@ -4336,34 +4874,34 @@
         <a:sysClr val="window" lastClr="FFFFFF"/>
       </a:lt1>
       <a:dk2>
-        <a:srgbClr val="3D3D3D"/>
+        <a:srgbClr val="775F55"/>
       </a:dk2>
       <a:lt2>
-        <a:srgbClr val="EBEBEB"/>
+        <a:srgbClr val="EBDDC3"/>
       </a:lt2>
       <a:accent1>
-        <a:srgbClr val="1A3260"/>
+        <a:srgbClr val="94B6D2"/>
       </a:accent1>
       <a:accent2>
-        <a:srgbClr val="4590B8"/>
+        <a:srgbClr val="DD8047"/>
       </a:accent2>
       <a:accent3>
-        <a:srgbClr val="45CBE8"/>
+        <a:srgbClr val="A5AB81"/>
       </a:accent3>
       <a:accent4>
-        <a:srgbClr val="969FA7"/>
+        <a:srgbClr val="D8B25C"/>
       </a:accent4>
       <a:accent5>
-        <a:srgbClr val="A2C777"/>
+        <a:srgbClr val="7BA79D"/>
       </a:accent5>
       <a:accent6>
-        <a:srgbClr val="42955F"/>
+        <a:srgbClr val="968C8C"/>
       </a:accent6>
       <a:hlink>
-        <a:srgbClr val="828282"/>
+        <a:srgbClr val="F7B615"/>
       </a:hlink>
       <a:folHlink>
-        <a:srgbClr val="A5A5A5"/>
+        <a:srgbClr val="704404"/>
       </a:folHlink>
     </a:clrScheme>
     <a:fontScheme name="Dividend">

--- a/Presentation/1-Proposal seminar.pptx
+++ b/Presentation/1-Proposal seminar.pptx
@@ -9,9 +9,12 @@
     <p:sldId id="262" r:id="rId3"/>
     <p:sldId id="257" r:id="rId4"/>
     <p:sldId id="258" r:id="rId5"/>
-    <p:sldId id="260" r:id="rId6"/>
-    <p:sldId id="259" r:id="rId7"/>
-    <p:sldId id="261" r:id="rId8"/>
+    <p:sldId id="265" r:id="rId6"/>
+    <p:sldId id="260" r:id="rId7"/>
+    <p:sldId id="263" r:id="rId8"/>
+    <p:sldId id="264" r:id="rId9"/>
+    <p:sldId id="259" r:id="rId10"/>
+    <p:sldId id="261" r:id="rId11"/>
   </p:sldIdLst>
   <p:sldSz cx="12192000" cy="6858000"/>
   <p:notesSz cx="6858000" cy="9144000"/>
@@ -3948,6 +3951,74 @@
 </p:sld>
 </file>
 
+<file path=ppt/slides/slide10.xml><?xml version="1.0" encoding="utf-8"?>
+<p:sld xmlns:a="http://schemas.openxmlformats.org/drawingml/2006/main" xmlns:r="http://schemas.openxmlformats.org/officeDocument/2006/relationships" xmlns:p="http://schemas.openxmlformats.org/presentationml/2006/main">
+  <p:cSld>
+    <p:spTree>
+      <p:nvGrpSpPr>
+        <p:cNvPr id="1" name=""/>
+        <p:cNvGrpSpPr/>
+        <p:nvPr/>
+      </p:nvGrpSpPr>
+      <p:grpSpPr>
+        <a:xfrm>
+          <a:off x="0" y="0"/>
+          <a:ext cx="0" cy="0"/>
+          <a:chOff x="0" y="0"/>
+          <a:chExt cx="0" cy="0"/>
+        </a:xfrm>
+      </p:grpSpPr>
+      <p:sp>
+        <p:nvSpPr>
+          <p:cNvPr id="2" name="Title 1"/>
+          <p:cNvSpPr>
+            <a:spLocks noGrp="1"/>
+          </p:cNvSpPr>
+          <p:nvPr>
+            <p:ph type="title"/>
+          </p:nvPr>
+        </p:nvSpPr>
+        <p:spPr/>
+        <p:txBody>
+          <a:bodyPr/>
+          <a:lstStyle/>
+          <a:p>
+            <a:endParaRPr lang="en-US"/>
+          </a:p>
+        </p:txBody>
+      </p:sp>
+      <p:sp>
+        <p:nvSpPr>
+          <p:cNvPr id="3" name="Content Placeholder 2"/>
+          <p:cNvSpPr>
+            <a:spLocks noGrp="1"/>
+          </p:cNvSpPr>
+          <p:nvPr>
+            <p:ph idx="1"/>
+          </p:nvPr>
+        </p:nvSpPr>
+        <p:spPr/>
+        <p:txBody>
+          <a:bodyPr/>
+          <a:lstStyle/>
+          <a:p>
+            <a:endParaRPr lang="en-US"/>
+          </a:p>
+        </p:txBody>
+      </p:sp>
+    </p:spTree>
+    <p:extLst>
+      <p:ext uri="{BB962C8B-B14F-4D97-AF65-F5344CB8AC3E}">
+        <p14:creationId xmlns:p14="http://schemas.microsoft.com/office/powerpoint/2010/main" val="189646909"/>
+      </p:ext>
+    </p:extLst>
+  </p:cSld>
+  <p:clrMapOvr>
+    <a:masterClrMapping/>
+  </p:clrMapOvr>
+</p:sld>
+</file>
+
 <file path=ppt/slides/slide2.xml><?xml version="1.0" encoding="utf-8"?>
 <p:sld xmlns:a="http://schemas.openxmlformats.org/drawingml/2006/main" xmlns:r="http://schemas.openxmlformats.org/officeDocument/2006/relationships" xmlns:p="http://schemas.openxmlformats.org/presentationml/2006/main">
   <p:cSld>
@@ -4450,7 +4521,7 @@
             </a:r>
             <a:r>
               <a:rPr lang="sv-SE" sz="1800" dirty="0" err="1"/>
-              <a:t>utilization</a:t>
+              <a:t>Utilization</a:t>
             </a:r>
             <a:endParaRPr lang="sv-SE" sz="1800" dirty="0"/>
           </a:p>
@@ -4608,10 +4679,7 @@
           <a:bodyPr/>
           <a:lstStyle/>
           <a:p>
-            <a:r>
-              <a:rPr lang="en-US" dirty="0"/>
-              <a:t>Suggested methods</a:t>
-            </a:r>
+            <a:endParaRPr lang="en-US"/>
           </a:p>
         </p:txBody>
       </p:sp>
@@ -4633,79 +4701,47 @@
           <a:lstStyle/>
           <a:p>
             <a:r>
-              <a:rPr lang="en-US" sz="2000" dirty="0"/>
-              <a:t>Change point</a:t>
-            </a:r>
-            <a:r>
-              <a:rPr lang="sv-SE" sz="2000" dirty="0"/>
-              <a:t> </a:t>
-            </a:r>
-            <a:r>
-              <a:rPr lang="en-US" sz="2000" dirty="0"/>
-              <a:t>detection</a:t>
-            </a:r>
-          </a:p>
-          <a:p>
-            <a:r>
-              <a:rPr lang="sv-SE" sz="2000" dirty="0"/>
-              <a:t>N</a:t>
-            </a:r>
-            <a:r>
-              <a:rPr lang="en-US" sz="2000" dirty="0" err="1"/>
-              <a:t>onparametric</a:t>
-            </a:r>
-            <a:r>
-              <a:rPr lang="en-US" sz="2000"/>
-              <a:t> test</a:t>
-            </a:r>
-            <a:endParaRPr lang="en-US" sz="2000" dirty="0"/>
-          </a:p>
-          <a:p>
-            <a:endParaRPr lang="en-US" sz="2000" dirty="0"/>
-          </a:p>
-          <a:p>
-            <a:r>
-              <a:rPr lang="sv-SE" sz="2000" dirty="0"/>
+              <a:rPr lang="sv-SE" dirty="0"/>
               <a:t>H</a:t>
             </a:r>
             <a:r>
-              <a:rPr lang="en-US" sz="2000" dirty="0"/>
+              <a:rPr lang="en-US" dirty="0"/>
               <a:t>as anyone studied before?</a:t>
             </a:r>
           </a:p>
           <a:p>
             <a:r>
-              <a:rPr lang="sv-SE" sz="2000" dirty="0"/>
+              <a:rPr lang="sv-SE" dirty="0"/>
               <a:t>A</a:t>
             </a:r>
             <a:r>
-              <a:rPr lang="en-US" sz="2000" dirty="0"/>
+              <a:rPr lang="en-US" dirty="0"/>
               <a:t>re there studies of similar problem?</a:t>
             </a:r>
           </a:p>
           <a:p>
             <a:r>
-              <a:rPr lang="sv-SE" sz="2000" dirty="0"/>
+              <a:rPr lang="sv-SE" dirty="0"/>
               <a:t>W</a:t>
             </a:r>
             <a:r>
-              <a:rPr lang="en-US" sz="2000" dirty="0"/>
+              <a:rPr lang="en-US" dirty="0"/>
               <a:t>hat lessons can be learnt?</a:t>
             </a:r>
           </a:p>
           <a:p>
             <a:r>
-              <a:rPr lang="sv-SE" sz="2000" dirty="0"/>
+              <a:rPr lang="sv-SE" dirty="0"/>
               <a:t>W</a:t>
             </a:r>
             <a:r>
-              <a:rPr lang="en-US" sz="2000" dirty="0"/>
+              <a:rPr lang="en-US" dirty="0"/>
               <a:t>hat is new in your study?</a:t>
             </a:r>
           </a:p>
           <a:p>
             <a:r>
-              <a:rPr lang="en-US" sz="2000" dirty="0"/>
+              <a:rPr lang="en-US" dirty="0"/>
               <a:t>Why did you choose this method? </a:t>
             </a:r>
           </a:p>
@@ -4714,7 +4750,7 @@
     </p:spTree>
     <p:extLst>
       <p:ext uri="{BB962C8B-B14F-4D97-AF65-F5344CB8AC3E}">
-        <p14:creationId xmlns:p14="http://schemas.microsoft.com/office/powerpoint/2010/main" val="1084575955"/>
+        <p14:creationId xmlns:p14="http://schemas.microsoft.com/office/powerpoint/2010/main" val="4218682013"/>
       </p:ext>
     </p:extLst>
   </p:cSld>
@@ -4758,7 +4794,7 @@
           <a:p>
             <a:r>
               <a:rPr lang="en-US" dirty="0"/>
-              <a:t>Outline for work</a:t>
+              <a:t>Suggested methods</a:t>
             </a:r>
           </a:p>
         </p:txBody>
@@ -4775,17 +4811,47 @@
         </p:nvSpPr>
         <p:spPr/>
         <p:txBody>
-          <a:bodyPr/>
-          <a:lstStyle/>
-          <a:p>
-            <a:endParaRPr lang="en-US" dirty="0"/>
+          <a:bodyPr>
+            <a:normAutofit/>
+          </a:bodyPr>
+          <a:lstStyle/>
+          <a:p>
+            <a:r>
+              <a:rPr lang="en-US" sz="2000" dirty="0"/>
+              <a:t>Change point</a:t>
+            </a:r>
+            <a:r>
+              <a:rPr lang="sv-SE" sz="2000" dirty="0"/>
+              <a:t> </a:t>
+            </a:r>
+            <a:r>
+              <a:rPr lang="en-US" sz="2000" dirty="0"/>
+              <a:t>detection</a:t>
+            </a:r>
+          </a:p>
+          <a:p>
+            <a:r>
+              <a:rPr lang="sv-SE" sz="2000" dirty="0"/>
+              <a:t>N</a:t>
+            </a:r>
+            <a:r>
+              <a:rPr lang="en-US" sz="2000" dirty="0" err="1"/>
+              <a:t>onparametric</a:t>
+            </a:r>
+            <a:r>
+              <a:rPr lang="en-US" sz="2000" dirty="0"/>
+              <a:t> test</a:t>
+            </a:r>
+          </a:p>
+          <a:p>
+            <a:endParaRPr lang="en-US" sz="2000" dirty="0"/>
           </a:p>
         </p:txBody>
       </p:sp>
     </p:spTree>
     <p:extLst>
       <p:ext uri="{BB962C8B-B14F-4D97-AF65-F5344CB8AC3E}">
-        <p14:creationId xmlns:p14="http://schemas.microsoft.com/office/powerpoint/2010/main" val="1312933840"/>
+        <p14:creationId xmlns:p14="http://schemas.microsoft.com/office/powerpoint/2010/main" val="1084575955"/>
       </p:ext>
     </p:extLst>
   </p:cSld>
@@ -4827,7 +4893,10 @@
           <a:bodyPr/>
           <a:lstStyle/>
           <a:p>
-            <a:endParaRPr lang="en-US"/>
+            <a:r>
+              <a:rPr lang="en-US" dirty="0"/>
+              <a:t>Suggested methods</a:t>
+            </a:r>
           </a:p>
         </p:txBody>
       </p:sp>
@@ -4843,17 +4912,177 @@
         </p:nvSpPr>
         <p:spPr/>
         <p:txBody>
-          <a:bodyPr/>
-          <a:lstStyle/>
-          <a:p>
-            <a:endParaRPr lang="en-US"/>
+          <a:bodyPr>
+            <a:normAutofit/>
+          </a:bodyPr>
+          <a:lstStyle/>
+          <a:p>
+            <a:r>
+              <a:rPr lang="en-US" sz="2000" dirty="0"/>
+              <a:t>Hidden Markov Model </a:t>
+            </a:r>
           </a:p>
         </p:txBody>
       </p:sp>
     </p:spTree>
     <p:extLst>
       <p:ext uri="{BB962C8B-B14F-4D97-AF65-F5344CB8AC3E}">
-        <p14:creationId xmlns:p14="http://schemas.microsoft.com/office/powerpoint/2010/main" val="189646909"/>
+        <p14:creationId xmlns:p14="http://schemas.microsoft.com/office/powerpoint/2010/main" val="3773473026"/>
+      </p:ext>
+    </p:extLst>
+  </p:cSld>
+  <p:clrMapOvr>
+    <a:masterClrMapping/>
+  </p:clrMapOvr>
+</p:sld>
+</file>
+
+<file path=ppt/slides/slide8.xml><?xml version="1.0" encoding="utf-8"?>
+<p:sld xmlns:a="http://schemas.openxmlformats.org/drawingml/2006/main" xmlns:r="http://schemas.openxmlformats.org/officeDocument/2006/relationships" xmlns:p="http://schemas.openxmlformats.org/presentationml/2006/main">
+  <p:cSld>
+    <p:spTree>
+      <p:nvGrpSpPr>
+        <p:cNvPr id="1" name=""/>
+        <p:cNvGrpSpPr/>
+        <p:nvPr/>
+      </p:nvGrpSpPr>
+      <p:grpSpPr>
+        <a:xfrm>
+          <a:off x="0" y="0"/>
+          <a:ext cx="0" cy="0"/>
+          <a:chOff x="0" y="0"/>
+          <a:chExt cx="0" cy="0"/>
+        </a:xfrm>
+      </p:grpSpPr>
+      <p:sp>
+        <p:nvSpPr>
+          <p:cNvPr id="2" name="Title 1"/>
+          <p:cNvSpPr>
+            <a:spLocks noGrp="1"/>
+          </p:cNvSpPr>
+          <p:nvPr>
+            <p:ph type="title"/>
+          </p:nvPr>
+        </p:nvSpPr>
+        <p:spPr/>
+        <p:txBody>
+          <a:bodyPr/>
+          <a:lstStyle/>
+          <a:p>
+            <a:r>
+              <a:rPr lang="en-US" dirty="0"/>
+              <a:t>Suggested methods</a:t>
+            </a:r>
+          </a:p>
+        </p:txBody>
+      </p:sp>
+      <p:sp>
+        <p:nvSpPr>
+          <p:cNvPr id="3" name="Content Placeholder 2"/>
+          <p:cNvSpPr>
+            <a:spLocks noGrp="1"/>
+          </p:cNvSpPr>
+          <p:nvPr>
+            <p:ph idx="1"/>
+          </p:nvPr>
+        </p:nvSpPr>
+        <p:spPr/>
+        <p:txBody>
+          <a:bodyPr>
+            <a:normAutofit/>
+          </a:bodyPr>
+          <a:lstStyle/>
+          <a:p>
+            <a:endParaRPr lang="en-US" sz="2000" dirty="0"/>
+          </a:p>
+        </p:txBody>
+      </p:sp>
+    </p:spTree>
+    <p:extLst>
+      <p:ext uri="{BB962C8B-B14F-4D97-AF65-F5344CB8AC3E}">
+        <p14:creationId xmlns:p14="http://schemas.microsoft.com/office/powerpoint/2010/main" val="1070327070"/>
+      </p:ext>
+    </p:extLst>
+  </p:cSld>
+  <p:clrMapOvr>
+    <a:masterClrMapping/>
+  </p:clrMapOvr>
+</p:sld>
+</file>
+
+<file path=ppt/slides/slide9.xml><?xml version="1.0" encoding="utf-8"?>
+<p:sld xmlns:a="http://schemas.openxmlformats.org/drawingml/2006/main" xmlns:r="http://schemas.openxmlformats.org/officeDocument/2006/relationships" xmlns:p="http://schemas.openxmlformats.org/presentationml/2006/main">
+  <p:cSld>
+    <p:spTree>
+      <p:nvGrpSpPr>
+        <p:cNvPr id="1" name=""/>
+        <p:cNvGrpSpPr/>
+        <p:nvPr/>
+      </p:nvGrpSpPr>
+      <p:grpSpPr>
+        <a:xfrm>
+          <a:off x="0" y="0"/>
+          <a:ext cx="0" cy="0"/>
+          <a:chOff x="0" y="0"/>
+          <a:chExt cx="0" cy="0"/>
+        </a:xfrm>
+      </p:grpSpPr>
+      <p:sp>
+        <p:nvSpPr>
+          <p:cNvPr id="2" name="Title 1"/>
+          <p:cNvSpPr>
+            <a:spLocks noGrp="1"/>
+          </p:cNvSpPr>
+          <p:nvPr>
+            <p:ph type="title"/>
+          </p:nvPr>
+        </p:nvSpPr>
+        <p:spPr/>
+        <p:txBody>
+          <a:bodyPr/>
+          <a:lstStyle/>
+          <a:p>
+            <a:r>
+              <a:rPr lang="en-US" dirty="0"/>
+              <a:t>Outline for work</a:t>
+            </a:r>
+          </a:p>
+        </p:txBody>
+      </p:sp>
+      <p:sp>
+        <p:nvSpPr>
+          <p:cNvPr id="3" name="Content Placeholder 2"/>
+          <p:cNvSpPr>
+            <a:spLocks noGrp="1"/>
+          </p:cNvSpPr>
+          <p:nvPr>
+            <p:ph idx="1"/>
+          </p:nvPr>
+        </p:nvSpPr>
+        <p:spPr/>
+        <p:txBody>
+          <a:bodyPr>
+            <a:normAutofit/>
+          </a:bodyPr>
+          <a:lstStyle/>
+          <a:p>
+            <a:r>
+              <a:rPr lang="en-US" sz="2000" dirty="0"/>
+              <a:t>Find suitable method</a:t>
+            </a:r>
+          </a:p>
+          <a:p>
+            <a:r>
+              <a:rPr lang="en-US" sz="2000" dirty="0"/>
+              <a:t>Implement algorithm</a:t>
+            </a:r>
+          </a:p>
+        </p:txBody>
+      </p:sp>
+    </p:spTree>
+    <p:extLst>
+      <p:ext uri="{BB962C8B-B14F-4D97-AF65-F5344CB8AC3E}">
+        <p14:creationId xmlns:p14="http://schemas.microsoft.com/office/powerpoint/2010/main" val="1312933840"/>
       </p:ext>
     </p:extLst>
   </p:cSld>

--- a/Presentation/1-Proposal seminar.pptx
+++ b/Presentation/1-Proposal seminar.pptx
@@ -4,20 +4,25 @@
   <p:sldMasterIdLst>
     <p:sldMasterId id="2147483696" r:id="rId1"/>
   </p:sldMasterIdLst>
+  <p:notesMasterIdLst>
+    <p:notesMasterId r:id="rId11"/>
+  </p:notesMasterIdLst>
+  <p:handoutMasterIdLst>
+    <p:handoutMasterId r:id="rId12"/>
+  </p:handoutMasterIdLst>
   <p:sldIdLst>
     <p:sldId id="256" r:id="rId2"/>
     <p:sldId id="262" r:id="rId3"/>
     <p:sldId id="257" r:id="rId4"/>
     <p:sldId id="258" r:id="rId5"/>
-    <p:sldId id="265" r:id="rId6"/>
-    <p:sldId id="260" r:id="rId7"/>
-    <p:sldId id="263" r:id="rId8"/>
-    <p:sldId id="264" r:id="rId9"/>
-    <p:sldId id="259" r:id="rId10"/>
-    <p:sldId id="261" r:id="rId11"/>
+    <p:sldId id="260" r:id="rId6"/>
+    <p:sldId id="263" r:id="rId7"/>
+    <p:sldId id="264" r:id="rId8"/>
+    <p:sldId id="259" r:id="rId9"/>
+    <p:sldId id="261" r:id="rId10"/>
   </p:sldIdLst>
   <p:sldSz cx="12192000" cy="6858000"/>
-  <p:notesSz cx="6858000" cy="9144000"/>
+  <p:notesSz cx="7102475" cy="10233025"/>
   <p:defaultTextStyle>
     <a:defPPr>
       <a:defRPr lang="en-US"/>
@@ -121,6 +126,689 @@
 </p:presentation>
 </file>
 
+<file path=ppt/handoutMasters/handoutMaster1.xml><?xml version="1.0" encoding="utf-8"?>
+<p:handoutMaster xmlns:a="http://schemas.openxmlformats.org/drawingml/2006/main" xmlns:r="http://schemas.openxmlformats.org/officeDocument/2006/relationships" xmlns:p="http://schemas.openxmlformats.org/presentationml/2006/main">
+  <p:cSld>
+    <p:bg>
+      <p:bgRef idx="1001">
+        <a:schemeClr val="bg1"/>
+      </p:bgRef>
+    </p:bg>
+    <p:spTree>
+      <p:nvGrpSpPr>
+        <p:cNvPr id="1" name=""/>
+        <p:cNvGrpSpPr/>
+        <p:nvPr/>
+      </p:nvGrpSpPr>
+      <p:grpSpPr>
+        <a:xfrm>
+          <a:off x="0" y="0"/>
+          <a:ext cx="0" cy="0"/>
+          <a:chOff x="0" y="0"/>
+          <a:chExt cx="0" cy="0"/>
+        </a:xfrm>
+      </p:grpSpPr>
+      <p:sp>
+        <p:nvSpPr>
+          <p:cNvPr id="2" name="Header Placeholder 1"/>
+          <p:cNvSpPr>
+            <a:spLocks noGrp="1"/>
+          </p:cNvSpPr>
+          <p:nvPr>
+            <p:ph type="hdr" sz="quarter"/>
+          </p:nvPr>
+        </p:nvSpPr>
+        <p:spPr>
+          <a:xfrm>
+            <a:off x="0" y="3"/>
+            <a:ext cx="3077739" cy="513430"/>
+          </a:xfrm>
+          <a:prstGeom prst="rect">
+            <a:avLst/>
+          </a:prstGeom>
+        </p:spPr>
+        <p:txBody>
+          <a:bodyPr vert="horz" lIns="95079" tIns="47540" rIns="95079" bIns="47540" rtlCol="0"/>
+          <a:lstStyle>
+            <a:lvl1pPr algn="l">
+              <a:defRPr sz="1200"/>
+            </a:lvl1pPr>
+          </a:lstStyle>
+          <a:p>
+            <a:endParaRPr lang="en-US"/>
+          </a:p>
+        </p:txBody>
+      </p:sp>
+      <p:sp>
+        <p:nvSpPr>
+          <p:cNvPr id="3" name="Date Placeholder 2"/>
+          <p:cNvSpPr>
+            <a:spLocks noGrp="1"/>
+          </p:cNvSpPr>
+          <p:nvPr>
+            <p:ph type="dt" sz="quarter" idx="1"/>
+          </p:nvPr>
+        </p:nvSpPr>
+        <p:spPr>
+          <a:xfrm>
+            <a:off x="4023093" y="3"/>
+            <a:ext cx="3077739" cy="513430"/>
+          </a:xfrm>
+          <a:prstGeom prst="rect">
+            <a:avLst/>
+          </a:prstGeom>
+        </p:spPr>
+        <p:txBody>
+          <a:bodyPr vert="horz" lIns="95079" tIns="47540" rIns="95079" bIns="47540" rtlCol="0"/>
+          <a:lstStyle>
+            <a:lvl1pPr algn="r">
+              <a:defRPr sz="1200"/>
+            </a:lvl1pPr>
+          </a:lstStyle>
+          <a:p>
+            <a:fld id="{D4B88662-1E45-47A2-8E9E-64CF72FDD06B}" type="datetimeFigureOut">
+              <a:rPr lang="en-US" smtClean="0"/>
+              <a:t>2/8/2017</a:t>
+            </a:fld>
+            <a:endParaRPr lang="en-US"/>
+          </a:p>
+        </p:txBody>
+      </p:sp>
+      <p:sp>
+        <p:nvSpPr>
+          <p:cNvPr id="4" name="Footer Placeholder 3"/>
+          <p:cNvSpPr>
+            <a:spLocks noGrp="1"/>
+          </p:cNvSpPr>
+          <p:nvPr>
+            <p:ph type="ftr" sz="quarter" idx="2"/>
+          </p:nvPr>
+        </p:nvSpPr>
+        <p:spPr>
+          <a:xfrm>
+            <a:off x="0" y="9719598"/>
+            <a:ext cx="3077739" cy="513428"/>
+          </a:xfrm>
+          <a:prstGeom prst="rect">
+            <a:avLst/>
+          </a:prstGeom>
+        </p:spPr>
+        <p:txBody>
+          <a:bodyPr vert="horz" lIns="95079" tIns="47540" rIns="95079" bIns="47540" rtlCol="0" anchor="b"/>
+          <a:lstStyle>
+            <a:lvl1pPr algn="l">
+              <a:defRPr sz="1200"/>
+            </a:lvl1pPr>
+          </a:lstStyle>
+          <a:p>
+            <a:endParaRPr lang="en-US"/>
+          </a:p>
+        </p:txBody>
+      </p:sp>
+      <p:sp>
+        <p:nvSpPr>
+          <p:cNvPr id="5" name="Slide Number Placeholder 4"/>
+          <p:cNvSpPr>
+            <a:spLocks noGrp="1"/>
+          </p:cNvSpPr>
+          <p:nvPr>
+            <p:ph type="sldNum" sz="quarter" idx="3"/>
+          </p:nvPr>
+        </p:nvSpPr>
+        <p:spPr>
+          <a:xfrm>
+            <a:off x="4023093" y="9719598"/>
+            <a:ext cx="3077739" cy="513428"/>
+          </a:xfrm>
+          <a:prstGeom prst="rect">
+            <a:avLst/>
+          </a:prstGeom>
+        </p:spPr>
+        <p:txBody>
+          <a:bodyPr vert="horz" lIns="95079" tIns="47540" rIns="95079" bIns="47540" rtlCol="0" anchor="b"/>
+          <a:lstStyle>
+            <a:lvl1pPr algn="r">
+              <a:defRPr sz="1200"/>
+            </a:lvl1pPr>
+          </a:lstStyle>
+          <a:p>
+            <a:fld id="{D70C5E94-2CAF-45BD-B425-F890898A69B8}" type="slidenum">
+              <a:rPr lang="en-US" smtClean="0"/>
+              <a:t>‹#›</a:t>
+            </a:fld>
+            <a:endParaRPr lang="en-US"/>
+          </a:p>
+        </p:txBody>
+      </p:sp>
+    </p:spTree>
+    <p:extLst>
+      <p:ext uri="{BB962C8B-B14F-4D97-AF65-F5344CB8AC3E}">
+        <p14:creationId xmlns:p14="http://schemas.microsoft.com/office/powerpoint/2010/main" val="464285925"/>
+      </p:ext>
+    </p:extLst>
+  </p:cSld>
+  <p:clrMap bg1="lt1" tx1="dk1" bg2="lt2" tx2="dk2" accent1="accent1" accent2="accent2" accent3="accent3" accent4="accent4" accent5="accent5" accent6="accent6" hlink="hlink" folHlink="folHlink"/>
+</p:handoutMaster>
+</file>
+
+<file path=ppt/notesMasters/notesMaster1.xml><?xml version="1.0" encoding="utf-8"?>
+<p:notesMaster xmlns:a="http://schemas.openxmlformats.org/drawingml/2006/main" xmlns:r="http://schemas.openxmlformats.org/officeDocument/2006/relationships" xmlns:p="http://schemas.openxmlformats.org/presentationml/2006/main">
+  <p:cSld>
+    <p:bg>
+      <p:bgRef idx="1001">
+        <a:schemeClr val="bg1"/>
+      </p:bgRef>
+    </p:bg>
+    <p:spTree>
+      <p:nvGrpSpPr>
+        <p:cNvPr id="1" name=""/>
+        <p:cNvGrpSpPr/>
+        <p:nvPr/>
+      </p:nvGrpSpPr>
+      <p:grpSpPr>
+        <a:xfrm>
+          <a:off x="0" y="0"/>
+          <a:ext cx="0" cy="0"/>
+          <a:chOff x="0" y="0"/>
+          <a:chExt cx="0" cy="0"/>
+        </a:xfrm>
+      </p:grpSpPr>
+      <p:sp>
+        <p:nvSpPr>
+          <p:cNvPr id="2" name="Header Placeholder 1"/>
+          <p:cNvSpPr>
+            <a:spLocks noGrp="1"/>
+          </p:cNvSpPr>
+          <p:nvPr>
+            <p:ph type="hdr" sz="quarter"/>
+          </p:nvPr>
+        </p:nvSpPr>
+        <p:spPr>
+          <a:xfrm>
+            <a:off x="0" y="3"/>
+            <a:ext cx="3077739" cy="513430"/>
+          </a:xfrm>
+          <a:prstGeom prst="rect">
+            <a:avLst/>
+          </a:prstGeom>
+        </p:spPr>
+        <p:txBody>
+          <a:bodyPr vert="horz" lIns="95079" tIns="47540" rIns="95079" bIns="47540" rtlCol="0"/>
+          <a:lstStyle>
+            <a:lvl1pPr algn="l">
+              <a:defRPr sz="1200"/>
+            </a:lvl1pPr>
+          </a:lstStyle>
+          <a:p>
+            <a:endParaRPr lang="en-US"/>
+          </a:p>
+        </p:txBody>
+      </p:sp>
+      <p:sp>
+        <p:nvSpPr>
+          <p:cNvPr id="3" name="Date Placeholder 2"/>
+          <p:cNvSpPr>
+            <a:spLocks noGrp="1"/>
+          </p:cNvSpPr>
+          <p:nvPr>
+            <p:ph type="dt" idx="1"/>
+          </p:nvPr>
+        </p:nvSpPr>
+        <p:spPr>
+          <a:xfrm>
+            <a:off x="4023093" y="3"/>
+            <a:ext cx="3077739" cy="513430"/>
+          </a:xfrm>
+          <a:prstGeom prst="rect">
+            <a:avLst/>
+          </a:prstGeom>
+        </p:spPr>
+        <p:txBody>
+          <a:bodyPr vert="horz" lIns="95079" tIns="47540" rIns="95079" bIns="47540" rtlCol="0"/>
+          <a:lstStyle>
+            <a:lvl1pPr algn="r">
+              <a:defRPr sz="1200"/>
+            </a:lvl1pPr>
+          </a:lstStyle>
+          <a:p>
+            <a:fld id="{41B29D5C-5C04-480A-9659-9A97AE2F4290}" type="datetimeFigureOut">
+              <a:rPr lang="en-US" smtClean="0"/>
+              <a:t>2/8/2017</a:t>
+            </a:fld>
+            <a:endParaRPr lang="en-US"/>
+          </a:p>
+        </p:txBody>
+      </p:sp>
+      <p:sp>
+        <p:nvSpPr>
+          <p:cNvPr id="4" name="Slide Image Placeholder 3"/>
+          <p:cNvSpPr>
+            <a:spLocks noGrp="1" noRot="1" noChangeAspect="1"/>
+          </p:cNvSpPr>
+          <p:nvPr>
+            <p:ph type="sldImg" idx="2"/>
+          </p:nvPr>
+        </p:nvSpPr>
+        <p:spPr>
+          <a:xfrm>
+            <a:off x="481013" y="1277938"/>
+            <a:ext cx="6140450" cy="3454400"/>
+          </a:xfrm>
+          <a:prstGeom prst="rect">
+            <a:avLst/>
+          </a:prstGeom>
+          <a:noFill/>
+          <a:ln w="12700">
+            <a:solidFill>
+              <a:prstClr val="black"/>
+            </a:solidFill>
+          </a:ln>
+        </p:spPr>
+        <p:txBody>
+          <a:bodyPr vert="horz" lIns="95079" tIns="47540" rIns="95079" bIns="47540" rtlCol="0" anchor="ctr"/>
+          <a:lstStyle/>
+          <a:p>
+            <a:endParaRPr lang="en-US"/>
+          </a:p>
+        </p:txBody>
+      </p:sp>
+      <p:sp>
+        <p:nvSpPr>
+          <p:cNvPr id="5" name="Notes Placeholder 4"/>
+          <p:cNvSpPr>
+            <a:spLocks noGrp="1"/>
+          </p:cNvSpPr>
+          <p:nvPr>
+            <p:ph type="body" sz="quarter" idx="3"/>
+          </p:nvPr>
+        </p:nvSpPr>
+        <p:spPr>
+          <a:xfrm>
+            <a:off x="710248" y="4924645"/>
+            <a:ext cx="5681980" cy="4029254"/>
+          </a:xfrm>
+          <a:prstGeom prst="rect">
+            <a:avLst/>
+          </a:prstGeom>
+        </p:spPr>
+        <p:txBody>
+          <a:bodyPr vert="horz" lIns="95079" tIns="47540" rIns="95079" bIns="47540" rtlCol="0"/>
+          <a:lstStyle/>
+          <a:p>
+            <a:pPr lvl="0"/>
+            <a:r>
+              <a:rPr lang="en-US"/>
+              <a:t>Edit Master text styles</a:t>
+            </a:r>
+          </a:p>
+          <a:p>
+            <a:pPr lvl="1"/>
+            <a:r>
+              <a:rPr lang="en-US"/>
+              <a:t>Second level</a:t>
+            </a:r>
+          </a:p>
+          <a:p>
+            <a:pPr lvl="2"/>
+            <a:r>
+              <a:rPr lang="en-US"/>
+              <a:t>Third level</a:t>
+            </a:r>
+          </a:p>
+          <a:p>
+            <a:pPr lvl="3"/>
+            <a:r>
+              <a:rPr lang="en-US"/>
+              <a:t>Fourth level</a:t>
+            </a:r>
+          </a:p>
+          <a:p>
+            <a:pPr lvl="4"/>
+            <a:r>
+              <a:rPr lang="en-US"/>
+              <a:t>Fifth level</a:t>
+            </a:r>
+            <a:endParaRPr lang="en-US"/>
+          </a:p>
+        </p:txBody>
+      </p:sp>
+      <p:sp>
+        <p:nvSpPr>
+          <p:cNvPr id="6" name="Footer Placeholder 5"/>
+          <p:cNvSpPr>
+            <a:spLocks noGrp="1"/>
+          </p:cNvSpPr>
+          <p:nvPr>
+            <p:ph type="ftr" sz="quarter" idx="4"/>
+          </p:nvPr>
+        </p:nvSpPr>
+        <p:spPr>
+          <a:xfrm>
+            <a:off x="0" y="9719598"/>
+            <a:ext cx="3077739" cy="513428"/>
+          </a:xfrm>
+          <a:prstGeom prst="rect">
+            <a:avLst/>
+          </a:prstGeom>
+        </p:spPr>
+        <p:txBody>
+          <a:bodyPr vert="horz" lIns="95079" tIns="47540" rIns="95079" bIns="47540" rtlCol="0" anchor="b"/>
+          <a:lstStyle>
+            <a:lvl1pPr algn="l">
+              <a:defRPr sz="1200"/>
+            </a:lvl1pPr>
+          </a:lstStyle>
+          <a:p>
+            <a:endParaRPr lang="en-US"/>
+          </a:p>
+        </p:txBody>
+      </p:sp>
+      <p:sp>
+        <p:nvSpPr>
+          <p:cNvPr id="7" name="Slide Number Placeholder 6"/>
+          <p:cNvSpPr>
+            <a:spLocks noGrp="1"/>
+          </p:cNvSpPr>
+          <p:nvPr>
+            <p:ph type="sldNum" sz="quarter" idx="5"/>
+          </p:nvPr>
+        </p:nvSpPr>
+        <p:spPr>
+          <a:xfrm>
+            <a:off x="4023093" y="9719598"/>
+            <a:ext cx="3077739" cy="513428"/>
+          </a:xfrm>
+          <a:prstGeom prst="rect">
+            <a:avLst/>
+          </a:prstGeom>
+        </p:spPr>
+        <p:txBody>
+          <a:bodyPr vert="horz" lIns="95079" tIns="47540" rIns="95079" bIns="47540" rtlCol="0" anchor="b"/>
+          <a:lstStyle>
+            <a:lvl1pPr algn="r">
+              <a:defRPr sz="1200"/>
+            </a:lvl1pPr>
+          </a:lstStyle>
+          <a:p>
+            <a:fld id="{616B0102-43C5-42A1-BC9D-A7087B77041F}" type="slidenum">
+              <a:rPr lang="en-US" smtClean="0"/>
+              <a:t>‹#›</a:t>
+            </a:fld>
+            <a:endParaRPr lang="en-US"/>
+          </a:p>
+        </p:txBody>
+      </p:sp>
+    </p:spTree>
+    <p:extLst>
+      <p:ext uri="{BB962C8B-B14F-4D97-AF65-F5344CB8AC3E}">
+        <p14:creationId xmlns:p14="http://schemas.microsoft.com/office/powerpoint/2010/main" val="3599006549"/>
+      </p:ext>
+    </p:extLst>
+  </p:cSld>
+  <p:clrMap bg1="lt1" tx1="dk1" bg2="lt2" tx2="dk2" accent1="accent1" accent2="accent2" accent3="accent3" accent4="accent4" accent5="accent5" accent6="accent6" hlink="hlink" folHlink="folHlink"/>
+  <p:notesStyle>
+    <a:lvl1pPr marL="0" algn="l" defTabSz="914400" rtl="0" eaLnBrk="1" latinLnBrk="0" hangingPunct="1">
+      <a:defRPr sz="1200" kern="1200">
+        <a:solidFill>
+          <a:schemeClr val="tx1"/>
+        </a:solidFill>
+        <a:latin typeface="+mn-lt"/>
+        <a:ea typeface="+mn-ea"/>
+        <a:cs typeface="+mn-cs"/>
+      </a:defRPr>
+    </a:lvl1pPr>
+    <a:lvl2pPr marL="457200" algn="l" defTabSz="914400" rtl="0" eaLnBrk="1" latinLnBrk="0" hangingPunct="1">
+      <a:defRPr sz="1200" kern="1200">
+        <a:solidFill>
+          <a:schemeClr val="tx1"/>
+        </a:solidFill>
+        <a:latin typeface="+mn-lt"/>
+        <a:ea typeface="+mn-ea"/>
+        <a:cs typeface="+mn-cs"/>
+      </a:defRPr>
+    </a:lvl2pPr>
+    <a:lvl3pPr marL="914400" algn="l" defTabSz="914400" rtl="0" eaLnBrk="1" latinLnBrk="0" hangingPunct="1">
+      <a:defRPr sz="1200" kern="1200">
+        <a:solidFill>
+          <a:schemeClr val="tx1"/>
+        </a:solidFill>
+        <a:latin typeface="+mn-lt"/>
+        <a:ea typeface="+mn-ea"/>
+        <a:cs typeface="+mn-cs"/>
+      </a:defRPr>
+    </a:lvl3pPr>
+    <a:lvl4pPr marL="1371600" algn="l" defTabSz="914400" rtl="0" eaLnBrk="1" latinLnBrk="0" hangingPunct="1">
+      <a:defRPr sz="1200" kern="1200">
+        <a:solidFill>
+          <a:schemeClr val="tx1"/>
+        </a:solidFill>
+        <a:latin typeface="+mn-lt"/>
+        <a:ea typeface="+mn-ea"/>
+        <a:cs typeface="+mn-cs"/>
+      </a:defRPr>
+    </a:lvl4pPr>
+    <a:lvl5pPr marL="1828800" algn="l" defTabSz="914400" rtl="0" eaLnBrk="1" latinLnBrk="0" hangingPunct="1">
+      <a:defRPr sz="1200" kern="1200">
+        <a:solidFill>
+          <a:schemeClr val="tx1"/>
+        </a:solidFill>
+        <a:latin typeface="+mn-lt"/>
+        <a:ea typeface="+mn-ea"/>
+        <a:cs typeface="+mn-cs"/>
+      </a:defRPr>
+    </a:lvl5pPr>
+    <a:lvl6pPr marL="2286000" algn="l" defTabSz="914400" rtl="0" eaLnBrk="1" latinLnBrk="0" hangingPunct="1">
+      <a:defRPr sz="1200" kern="1200">
+        <a:solidFill>
+          <a:schemeClr val="tx1"/>
+        </a:solidFill>
+        <a:latin typeface="+mn-lt"/>
+        <a:ea typeface="+mn-ea"/>
+        <a:cs typeface="+mn-cs"/>
+      </a:defRPr>
+    </a:lvl6pPr>
+    <a:lvl7pPr marL="2743200" algn="l" defTabSz="914400" rtl="0" eaLnBrk="1" latinLnBrk="0" hangingPunct="1">
+      <a:defRPr sz="1200" kern="1200">
+        <a:solidFill>
+          <a:schemeClr val="tx1"/>
+        </a:solidFill>
+        <a:latin typeface="+mn-lt"/>
+        <a:ea typeface="+mn-ea"/>
+        <a:cs typeface="+mn-cs"/>
+      </a:defRPr>
+    </a:lvl7pPr>
+    <a:lvl8pPr marL="3200400" algn="l" defTabSz="914400" rtl="0" eaLnBrk="1" latinLnBrk="0" hangingPunct="1">
+      <a:defRPr sz="1200" kern="1200">
+        <a:solidFill>
+          <a:schemeClr val="tx1"/>
+        </a:solidFill>
+        <a:latin typeface="+mn-lt"/>
+        <a:ea typeface="+mn-ea"/>
+        <a:cs typeface="+mn-cs"/>
+      </a:defRPr>
+    </a:lvl8pPr>
+    <a:lvl9pPr marL="3657600" algn="l" defTabSz="914400" rtl="0" eaLnBrk="1" latinLnBrk="0" hangingPunct="1">
+      <a:defRPr sz="1200" kern="1200">
+        <a:solidFill>
+          <a:schemeClr val="tx1"/>
+        </a:solidFill>
+        <a:latin typeface="+mn-lt"/>
+        <a:ea typeface="+mn-ea"/>
+        <a:cs typeface="+mn-cs"/>
+      </a:defRPr>
+    </a:lvl9pPr>
+  </p:notesStyle>
+</p:notesMaster>
+</file>
+
+<file path=ppt/notesSlides/notesSlide1.xml><?xml version="1.0" encoding="utf-8"?>
+<p:notes xmlns:a="http://schemas.openxmlformats.org/drawingml/2006/main" xmlns:r="http://schemas.openxmlformats.org/officeDocument/2006/relationships" xmlns:p="http://schemas.openxmlformats.org/presentationml/2006/main">
+  <p:cSld>
+    <p:spTree>
+      <p:nvGrpSpPr>
+        <p:cNvPr id="1" name=""/>
+        <p:cNvGrpSpPr/>
+        <p:nvPr/>
+      </p:nvGrpSpPr>
+      <p:grpSpPr>
+        <a:xfrm>
+          <a:off x="0" y="0"/>
+          <a:ext cx="0" cy="0"/>
+          <a:chOff x="0" y="0"/>
+          <a:chExt cx="0" cy="0"/>
+        </a:xfrm>
+      </p:grpSpPr>
+      <p:sp>
+        <p:nvSpPr>
+          <p:cNvPr id="2" name="Slide Image Placeholder 1"/>
+          <p:cNvSpPr>
+            <a:spLocks noGrp="1" noRot="1" noChangeAspect="1"/>
+          </p:cNvSpPr>
+          <p:nvPr>
+            <p:ph type="sldImg"/>
+          </p:nvPr>
+        </p:nvSpPr>
+        <p:spPr/>
+      </p:sp>
+      <p:sp>
+        <p:nvSpPr>
+          <p:cNvPr id="3" name="Notes Placeholder 2"/>
+          <p:cNvSpPr>
+            <a:spLocks noGrp="1"/>
+          </p:cNvSpPr>
+          <p:nvPr>
+            <p:ph type="body" idx="1"/>
+          </p:nvPr>
+        </p:nvSpPr>
+        <p:spPr/>
+        <p:txBody>
+          <a:bodyPr/>
+          <a:lstStyle/>
+          <a:p>
+            <a:endParaRPr lang="en-US" dirty="0"/>
+          </a:p>
+        </p:txBody>
+      </p:sp>
+      <p:sp>
+        <p:nvSpPr>
+          <p:cNvPr id="4" name="Slide Number Placeholder 3"/>
+          <p:cNvSpPr>
+            <a:spLocks noGrp="1"/>
+          </p:cNvSpPr>
+          <p:nvPr>
+            <p:ph type="sldNum" sz="quarter" idx="10"/>
+          </p:nvPr>
+        </p:nvSpPr>
+        <p:spPr/>
+        <p:txBody>
+          <a:bodyPr/>
+          <a:lstStyle/>
+          <a:p>
+            <a:fld id="{616B0102-43C5-42A1-BC9D-A7087B77041F}" type="slidenum">
+              <a:rPr lang="en-US" smtClean="0"/>
+              <a:t>2</a:t>
+            </a:fld>
+            <a:endParaRPr lang="en-US"/>
+          </a:p>
+        </p:txBody>
+      </p:sp>
+    </p:spTree>
+    <p:extLst>
+      <p:ext uri="{BB962C8B-B14F-4D97-AF65-F5344CB8AC3E}">
+        <p14:creationId xmlns:p14="http://schemas.microsoft.com/office/powerpoint/2010/main" val="2868224789"/>
+      </p:ext>
+    </p:extLst>
+  </p:cSld>
+  <p:clrMapOvr>
+    <a:masterClrMapping/>
+  </p:clrMapOvr>
+</p:notes>
+</file>
+
+<file path=ppt/notesSlides/notesSlide2.xml><?xml version="1.0" encoding="utf-8"?>
+<p:notes xmlns:a="http://schemas.openxmlformats.org/drawingml/2006/main" xmlns:r="http://schemas.openxmlformats.org/officeDocument/2006/relationships" xmlns:p="http://schemas.openxmlformats.org/presentationml/2006/main">
+  <p:cSld>
+    <p:spTree>
+      <p:nvGrpSpPr>
+        <p:cNvPr id="1" name=""/>
+        <p:cNvGrpSpPr/>
+        <p:nvPr/>
+      </p:nvGrpSpPr>
+      <p:grpSpPr>
+        <a:xfrm>
+          <a:off x="0" y="0"/>
+          <a:ext cx="0" cy="0"/>
+          <a:chOff x="0" y="0"/>
+          <a:chExt cx="0" cy="0"/>
+        </a:xfrm>
+      </p:grpSpPr>
+      <p:sp>
+        <p:nvSpPr>
+          <p:cNvPr id="2" name="Slide Image Placeholder 1"/>
+          <p:cNvSpPr>
+            <a:spLocks noGrp="1" noRot="1" noChangeAspect="1"/>
+          </p:cNvSpPr>
+          <p:nvPr>
+            <p:ph type="sldImg"/>
+          </p:nvPr>
+        </p:nvSpPr>
+        <p:spPr/>
+      </p:sp>
+      <p:sp>
+        <p:nvSpPr>
+          <p:cNvPr id="3" name="Notes Placeholder 2"/>
+          <p:cNvSpPr>
+            <a:spLocks noGrp="1"/>
+          </p:cNvSpPr>
+          <p:nvPr>
+            <p:ph type="body" idx="1"/>
+          </p:nvPr>
+        </p:nvSpPr>
+        <p:spPr/>
+        <p:txBody>
+          <a:bodyPr/>
+          <a:lstStyle/>
+          <a:p>
+            <a:endParaRPr lang="en-US" dirty="0"/>
+          </a:p>
+        </p:txBody>
+      </p:sp>
+      <p:sp>
+        <p:nvSpPr>
+          <p:cNvPr id="4" name="Slide Number Placeholder 3"/>
+          <p:cNvSpPr>
+            <a:spLocks noGrp="1"/>
+          </p:cNvSpPr>
+          <p:nvPr>
+            <p:ph type="sldNum" sz="quarter" idx="10"/>
+          </p:nvPr>
+        </p:nvSpPr>
+        <p:spPr/>
+        <p:txBody>
+          <a:bodyPr/>
+          <a:lstStyle/>
+          <a:p>
+            <a:fld id="{616B0102-43C5-42A1-BC9D-A7087B77041F}" type="slidenum">
+              <a:rPr lang="en-US" smtClean="0"/>
+              <a:t>3</a:t>
+            </a:fld>
+            <a:endParaRPr lang="en-US"/>
+          </a:p>
+        </p:txBody>
+      </p:sp>
+    </p:spTree>
+    <p:extLst>
+      <p:ext uri="{BB962C8B-B14F-4D97-AF65-F5344CB8AC3E}">
+        <p14:creationId xmlns:p14="http://schemas.microsoft.com/office/powerpoint/2010/main" val="4060455353"/>
+      </p:ext>
+    </p:extLst>
+  </p:cSld>
+  <p:clrMapOvr>
+    <a:masterClrMapping/>
+  </p:clrMapOvr>
+</p:notes>
+</file>
+
 <file path=ppt/slideLayouts/slideLayout1.xml><?xml version="1.0" encoding="utf-8"?>
 <p:sldLayout xmlns:a="http://schemas.openxmlformats.org/drawingml/2006/main" xmlns:r="http://schemas.openxmlformats.org/officeDocument/2006/relationships" xmlns:p="http://schemas.openxmlformats.org/presentationml/2006/main" type="title" preserve="1">
   <p:cSld name="Title Slide">
@@ -367,7 +1055,7 @@
             <a:fld id="{B61BEF0D-F0BB-DE4B-95CE-6DB70DBA9567}" type="datetimeFigureOut">
               <a:rPr lang="en-US" smtClean="0"/>
               <a:pPr/>
-              <a:t>2/7/2017</a:t>
+              <a:t>2/8/2017</a:t>
             </a:fld>
             <a:endParaRPr lang="en-US" dirty="0"/>
           </a:p>
@@ -631,7 +1319,7 @@
             <a:fld id="{B61BEF0D-F0BB-DE4B-95CE-6DB70DBA9567}" type="datetimeFigureOut">
               <a:rPr lang="en-US" smtClean="0"/>
               <a:pPr/>
-              <a:t>2/7/2017</a:t>
+              <a:t>2/8/2017</a:t>
             </a:fld>
             <a:endParaRPr lang="en-US" dirty="0"/>
           </a:p>
@@ -868,7 +1556,7 @@
             <a:fld id="{B61BEF0D-F0BB-DE4B-95CE-6DB70DBA9567}" type="datetimeFigureOut">
               <a:rPr lang="en-US" smtClean="0"/>
               <a:pPr/>
-              <a:t>2/7/2017</a:t>
+              <a:t>2/8/2017</a:t>
             </a:fld>
             <a:endParaRPr lang="en-US" dirty="0"/>
           </a:p>
@@ -1110,7 +1798,7 @@
             <a:fld id="{B61BEF0D-F0BB-DE4B-95CE-6DB70DBA9567}" type="datetimeFigureOut">
               <a:rPr lang="en-US" smtClean="0"/>
               <a:pPr/>
-              <a:t>2/7/2017</a:t>
+              <a:t>2/8/2017</a:t>
             </a:fld>
             <a:endParaRPr lang="en-US" dirty="0"/>
           </a:p>
@@ -1419,7 +2107,7 @@
             <a:fld id="{B61BEF0D-F0BB-DE4B-95CE-6DB70DBA9567}" type="datetimeFigureOut">
               <a:rPr lang="en-US" smtClean="0"/>
               <a:pPr/>
-              <a:t>2/7/2017</a:t>
+              <a:t>2/8/2017</a:t>
             </a:fld>
             <a:endParaRPr lang="en-US" dirty="0"/>
           </a:p>
@@ -1723,7 +2411,7 @@
             <a:fld id="{B61BEF0D-F0BB-DE4B-95CE-6DB70DBA9567}" type="datetimeFigureOut">
               <a:rPr lang="en-US" smtClean="0"/>
               <a:pPr/>
-              <a:t>2/7/2017</a:t>
+              <a:t>2/8/2017</a:t>
             </a:fld>
             <a:endParaRPr lang="en-US" dirty="0"/>
           </a:p>
@@ -2147,7 +2835,7 @@
             <a:fld id="{B61BEF0D-F0BB-DE4B-95CE-6DB70DBA9567}" type="datetimeFigureOut">
               <a:rPr lang="en-US" smtClean="0"/>
               <a:pPr/>
-              <a:t>2/7/2017</a:t>
+              <a:t>2/8/2017</a:t>
             </a:fld>
             <a:endParaRPr lang="en-US" dirty="0"/>
           </a:p>
@@ -2244,7 +2932,7 @@
             <a:fld id="{B61BEF0D-F0BB-DE4B-95CE-6DB70DBA9567}" type="datetimeFigureOut">
               <a:rPr lang="en-US" smtClean="0"/>
               <a:pPr/>
-              <a:t>2/7/2017</a:t>
+              <a:t>2/8/2017</a:t>
             </a:fld>
             <a:endParaRPr lang="en-US" dirty="0"/>
           </a:p>
@@ -2408,7 +3096,7 @@
             <a:fld id="{B61BEF0D-F0BB-DE4B-95CE-6DB70DBA9567}" type="datetimeFigureOut">
               <a:rPr lang="en-US" smtClean="0"/>
               <a:pPr/>
-              <a:t>2/7/2017</a:t>
+              <a:t>2/8/2017</a:t>
             </a:fld>
             <a:endParaRPr lang="en-US" dirty="0"/>
           </a:p>
@@ -2788,7 +3476,7 @@
             <a:fld id="{B61BEF0D-F0BB-DE4B-95CE-6DB70DBA9567}" type="datetimeFigureOut">
               <a:rPr lang="en-US" smtClean="0"/>
               <a:pPr/>
-              <a:t>2/7/2017</a:t>
+              <a:t>2/8/2017</a:t>
             </a:fld>
             <a:endParaRPr lang="en-US" dirty="0"/>
           </a:p>
@@ -3079,7 +3767,7 @@
             <a:fld id="{B61BEF0D-F0BB-DE4B-95CE-6DB70DBA9567}" type="datetimeFigureOut">
               <a:rPr lang="en-US" smtClean="0"/>
               <a:pPr/>
-              <a:t>2/7/2017</a:t>
+              <a:t>2/8/2017</a:t>
             </a:fld>
             <a:endParaRPr lang="en-US" dirty="0"/>
           </a:p>
@@ -3292,7 +3980,7 @@
             <a:fld id="{B61BEF0D-F0BB-DE4B-95CE-6DB70DBA9567}" type="datetimeFigureOut">
               <a:rPr lang="en-US" smtClean="0"/>
               <a:pPr/>
-              <a:t>2/7/2017</a:t>
+              <a:t>2/8/2017</a:t>
             </a:fld>
             <a:endParaRPr lang="en-US" dirty="0"/>
           </a:p>
@@ -3904,14 +4592,28 @@
             <p:ph type="ctrTitle"/>
           </p:nvPr>
         </p:nvSpPr>
-        <p:spPr/>
-        <p:txBody>
-          <a:bodyPr/>
+        <p:spPr>
+          <a:xfrm>
+            <a:off x="581191" y="1020431"/>
+            <a:ext cx="10993549" cy="1475013"/>
+          </a:xfrm>
+        </p:spPr>
+        <p:txBody>
+          <a:bodyPr>
+            <a:normAutofit/>
+          </a:bodyPr>
           <a:lstStyle/>
           <a:p>
             <a:r>
               <a:rPr lang="en-US" dirty="0"/>
               <a:t>Thesis proposal seminar</a:t>
+            </a:r>
+            <a:br>
+              <a:rPr lang="en-US" dirty="0"/>
+            </a:br>
+            <a:r>
+              <a:rPr lang="en-US" dirty="0"/>
+              <a:t>				</a:t>
             </a:r>
           </a:p>
         </p:txBody>
@@ -3931,8 +4633,259 @@
           <a:bodyPr/>
           <a:lstStyle/>
           <a:p>
+            <a:pPr algn="r"/>
             <a:r>
               <a:rPr lang="en-US" dirty="0"/>
+              <a:t>Araya </a:t>
+            </a:r>
+            <a:r>
+              <a:rPr lang="en-US" dirty="0" err="1"/>
+              <a:t>eamrurksiri</a:t>
+            </a:r>
+            <a:endParaRPr lang="en-US" dirty="0"/>
+          </a:p>
+        </p:txBody>
+      </p:sp>
+      <p:sp>
+        <p:nvSpPr>
+          <p:cNvPr id="5" name="Subtitle 2"/>
+          <p:cNvSpPr txBox="1">
+            <a:spLocks/>
+          </p:cNvSpPr>
+          <p:nvPr/>
+        </p:nvSpPr>
+        <p:spPr>
+          <a:xfrm>
+            <a:off x="581194" y="2074940"/>
+            <a:ext cx="10993546" cy="590321"/>
+          </a:xfrm>
+          <a:prstGeom prst="rect">
+            <a:avLst/>
+          </a:prstGeom>
+        </p:spPr>
+        <p:txBody>
+          <a:bodyPr vert="horz" lIns="91440" tIns="45720" rIns="91440" bIns="45720" rtlCol="0" anchor="t">
+            <a:normAutofit/>
+          </a:bodyPr>
+          <a:lstStyle>
+            <a:lvl1pPr marL="0" indent="0" algn="l" defTabSz="457200" rtl="0" eaLnBrk="1" latinLnBrk="0" hangingPunct="1">
+              <a:spcBef>
+                <a:spcPct val="20000"/>
+              </a:spcBef>
+              <a:spcAft>
+                <a:spcPts val="600"/>
+              </a:spcAft>
+              <a:buClr>
+                <a:schemeClr val="accent2"/>
+              </a:buClr>
+              <a:buSzPct val="92000"/>
+              <a:buFont typeface="Wingdings 2" panose="05020102010507070707" pitchFamily="18" charset="2"/>
+              <a:buNone/>
+              <a:defRPr sz="1600" kern="1200" cap="all">
+                <a:solidFill>
+                  <a:schemeClr val="accent2"/>
+                </a:solidFill>
+                <a:latin typeface="+mn-lt"/>
+                <a:ea typeface="+mn-ea"/>
+                <a:cs typeface="+mn-cs"/>
+              </a:defRPr>
+            </a:lvl1pPr>
+            <a:lvl2pPr marL="457200" indent="0" algn="ctr" defTabSz="457200" rtl="0" eaLnBrk="1" latinLnBrk="0" hangingPunct="1">
+              <a:spcBef>
+                <a:spcPct val="20000"/>
+              </a:spcBef>
+              <a:spcAft>
+                <a:spcPts val="600"/>
+              </a:spcAft>
+              <a:buClr>
+                <a:schemeClr val="accent2"/>
+              </a:buClr>
+              <a:buSzPct val="92000"/>
+              <a:buFont typeface="Wingdings 2" panose="05020102010507070707" pitchFamily="18" charset="2"/>
+              <a:buNone/>
+              <a:defRPr sz="1600" kern="1200">
+                <a:solidFill>
+                  <a:schemeClr val="tx1">
+                    <a:tint val="75000"/>
+                  </a:schemeClr>
+                </a:solidFill>
+                <a:latin typeface="+mn-lt"/>
+                <a:ea typeface="+mn-ea"/>
+                <a:cs typeface="+mn-cs"/>
+              </a:defRPr>
+            </a:lvl2pPr>
+            <a:lvl3pPr marL="914400" indent="0" algn="ctr" defTabSz="457200" rtl="0" eaLnBrk="1" latinLnBrk="0" hangingPunct="1">
+              <a:spcBef>
+                <a:spcPct val="20000"/>
+              </a:spcBef>
+              <a:spcAft>
+                <a:spcPts val="600"/>
+              </a:spcAft>
+              <a:buClr>
+                <a:schemeClr val="accent2"/>
+              </a:buClr>
+              <a:buSzPct val="92000"/>
+              <a:buFont typeface="Wingdings 2" panose="05020102010507070707" pitchFamily="18" charset="2"/>
+              <a:buNone/>
+              <a:defRPr sz="1400" kern="1200">
+                <a:solidFill>
+                  <a:schemeClr val="tx1">
+                    <a:tint val="75000"/>
+                  </a:schemeClr>
+                </a:solidFill>
+                <a:latin typeface="+mn-lt"/>
+                <a:ea typeface="+mn-ea"/>
+                <a:cs typeface="+mn-cs"/>
+              </a:defRPr>
+            </a:lvl3pPr>
+            <a:lvl4pPr marL="1371600" indent="0" algn="ctr" defTabSz="457200" rtl="0" eaLnBrk="1" latinLnBrk="0" hangingPunct="1">
+              <a:spcBef>
+                <a:spcPct val="20000"/>
+              </a:spcBef>
+              <a:spcAft>
+                <a:spcPts val="600"/>
+              </a:spcAft>
+              <a:buClr>
+                <a:schemeClr val="accent2"/>
+              </a:buClr>
+              <a:buSzPct val="92000"/>
+              <a:buFont typeface="Wingdings 2" panose="05020102010507070707" pitchFamily="18" charset="2"/>
+              <a:buNone/>
+              <a:defRPr sz="1200" kern="1200">
+                <a:solidFill>
+                  <a:schemeClr val="tx1">
+                    <a:tint val="75000"/>
+                  </a:schemeClr>
+                </a:solidFill>
+                <a:latin typeface="+mn-lt"/>
+                <a:ea typeface="+mn-ea"/>
+                <a:cs typeface="+mn-cs"/>
+              </a:defRPr>
+            </a:lvl4pPr>
+            <a:lvl5pPr marL="1828800" indent="0" algn="ctr" defTabSz="457200" rtl="0" eaLnBrk="1" latinLnBrk="0" hangingPunct="1">
+              <a:spcBef>
+                <a:spcPct val="20000"/>
+              </a:spcBef>
+              <a:spcAft>
+                <a:spcPts val="600"/>
+              </a:spcAft>
+              <a:buClr>
+                <a:schemeClr val="accent2"/>
+              </a:buClr>
+              <a:buSzPct val="92000"/>
+              <a:buFont typeface="Wingdings 2" panose="05020102010507070707" pitchFamily="18" charset="2"/>
+              <a:buNone/>
+              <a:defRPr sz="1200" kern="1200">
+                <a:solidFill>
+                  <a:schemeClr val="tx1">
+                    <a:tint val="75000"/>
+                  </a:schemeClr>
+                </a:solidFill>
+                <a:latin typeface="+mn-lt"/>
+                <a:ea typeface="+mn-ea"/>
+                <a:cs typeface="+mn-cs"/>
+              </a:defRPr>
+            </a:lvl5pPr>
+            <a:lvl6pPr marL="2286000" indent="0" algn="ctr" defTabSz="457200" rtl="0" eaLnBrk="1" latinLnBrk="0" hangingPunct="1">
+              <a:spcBef>
+                <a:spcPct val="20000"/>
+              </a:spcBef>
+              <a:spcAft>
+                <a:spcPts val="600"/>
+              </a:spcAft>
+              <a:buClr>
+                <a:schemeClr val="accent2"/>
+              </a:buClr>
+              <a:buSzPct val="92000"/>
+              <a:buFont typeface="Wingdings 2" panose="05020102010507070707" pitchFamily="18" charset="2"/>
+              <a:buNone/>
+              <a:defRPr sz="1200" kern="1200">
+                <a:solidFill>
+                  <a:schemeClr val="tx1">
+                    <a:tint val="75000"/>
+                  </a:schemeClr>
+                </a:solidFill>
+                <a:latin typeface="+mn-lt"/>
+                <a:ea typeface="+mn-ea"/>
+                <a:cs typeface="+mn-cs"/>
+              </a:defRPr>
+            </a:lvl6pPr>
+            <a:lvl7pPr marL="2743200" indent="0" algn="ctr" defTabSz="457200" rtl="0" eaLnBrk="1" latinLnBrk="0" hangingPunct="1">
+              <a:spcBef>
+                <a:spcPct val="20000"/>
+              </a:spcBef>
+              <a:spcAft>
+                <a:spcPts val="600"/>
+              </a:spcAft>
+              <a:buClr>
+                <a:schemeClr val="accent2"/>
+              </a:buClr>
+              <a:buSzPct val="92000"/>
+              <a:buFont typeface="Wingdings 2" panose="05020102010507070707" pitchFamily="18" charset="2"/>
+              <a:buNone/>
+              <a:defRPr sz="1200" kern="1200">
+                <a:solidFill>
+                  <a:schemeClr val="tx1">
+                    <a:tint val="75000"/>
+                  </a:schemeClr>
+                </a:solidFill>
+                <a:latin typeface="+mn-lt"/>
+                <a:ea typeface="+mn-ea"/>
+                <a:cs typeface="+mn-cs"/>
+              </a:defRPr>
+            </a:lvl7pPr>
+            <a:lvl8pPr marL="3200400" indent="0" algn="ctr" defTabSz="457200" rtl="0" eaLnBrk="1" latinLnBrk="0" hangingPunct="1">
+              <a:spcBef>
+                <a:spcPct val="20000"/>
+              </a:spcBef>
+              <a:spcAft>
+                <a:spcPts val="600"/>
+              </a:spcAft>
+              <a:buClr>
+                <a:schemeClr val="accent2"/>
+              </a:buClr>
+              <a:buSzPct val="92000"/>
+              <a:buFont typeface="Wingdings 2" panose="05020102010507070707" pitchFamily="18" charset="2"/>
+              <a:buNone/>
+              <a:defRPr sz="1200" kern="1200">
+                <a:solidFill>
+                  <a:schemeClr val="tx1">
+                    <a:tint val="75000"/>
+                  </a:schemeClr>
+                </a:solidFill>
+                <a:latin typeface="+mn-lt"/>
+                <a:ea typeface="+mn-ea"/>
+                <a:cs typeface="+mn-cs"/>
+              </a:defRPr>
+            </a:lvl8pPr>
+            <a:lvl9pPr marL="3657600" indent="0" algn="ctr" defTabSz="457200" rtl="0" eaLnBrk="1" latinLnBrk="0" hangingPunct="1">
+              <a:spcBef>
+                <a:spcPct val="20000"/>
+              </a:spcBef>
+              <a:spcAft>
+                <a:spcPts val="600"/>
+              </a:spcAft>
+              <a:buClr>
+                <a:schemeClr val="accent2"/>
+              </a:buClr>
+              <a:buSzPct val="92000"/>
+              <a:buFont typeface="Wingdings 2" panose="05020102010507070707" pitchFamily="18" charset="2"/>
+              <a:buNone/>
+              <a:defRPr sz="1200" kern="1200">
+                <a:solidFill>
+                  <a:schemeClr val="tx1">
+                    <a:tint val="75000"/>
+                  </a:schemeClr>
+                </a:solidFill>
+                <a:latin typeface="+mn-lt"/>
+                <a:ea typeface="+mn-ea"/>
+                <a:cs typeface="+mn-cs"/>
+              </a:defRPr>
+            </a:lvl9pPr>
+          </a:lstStyle>
+          <a:p>
+            <a:r>
+              <a:rPr lang="en-US" sz="2400" dirty="0"/>
               <a:t>Apply machine learning to performance trend analysis</a:t>
             </a:r>
           </a:p>
@@ -3942,74 +4895,6 @@
     <p:extLst>
       <p:ext uri="{BB962C8B-B14F-4D97-AF65-F5344CB8AC3E}">
         <p14:creationId xmlns:p14="http://schemas.microsoft.com/office/powerpoint/2010/main" val="641185096"/>
-      </p:ext>
-    </p:extLst>
-  </p:cSld>
-  <p:clrMapOvr>
-    <a:masterClrMapping/>
-  </p:clrMapOvr>
-</p:sld>
-</file>
-
-<file path=ppt/slides/slide10.xml><?xml version="1.0" encoding="utf-8"?>
-<p:sld xmlns:a="http://schemas.openxmlformats.org/drawingml/2006/main" xmlns:r="http://schemas.openxmlformats.org/officeDocument/2006/relationships" xmlns:p="http://schemas.openxmlformats.org/presentationml/2006/main">
-  <p:cSld>
-    <p:spTree>
-      <p:nvGrpSpPr>
-        <p:cNvPr id="1" name=""/>
-        <p:cNvGrpSpPr/>
-        <p:nvPr/>
-      </p:nvGrpSpPr>
-      <p:grpSpPr>
-        <a:xfrm>
-          <a:off x="0" y="0"/>
-          <a:ext cx="0" cy="0"/>
-          <a:chOff x="0" y="0"/>
-          <a:chExt cx="0" cy="0"/>
-        </a:xfrm>
-      </p:grpSpPr>
-      <p:sp>
-        <p:nvSpPr>
-          <p:cNvPr id="2" name="Title 1"/>
-          <p:cNvSpPr>
-            <a:spLocks noGrp="1"/>
-          </p:cNvSpPr>
-          <p:nvPr>
-            <p:ph type="title"/>
-          </p:nvPr>
-        </p:nvSpPr>
-        <p:spPr/>
-        <p:txBody>
-          <a:bodyPr/>
-          <a:lstStyle/>
-          <a:p>
-            <a:endParaRPr lang="en-US"/>
-          </a:p>
-        </p:txBody>
-      </p:sp>
-      <p:sp>
-        <p:nvSpPr>
-          <p:cNvPr id="3" name="Content Placeholder 2"/>
-          <p:cNvSpPr>
-            <a:spLocks noGrp="1"/>
-          </p:cNvSpPr>
-          <p:nvPr>
-            <p:ph idx="1"/>
-          </p:nvPr>
-        </p:nvSpPr>
-        <p:spPr/>
-        <p:txBody>
-          <a:bodyPr/>
-          <a:lstStyle/>
-          <a:p>
-            <a:endParaRPr lang="en-US"/>
-          </a:p>
-        </p:txBody>
-      </p:sp>
-    </p:spTree>
-    <p:extLst>
-      <p:ext uri="{BB962C8B-B14F-4D97-AF65-F5344CB8AC3E}">
-        <p14:creationId xmlns:p14="http://schemas.microsoft.com/office/powerpoint/2010/main" val="189646909"/>
       </p:ext>
     </p:extLst>
   </p:cSld>
@@ -4060,70 +4945,354 @@
       </p:sp>
       <p:sp>
         <p:nvSpPr>
-          <p:cNvPr id="3" name="Content Placeholder 2"/>
-          <p:cNvSpPr>
-            <a:spLocks noGrp="1"/>
-          </p:cNvSpPr>
-          <p:nvPr>
-            <p:ph idx="1"/>
-          </p:nvPr>
+          <p:cNvPr id="7" name="Content Placeholder 2"/>
+          <p:cNvSpPr txBox="1">
+            <a:spLocks/>
+          </p:cNvSpPr>
+          <p:nvPr/>
         </p:nvSpPr>
         <p:spPr>
           <a:xfrm>
             <a:off x="581192" y="2180496"/>
-            <a:ext cx="11029615" cy="1157063"/>
+            <a:ext cx="11029615" cy="3678303"/>
           </a:xfrm>
+          <a:prstGeom prst="rect">
+            <a:avLst/>
+          </a:prstGeom>
         </p:spPr>
         <p:txBody>
-          <a:bodyPr>
+          <a:bodyPr vert="horz" lIns="91440" tIns="45720" rIns="91440" bIns="45720" rtlCol="0" anchor="t">
             <a:normAutofit/>
           </a:bodyPr>
-          <a:lstStyle/>
-          <a:p>
-            <a:r>
-              <a:rPr lang="sv-SE" sz="2000" dirty="0"/>
-              <a:t>Test </a:t>
-            </a:r>
-            <a:r>
-              <a:rPr lang="sv-SE" sz="2000" dirty="0" err="1"/>
+          <a:lstStyle>
+            <a:lvl1pPr marL="306000" indent="-306000" algn="l" defTabSz="457200" rtl="0" eaLnBrk="1" latinLnBrk="0" hangingPunct="1">
+              <a:spcBef>
+                <a:spcPct val="20000"/>
+              </a:spcBef>
+              <a:spcAft>
+                <a:spcPts val="600"/>
+              </a:spcAft>
+              <a:buClr>
+                <a:schemeClr val="accent2"/>
+              </a:buClr>
+              <a:buSzPct val="92000"/>
+              <a:buFont typeface="Wingdings 2" panose="05020102010507070707" pitchFamily="18" charset="2"/>
+              <a:buChar char=""/>
+              <a:defRPr sz="1800" kern="1200">
+                <a:solidFill>
+                  <a:schemeClr val="tx2"/>
+                </a:solidFill>
+                <a:latin typeface="+mn-lt"/>
+                <a:ea typeface="+mn-ea"/>
+                <a:cs typeface="+mn-cs"/>
+              </a:defRPr>
+            </a:lvl1pPr>
+            <a:lvl2pPr marL="630000" indent="-306000" algn="l" defTabSz="457200" rtl="0" eaLnBrk="1" latinLnBrk="0" hangingPunct="1">
+              <a:spcBef>
+                <a:spcPct val="20000"/>
+              </a:spcBef>
+              <a:spcAft>
+                <a:spcPts val="600"/>
+              </a:spcAft>
+              <a:buClr>
+                <a:schemeClr val="accent2"/>
+              </a:buClr>
+              <a:buSzPct val="92000"/>
+              <a:buFont typeface="Wingdings 2" panose="05020102010507070707" pitchFamily="18" charset="2"/>
+              <a:buChar char=""/>
+              <a:defRPr sz="1600" kern="1200">
+                <a:solidFill>
+                  <a:schemeClr val="tx2"/>
+                </a:solidFill>
+                <a:latin typeface="+mn-lt"/>
+                <a:ea typeface="+mn-ea"/>
+                <a:cs typeface="+mn-cs"/>
+              </a:defRPr>
+            </a:lvl2pPr>
+            <a:lvl3pPr marL="900000" indent="-270000" algn="l" defTabSz="457200" rtl="0" eaLnBrk="1" latinLnBrk="0" hangingPunct="1">
+              <a:spcBef>
+                <a:spcPct val="20000"/>
+              </a:spcBef>
+              <a:spcAft>
+                <a:spcPts val="600"/>
+              </a:spcAft>
+              <a:buClr>
+                <a:schemeClr val="accent2"/>
+              </a:buClr>
+              <a:buSzPct val="92000"/>
+              <a:buFont typeface="Wingdings 2" panose="05020102010507070707" pitchFamily="18" charset="2"/>
+              <a:buChar char=""/>
+              <a:defRPr sz="1400" kern="1200">
+                <a:solidFill>
+                  <a:schemeClr val="tx2"/>
+                </a:solidFill>
+                <a:latin typeface="+mn-lt"/>
+                <a:ea typeface="+mn-ea"/>
+                <a:cs typeface="+mn-cs"/>
+              </a:defRPr>
+            </a:lvl3pPr>
+            <a:lvl4pPr marL="1242000" indent="-234000" algn="l" defTabSz="457200" rtl="0" eaLnBrk="1" latinLnBrk="0" hangingPunct="1">
+              <a:spcBef>
+                <a:spcPct val="20000"/>
+              </a:spcBef>
+              <a:spcAft>
+                <a:spcPts val="600"/>
+              </a:spcAft>
+              <a:buClr>
+                <a:schemeClr val="accent2"/>
+              </a:buClr>
+              <a:buSzPct val="92000"/>
+              <a:buFont typeface="Wingdings 2" panose="05020102010507070707" pitchFamily="18" charset="2"/>
+              <a:buChar char=""/>
+              <a:defRPr sz="1200" kern="1200">
+                <a:solidFill>
+                  <a:schemeClr val="tx2"/>
+                </a:solidFill>
+                <a:latin typeface="+mn-lt"/>
+                <a:ea typeface="+mn-ea"/>
+                <a:cs typeface="+mn-cs"/>
+              </a:defRPr>
+            </a:lvl4pPr>
+            <a:lvl5pPr marL="1602000" indent="-234000" algn="l" defTabSz="457200" rtl="0" eaLnBrk="1" latinLnBrk="0" hangingPunct="1">
+              <a:spcBef>
+                <a:spcPct val="20000"/>
+              </a:spcBef>
+              <a:spcAft>
+                <a:spcPts val="600"/>
+              </a:spcAft>
+              <a:buClr>
+                <a:schemeClr val="accent2"/>
+              </a:buClr>
+              <a:buSzPct val="92000"/>
+              <a:buFont typeface="Wingdings 2" panose="05020102010507070707" pitchFamily="18" charset="2"/>
+              <a:buChar char=""/>
+              <a:defRPr sz="1200" kern="1200">
+                <a:solidFill>
+                  <a:schemeClr val="tx2"/>
+                </a:solidFill>
+                <a:latin typeface="+mn-lt"/>
+                <a:ea typeface="+mn-ea"/>
+                <a:cs typeface="+mn-cs"/>
+              </a:defRPr>
+            </a:lvl5pPr>
+            <a:lvl6pPr marL="1900000" indent="-228600" algn="l" defTabSz="457200" rtl="0" eaLnBrk="1" latinLnBrk="0" hangingPunct="1">
+              <a:spcBef>
+                <a:spcPct val="20000"/>
+              </a:spcBef>
+              <a:spcAft>
+                <a:spcPts val="600"/>
+              </a:spcAft>
+              <a:buClr>
+                <a:schemeClr val="accent2"/>
+              </a:buClr>
+              <a:buSzPct val="92000"/>
+              <a:buFont typeface="Wingdings 2" panose="05020102010507070707" pitchFamily="18" charset="2"/>
+              <a:buChar char=""/>
+              <a:defRPr sz="1200" kern="1200">
+                <a:solidFill>
+                  <a:schemeClr val="tx2"/>
+                </a:solidFill>
+                <a:latin typeface="+mn-lt"/>
+                <a:ea typeface="+mn-ea"/>
+                <a:cs typeface="+mn-cs"/>
+              </a:defRPr>
+            </a:lvl6pPr>
+            <a:lvl7pPr marL="2200000" indent="-228600" algn="l" defTabSz="457200" rtl="0" eaLnBrk="1" latinLnBrk="0" hangingPunct="1">
+              <a:spcBef>
+                <a:spcPct val="20000"/>
+              </a:spcBef>
+              <a:spcAft>
+                <a:spcPts val="600"/>
+              </a:spcAft>
+              <a:buClr>
+                <a:schemeClr val="accent2"/>
+              </a:buClr>
+              <a:buSzPct val="92000"/>
+              <a:buFont typeface="Wingdings 2" panose="05020102010507070707" pitchFamily="18" charset="2"/>
+              <a:buChar char=""/>
+              <a:defRPr sz="1200" kern="1200">
+                <a:solidFill>
+                  <a:schemeClr val="tx2"/>
+                </a:solidFill>
+                <a:latin typeface="+mn-lt"/>
+                <a:ea typeface="+mn-ea"/>
+                <a:cs typeface="+mn-cs"/>
+              </a:defRPr>
+            </a:lvl7pPr>
+            <a:lvl8pPr marL="2500000" indent="-228600" algn="l" defTabSz="457200" rtl="0" eaLnBrk="1" latinLnBrk="0" hangingPunct="1">
+              <a:spcBef>
+                <a:spcPct val="20000"/>
+              </a:spcBef>
+              <a:spcAft>
+                <a:spcPts val="600"/>
+              </a:spcAft>
+              <a:buClr>
+                <a:schemeClr val="accent2"/>
+              </a:buClr>
+              <a:buSzPct val="92000"/>
+              <a:buFont typeface="Wingdings 2" panose="05020102010507070707" pitchFamily="18" charset="2"/>
+              <a:buChar char=""/>
+              <a:defRPr sz="1200" kern="1200">
+                <a:solidFill>
+                  <a:schemeClr val="tx2"/>
+                </a:solidFill>
+                <a:latin typeface="+mn-lt"/>
+                <a:ea typeface="+mn-ea"/>
+                <a:cs typeface="+mn-cs"/>
+              </a:defRPr>
+            </a:lvl8pPr>
+            <a:lvl9pPr marL="2800000" indent="-228600" algn="l" defTabSz="457200" rtl="0" eaLnBrk="1" latinLnBrk="0" hangingPunct="1">
+              <a:spcBef>
+                <a:spcPct val="20000"/>
+              </a:spcBef>
+              <a:spcAft>
+                <a:spcPts val="600"/>
+              </a:spcAft>
+              <a:buClr>
+                <a:schemeClr val="accent2"/>
+              </a:buClr>
+              <a:buSzPct val="92000"/>
+              <a:buFont typeface="Wingdings 2" panose="05020102010507070707" pitchFamily="18" charset="2"/>
+              <a:buChar char=""/>
+              <a:defRPr sz="1200" kern="1200">
+                <a:solidFill>
+                  <a:schemeClr val="tx2"/>
+                </a:solidFill>
+                <a:latin typeface="+mn-lt"/>
+                <a:ea typeface="+mn-ea"/>
+                <a:cs typeface="+mn-cs"/>
+              </a:defRPr>
+            </a:lvl9pPr>
+          </a:lstStyle>
+          <a:p>
+            <a:r>
+              <a:rPr lang="en-US" sz="2000" dirty="0"/>
+              <a:t>Ericsson</a:t>
+            </a:r>
+          </a:p>
+          <a:p>
+            <a:pPr lvl="1"/>
+            <a:r>
+              <a:rPr lang="en-US" sz="1800" dirty="0"/>
+              <a:t>Executed many </a:t>
+            </a:r>
+            <a:r>
+              <a:rPr lang="en-US" sz="1800" dirty="0">
+                <a:solidFill>
+                  <a:schemeClr val="accent2">
+                    <a:lumMod val="75000"/>
+                  </a:schemeClr>
+                </a:solidFill>
+              </a:rPr>
+              <a:t>test</a:t>
+            </a:r>
+            <a:r>
+              <a:rPr lang="sv-SE" sz="1800" dirty="0">
+                <a:solidFill>
+                  <a:schemeClr val="accent2">
+                    <a:lumMod val="75000"/>
+                  </a:schemeClr>
+                </a:solidFill>
+              </a:rPr>
+              <a:t> </a:t>
+            </a:r>
+            <a:r>
+              <a:rPr lang="en-US" sz="1800" dirty="0">
+                <a:solidFill>
+                  <a:schemeClr val="accent2">
+                    <a:lumMod val="75000"/>
+                  </a:schemeClr>
+                </a:solidFill>
+              </a:rPr>
               <a:t>runs</a:t>
             </a:r>
-            <a:endParaRPr lang="en-US" sz="2000" dirty="0"/>
-          </a:p>
-          <a:p>
-            <a:r>
-              <a:rPr lang="en-US" sz="2000" dirty="0"/>
-              <a:t>Visual</a:t>
-            </a:r>
-            <a:r>
-              <a:rPr lang="sv-SE" sz="2000" dirty="0"/>
+            <a:r>
+              <a:rPr lang="en-US" sz="1800" dirty="0"/>
+              <a:t> for evaluating the performance characteristics of the products (software package)</a:t>
+            </a:r>
+          </a:p>
+          <a:p>
+            <a:pPr lvl="1"/>
+            <a:r>
+              <a:rPr lang="en-US" sz="1800" dirty="0"/>
+              <a:t>Performance metric: </a:t>
+            </a:r>
+            <a:r>
+              <a:rPr lang="en-US" sz="1800" dirty="0">
+                <a:solidFill>
+                  <a:schemeClr val="accent2">
+                    <a:lumMod val="75000"/>
+                  </a:schemeClr>
+                </a:solidFill>
+              </a:rPr>
+              <a:t>CPU Utilization</a:t>
+            </a:r>
+            <a:r>
+              <a:rPr lang="en-US" sz="1800" dirty="0"/>
+              <a:t>, Memory usage, Latency</a:t>
+            </a:r>
+          </a:p>
+          <a:p>
+            <a:pPr lvl="1"/>
+            <a:r>
+              <a:rPr lang="en-US" sz="1800" dirty="0"/>
+              <a:t>Manually do </a:t>
+            </a:r>
+            <a:r>
+              <a:rPr lang="en-US" sz="1800" dirty="0">
+                <a:solidFill>
+                  <a:schemeClr val="accent2">
+                    <a:lumMod val="75000"/>
+                  </a:schemeClr>
+                </a:solidFill>
+              </a:rPr>
+              <a:t>visual</a:t>
+            </a:r>
+            <a:r>
+              <a:rPr lang="sv-SE" sz="1800" dirty="0">
+                <a:solidFill>
+                  <a:schemeClr val="accent2">
+                    <a:lumMod val="75000"/>
+                  </a:schemeClr>
+                </a:solidFill>
+              </a:rPr>
               <a:t> </a:t>
             </a:r>
             <a:r>
-              <a:rPr lang="en-US" sz="2000" dirty="0"/>
+              <a:rPr lang="en-US" sz="1800" dirty="0">
+                <a:solidFill>
+                  <a:schemeClr val="accent2">
+                    <a:lumMod val="75000"/>
+                  </a:schemeClr>
+                </a:solidFill>
+              </a:rPr>
               <a:t>inspection</a:t>
+            </a:r>
+            <a:r>
+              <a:rPr lang="en-US" sz="1800" dirty="0"/>
+              <a:t> if thing goes wrong</a:t>
             </a:r>
           </a:p>
         </p:txBody>
       </p:sp>
       <p:pic>
         <p:nvPicPr>
-          <p:cNvPr id="5" name="Picture 4"/>
+          <p:cNvPr id="9" name="Picture 8"/>
           <p:cNvPicPr>
             <a:picLocks noChangeAspect="1"/>
           </p:cNvPicPr>
           <p:nvPr/>
         </p:nvPicPr>
         <p:blipFill>
-          <a:blip r:embed="rId2"/>
+          <a:blip r:embed="rId3"/>
           <a:stretch>
             <a:fillRect/>
           </a:stretch>
         </p:blipFill>
         <p:spPr>
           <a:xfrm>
-            <a:off x="1066799" y="3337559"/>
-            <a:ext cx="10058400" cy="3233057"/>
+            <a:off x="1066799" y="4019647"/>
+            <a:ext cx="10058400" cy="2514600"/>
           </a:xfrm>
           <a:prstGeom prst="rect">
             <a:avLst/>
@@ -4184,25 +5353,225 @@
       </p:sp>
       <p:sp>
         <p:nvSpPr>
-          <p:cNvPr id="3" name="Content Placeholder 2"/>
-          <p:cNvSpPr>
-            <a:spLocks noGrp="1"/>
-          </p:cNvSpPr>
-          <p:nvPr>
-            <p:ph idx="1"/>
-          </p:nvPr>
+          <p:cNvPr id="7" name="Content Placeholder 2"/>
+          <p:cNvSpPr txBox="1">
+            <a:spLocks/>
+          </p:cNvSpPr>
+          <p:nvPr/>
         </p:nvSpPr>
         <p:spPr>
           <a:xfrm>
             <a:off x="581192" y="2180496"/>
-            <a:ext cx="11029615" cy="1157063"/>
+            <a:ext cx="11029615" cy="3678303"/>
           </a:xfrm>
+          <a:prstGeom prst="rect">
+            <a:avLst/>
+          </a:prstGeom>
         </p:spPr>
         <p:txBody>
-          <a:bodyPr>
+          <a:bodyPr vert="horz" lIns="91440" tIns="45720" rIns="91440" bIns="45720" rtlCol="0" anchor="t">
             <a:normAutofit/>
           </a:bodyPr>
-          <a:lstStyle/>
+          <a:lstStyle>
+            <a:lvl1pPr marL="306000" indent="-306000" algn="l" defTabSz="457200" rtl="0" eaLnBrk="1" latinLnBrk="0" hangingPunct="1">
+              <a:spcBef>
+                <a:spcPct val="20000"/>
+              </a:spcBef>
+              <a:spcAft>
+                <a:spcPts val="600"/>
+              </a:spcAft>
+              <a:buClr>
+                <a:schemeClr val="accent2"/>
+              </a:buClr>
+              <a:buSzPct val="92000"/>
+              <a:buFont typeface="Wingdings 2" panose="05020102010507070707" pitchFamily="18" charset="2"/>
+              <a:buChar char=""/>
+              <a:defRPr sz="1800" kern="1200">
+                <a:solidFill>
+                  <a:schemeClr val="tx2"/>
+                </a:solidFill>
+                <a:latin typeface="+mn-lt"/>
+                <a:ea typeface="+mn-ea"/>
+                <a:cs typeface="+mn-cs"/>
+              </a:defRPr>
+            </a:lvl1pPr>
+            <a:lvl2pPr marL="630000" indent="-306000" algn="l" defTabSz="457200" rtl="0" eaLnBrk="1" latinLnBrk="0" hangingPunct="1">
+              <a:spcBef>
+                <a:spcPct val="20000"/>
+              </a:spcBef>
+              <a:spcAft>
+                <a:spcPts val="600"/>
+              </a:spcAft>
+              <a:buClr>
+                <a:schemeClr val="accent2"/>
+              </a:buClr>
+              <a:buSzPct val="92000"/>
+              <a:buFont typeface="Wingdings 2" panose="05020102010507070707" pitchFamily="18" charset="2"/>
+              <a:buChar char=""/>
+              <a:defRPr sz="1600" kern="1200">
+                <a:solidFill>
+                  <a:schemeClr val="tx2"/>
+                </a:solidFill>
+                <a:latin typeface="+mn-lt"/>
+                <a:ea typeface="+mn-ea"/>
+                <a:cs typeface="+mn-cs"/>
+              </a:defRPr>
+            </a:lvl2pPr>
+            <a:lvl3pPr marL="900000" indent="-270000" algn="l" defTabSz="457200" rtl="0" eaLnBrk="1" latinLnBrk="0" hangingPunct="1">
+              <a:spcBef>
+                <a:spcPct val="20000"/>
+              </a:spcBef>
+              <a:spcAft>
+                <a:spcPts val="600"/>
+              </a:spcAft>
+              <a:buClr>
+                <a:schemeClr val="accent2"/>
+              </a:buClr>
+              <a:buSzPct val="92000"/>
+              <a:buFont typeface="Wingdings 2" panose="05020102010507070707" pitchFamily="18" charset="2"/>
+              <a:buChar char=""/>
+              <a:defRPr sz="1400" kern="1200">
+                <a:solidFill>
+                  <a:schemeClr val="tx2"/>
+                </a:solidFill>
+                <a:latin typeface="+mn-lt"/>
+                <a:ea typeface="+mn-ea"/>
+                <a:cs typeface="+mn-cs"/>
+              </a:defRPr>
+            </a:lvl3pPr>
+            <a:lvl4pPr marL="1242000" indent="-234000" algn="l" defTabSz="457200" rtl="0" eaLnBrk="1" latinLnBrk="0" hangingPunct="1">
+              <a:spcBef>
+                <a:spcPct val="20000"/>
+              </a:spcBef>
+              <a:spcAft>
+                <a:spcPts val="600"/>
+              </a:spcAft>
+              <a:buClr>
+                <a:schemeClr val="accent2"/>
+              </a:buClr>
+              <a:buSzPct val="92000"/>
+              <a:buFont typeface="Wingdings 2" panose="05020102010507070707" pitchFamily="18" charset="2"/>
+              <a:buChar char=""/>
+              <a:defRPr sz="1200" kern="1200">
+                <a:solidFill>
+                  <a:schemeClr val="tx2"/>
+                </a:solidFill>
+                <a:latin typeface="+mn-lt"/>
+                <a:ea typeface="+mn-ea"/>
+                <a:cs typeface="+mn-cs"/>
+              </a:defRPr>
+            </a:lvl4pPr>
+            <a:lvl5pPr marL="1602000" indent="-234000" algn="l" defTabSz="457200" rtl="0" eaLnBrk="1" latinLnBrk="0" hangingPunct="1">
+              <a:spcBef>
+                <a:spcPct val="20000"/>
+              </a:spcBef>
+              <a:spcAft>
+                <a:spcPts val="600"/>
+              </a:spcAft>
+              <a:buClr>
+                <a:schemeClr val="accent2"/>
+              </a:buClr>
+              <a:buSzPct val="92000"/>
+              <a:buFont typeface="Wingdings 2" panose="05020102010507070707" pitchFamily="18" charset="2"/>
+              <a:buChar char=""/>
+              <a:defRPr sz="1200" kern="1200">
+                <a:solidFill>
+                  <a:schemeClr val="tx2"/>
+                </a:solidFill>
+                <a:latin typeface="+mn-lt"/>
+                <a:ea typeface="+mn-ea"/>
+                <a:cs typeface="+mn-cs"/>
+              </a:defRPr>
+            </a:lvl5pPr>
+            <a:lvl6pPr marL="1900000" indent="-228600" algn="l" defTabSz="457200" rtl="0" eaLnBrk="1" latinLnBrk="0" hangingPunct="1">
+              <a:spcBef>
+                <a:spcPct val="20000"/>
+              </a:spcBef>
+              <a:spcAft>
+                <a:spcPts val="600"/>
+              </a:spcAft>
+              <a:buClr>
+                <a:schemeClr val="accent2"/>
+              </a:buClr>
+              <a:buSzPct val="92000"/>
+              <a:buFont typeface="Wingdings 2" panose="05020102010507070707" pitchFamily="18" charset="2"/>
+              <a:buChar char=""/>
+              <a:defRPr sz="1200" kern="1200">
+                <a:solidFill>
+                  <a:schemeClr val="tx2"/>
+                </a:solidFill>
+                <a:latin typeface="+mn-lt"/>
+                <a:ea typeface="+mn-ea"/>
+                <a:cs typeface="+mn-cs"/>
+              </a:defRPr>
+            </a:lvl6pPr>
+            <a:lvl7pPr marL="2200000" indent="-228600" algn="l" defTabSz="457200" rtl="0" eaLnBrk="1" latinLnBrk="0" hangingPunct="1">
+              <a:spcBef>
+                <a:spcPct val="20000"/>
+              </a:spcBef>
+              <a:spcAft>
+                <a:spcPts val="600"/>
+              </a:spcAft>
+              <a:buClr>
+                <a:schemeClr val="accent2"/>
+              </a:buClr>
+              <a:buSzPct val="92000"/>
+              <a:buFont typeface="Wingdings 2" panose="05020102010507070707" pitchFamily="18" charset="2"/>
+              <a:buChar char=""/>
+              <a:defRPr sz="1200" kern="1200">
+                <a:solidFill>
+                  <a:schemeClr val="tx2"/>
+                </a:solidFill>
+                <a:latin typeface="+mn-lt"/>
+                <a:ea typeface="+mn-ea"/>
+                <a:cs typeface="+mn-cs"/>
+              </a:defRPr>
+            </a:lvl7pPr>
+            <a:lvl8pPr marL="2500000" indent="-228600" algn="l" defTabSz="457200" rtl="0" eaLnBrk="1" latinLnBrk="0" hangingPunct="1">
+              <a:spcBef>
+                <a:spcPct val="20000"/>
+              </a:spcBef>
+              <a:spcAft>
+                <a:spcPts val="600"/>
+              </a:spcAft>
+              <a:buClr>
+                <a:schemeClr val="accent2"/>
+              </a:buClr>
+              <a:buSzPct val="92000"/>
+              <a:buFont typeface="Wingdings 2" panose="05020102010507070707" pitchFamily="18" charset="2"/>
+              <a:buChar char=""/>
+              <a:defRPr sz="1200" kern="1200">
+                <a:solidFill>
+                  <a:schemeClr val="tx2"/>
+                </a:solidFill>
+                <a:latin typeface="+mn-lt"/>
+                <a:ea typeface="+mn-ea"/>
+                <a:cs typeface="+mn-cs"/>
+              </a:defRPr>
+            </a:lvl8pPr>
+            <a:lvl9pPr marL="2800000" indent="-228600" algn="l" defTabSz="457200" rtl="0" eaLnBrk="1" latinLnBrk="0" hangingPunct="1">
+              <a:spcBef>
+                <a:spcPct val="20000"/>
+              </a:spcBef>
+              <a:spcAft>
+                <a:spcPts val="600"/>
+              </a:spcAft>
+              <a:buClr>
+                <a:schemeClr val="accent2"/>
+              </a:buClr>
+              <a:buSzPct val="92000"/>
+              <a:buFont typeface="Wingdings 2" panose="05020102010507070707" pitchFamily="18" charset="2"/>
+              <a:buChar char=""/>
+              <a:defRPr sz="1200" kern="1200">
+                <a:solidFill>
+                  <a:schemeClr val="tx2"/>
+                </a:solidFill>
+                <a:latin typeface="+mn-lt"/>
+                <a:ea typeface="+mn-ea"/>
+                <a:cs typeface="+mn-cs"/>
+              </a:defRPr>
+            </a:lvl9pPr>
+          </a:lstStyle>
           <a:p>
             <a:r>
               <a:rPr lang="en-US" sz="2000" dirty="0"/>
@@ -4275,22 +5644,22 @@
       </p:sp>
       <p:pic>
         <p:nvPicPr>
-          <p:cNvPr id="4" name="Picture 3"/>
+          <p:cNvPr id="9" name="Picture 8"/>
           <p:cNvPicPr>
             <a:picLocks noChangeAspect="1"/>
           </p:cNvPicPr>
           <p:nvPr/>
         </p:nvPicPr>
         <p:blipFill>
-          <a:blip r:embed="rId2"/>
+          <a:blip r:embed="rId3"/>
           <a:stretch>
             <a:fillRect/>
           </a:stretch>
         </p:blipFill>
         <p:spPr>
           <a:xfrm>
-            <a:off x="1066799" y="3337559"/>
-            <a:ext cx="10058400" cy="3233057"/>
+            <a:off x="1066799" y="4019647"/>
+            <a:ext cx="10058400" cy="2514600"/>
           </a:xfrm>
           <a:prstGeom prst="rect">
             <a:avLst/>
@@ -4366,8 +5735,8 @@
           </a:xfrm>
         </p:spPr>
         <p:txBody>
-          <a:bodyPr>
-            <a:normAutofit fontScale="92500" lnSpcReduction="10000"/>
+          <a:bodyPr anchor="t">
+            <a:normAutofit/>
           </a:bodyPr>
           <a:lstStyle/>
           <a:p>
@@ -4410,56 +5779,97 @@
           <a:p>
             <a:pPr lvl="1"/>
             <a:r>
-              <a:rPr lang="sv-SE" sz="1800" dirty="0"/>
-              <a:t>N</a:t>
-            </a:r>
-            <a:r>
-              <a:rPr lang="en-US" sz="1800" dirty="0" err="1"/>
-              <a:t>odeName</a:t>
+              <a:rPr lang="en-US" sz="1800" dirty="0" err="1">
+                <a:solidFill>
+                  <a:schemeClr val="accent2">
+                    <a:lumMod val="75000"/>
+                  </a:schemeClr>
+                </a:solidFill>
+              </a:rPr>
+              <a:t>DuProdName</a:t>
+            </a:r>
+            <a:r>
+              <a:rPr lang="en-US" sz="1800" dirty="0">
+                <a:solidFill>
+                  <a:schemeClr val="accent2">
+                    <a:lumMod val="75000"/>
+                  </a:schemeClr>
+                </a:solidFill>
+              </a:rPr>
+              <a:t>: </a:t>
             </a:r>
             <a:r>
               <a:rPr lang="en-US" sz="1800" dirty="0"/>
-              <a:t>: IP address</a:t>
+              <a:t>Product name</a:t>
             </a:r>
           </a:p>
           <a:p>
             <a:pPr lvl="1"/>
             <a:r>
-              <a:rPr lang="en-US" sz="1800" dirty="0" err="1"/>
-              <a:t>DuProdName</a:t>
+              <a:rPr lang="en-US" sz="1800" dirty="0" err="1">
+                <a:solidFill>
+                  <a:schemeClr val="accent2">
+                    <a:lumMod val="75000"/>
+                  </a:schemeClr>
+                </a:solidFill>
+              </a:rPr>
+              <a:t>Fdd</a:t>
+            </a:r>
+            <a:r>
+              <a:rPr lang="en-US" sz="1800" dirty="0">
+                <a:solidFill>
+                  <a:schemeClr val="accent2">
+                    <a:lumMod val="75000"/>
+                  </a:schemeClr>
+                </a:solidFill>
+              </a:rPr>
+              <a:t>/</a:t>
+            </a:r>
+            <a:r>
+              <a:rPr lang="en-US" sz="1800" dirty="0" err="1">
+                <a:solidFill>
+                  <a:schemeClr val="accent2">
+                    <a:lumMod val="75000"/>
+                  </a:schemeClr>
+                </a:solidFill>
+              </a:rPr>
+              <a:t>Tdd</a:t>
+            </a:r>
+            <a:r>
+              <a:rPr lang="en-US" sz="1800" dirty="0">
+                <a:solidFill>
+                  <a:schemeClr val="accent2">
+                    <a:lumMod val="75000"/>
+                  </a:schemeClr>
+                </a:solidFill>
+              </a:rPr>
+              <a:t>: </a:t>
             </a:r>
             <a:r>
               <a:rPr lang="en-US" sz="1800" dirty="0"/>
-              <a:t>: Product name</a:t>
+              <a:t>Different type of Antenna</a:t>
             </a:r>
           </a:p>
           <a:p>
             <a:pPr lvl="1"/>
             <a:r>
-              <a:rPr lang="en-US" sz="1800" dirty="0" err="1"/>
-              <a:t>Fdd</a:t>
-            </a:r>
-            <a:r>
-              <a:rPr lang="en-US" sz="1800" dirty="0"/>
-              <a:t>/</a:t>
-            </a:r>
-            <a:r>
-              <a:rPr lang="en-US" sz="1800" dirty="0" err="1"/>
-              <a:t>Tdd</a:t>
-            </a:r>
-            <a:r>
-              <a:rPr lang="en-US" sz="1800" dirty="0"/>
-              <a:t>: Different type of Antenna</a:t>
-            </a:r>
-          </a:p>
-          <a:p>
-            <a:pPr lvl="1"/>
-            <a:r>
-              <a:rPr lang="en-US" sz="1800" dirty="0" err="1"/>
+              <a:rPr lang="en-US" sz="1800" dirty="0" err="1">
+                <a:solidFill>
+                  <a:schemeClr val="accent2">
+                    <a:lumMod val="75000"/>
+                  </a:schemeClr>
+                </a:solidFill>
+              </a:rPr>
               <a:t>NumCells</a:t>
             </a:r>
             <a:r>
-              <a:rPr lang="sv-SE" sz="1800" dirty="0"/>
+              <a:rPr lang="sv-SE" sz="1800" dirty="0">
+                <a:solidFill>
+                  <a:schemeClr val="accent2">
+                    <a:lumMod val="75000"/>
+                  </a:schemeClr>
+                </a:solidFill>
+              </a:rPr>
               <a:t>: </a:t>
             </a:r>
             <a:r>
@@ -4478,22 +5888,50 @@
           <a:p>
             <a:pPr lvl="1"/>
             <a:r>
-              <a:rPr lang="en-US" sz="1800" dirty="0"/>
+              <a:rPr lang="en-US" sz="1800" dirty="0">
+                <a:solidFill>
+                  <a:schemeClr val="accent2">
+                    <a:lumMod val="75000"/>
+                  </a:schemeClr>
+                </a:solidFill>
+              </a:rPr>
               <a:t>Release</a:t>
             </a:r>
             <a:r>
+              <a:rPr lang="sv-SE" sz="1800" dirty="0">
+                <a:solidFill>
+                  <a:schemeClr val="accent2">
+                    <a:lumMod val="75000"/>
+                  </a:schemeClr>
+                </a:solidFill>
+              </a:rPr>
+              <a:t>: </a:t>
+            </a:r>
+            <a:r>
               <a:rPr lang="sv-SE" sz="1800" dirty="0"/>
-              <a:t>: Software</a:t>
+              <a:t>Software</a:t>
             </a:r>
           </a:p>
           <a:p>
             <a:pPr lvl="1"/>
             <a:r>
-              <a:rPr lang="en-US" sz="1800" dirty="0"/>
+              <a:rPr lang="en-US" sz="1800" dirty="0">
+                <a:solidFill>
+                  <a:schemeClr val="accent2">
+                    <a:lumMod val="75000"/>
+                  </a:schemeClr>
+                </a:solidFill>
+              </a:rPr>
               <a:t>SW</a:t>
             </a:r>
             <a:r>
-              <a:rPr lang="sv-SE" sz="1800" dirty="0"/>
+              <a:rPr lang="sv-SE" sz="1800" dirty="0">
+                <a:solidFill>
+                  <a:schemeClr val="accent2">
+                    <a:lumMod val="75000"/>
+                  </a:schemeClr>
+                </a:solidFill>
+              </a:rPr>
               <a:t>: </a:t>
             </a:r>
             <a:r>
@@ -4512,32 +5950,32 @@
           <a:p>
             <a:pPr lvl="1"/>
             <a:r>
-              <a:rPr lang="en-US" sz="1800" dirty="0" err="1"/>
+              <a:rPr lang="en-US" sz="1800" dirty="0" err="1">
+                <a:solidFill>
+                  <a:schemeClr val="accent2">
+                    <a:lumMod val="75000"/>
+                  </a:schemeClr>
+                </a:solidFill>
+              </a:rPr>
               <a:t>TotCpu</a:t>
             </a:r>
             <a:r>
+              <a:rPr lang="sv-SE" sz="1800" dirty="0">
+                <a:solidFill>
+                  <a:schemeClr val="accent2">
+                    <a:lumMod val="75000"/>
+                  </a:schemeClr>
+                </a:solidFill>
+              </a:rPr>
+              <a:t>%: </a:t>
+            </a:r>
+            <a:r>
               <a:rPr lang="sv-SE" sz="1800" dirty="0"/>
-              <a:t>%: CPU </a:t>
+              <a:t>CPU </a:t>
             </a:r>
             <a:r>
               <a:rPr lang="sv-SE" sz="1800" dirty="0" err="1"/>
               <a:t>Utilization</a:t>
-            </a:r>
-            <a:endParaRPr lang="sv-SE" sz="1800" dirty="0"/>
-          </a:p>
-          <a:p>
-            <a:pPr lvl="1"/>
-            <a:r>
-              <a:rPr lang="sv-SE" sz="1800" dirty="0" err="1"/>
-              <a:t>EventsPerSec</a:t>
-            </a:r>
-            <a:r>
-              <a:rPr lang="sv-SE" sz="1800" dirty="0"/>
-              <a:t>: Event </a:t>
-            </a:r>
-            <a:r>
-              <a:rPr lang="sv-SE" sz="1800" dirty="0" err="1"/>
-              <a:t>intensity</a:t>
             </a:r>
             <a:endParaRPr lang="sv-SE" sz="1800" dirty="0"/>
           </a:p>
@@ -4551,7 +5989,7 @@
         </p:nvGrpSpPr>
         <p:grpSpPr>
           <a:xfrm>
-            <a:off x="4781005" y="3575510"/>
+            <a:off x="4781005" y="3168774"/>
             <a:ext cx="3297446" cy="992777"/>
             <a:chOff x="5068388" y="3291840"/>
             <a:chExt cx="3297446" cy="992777"/>
@@ -4582,14 +6020,18 @@
               <a:r>
                 <a:rPr lang="sv-SE" dirty="0">
                   <a:solidFill>
-                    <a:schemeClr val="tx2"/>
+                    <a:schemeClr val="accent2">
+                      <a:lumMod val="75000"/>
+                    </a:schemeClr>
                   </a:solidFill>
                 </a:rPr>
                 <a:t>Test Environment</a:t>
               </a:r>
               <a:endParaRPr lang="en-US" dirty="0">
                 <a:solidFill>
-                  <a:schemeClr val="tx2"/>
+                  <a:schemeClr val="accent2">
+                    <a:lumMod val="75000"/>
+                  </a:schemeClr>
                 </a:solidFill>
               </a:endParaRPr>
             </a:p>
@@ -4679,7 +6121,10 @@
           <a:bodyPr/>
           <a:lstStyle/>
           <a:p>
-            <a:endParaRPr lang="en-US"/>
+            <a:r>
+              <a:rPr lang="en-US" dirty="0"/>
+              <a:t>Suggested methods</a:t>
+            </a:r>
           </a:p>
         </p:txBody>
       </p:sp>
@@ -4695,54 +6140,86 @@
         </p:nvSpPr>
         <p:spPr/>
         <p:txBody>
-          <a:bodyPr>
+          <a:bodyPr anchor="t">
             <a:normAutofit/>
           </a:bodyPr>
           <a:lstStyle/>
           <a:p>
             <a:r>
-              <a:rPr lang="sv-SE" dirty="0"/>
-              <a:t>H</a:t>
-            </a:r>
-            <a:r>
-              <a:rPr lang="en-US" dirty="0"/>
-              <a:t>as anyone studied before?</a:t>
-            </a:r>
-          </a:p>
-          <a:p>
-            <a:r>
-              <a:rPr lang="sv-SE" dirty="0"/>
-              <a:t>A</a:t>
-            </a:r>
-            <a:r>
-              <a:rPr lang="en-US" dirty="0"/>
-              <a:t>re there studies of similar problem?</a:t>
-            </a:r>
-          </a:p>
-          <a:p>
-            <a:r>
-              <a:rPr lang="sv-SE" dirty="0"/>
-              <a:t>W</a:t>
-            </a:r>
-            <a:r>
-              <a:rPr lang="en-US" dirty="0"/>
-              <a:t>hat lessons can be learnt?</a:t>
-            </a:r>
-          </a:p>
-          <a:p>
-            <a:r>
-              <a:rPr lang="sv-SE" dirty="0"/>
-              <a:t>W</a:t>
-            </a:r>
-            <a:r>
-              <a:rPr lang="en-US" dirty="0"/>
-              <a:t>hat is new in your study?</a:t>
-            </a:r>
-          </a:p>
-          <a:p>
-            <a:r>
-              <a:rPr lang="en-US" dirty="0"/>
-              <a:t>Why did you choose this method? </a:t>
+              <a:rPr lang="en-US" sz="2000" dirty="0"/>
+              <a:t>Change point</a:t>
+            </a:r>
+            <a:r>
+              <a:rPr lang="sv-SE" sz="2000" dirty="0"/>
+              <a:t> </a:t>
+            </a:r>
+            <a:r>
+              <a:rPr lang="en-US" sz="2000" dirty="0"/>
+              <a:t>detection</a:t>
+            </a:r>
+          </a:p>
+          <a:p>
+            <a:pPr lvl="1"/>
+            <a:r>
+              <a:rPr lang="en-US" sz="1800" dirty="0"/>
+              <a:t>Discovering </a:t>
+            </a:r>
+            <a:r>
+              <a:rPr lang="en-US" sz="1800" dirty="0">
+                <a:solidFill>
+                  <a:schemeClr val="accent2">
+                    <a:lumMod val="75000"/>
+                  </a:schemeClr>
+                </a:solidFill>
+              </a:rPr>
+              <a:t>time point</a:t>
+            </a:r>
+            <a:r>
+              <a:rPr lang="en-US" sz="1800" dirty="0"/>
+              <a:t> where property of time series is changed. </a:t>
+            </a:r>
+          </a:p>
+          <a:p>
+            <a:pPr lvl="1"/>
+            <a:r>
+              <a:rPr lang="en-US" sz="1800" dirty="0"/>
+              <a:t>It is a technique to detect </a:t>
+            </a:r>
+            <a:r>
+              <a:rPr lang="en-US" sz="1800" dirty="0">
+                <a:solidFill>
+                  <a:schemeClr val="accent2">
+                    <a:lumMod val="75000"/>
+                  </a:schemeClr>
+                </a:solidFill>
+              </a:rPr>
+              <a:t>abrupt changes</a:t>
+            </a:r>
+            <a:r>
+              <a:rPr lang="en-US" sz="1800" dirty="0"/>
+              <a:t> in time series data when the time instant is unknown.</a:t>
+            </a:r>
+          </a:p>
+          <a:p>
+            <a:pPr lvl="1"/>
+            <a:r>
+              <a:rPr lang="en-US" sz="1800" dirty="0"/>
+              <a:t>R package: </a:t>
+            </a:r>
+            <a:r>
+              <a:rPr lang="en-US" sz="1800" dirty="0" err="1"/>
+              <a:t>ecp</a:t>
+            </a:r>
+            <a:r>
+              <a:rPr lang="en-US" sz="1800" dirty="0"/>
+              <a:t> (James and Matteson, 2013) </a:t>
+            </a:r>
+          </a:p>
+          <a:p>
+            <a:pPr lvl="1"/>
+            <a:r>
+              <a:rPr lang="en-US" sz="1800" dirty="0"/>
+              <a:t>Hidden Markov Model (Luong et al., 2012)</a:t>
             </a:r>
           </a:p>
         </p:txBody>
@@ -4750,7 +6227,7 @@
     </p:spTree>
     <p:extLst>
       <p:ext uri="{BB962C8B-B14F-4D97-AF65-F5344CB8AC3E}">
-        <p14:creationId xmlns:p14="http://schemas.microsoft.com/office/powerpoint/2010/main" val="4218682013"/>
+        <p14:creationId xmlns:p14="http://schemas.microsoft.com/office/powerpoint/2010/main" val="1084575955"/>
       </p:ext>
     </p:extLst>
   </p:cSld>
@@ -4811,47 +6288,107 @@
         </p:nvSpPr>
         <p:spPr/>
         <p:txBody>
-          <a:bodyPr>
+          <a:bodyPr anchor="t">
             <a:normAutofit/>
           </a:bodyPr>
           <a:lstStyle/>
           <a:p>
             <a:r>
-              <a:rPr lang="en-US" sz="2000" dirty="0"/>
-              <a:t>Change point</a:t>
-            </a:r>
-            <a:r>
-              <a:rPr lang="sv-SE" sz="2000" dirty="0"/>
-              <a:t> </a:t>
-            </a:r>
-            <a:r>
-              <a:rPr lang="en-US" sz="2000" dirty="0"/>
-              <a:t>detection</a:t>
-            </a:r>
-          </a:p>
-          <a:p>
-            <a:r>
-              <a:rPr lang="sv-SE" sz="2000" dirty="0"/>
-              <a:t>N</a:t>
-            </a:r>
-            <a:r>
               <a:rPr lang="en-US" sz="2000" dirty="0" err="1"/>
-              <a:t>onparametric</a:t>
-            </a:r>
-            <a:r>
-              <a:rPr lang="en-US" sz="2000" dirty="0"/>
-              <a:t> test</a:t>
-            </a:r>
-          </a:p>
-          <a:p>
+              <a:t>ecp</a:t>
+            </a:r>
             <a:endParaRPr lang="en-US" sz="2000" dirty="0"/>
+          </a:p>
+          <a:p>
+            <a:pPr lvl="1"/>
+            <a:r>
+              <a:rPr lang="en-US" sz="1800" dirty="0">
+                <a:solidFill>
+                  <a:schemeClr val="accent2">
+                    <a:lumMod val="75000"/>
+                  </a:schemeClr>
+                </a:solidFill>
+              </a:rPr>
+              <a:t>Nonparametric test </a:t>
+            </a:r>
+            <a:r>
+              <a:rPr lang="en-US" sz="1800" dirty="0"/>
+              <a:t>for multiple change point analysis</a:t>
+            </a:r>
+          </a:p>
+          <a:p>
+            <a:pPr lvl="2"/>
+            <a:r>
+              <a:rPr lang="en-US" sz="1600" dirty="0"/>
+              <a:t>It is able to detect change point in an unknown underlying distribution</a:t>
+            </a:r>
+          </a:p>
+          <a:p>
+            <a:pPr lvl="1"/>
+            <a:r>
+              <a:rPr lang="en-US" sz="1800" dirty="0"/>
+              <a:t>Applicable to both </a:t>
+            </a:r>
+            <a:r>
+              <a:rPr lang="en-US" sz="1800" dirty="0">
+                <a:solidFill>
+                  <a:schemeClr val="accent2">
+                    <a:lumMod val="75000"/>
+                  </a:schemeClr>
+                </a:solidFill>
+              </a:rPr>
+              <a:t>univariate</a:t>
+            </a:r>
+            <a:r>
+              <a:rPr lang="en-US" sz="1800" dirty="0"/>
+              <a:t> and </a:t>
+            </a:r>
+            <a:r>
+              <a:rPr lang="en-US" sz="1800" dirty="0">
+                <a:solidFill>
+                  <a:schemeClr val="accent2">
+                    <a:lumMod val="75000"/>
+                  </a:schemeClr>
+                </a:solidFill>
+              </a:rPr>
+              <a:t>multivariate</a:t>
+            </a:r>
+            <a:r>
+              <a:rPr lang="en-US" sz="1800" dirty="0"/>
+              <a:t> observations</a:t>
+            </a:r>
+          </a:p>
+          <a:p>
+            <a:pPr lvl="1"/>
+            <a:r>
+              <a:rPr lang="en-US" sz="1800" dirty="0"/>
+              <a:t>Hierarchical estimation</a:t>
+            </a:r>
+          </a:p>
+          <a:p>
+            <a:pPr lvl="2"/>
+            <a:r>
+              <a:rPr lang="en-US" sz="1600" dirty="0"/>
+              <a:t>Divisive: recursively partition a time series and perform a permutation test to find the statistical significance of an estimated change point. </a:t>
+            </a:r>
+          </a:p>
+          <a:p>
+            <a:pPr lvl="2"/>
+            <a:r>
+              <a:rPr lang="en-US" sz="1600" dirty="0"/>
+              <a:t>Agglomerative: maximize goodness-of-fit test after merging segments in the iteration. It required an initial segmentation for the time series.</a:t>
+            </a:r>
+          </a:p>
+          <a:p>
+            <a:pPr lvl="1"/>
+            <a:endParaRPr lang="en-US" sz="1800" dirty="0"/>
           </a:p>
         </p:txBody>
       </p:sp>
     </p:spTree>
     <p:extLst>
       <p:ext uri="{BB962C8B-B14F-4D97-AF65-F5344CB8AC3E}">
-        <p14:creationId xmlns:p14="http://schemas.microsoft.com/office/powerpoint/2010/main" val="1084575955"/>
+        <p14:creationId xmlns:p14="http://schemas.microsoft.com/office/powerpoint/2010/main" val="3773473026"/>
       </p:ext>
     </p:extLst>
   </p:cSld>
@@ -4900,34 +6437,1865 @@
           </a:p>
         </p:txBody>
       </p:sp>
-      <p:sp>
-        <p:nvSpPr>
-          <p:cNvPr id="3" name="Content Placeholder 2"/>
-          <p:cNvSpPr>
-            <a:spLocks noGrp="1"/>
-          </p:cNvSpPr>
-          <p:nvPr>
-            <p:ph idx="1"/>
-          </p:nvPr>
-        </p:nvSpPr>
-        <p:spPr/>
-        <p:txBody>
-          <a:bodyPr>
-            <a:normAutofit/>
-          </a:bodyPr>
-          <a:lstStyle/>
-          <a:p>
-            <a:r>
-              <a:rPr lang="en-US" sz="2000" dirty="0"/>
-              <a:t>Hidden Markov Model </a:t>
-            </a:r>
-          </a:p>
-        </p:txBody>
-      </p:sp>
+      <mc:AlternateContent xmlns:mc="http://schemas.openxmlformats.org/markup-compatibility/2006">
+        <mc:Choice xmlns:a14="http://schemas.microsoft.com/office/drawing/2010/main" Requires="a14">
+          <p:sp>
+            <p:nvSpPr>
+              <p:cNvPr id="31" name="Content Placeholder 2"/>
+              <p:cNvSpPr txBox="1">
+                <a:spLocks/>
+              </p:cNvSpPr>
+              <p:nvPr/>
+            </p:nvSpPr>
+            <p:spPr>
+              <a:xfrm>
+                <a:off x="581192" y="2180496"/>
+                <a:ext cx="11029615" cy="3678303"/>
+              </a:xfrm>
+              <a:prstGeom prst="rect">
+                <a:avLst/>
+              </a:prstGeom>
+            </p:spPr>
+            <p:txBody>
+              <a:bodyPr vert="horz" lIns="91440" tIns="45720" rIns="91440" bIns="45720" rtlCol="0" anchor="t">
+                <a:normAutofit/>
+              </a:bodyPr>
+              <a:lstStyle>
+                <a:lvl1pPr marL="306000" indent="-306000" algn="l" defTabSz="457200" rtl="0" eaLnBrk="1" latinLnBrk="0" hangingPunct="1">
+                  <a:spcBef>
+                    <a:spcPct val="20000"/>
+                  </a:spcBef>
+                  <a:spcAft>
+                    <a:spcPts val="600"/>
+                  </a:spcAft>
+                  <a:buClr>
+                    <a:schemeClr val="accent2"/>
+                  </a:buClr>
+                  <a:buSzPct val="92000"/>
+                  <a:buFont typeface="Wingdings 2" panose="05020102010507070707" pitchFamily="18" charset="2"/>
+                  <a:buChar char=""/>
+                  <a:defRPr sz="1800" kern="1200">
+                    <a:solidFill>
+                      <a:schemeClr val="tx2"/>
+                    </a:solidFill>
+                    <a:latin typeface="+mn-lt"/>
+                    <a:ea typeface="+mn-ea"/>
+                    <a:cs typeface="+mn-cs"/>
+                  </a:defRPr>
+                </a:lvl1pPr>
+                <a:lvl2pPr marL="630000" indent="-306000" algn="l" defTabSz="457200" rtl="0" eaLnBrk="1" latinLnBrk="0" hangingPunct="1">
+                  <a:spcBef>
+                    <a:spcPct val="20000"/>
+                  </a:spcBef>
+                  <a:spcAft>
+                    <a:spcPts val="600"/>
+                  </a:spcAft>
+                  <a:buClr>
+                    <a:schemeClr val="accent2"/>
+                  </a:buClr>
+                  <a:buSzPct val="92000"/>
+                  <a:buFont typeface="Wingdings 2" panose="05020102010507070707" pitchFamily="18" charset="2"/>
+                  <a:buChar char=""/>
+                  <a:defRPr sz="1600" kern="1200">
+                    <a:solidFill>
+                      <a:schemeClr val="tx2"/>
+                    </a:solidFill>
+                    <a:latin typeface="+mn-lt"/>
+                    <a:ea typeface="+mn-ea"/>
+                    <a:cs typeface="+mn-cs"/>
+                  </a:defRPr>
+                </a:lvl2pPr>
+                <a:lvl3pPr marL="900000" indent="-270000" algn="l" defTabSz="457200" rtl="0" eaLnBrk="1" latinLnBrk="0" hangingPunct="1">
+                  <a:spcBef>
+                    <a:spcPct val="20000"/>
+                  </a:spcBef>
+                  <a:spcAft>
+                    <a:spcPts val="600"/>
+                  </a:spcAft>
+                  <a:buClr>
+                    <a:schemeClr val="accent2"/>
+                  </a:buClr>
+                  <a:buSzPct val="92000"/>
+                  <a:buFont typeface="Wingdings 2" panose="05020102010507070707" pitchFamily="18" charset="2"/>
+                  <a:buChar char=""/>
+                  <a:defRPr sz="1400" kern="1200">
+                    <a:solidFill>
+                      <a:schemeClr val="tx2"/>
+                    </a:solidFill>
+                    <a:latin typeface="+mn-lt"/>
+                    <a:ea typeface="+mn-ea"/>
+                    <a:cs typeface="+mn-cs"/>
+                  </a:defRPr>
+                </a:lvl3pPr>
+                <a:lvl4pPr marL="1242000" indent="-234000" algn="l" defTabSz="457200" rtl="0" eaLnBrk="1" latinLnBrk="0" hangingPunct="1">
+                  <a:spcBef>
+                    <a:spcPct val="20000"/>
+                  </a:spcBef>
+                  <a:spcAft>
+                    <a:spcPts val="600"/>
+                  </a:spcAft>
+                  <a:buClr>
+                    <a:schemeClr val="accent2"/>
+                  </a:buClr>
+                  <a:buSzPct val="92000"/>
+                  <a:buFont typeface="Wingdings 2" panose="05020102010507070707" pitchFamily="18" charset="2"/>
+                  <a:buChar char=""/>
+                  <a:defRPr sz="1200" kern="1200">
+                    <a:solidFill>
+                      <a:schemeClr val="tx2"/>
+                    </a:solidFill>
+                    <a:latin typeface="+mn-lt"/>
+                    <a:ea typeface="+mn-ea"/>
+                    <a:cs typeface="+mn-cs"/>
+                  </a:defRPr>
+                </a:lvl4pPr>
+                <a:lvl5pPr marL="1602000" indent="-234000" algn="l" defTabSz="457200" rtl="0" eaLnBrk="1" latinLnBrk="0" hangingPunct="1">
+                  <a:spcBef>
+                    <a:spcPct val="20000"/>
+                  </a:spcBef>
+                  <a:spcAft>
+                    <a:spcPts val="600"/>
+                  </a:spcAft>
+                  <a:buClr>
+                    <a:schemeClr val="accent2"/>
+                  </a:buClr>
+                  <a:buSzPct val="92000"/>
+                  <a:buFont typeface="Wingdings 2" panose="05020102010507070707" pitchFamily="18" charset="2"/>
+                  <a:buChar char=""/>
+                  <a:defRPr sz="1200" kern="1200">
+                    <a:solidFill>
+                      <a:schemeClr val="tx2"/>
+                    </a:solidFill>
+                    <a:latin typeface="+mn-lt"/>
+                    <a:ea typeface="+mn-ea"/>
+                    <a:cs typeface="+mn-cs"/>
+                  </a:defRPr>
+                </a:lvl5pPr>
+                <a:lvl6pPr marL="1900000" indent="-228600" algn="l" defTabSz="457200" rtl="0" eaLnBrk="1" latinLnBrk="0" hangingPunct="1">
+                  <a:spcBef>
+                    <a:spcPct val="20000"/>
+                  </a:spcBef>
+                  <a:spcAft>
+                    <a:spcPts val="600"/>
+                  </a:spcAft>
+                  <a:buClr>
+                    <a:schemeClr val="accent2"/>
+                  </a:buClr>
+                  <a:buSzPct val="92000"/>
+                  <a:buFont typeface="Wingdings 2" panose="05020102010507070707" pitchFamily="18" charset="2"/>
+                  <a:buChar char=""/>
+                  <a:defRPr sz="1200" kern="1200">
+                    <a:solidFill>
+                      <a:schemeClr val="tx2"/>
+                    </a:solidFill>
+                    <a:latin typeface="+mn-lt"/>
+                    <a:ea typeface="+mn-ea"/>
+                    <a:cs typeface="+mn-cs"/>
+                  </a:defRPr>
+                </a:lvl6pPr>
+                <a:lvl7pPr marL="2200000" indent="-228600" algn="l" defTabSz="457200" rtl="0" eaLnBrk="1" latinLnBrk="0" hangingPunct="1">
+                  <a:spcBef>
+                    <a:spcPct val="20000"/>
+                  </a:spcBef>
+                  <a:spcAft>
+                    <a:spcPts val="600"/>
+                  </a:spcAft>
+                  <a:buClr>
+                    <a:schemeClr val="accent2"/>
+                  </a:buClr>
+                  <a:buSzPct val="92000"/>
+                  <a:buFont typeface="Wingdings 2" panose="05020102010507070707" pitchFamily="18" charset="2"/>
+                  <a:buChar char=""/>
+                  <a:defRPr sz="1200" kern="1200">
+                    <a:solidFill>
+                      <a:schemeClr val="tx2"/>
+                    </a:solidFill>
+                    <a:latin typeface="+mn-lt"/>
+                    <a:ea typeface="+mn-ea"/>
+                    <a:cs typeface="+mn-cs"/>
+                  </a:defRPr>
+                </a:lvl7pPr>
+                <a:lvl8pPr marL="2500000" indent="-228600" algn="l" defTabSz="457200" rtl="0" eaLnBrk="1" latinLnBrk="0" hangingPunct="1">
+                  <a:spcBef>
+                    <a:spcPct val="20000"/>
+                  </a:spcBef>
+                  <a:spcAft>
+                    <a:spcPts val="600"/>
+                  </a:spcAft>
+                  <a:buClr>
+                    <a:schemeClr val="accent2"/>
+                  </a:buClr>
+                  <a:buSzPct val="92000"/>
+                  <a:buFont typeface="Wingdings 2" panose="05020102010507070707" pitchFamily="18" charset="2"/>
+                  <a:buChar char=""/>
+                  <a:defRPr sz="1200" kern="1200">
+                    <a:solidFill>
+                      <a:schemeClr val="tx2"/>
+                    </a:solidFill>
+                    <a:latin typeface="+mn-lt"/>
+                    <a:ea typeface="+mn-ea"/>
+                    <a:cs typeface="+mn-cs"/>
+                  </a:defRPr>
+                </a:lvl8pPr>
+                <a:lvl9pPr marL="2800000" indent="-228600" algn="l" defTabSz="457200" rtl="0" eaLnBrk="1" latinLnBrk="0" hangingPunct="1">
+                  <a:spcBef>
+                    <a:spcPct val="20000"/>
+                  </a:spcBef>
+                  <a:spcAft>
+                    <a:spcPts val="600"/>
+                  </a:spcAft>
+                  <a:buClr>
+                    <a:schemeClr val="accent2"/>
+                  </a:buClr>
+                  <a:buSzPct val="92000"/>
+                  <a:buFont typeface="Wingdings 2" panose="05020102010507070707" pitchFamily="18" charset="2"/>
+                  <a:buChar char=""/>
+                  <a:defRPr sz="1200" kern="1200">
+                    <a:solidFill>
+                      <a:schemeClr val="tx2"/>
+                    </a:solidFill>
+                    <a:latin typeface="+mn-lt"/>
+                    <a:ea typeface="+mn-ea"/>
+                    <a:cs typeface="+mn-cs"/>
+                  </a:defRPr>
+                </a:lvl9pPr>
+              </a:lstStyle>
+              <a:p>
+                <a:r>
+                  <a:rPr lang="en-US" sz="2000" dirty="0"/>
+                  <a:t>Hidden Markov model</a:t>
+                </a:r>
+              </a:p>
+              <a:p>
+                <a:pPr lvl="1"/>
+                <a:r>
+                  <a:rPr lang="en-US" sz="1800" dirty="0"/>
+                  <a:t>State: Normal, Good, Bad</a:t>
+                </a:r>
+              </a:p>
+              <a:p>
+                <a:pPr lvl="1"/>
+                <a14:m>
+                  <m:oMath xmlns:m="http://schemas.openxmlformats.org/officeDocument/2006/math">
+                    <m:r>
+                      <a:rPr lang="sv-SE" sz="1800" i="1">
+                        <a:latin typeface="Cambria Math" panose="02040503050406030204" pitchFamily="18" charset="0"/>
+                      </a:rPr>
+                      <m:t>𝑌</m:t>
+                    </m:r>
+                    <m:r>
+                      <a:rPr lang="sv-SE" sz="1800">
+                        <a:latin typeface="Cambria Math" panose="02040503050406030204" pitchFamily="18" charset="0"/>
+                      </a:rPr>
+                      <m:t>=</m:t>
+                    </m:r>
+                    <m:d>
+                      <m:dPr>
+                        <m:ctrlPr>
+                          <a:rPr lang="sv-SE" sz="1800" i="1">
+                            <a:latin typeface="Cambria Math" panose="02040503050406030204" pitchFamily="18" charset="0"/>
+                          </a:rPr>
+                        </m:ctrlPr>
+                      </m:dPr>
+                      <m:e>
+                        <m:sSub>
+                          <m:sSubPr>
+                            <m:ctrlPr>
+                              <a:rPr lang="sv-SE" sz="1800" i="1">
+                                <a:latin typeface="Cambria Math" panose="02040503050406030204" pitchFamily="18" charset="0"/>
+                              </a:rPr>
+                            </m:ctrlPr>
+                          </m:sSubPr>
+                          <m:e>
+                            <m:r>
+                              <a:rPr lang="sv-SE" sz="1800" i="1">
+                                <a:latin typeface="Cambria Math" panose="02040503050406030204" pitchFamily="18" charset="0"/>
+                              </a:rPr>
+                              <m:t>𝑌</m:t>
+                            </m:r>
+                          </m:e>
+                          <m:sub>
+                            <m:r>
+                              <a:rPr lang="sv-SE" sz="1800" i="1">
+                                <a:latin typeface="Cambria Math" panose="02040503050406030204" pitchFamily="18" charset="0"/>
+                              </a:rPr>
+                              <m:t>1</m:t>
+                            </m:r>
+                          </m:sub>
+                        </m:sSub>
+                        <m:r>
+                          <a:rPr lang="sv-SE" sz="1800" i="1">
+                            <a:latin typeface="Cambria Math" panose="02040503050406030204" pitchFamily="18" charset="0"/>
+                          </a:rPr>
+                          <m:t>,</m:t>
+                        </m:r>
+                        <m:sSub>
+                          <m:sSubPr>
+                            <m:ctrlPr>
+                              <a:rPr lang="sv-SE" sz="1800" i="1">
+                                <a:latin typeface="Cambria Math" panose="02040503050406030204" pitchFamily="18" charset="0"/>
+                              </a:rPr>
+                            </m:ctrlPr>
+                          </m:sSubPr>
+                          <m:e>
+                            <m:r>
+                              <a:rPr lang="sv-SE" sz="1800" i="1">
+                                <a:latin typeface="Cambria Math" panose="02040503050406030204" pitchFamily="18" charset="0"/>
+                              </a:rPr>
+                              <m:t>𝑌</m:t>
+                            </m:r>
+                          </m:e>
+                          <m:sub>
+                            <m:r>
+                              <a:rPr lang="sv-SE" sz="1800" i="1">
+                                <a:latin typeface="Cambria Math" panose="02040503050406030204" pitchFamily="18" charset="0"/>
+                              </a:rPr>
+                              <m:t>2</m:t>
+                            </m:r>
+                          </m:sub>
+                        </m:sSub>
+                        <m:r>
+                          <a:rPr lang="sv-SE" sz="1800" i="1">
+                            <a:latin typeface="Cambria Math" panose="02040503050406030204" pitchFamily="18" charset="0"/>
+                          </a:rPr>
+                          <m:t>,…,</m:t>
+                        </m:r>
+                        <m:sSub>
+                          <m:sSubPr>
+                            <m:ctrlPr>
+                              <a:rPr lang="sv-SE" sz="1800" i="1">
+                                <a:latin typeface="Cambria Math" panose="02040503050406030204" pitchFamily="18" charset="0"/>
+                              </a:rPr>
+                            </m:ctrlPr>
+                          </m:sSubPr>
+                          <m:e>
+                            <m:r>
+                              <a:rPr lang="sv-SE" sz="1800" i="1">
+                                <a:latin typeface="Cambria Math" panose="02040503050406030204" pitchFamily="18" charset="0"/>
+                              </a:rPr>
+                              <m:t>𝑌</m:t>
+                            </m:r>
+                          </m:e>
+                          <m:sub>
+                            <m:r>
+                              <a:rPr lang="sv-SE" sz="1800" i="1">
+                                <a:latin typeface="Cambria Math" panose="02040503050406030204" pitchFamily="18" charset="0"/>
+                              </a:rPr>
+                              <m:t>𝑇</m:t>
+                            </m:r>
+                          </m:sub>
+                        </m:sSub>
+                      </m:e>
+                    </m:d>
+                    <m:r>
+                      <a:rPr lang="sv-SE" sz="1800" i="1">
+                        <a:latin typeface="Cambria Math" panose="02040503050406030204" pitchFamily="18" charset="0"/>
+                      </a:rPr>
+                      <m:t>=</m:t>
+                    </m:r>
+                  </m:oMath>
+                </a14:m>
+                <a:r>
+                  <a:rPr lang="en-US" sz="1800" dirty="0"/>
+                  <a:t> CPU Utilization</a:t>
+                </a:r>
+              </a:p>
+              <a:p>
+                <a:pPr lvl="1"/>
+                <a14:m>
+                  <m:oMath xmlns:m="http://schemas.openxmlformats.org/officeDocument/2006/math">
+                    <m:r>
+                      <a:rPr lang="sv-SE" sz="2000" b="0" i="1" smtClean="0">
+                        <a:latin typeface="Cambria Math" panose="02040503050406030204" pitchFamily="18" charset="0"/>
+                      </a:rPr>
+                      <m:t>𝑇</m:t>
+                    </m:r>
+                    <m:r>
+                      <a:rPr lang="sv-SE" sz="2000" b="0" i="1" smtClean="0">
+                        <a:latin typeface="Cambria Math" panose="02040503050406030204" pitchFamily="18" charset="0"/>
+                      </a:rPr>
+                      <m:t>=</m:t>
+                    </m:r>
+                  </m:oMath>
+                </a14:m>
+                <a:r>
+                  <a:rPr lang="en-US" sz="2000" dirty="0"/>
+                  <a:t> length of the observation sequence</a:t>
+                </a:r>
+              </a:p>
+            </p:txBody>
+          </p:sp>
+        </mc:Choice>
+        <mc:Fallback>
+          <p:sp>
+            <p:nvSpPr>
+              <p:cNvPr id="31" name="Content Placeholder 2"/>
+              <p:cNvSpPr txBox="1">
+                <a:spLocks noRot="1" noChangeAspect="1" noMove="1" noResize="1" noEditPoints="1" noAdjustHandles="1" noChangeArrowheads="1" noChangeShapeType="1" noTextEdit="1"/>
+              </p:cNvSpPr>
+              <p:nvPr/>
+            </p:nvSpPr>
+            <p:spPr>
+              <a:xfrm>
+                <a:off x="581192" y="2180496"/>
+                <a:ext cx="11029615" cy="3678303"/>
+              </a:xfrm>
+              <a:prstGeom prst="rect">
+                <a:avLst/>
+              </a:prstGeom>
+              <a:blipFill>
+                <a:blip r:embed="rId2"/>
+                <a:stretch>
+                  <a:fillRect l="-276" t="-995"/>
+                </a:stretch>
+              </a:blipFill>
+            </p:spPr>
+            <p:txBody>
+              <a:bodyPr/>
+              <a:lstStyle/>
+              <a:p>
+                <a:r>
+                  <a:rPr lang="en-US">
+                    <a:noFill/>
+                  </a:rPr>
+                  <a:t> </a:t>
+                </a:r>
+              </a:p>
+            </p:txBody>
+          </p:sp>
+        </mc:Fallback>
+      </mc:AlternateContent>
+      <p:grpSp>
+        <p:nvGrpSpPr>
+          <p:cNvPr id="34" name="Group 33"/>
+          <p:cNvGrpSpPr/>
+          <p:nvPr/>
+        </p:nvGrpSpPr>
+        <p:grpSpPr>
+          <a:xfrm>
+            <a:off x="2409059" y="4134394"/>
+            <a:ext cx="7373880" cy="1894114"/>
+            <a:chOff x="1737462" y="3810000"/>
+            <a:chExt cx="7373880" cy="1894114"/>
+          </a:xfrm>
+        </p:grpSpPr>
+        <p:grpSp>
+          <p:nvGrpSpPr>
+            <p:cNvPr id="30" name="Group 29"/>
+            <p:cNvGrpSpPr/>
+            <p:nvPr/>
+          </p:nvGrpSpPr>
+          <p:grpSpPr>
+            <a:xfrm>
+              <a:off x="3080656" y="3810000"/>
+              <a:ext cx="6030686" cy="1894114"/>
+              <a:chOff x="2547257" y="3814354"/>
+              <a:chExt cx="6030686" cy="1894114"/>
+            </a:xfrm>
+          </p:grpSpPr>
+          <mc:AlternateContent xmlns:mc="http://schemas.openxmlformats.org/markup-compatibility/2006">
+            <mc:Choice xmlns:a14="http://schemas.microsoft.com/office/drawing/2010/main" Requires="a14">
+              <p:sp>
+                <p:nvSpPr>
+                  <p:cNvPr id="4" name="Oval 3"/>
+                  <p:cNvSpPr/>
+                  <p:nvPr/>
+                </p:nvSpPr>
+                <p:spPr>
+                  <a:xfrm>
+                    <a:off x="2547257" y="3814354"/>
+                    <a:ext cx="666206" cy="640080"/>
+                  </a:xfrm>
+                  <a:prstGeom prst="ellipse">
+                    <a:avLst/>
+                  </a:prstGeom>
+                </p:spPr>
+                <p:style>
+                  <a:lnRef idx="2">
+                    <a:schemeClr val="accent1"/>
+                  </a:lnRef>
+                  <a:fillRef idx="1">
+                    <a:schemeClr val="lt1"/>
+                  </a:fillRef>
+                  <a:effectRef idx="0">
+                    <a:schemeClr val="accent1"/>
+                  </a:effectRef>
+                  <a:fontRef idx="minor">
+                    <a:schemeClr val="dk1"/>
+                  </a:fontRef>
+                </p:style>
+                <p:txBody>
+                  <a:bodyPr rtlCol="0" anchor="ctr"/>
+                  <a:lstStyle/>
+                  <a:p>
+                    <a:pPr algn="ctr"/>
+                    <a14:m>
+                      <m:oMathPara xmlns:m="http://schemas.openxmlformats.org/officeDocument/2006/math">
+                        <m:oMathParaPr>
+                          <m:jc m:val="centerGroup"/>
+                        </m:oMathParaPr>
+                        <m:oMath xmlns:m="http://schemas.openxmlformats.org/officeDocument/2006/math">
+                          <m:sSub>
+                            <m:sSubPr>
+                              <m:ctrlPr>
+                                <a:rPr lang="en-US" i="1" smtClean="0">
+                                  <a:solidFill>
+                                    <a:schemeClr val="tx2"/>
+                                  </a:solidFill>
+                                  <a:latin typeface="Cambria Math" panose="02040503050406030204" pitchFamily="18" charset="0"/>
+                                </a:rPr>
+                              </m:ctrlPr>
+                            </m:sSubPr>
+                            <m:e>
+                              <m:r>
+                                <a:rPr lang="sv-SE" b="0" i="1" smtClean="0">
+                                  <a:solidFill>
+                                    <a:schemeClr val="tx2"/>
+                                  </a:solidFill>
+                                  <a:latin typeface="Cambria Math" panose="02040503050406030204" pitchFamily="18" charset="0"/>
+                                </a:rPr>
+                                <m:t>𝑆</m:t>
+                              </m:r>
+                            </m:e>
+                            <m:sub>
+                              <m:r>
+                                <a:rPr lang="sv-SE" b="0" i="1" smtClean="0">
+                                  <a:solidFill>
+                                    <a:schemeClr val="tx2"/>
+                                  </a:solidFill>
+                                  <a:latin typeface="Cambria Math" panose="02040503050406030204" pitchFamily="18" charset="0"/>
+                                </a:rPr>
+                                <m:t>1</m:t>
+                              </m:r>
+                            </m:sub>
+                          </m:sSub>
+                        </m:oMath>
+                      </m:oMathPara>
+                    </a14:m>
+                    <a:endParaRPr lang="en-US" dirty="0">
+                      <a:solidFill>
+                        <a:schemeClr val="tx2"/>
+                      </a:solidFill>
+                    </a:endParaRPr>
+                  </a:p>
+                </p:txBody>
+              </p:sp>
+            </mc:Choice>
+            <mc:Fallback>
+              <p:sp>
+                <p:nvSpPr>
+                  <p:cNvPr id="4" name="Oval 3"/>
+                  <p:cNvSpPr>
+                    <a:spLocks noRot="1" noChangeAspect="1" noMove="1" noResize="1" noEditPoints="1" noAdjustHandles="1" noChangeArrowheads="1" noChangeShapeType="1" noTextEdit="1"/>
+                  </p:cNvSpPr>
+                  <p:nvPr/>
+                </p:nvSpPr>
+                <p:spPr>
+                  <a:xfrm>
+                    <a:off x="2547257" y="3814354"/>
+                    <a:ext cx="666206" cy="640080"/>
+                  </a:xfrm>
+                  <a:prstGeom prst="ellipse">
+                    <a:avLst/>
+                  </a:prstGeom>
+                  <a:blipFill>
+                    <a:blip r:embed="rId3"/>
+                    <a:stretch>
+                      <a:fillRect/>
+                    </a:stretch>
+                  </a:blipFill>
+                </p:spPr>
+                <p:txBody>
+                  <a:bodyPr/>
+                  <a:lstStyle/>
+                  <a:p>
+                    <a:r>
+                      <a:rPr lang="en-US">
+                        <a:noFill/>
+                      </a:rPr>
+                      <a:t> </a:t>
+                    </a:r>
+                  </a:p>
+                </p:txBody>
+              </p:sp>
+            </mc:Fallback>
+          </mc:AlternateContent>
+          <mc:AlternateContent xmlns:mc="http://schemas.openxmlformats.org/markup-compatibility/2006">
+            <mc:Choice xmlns:a14="http://schemas.microsoft.com/office/drawing/2010/main" Requires="a14">
+              <p:sp>
+                <p:nvSpPr>
+                  <p:cNvPr id="5" name="Oval 4"/>
+                  <p:cNvSpPr/>
+                  <p:nvPr/>
+                </p:nvSpPr>
+                <p:spPr>
+                  <a:xfrm>
+                    <a:off x="3888377" y="3818708"/>
+                    <a:ext cx="666206" cy="640080"/>
+                  </a:xfrm>
+                  <a:prstGeom prst="ellipse">
+                    <a:avLst/>
+                  </a:prstGeom>
+                </p:spPr>
+                <p:style>
+                  <a:lnRef idx="2">
+                    <a:schemeClr val="accent1"/>
+                  </a:lnRef>
+                  <a:fillRef idx="1">
+                    <a:schemeClr val="lt1"/>
+                  </a:fillRef>
+                  <a:effectRef idx="0">
+                    <a:schemeClr val="accent1"/>
+                  </a:effectRef>
+                  <a:fontRef idx="minor">
+                    <a:schemeClr val="dk1"/>
+                  </a:fontRef>
+                </p:style>
+                <p:txBody>
+                  <a:bodyPr rtlCol="0" anchor="ctr"/>
+                  <a:lstStyle/>
+                  <a:p>
+                    <a:pPr algn="ctr"/>
+                    <a14:m>
+                      <m:oMathPara xmlns:m="http://schemas.openxmlformats.org/officeDocument/2006/math">
+                        <m:oMathParaPr>
+                          <m:jc m:val="centerGroup"/>
+                        </m:oMathParaPr>
+                        <m:oMath xmlns:m="http://schemas.openxmlformats.org/officeDocument/2006/math">
+                          <m:sSub>
+                            <m:sSubPr>
+                              <m:ctrlPr>
+                                <a:rPr lang="en-US" i="1" smtClean="0">
+                                  <a:solidFill>
+                                    <a:schemeClr val="tx2"/>
+                                  </a:solidFill>
+                                  <a:latin typeface="Cambria Math" panose="02040503050406030204" pitchFamily="18" charset="0"/>
+                                </a:rPr>
+                              </m:ctrlPr>
+                            </m:sSubPr>
+                            <m:e>
+                              <m:r>
+                                <a:rPr lang="sv-SE" i="1">
+                                  <a:solidFill>
+                                    <a:schemeClr val="tx2"/>
+                                  </a:solidFill>
+                                  <a:latin typeface="Cambria Math" panose="02040503050406030204" pitchFamily="18" charset="0"/>
+                                </a:rPr>
+                                <m:t>𝑆</m:t>
+                              </m:r>
+                            </m:e>
+                            <m:sub>
+                              <m:r>
+                                <a:rPr lang="sv-SE" b="0" i="1" smtClean="0">
+                                  <a:solidFill>
+                                    <a:schemeClr val="tx2"/>
+                                  </a:solidFill>
+                                  <a:latin typeface="Cambria Math" panose="02040503050406030204" pitchFamily="18" charset="0"/>
+                                </a:rPr>
+                                <m:t>2</m:t>
+                              </m:r>
+                            </m:sub>
+                          </m:sSub>
+                        </m:oMath>
+                      </m:oMathPara>
+                    </a14:m>
+                    <a:endParaRPr lang="en-US" dirty="0">
+                      <a:solidFill>
+                        <a:schemeClr val="tx2"/>
+                      </a:solidFill>
+                    </a:endParaRPr>
+                  </a:p>
+                </p:txBody>
+              </p:sp>
+            </mc:Choice>
+            <mc:Fallback>
+              <p:sp>
+                <p:nvSpPr>
+                  <p:cNvPr id="5" name="Oval 4"/>
+                  <p:cNvSpPr>
+                    <a:spLocks noRot="1" noChangeAspect="1" noMove="1" noResize="1" noEditPoints="1" noAdjustHandles="1" noChangeArrowheads="1" noChangeShapeType="1" noTextEdit="1"/>
+                  </p:cNvSpPr>
+                  <p:nvPr/>
+                </p:nvSpPr>
+                <p:spPr>
+                  <a:xfrm>
+                    <a:off x="3888377" y="3818708"/>
+                    <a:ext cx="666206" cy="640080"/>
+                  </a:xfrm>
+                  <a:prstGeom prst="ellipse">
+                    <a:avLst/>
+                  </a:prstGeom>
+                  <a:blipFill>
+                    <a:blip r:embed="rId4"/>
+                    <a:stretch>
+                      <a:fillRect/>
+                    </a:stretch>
+                  </a:blipFill>
+                </p:spPr>
+                <p:txBody>
+                  <a:bodyPr/>
+                  <a:lstStyle/>
+                  <a:p>
+                    <a:r>
+                      <a:rPr lang="en-US">
+                        <a:noFill/>
+                      </a:rPr>
+                      <a:t> </a:t>
+                    </a:r>
+                  </a:p>
+                </p:txBody>
+              </p:sp>
+            </mc:Fallback>
+          </mc:AlternateContent>
+          <mc:AlternateContent xmlns:mc="http://schemas.openxmlformats.org/markup-compatibility/2006">
+            <mc:Choice xmlns:a14="http://schemas.microsoft.com/office/drawing/2010/main" Requires="a14">
+              <p:sp>
+                <p:nvSpPr>
+                  <p:cNvPr id="6" name="Oval 5"/>
+                  <p:cNvSpPr/>
+                  <p:nvPr/>
+                </p:nvSpPr>
+                <p:spPr>
+                  <a:xfrm>
+                    <a:off x="5229497" y="3814354"/>
+                    <a:ext cx="666206" cy="640080"/>
+                  </a:xfrm>
+                  <a:prstGeom prst="ellipse">
+                    <a:avLst/>
+                  </a:prstGeom>
+                </p:spPr>
+                <p:style>
+                  <a:lnRef idx="2">
+                    <a:schemeClr val="accent1"/>
+                  </a:lnRef>
+                  <a:fillRef idx="1">
+                    <a:schemeClr val="lt1"/>
+                  </a:fillRef>
+                  <a:effectRef idx="0">
+                    <a:schemeClr val="accent1"/>
+                  </a:effectRef>
+                  <a:fontRef idx="minor">
+                    <a:schemeClr val="dk1"/>
+                  </a:fontRef>
+                </p:style>
+                <p:txBody>
+                  <a:bodyPr rtlCol="0" anchor="ctr"/>
+                  <a:lstStyle/>
+                  <a:p>
+                    <a:pPr algn="ctr"/>
+                    <a14:m>
+                      <m:oMathPara xmlns:m="http://schemas.openxmlformats.org/officeDocument/2006/math">
+                        <m:oMathParaPr>
+                          <m:jc m:val="centerGroup"/>
+                        </m:oMathParaPr>
+                        <m:oMath xmlns:m="http://schemas.openxmlformats.org/officeDocument/2006/math">
+                          <m:sSub>
+                            <m:sSubPr>
+                              <m:ctrlPr>
+                                <a:rPr lang="en-US" i="1" smtClean="0">
+                                  <a:solidFill>
+                                    <a:schemeClr val="tx2"/>
+                                  </a:solidFill>
+                                  <a:latin typeface="Cambria Math" panose="02040503050406030204" pitchFamily="18" charset="0"/>
+                                </a:rPr>
+                              </m:ctrlPr>
+                            </m:sSubPr>
+                            <m:e>
+                              <m:r>
+                                <a:rPr lang="sv-SE" i="1">
+                                  <a:solidFill>
+                                    <a:schemeClr val="tx2"/>
+                                  </a:solidFill>
+                                  <a:latin typeface="Cambria Math" panose="02040503050406030204" pitchFamily="18" charset="0"/>
+                                </a:rPr>
+                                <m:t>𝑆</m:t>
+                              </m:r>
+                            </m:e>
+                            <m:sub>
+                              <m:r>
+                                <a:rPr lang="sv-SE" b="0" i="1" smtClean="0">
+                                  <a:solidFill>
+                                    <a:schemeClr val="tx2"/>
+                                  </a:solidFill>
+                                  <a:latin typeface="Cambria Math" panose="02040503050406030204" pitchFamily="18" charset="0"/>
+                                </a:rPr>
+                                <m:t>3</m:t>
+                              </m:r>
+                            </m:sub>
+                          </m:sSub>
+                        </m:oMath>
+                      </m:oMathPara>
+                    </a14:m>
+                    <a:endParaRPr lang="en-US" dirty="0">
+                      <a:solidFill>
+                        <a:schemeClr val="tx2"/>
+                      </a:solidFill>
+                    </a:endParaRPr>
+                  </a:p>
+                </p:txBody>
+              </p:sp>
+            </mc:Choice>
+            <mc:Fallback>
+              <p:sp>
+                <p:nvSpPr>
+                  <p:cNvPr id="6" name="Oval 5"/>
+                  <p:cNvSpPr>
+                    <a:spLocks noRot="1" noChangeAspect="1" noMove="1" noResize="1" noEditPoints="1" noAdjustHandles="1" noChangeArrowheads="1" noChangeShapeType="1" noTextEdit="1"/>
+                  </p:cNvSpPr>
+                  <p:nvPr/>
+                </p:nvSpPr>
+                <p:spPr>
+                  <a:xfrm>
+                    <a:off x="5229497" y="3814354"/>
+                    <a:ext cx="666206" cy="640080"/>
+                  </a:xfrm>
+                  <a:prstGeom prst="ellipse">
+                    <a:avLst/>
+                  </a:prstGeom>
+                  <a:blipFill>
+                    <a:blip r:embed="rId5"/>
+                    <a:stretch>
+                      <a:fillRect/>
+                    </a:stretch>
+                  </a:blipFill>
+                </p:spPr>
+                <p:txBody>
+                  <a:bodyPr/>
+                  <a:lstStyle/>
+                  <a:p>
+                    <a:r>
+                      <a:rPr lang="en-US">
+                        <a:noFill/>
+                      </a:rPr>
+                      <a:t> </a:t>
+                    </a:r>
+                  </a:p>
+                </p:txBody>
+              </p:sp>
+            </mc:Fallback>
+          </mc:AlternateContent>
+          <mc:AlternateContent xmlns:mc="http://schemas.openxmlformats.org/markup-compatibility/2006">
+            <mc:Choice xmlns:a14="http://schemas.microsoft.com/office/drawing/2010/main" Requires="a14">
+              <p:sp>
+                <p:nvSpPr>
+                  <p:cNvPr id="7" name="Oval 6"/>
+                  <p:cNvSpPr/>
+                  <p:nvPr/>
+                </p:nvSpPr>
+                <p:spPr>
+                  <a:xfrm>
+                    <a:off x="7911737" y="3818708"/>
+                    <a:ext cx="666206" cy="640080"/>
+                  </a:xfrm>
+                  <a:prstGeom prst="ellipse">
+                    <a:avLst/>
+                  </a:prstGeom>
+                </p:spPr>
+                <p:style>
+                  <a:lnRef idx="2">
+                    <a:schemeClr val="accent1"/>
+                  </a:lnRef>
+                  <a:fillRef idx="1">
+                    <a:schemeClr val="lt1"/>
+                  </a:fillRef>
+                  <a:effectRef idx="0">
+                    <a:schemeClr val="accent1"/>
+                  </a:effectRef>
+                  <a:fontRef idx="minor">
+                    <a:schemeClr val="dk1"/>
+                  </a:fontRef>
+                </p:style>
+                <p:txBody>
+                  <a:bodyPr rtlCol="0" anchor="ctr"/>
+                  <a:lstStyle/>
+                  <a:p>
+                    <a:pPr algn="ctr"/>
+                    <a14:m>
+                      <m:oMathPara xmlns:m="http://schemas.openxmlformats.org/officeDocument/2006/math">
+                        <m:oMathParaPr>
+                          <m:jc m:val="centerGroup"/>
+                        </m:oMathParaPr>
+                        <m:oMath xmlns:m="http://schemas.openxmlformats.org/officeDocument/2006/math">
+                          <m:sSub>
+                            <m:sSubPr>
+                              <m:ctrlPr>
+                                <a:rPr lang="en-US" i="1" smtClean="0">
+                                  <a:solidFill>
+                                    <a:schemeClr val="tx2"/>
+                                  </a:solidFill>
+                                  <a:latin typeface="Cambria Math" panose="02040503050406030204" pitchFamily="18" charset="0"/>
+                                </a:rPr>
+                              </m:ctrlPr>
+                            </m:sSubPr>
+                            <m:e>
+                              <m:r>
+                                <a:rPr lang="sv-SE" i="1">
+                                  <a:solidFill>
+                                    <a:schemeClr val="tx2"/>
+                                  </a:solidFill>
+                                  <a:latin typeface="Cambria Math" panose="02040503050406030204" pitchFamily="18" charset="0"/>
+                                </a:rPr>
+                                <m:t>𝑆</m:t>
+                              </m:r>
+                            </m:e>
+                            <m:sub>
+                              <m:r>
+                                <a:rPr lang="sv-SE" b="0" i="1" smtClean="0">
+                                  <a:solidFill>
+                                    <a:schemeClr val="tx2"/>
+                                  </a:solidFill>
+                                  <a:latin typeface="Cambria Math" panose="02040503050406030204" pitchFamily="18" charset="0"/>
+                                </a:rPr>
+                                <m:t>𝑇</m:t>
+                              </m:r>
+                            </m:sub>
+                          </m:sSub>
+                        </m:oMath>
+                      </m:oMathPara>
+                    </a14:m>
+                    <a:endParaRPr lang="en-US" dirty="0">
+                      <a:solidFill>
+                        <a:schemeClr val="tx2"/>
+                      </a:solidFill>
+                    </a:endParaRPr>
+                  </a:p>
+                </p:txBody>
+              </p:sp>
+            </mc:Choice>
+            <mc:Fallback>
+              <p:sp>
+                <p:nvSpPr>
+                  <p:cNvPr id="7" name="Oval 6"/>
+                  <p:cNvSpPr>
+                    <a:spLocks noRot="1" noChangeAspect="1" noMove="1" noResize="1" noEditPoints="1" noAdjustHandles="1" noChangeArrowheads="1" noChangeShapeType="1" noTextEdit="1"/>
+                  </p:cNvSpPr>
+                  <p:nvPr/>
+                </p:nvSpPr>
+                <p:spPr>
+                  <a:xfrm>
+                    <a:off x="7911737" y="3818708"/>
+                    <a:ext cx="666206" cy="640080"/>
+                  </a:xfrm>
+                  <a:prstGeom prst="ellipse">
+                    <a:avLst/>
+                  </a:prstGeom>
+                  <a:blipFill>
+                    <a:blip r:embed="rId6"/>
+                    <a:stretch>
+                      <a:fillRect/>
+                    </a:stretch>
+                  </a:blipFill>
+                </p:spPr>
+                <p:txBody>
+                  <a:bodyPr/>
+                  <a:lstStyle/>
+                  <a:p>
+                    <a:r>
+                      <a:rPr lang="en-US">
+                        <a:noFill/>
+                      </a:rPr>
+                      <a:t> </a:t>
+                    </a:r>
+                  </a:p>
+                </p:txBody>
+              </p:sp>
+            </mc:Fallback>
+          </mc:AlternateContent>
+          <mc:AlternateContent xmlns:mc="http://schemas.openxmlformats.org/markup-compatibility/2006">
+            <mc:Choice xmlns:a14="http://schemas.microsoft.com/office/drawing/2010/main" Requires="a14">
+              <p:sp>
+                <p:nvSpPr>
+                  <p:cNvPr id="8" name="Oval 7"/>
+                  <p:cNvSpPr/>
+                  <p:nvPr/>
+                </p:nvSpPr>
+                <p:spPr>
+                  <a:xfrm>
+                    <a:off x="2547257" y="5064034"/>
+                    <a:ext cx="666206" cy="640080"/>
+                  </a:xfrm>
+                  <a:prstGeom prst="ellipse">
+                    <a:avLst/>
+                  </a:prstGeom>
+                </p:spPr>
+                <p:style>
+                  <a:lnRef idx="2">
+                    <a:schemeClr val="accent1"/>
+                  </a:lnRef>
+                  <a:fillRef idx="1">
+                    <a:schemeClr val="lt1"/>
+                  </a:fillRef>
+                  <a:effectRef idx="0">
+                    <a:schemeClr val="accent1"/>
+                  </a:effectRef>
+                  <a:fontRef idx="minor">
+                    <a:schemeClr val="dk1"/>
+                  </a:fontRef>
+                </p:style>
+                <p:txBody>
+                  <a:bodyPr rtlCol="0" anchor="ctr"/>
+                  <a:lstStyle/>
+                  <a:p>
+                    <a:pPr algn="ctr"/>
+                    <a14:m>
+                      <m:oMathPara xmlns:m="http://schemas.openxmlformats.org/officeDocument/2006/math">
+                        <m:oMathParaPr>
+                          <m:jc m:val="centerGroup"/>
+                        </m:oMathParaPr>
+                        <m:oMath xmlns:m="http://schemas.openxmlformats.org/officeDocument/2006/math">
+                          <m:sSub>
+                            <m:sSubPr>
+                              <m:ctrlPr>
+                                <a:rPr lang="en-US" i="1" smtClean="0">
+                                  <a:solidFill>
+                                    <a:schemeClr val="tx2"/>
+                                  </a:solidFill>
+                                  <a:latin typeface="Cambria Math" panose="02040503050406030204" pitchFamily="18" charset="0"/>
+                                </a:rPr>
+                              </m:ctrlPr>
+                            </m:sSubPr>
+                            <m:e>
+                              <m:r>
+                                <a:rPr lang="sv-SE" b="0" i="1" smtClean="0">
+                                  <a:solidFill>
+                                    <a:schemeClr val="tx2"/>
+                                  </a:solidFill>
+                                  <a:latin typeface="Cambria Math" panose="02040503050406030204" pitchFamily="18" charset="0"/>
+                                </a:rPr>
+                                <m:t>𝑌</m:t>
+                              </m:r>
+                            </m:e>
+                            <m:sub>
+                              <m:r>
+                                <a:rPr lang="sv-SE" i="1">
+                                  <a:solidFill>
+                                    <a:schemeClr val="tx2"/>
+                                  </a:solidFill>
+                                  <a:latin typeface="Cambria Math" panose="02040503050406030204" pitchFamily="18" charset="0"/>
+                                </a:rPr>
+                                <m:t>1</m:t>
+                              </m:r>
+                            </m:sub>
+                          </m:sSub>
+                        </m:oMath>
+                      </m:oMathPara>
+                    </a14:m>
+                    <a:endParaRPr lang="en-US" dirty="0">
+                      <a:solidFill>
+                        <a:schemeClr val="tx2"/>
+                      </a:solidFill>
+                    </a:endParaRPr>
+                  </a:p>
+                </p:txBody>
+              </p:sp>
+            </mc:Choice>
+            <mc:Fallback>
+              <p:sp>
+                <p:nvSpPr>
+                  <p:cNvPr id="8" name="Oval 7"/>
+                  <p:cNvSpPr>
+                    <a:spLocks noRot="1" noChangeAspect="1" noMove="1" noResize="1" noEditPoints="1" noAdjustHandles="1" noChangeArrowheads="1" noChangeShapeType="1" noTextEdit="1"/>
+                  </p:cNvSpPr>
+                  <p:nvPr/>
+                </p:nvSpPr>
+                <p:spPr>
+                  <a:xfrm>
+                    <a:off x="2547257" y="5064034"/>
+                    <a:ext cx="666206" cy="640080"/>
+                  </a:xfrm>
+                  <a:prstGeom prst="ellipse">
+                    <a:avLst/>
+                  </a:prstGeom>
+                  <a:blipFill>
+                    <a:blip r:embed="rId7"/>
+                    <a:stretch>
+                      <a:fillRect/>
+                    </a:stretch>
+                  </a:blipFill>
+                </p:spPr>
+                <p:txBody>
+                  <a:bodyPr/>
+                  <a:lstStyle/>
+                  <a:p>
+                    <a:r>
+                      <a:rPr lang="en-US">
+                        <a:noFill/>
+                      </a:rPr>
+                      <a:t> </a:t>
+                    </a:r>
+                  </a:p>
+                </p:txBody>
+              </p:sp>
+            </mc:Fallback>
+          </mc:AlternateContent>
+          <mc:AlternateContent xmlns:mc="http://schemas.openxmlformats.org/markup-compatibility/2006">
+            <mc:Choice xmlns:a14="http://schemas.microsoft.com/office/drawing/2010/main" Requires="a14">
+              <p:sp>
+                <p:nvSpPr>
+                  <p:cNvPr id="9" name="Oval 8"/>
+                  <p:cNvSpPr/>
+                  <p:nvPr/>
+                </p:nvSpPr>
+                <p:spPr>
+                  <a:xfrm>
+                    <a:off x="3888377" y="5068388"/>
+                    <a:ext cx="666206" cy="640080"/>
+                  </a:xfrm>
+                  <a:prstGeom prst="ellipse">
+                    <a:avLst/>
+                  </a:prstGeom>
+                </p:spPr>
+                <p:style>
+                  <a:lnRef idx="2">
+                    <a:schemeClr val="accent1"/>
+                  </a:lnRef>
+                  <a:fillRef idx="1">
+                    <a:schemeClr val="lt1"/>
+                  </a:fillRef>
+                  <a:effectRef idx="0">
+                    <a:schemeClr val="accent1"/>
+                  </a:effectRef>
+                  <a:fontRef idx="minor">
+                    <a:schemeClr val="dk1"/>
+                  </a:fontRef>
+                </p:style>
+                <p:txBody>
+                  <a:bodyPr rtlCol="0" anchor="ctr"/>
+                  <a:lstStyle/>
+                  <a:p>
+                    <a:pPr algn="ctr"/>
+                    <a14:m>
+                      <m:oMathPara xmlns:m="http://schemas.openxmlformats.org/officeDocument/2006/math">
+                        <m:oMathParaPr>
+                          <m:jc m:val="centerGroup"/>
+                        </m:oMathParaPr>
+                        <m:oMath xmlns:m="http://schemas.openxmlformats.org/officeDocument/2006/math">
+                          <m:sSub>
+                            <m:sSubPr>
+                              <m:ctrlPr>
+                                <a:rPr lang="en-US" i="1" smtClean="0">
+                                  <a:solidFill>
+                                    <a:schemeClr val="tx2"/>
+                                  </a:solidFill>
+                                  <a:latin typeface="Cambria Math" panose="02040503050406030204" pitchFamily="18" charset="0"/>
+                                </a:rPr>
+                              </m:ctrlPr>
+                            </m:sSubPr>
+                            <m:e>
+                              <m:r>
+                                <a:rPr lang="sv-SE" i="1">
+                                  <a:solidFill>
+                                    <a:schemeClr val="tx2"/>
+                                  </a:solidFill>
+                                  <a:latin typeface="Cambria Math" panose="02040503050406030204" pitchFamily="18" charset="0"/>
+                                </a:rPr>
+                                <m:t>𝑌</m:t>
+                              </m:r>
+                            </m:e>
+                            <m:sub>
+                              <m:r>
+                                <a:rPr lang="sv-SE" b="0" i="1" smtClean="0">
+                                  <a:solidFill>
+                                    <a:schemeClr val="tx2"/>
+                                  </a:solidFill>
+                                  <a:latin typeface="Cambria Math" panose="02040503050406030204" pitchFamily="18" charset="0"/>
+                                </a:rPr>
+                                <m:t>2</m:t>
+                              </m:r>
+                            </m:sub>
+                          </m:sSub>
+                        </m:oMath>
+                      </m:oMathPara>
+                    </a14:m>
+                    <a:endParaRPr lang="en-US" dirty="0">
+                      <a:solidFill>
+                        <a:schemeClr val="tx2"/>
+                      </a:solidFill>
+                    </a:endParaRPr>
+                  </a:p>
+                </p:txBody>
+              </p:sp>
+            </mc:Choice>
+            <mc:Fallback>
+              <p:sp>
+                <p:nvSpPr>
+                  <p:cNvPr id="9" name="Oval 8"/>
+                  <p:cNvSpPr>
+                    <a:spLocks noRot="1" noChangeAspect="1" noMove="1" noResize="1" noEditPoints="1" noAdjustHandles="1" noChangeArrowheads="1" noChangeShapeType="1" noTextEdit="1"/>
+                  </p:cNvSpPr>
+                  <p:nvPr/>
+                </p:nvSpPr>
+                <p:spPr>
+                  <a:xfrm>
+                    <a:off x="3888377" y="5068388"/>
+                    <a:ext cx="666206" cy="640080"/>
+                  </a:xfrm>
+                  <a:prstGeom prst="ellipse">
+                    <a:avLst/>
+                  </a:prstGeom>
+                  <a:blipFill>
+                    <a:blip r:embed="rId8"/>
+                    <a:stretch>
+                      <a:fillRect/>
+                    </a:stretch>
+                  </a:blipFill>
+                </p:spPr>
+                <p:txBody>
+                  <a:bodyPr/>
+                  <a:lstStyle/>
+                  <a:p>
+                    <a:r>
+                      <a:rPr lang="en-US">
+                        <a:noFill/>
+                      </a:rPr>
+                      <a:t> </a:t>
+                    </a:r>
+                  </a:p>
+                </p:txBody>
+              </p:sp>
+            </mc:Fallback>
+          </mc:AlternateContent>
+          <mc:AlternateContent xmlns:mc="http://schemas.openxmlformats.org/markup-compatibility/2006">
+            <mc:Choice xmlns:a14="http://schemas.microsoft.com/office/drawing/2010/main" Requires="a14">
+              <p:sp>
+                <p:nvSpPr>
+                  <p:cNvPr id="10" name="Oval 9"/>
+                  <p:cNvSpPr/>
+                  <p:nvPr/>
+                </p:nvSpPr>
+                <p:spPr>
+                  <a:xfrm>
+                    <a:off x="5229497" y="5064034"/>
+                    <a:ext cx="666206" cy="640080"/>
+                  </a:xfrm>
+                  <a:prstGeom prst="ellipse">
+                    <a:avLst/>
+                  </a:prstGeom>
+                </p:spPr>
+                <p:style>
+                  <a:lnRef idx="2">
+                    <a:schemeClr val="accent1"/>
+                  </a:lnRef>
+                  <a:fillRef idx="1">
+                    <a:schemeClr val="lt1"/>
+                  </a:fillRef>
+                  <a:effectRef idx="0">
+                    <a:schemeClr val="accent1"/>
+                  </a:effectRef>
+                  <a:fontRef idx="minor">
+                    <a:schemeClr val="dk1"/>
+                  </a:fontRef>
+                </p:style>
+                <p:txBody>
+                  <a:bodyPr rtlCol="0" anchor="ctr"/>
+                  <a:lstStyle/>
+                  <a:p>
+                    <a:pPr algn="ctr"/>
+                    <a14:m>
+                      <m:oMathPara xmlns:m="http://schemas.openxmlformats.org/officeDocument/2006/math">
+                        <m:oMathParaPr>
+                          <m:jc m:val="centerGroup"/>
+                        </m:oMathParaPr>
+                        <m:oMath xmlns:m="http://schemas.openxmlformats.org/officeDocument/2006/math">
+                          <m:sSub>
+                            <m:sSubPr>
+                              <m:ctrlPr>
+                                <a:rPr lang="en-US" i="1" smtClean="0">
+                                  <a:solidFill>
+                                    <a:schemeClr val="tx2"/>
+                                  </a:solidFill>
+                                  <a:latin typeface="Cambria Math" panose="02040503050406030204" pitchFamily="18" charset="0"/>
+                                </a:rPr>
+                              </m:ctrlPr>
+                            </m:sSubPr>
+                            <m:e>
+                              <m:r>
+                                <a:rPr lang="sv-SE" i="1">
+                                  <a:solidFill>
+                                    <a:schemeClr val="tx2"/>
+                                  </a:solidFill>
+                                  <a:latin typeface="Cambria Math" panose="02040503050406030204" pitchFamily="18" charset="0"/>
+                                </a:rPr>
+                                <m:t>𝑌</m:t>
+                              </m:r>
+                            </m:e>
+                            <m:sub>
+                              <m:r>
+                                <a:rPr lang="sv-SE" b="0" i="1" smtClean="0">
+                                  <a:solidFill>
+                                    <a:schemeClr val="tx2"/>
+                                  </a:solidFill>
+                                  <a:latin typeface="Cambria Math" panose="02040503050406030204" pitchFamily="18" charset="0"/>
+                                </a:rPr>
+                                <m:t>3</m:t>
+                              </m:r>
+                            </m:sub>
+                          </m:sSub>
+                        </m:oMath>
+                      </m:oMathPara>
+                    </a14:m>
+                    <a:endParaRPr lang="en-US" dirty="0">
+                      <a:solidFill>
+                        <a:schemeClr val="tx2"/>
+                      </a:solidFill>
+                    </a:endParaRPr>
+                  </a:p>
+                </p:txBody>
+              </p:sp>
+            </mc:Choice>
+            <mc:Fallback>
+              <p:sp>
+                <p:nvSpPr>
+                  <p:cNvPr id="10" name="Oval 9"/>
+                  <p:cNvSpPr>
+                    <a:spLocks noRot="1" noChangeAspect="1" noMove="1" noResize="1" noEditPoints="1" noAdjustHandles="1" noChangeArrowheads="1" noChangeShapeType="1" noTextEdit="1"/>
+                  </p:cNvSpPr>
+                  <p:nvPr/>
+                </p:nvSpPr>
+                <p:spPr>
+                  <a:xfrm>
+                    <a:off x="5229497" y="5064034"/>
+                    <a:ext cx="666206" cy="640080"/>
+                  </a:xfrm>
+                  <a:prstGeom prst="ellipse">
+                    <a:avLst/>
+                  </a:prstGeom>
+                  <a:blipFill>
+                    <a:blip r:embed="rId9"/>
+                    <a:stretch>
+                      <a:fillRect/>
+                    </a:stretch>
+                  </a:blipFill>
+                </p:spPr>
+                <p:txBody>
+                  <a:bodyPr/>
+                  <a:lstStyle/>
+                  <a:p>
+                    <a:r>
+                      <a:rPr lang="en-US">
+                        <a:noFill/>
+                      </a:rPr>
+                      <a:t> </a:t>
+                    </a:r>
+                  </a:p>
+                </p:txBody>
+              </p:sp>
+            </mc:Fallback>
+          </mc:AlternateContent>
+          <mc:AlternateContent xmlns:mc="http://schemas.openxmlformats.org/markup-compatibility/2006">
+            <mc:Choice xmlns:a14="http://schemas.microsoft.com/office/drawing/2010/main" Requires="a14">
+              <p:sp>
+                <p:nvSpPr>
+                  <p:cNvPr id="11" name="Oval 10"/>
+                  <p:cNvSpPr/>
+                  <p:nvPr/>
+                </p:nvSpPr>
+                <p:spPr>
+                  <a:xfrm>
+                    <a:off x="7911737" y="5068388"/>
+                    <a:ext cx="666206" cy="640080"/>
+                  </a:xfrm>
+                  <a:prstGeom prst="ellipse">
+                    <a:avLst/>
+                  </a:prstGeom>
+                </p:spPr>
+                <p:style>
+                  <a:lnRef idx="2">
+                    <a:schemeClr val="accent1"/>
+                  </a:lnRef>
+                  <a:fillRef idx="1">
+                    <a:schemeClr val="lt1"/>
+                  </a:fillRef>
+                  <a:effectRef idx="0">
+                    <a:schemeClr val="accent1"/>
+                  </a:effectRef>
+                  <a:fontRef idx="minor">
+                    <a:schemeClr val="dk1"/>
+                  </a:fontRef>
+                </p:style>
+                <p:txBody>
+                  <a:bodyPr rtlCol="0" anchor="ctr"/>
+                  <a:lstStyle/>
+                  <a:p>
+                    <a:pPr algn="ctr"/>
+                    <a14:m>
+                      <m:oMathPara xmlns:m="http://schemas.openxmlformats.org/officeDocument/2006/math">
+                        <m:oMathParaPr>
+                          <m:jc m:val="centerGroup"/>
+                        </m:oMathParaPr>
+                        <m:oMath xmlns:m="http://schemas.openxmlformats.org/officeDocument/2006/math">
+                          <m:sSub>
+                            <m:sSubPr>
+                              <m:ctrlPr>
+                                <a:rPr lang="en-US" i="1" smtClean="0">
+                                  <a:solidFill>
+                                    <a:schemeClr val="tx2"/>
+                                  </a:solidFill>
+                                  <a:latin typeface="Cambria Math" panose="02040503050406030204" pitchFamily="18" charset="0"/>
+                                </a:rPr>
+                              </m:ctrlPr>
+                            </m:sSubPr>
+                            <m:e>
+                              <m:r>
+                                <a:rPr lang="sv-SE" i="1">
+                                  <a:solidFill>
+                                    <a:schemeClr val="tx2"/>
+                                  </a:solidFill>
+                                  <a:latin typeface="Cambria Math" panose="02040503050406030204" pitchFamily="18" charset="0"/>
+                                </a:rPr>
+                                <m:t>𝑌</m:t>
+                              </m:r>
+                            </m:e>
+                            <m:sub>
+                              <m:r>
+                                <a:rPr lang="sv-SE" b="0" i="1" smtClean="0">
+                                  <a:solidFill>
+                                    <a:schemeClr val="tx2"/>
+                                  </a:solidFill>
+                                  <a:latin typeface="Cambria Math" panose="02040503050406030204" pitchFamily="18" charset="0"/>
+                                </a:rPr>
+                                <m:t>𝑇</m:t>
+                              </m:r>
+                            </m:sub>
+                          </m:sSub>
+                        </m:oMath>
+                      </m:oMathPara>
+                    </a14:m>
+                    <a:endParaRPr lang="en-US" dirty="0">
+                      <a:solidFill>
+                        <a:schemeClr val="tx2"/>
+                      </a:solidFill>
+                    </a:endParaRPr>
+                  </a:p>
+                </p:txBody>
+              </p:sp>
+            </mc:Choice>
+            <mc:Fallback>
+              <p:sp>
+                <p:nvSpPr>
+                  <p:cNvPr id="11" name="Oval 10"/>
+                  <p:cNvSpPr>
+                    <a:spLocks noRot="1" noChangeAspect="1" noMove="1" noResize="1" noEditPoints="1" noAdjustHandles="1" noChangeArrowheads="1" noChangeShapeType="1" noTextEdit="1"/>
+                  </p:cNvSpPr>
+                  <p:nvPr/>
+                </p:nvSpPr>
+                <p:spPr>
+                  <a:xfrm>
+                    <a:off x="7911737" y="5068388"/>
+                    <a:ext cx="666206" cy="640080"/>
+                  </a:xfrm>
+                  <a:prstGeom prst="ellipse">
+                    <a:avLst/>
+                  </a:prstGeom>
+                  <a:blipFill>
+                    <a:blip r:embed="rId10"/>
+                    <a:stretch>
+                      <a:fillRect/>
+                    </a:stretch>
+                  </a:blipFill>
+                </p:spPr>
+                <p:txBody>
+                  <a:bodyPr/>
+                  <a:lstStyle/>
+                  <a:p>
+                    <a:r>
+                      <a:rPr lang="en-US">
+                        <a:noFill/>
+                      </a:rPr>
+                      <a:t> </a:t>
+                    </a:r>
+                  </a:p>
+                </p:txBody>
+              </p:sp>
+            </mc:Fallback>
+          </mc:AlternateContent>
+          <p:cxnSp>
+            <p:nvCxnSpPr>
+              <p:cNvPr id="13" name="Straight Arrow Connector 12"/>
+              <p:cNvCxnSpPr>
+                <a:stCxn id="4" idx="4"/>
+                <a:endCxn id="8" idx="0"/>
+              </p:cNvCxnSpPr>
+              <p:nvPr/>
+            </p:nvCxnSpPr>
+            <p:spPr>
+              <a:xfrm>
+                <a:off x="2880360" y="4454434"/>
+                <a:ext cx="0" cy="609600"/>
+              </a:xfrm>
+              <a:prstGeom prst="straightConnector1">
+                <a:avLst/>
+              </a:prstGeom>
+              <a:ln>
+                <a:tailEnd type="triangle"/>
+              </a:ln>
+            </p:spPr>
+            <p:style>
+              <a:lnRef idx="1">
+                <a:schemeClr val="accent1"/>
+              </a:lnRef>
+              <a:fillRef idx="0">
+                <a:schemeClr val="accent1"/>
+              </a:fillRef>
+              <a:effectRef idx="0">
+                <a:schemeClr val="accent1"/>
+              </a:effectRef>
+              <a:fontRef idx="minor">
+                <a:schemeClr val="tx1"/>
+              </a:fontRef>
+            </p:style>
+          </p:cxnSp>
+          <p:cxnSp>
+            <p:nvCxnSpPr>
+              <p:cNvPr id="16" name="Straight Arrow Connector 15"/>
+              <p:cNvCxnSpPr>
+                <a:stCxn id="5" idx="4"/>
+                <a:endCxn id="9" idx="0"/>
+              </p:cNvCxnSpPr>
+              <p:nvPr/>
+            </p:nvCxnSpPr>
+            <p:spPr>
+              <a:xfrm>
+                <a:off x="4221480" y="4458788"/>
+                <a:ext cx="0" cy="609600"/>
+              </a:xfrm>
+              <a:prstGeom prst="straightConnector1">
+                <a:avLst/>
+              </a:prstGeom>
+              <a:ln>
+                <a:tailEnd type="triangle"/>
+              </a:ln>
+            </p:spPr>
+            <p:style>
+              <a:lnRef idx="1">
+                <a:schemeClr val="accent1"/>
+              </a:lnRef>
+              <a:fillRef idx="0">
+                <a:schemeClr val="accent1"/>
+              </a:fillRef>
+              <a:effectRef idx="0">
+                <a:schemeClr val="accent1"/>
+              </a:effectRef>
+              <a:fontRef idx="minor">
+                <a:schemeClr val="tx1"/>
+              </a:fontRef>
+            </p:style>
+          </p:cxnSp>
+          <p:cxnSp>
+            <p:nvCxnSpPr>
+              <p:cNvPr id="18" name="Straight Arrow Connector 17"/>
+              <p:cNvCxnSpPr>
+                <a:stCxn id="6" idx="4"/>
+                <a:endCxn id="10" idx="0"/>
+              </p:cNvCxnSpPr>
+              <p:nvPr/>
+            </p:nvCxnSpPr>
+            <p:spPr>
+              <a:xfrm>
+                <a:off x="5562600" y="4454434"/>
+                <a:ext cx="0" cy="609600"/>
+              </a:xfrm>
+              <a:prstGeom prst="straightConnector1">
+                <a:avLst/>
+              </a:prstGeom>
+              <a:ln>
+                <a:tailEnd type="triangle"/>
+              </a:ln>
+            </p:spPr>
+            <p:style>
+              <a:lnRef idx="1">
+                <a:schemeClr val="accent1"/>
+              </a:lnRef>
+              <a:fillRef idx="0">
+                <a:schemeClr val="accent1"/>
+              </a:fillRef>
+              <a:effectRef idx="0">
+                <a:schemeClr val="accent1"/>
+              </a:effectRef>
+              <a:fontRef idx="minor">
+                <a:schemeClr val="tx1"/>
+              </a:fontRef>
+            </p:style>
+          </p:cxnSp>
+          <p:cxnSp>
+            <p:nvCxnSpPr>
+              <p:cNvPr id="20" name="Straight Arrow Connector 19"/>
+              <p:cNvCxnSpPr>
+                <a:stCxn id="7" idx="4"/>
+                <a:endCxn id="11" idx="0"/>
+              </p:cNvCxnSpPr>
+              <p:nvPr/>
+            </p:nvCxnSpPr>
+            <p:spPr>
+              <a:xfrm>
+                <a:off x="8244840" y="4458788"/>
+                <a:ext cx="0" cy="609600"/>
+              </a:xfrm>
+              <a:prstGeom prst="straightConnector1">
+                <a:avLst/>
+              </a:prstGeom>
+              <a:ln>
+                <a:tailEnd type="triangle"/>
+              </a:ln>
+            </p:spPr>
+            <p:style>
+              <a:lnRef idx="1">
+                <a:schemeClr val="accent1"/>
+              </a:lnRef>
+              <a:fillRef idx="0">
+                <a:schemeClr val="accent1"/>
+              </a:fillRef>
+              <a:effectRef idx="0">
+                <a:schemeClr val="accent1"/>
+              </a:effectRef>
+              <a:fontRef idx="minor">
+                <a:schemeClr val="tx1"/>
+              </a:fontRef>
+            </p:style>
+          </p:cxnSp>
+          <p:cxnSp>
+            <p:nvCxnSpPr>
+              <p:cNvPr id="22" name="Straight Arrow Connector 21"/>
+              <p:cNvCxnSpPr>
+                <a:stCxn id="4" idx="6"/>
+                <a:endCxn id="5" idx="2"/>
+              </p:cNvCxnSpPr>
+              <p:nvPr/>
+            </p:nvCxnSpPr>
+            <p:spPr>
+              <a:xfrm>
+                <a:off x="3213463" y="4134394"/>
+                <a:ext cx="674914" cy="4354"/>
+              </a:xfrm>
+              <a:prstGeom prst="straightConnector1">
+                <a:avLst/>
+              </a:prstGeom>
+              <a:ln>
+                <a:tailEnd type="triangle"/>
+              </a:ln>
+            </p:spPr>
+            <p:style>
+              <a:lnRef idx="1">
+                <a:schemeClr val="accent1"/>
+              </a:lnRef>
+              <a:fillRef idx="0">
+                <a:schemeClr val="accent1"/>
+              </a:fillRef>
+              <a:effectRef idx="0">
+                <a:schemeClr val="accent1"/>
+              </a:effectRef>
+              <a:fontRef idx="minor">
+                <a:schemeClr val="tx1"/>
+              </a:fontRef>
+            </p:style>
+          </p:cxnSp>
+          <p:cxnSp>
+            <p:nvCxnSpPr>
+              <p:cNvPr id="24" name="Straight Arrow Connector 23"/>
+              <p:cNvCxnSpPr>
+                <a:stCxn id="5" idx="6"/>
+                <a:endCxn id="6" idx="2"/>
+              </p:cNvCxnSpPr>
+              <p:nvPr/>
+            </p:nvCxnSpPr>
+            <p:spPr>
+              <a:xfrm flipV="1">
+                <a:off x="4554583" y="4134394"/>
+                <a:ext cx="674914" cy="4354"/>
+              </a:xfrm>
+              <a:prstGeom prst="straightConnector1">
+                <a:avLst/>
+              </a:prstGeom>
+              <a:ln>
+                <a:tailEnd type="triangle"/>
+              </a:ln>
+            </p:spPr>
+            <p:style>
+              <a:lnRef idx="1">
+                <a:schemeClr val="accent1"/>
+              </a:lnRef>
+              <a:fillRef idx="0">
+                <a:schemeClr val="accent1"/>
+              </a:fillRef>
+              <a:effectRef idx="0">
+                <a:schemeClr val="accent1"/>
+              </a:effectRef>
+              <a:fontRef idx="minor">
+                <a:schemeClr val="tx1"/>
+              </a:fontRef>
+            </p:style>
+          </p:cxnSp>
+          <p:cxnSp>
+            <p:nvCxnSpPr>
+              <p:cNvPr id="27" name="Straight Arrow Connector 26"/>
+              <p:cNvCxnSpPr/>
+              <p:nvPr/>
+            </p:nvCxnSpPr>
+            <p:spPr>
+              <a:xfrm flipV="1">
+                <a:off x="5904411" y="4130040"/>
+                <a:ext cx="674914" cy="4354"/>
+              </a:xfrm>
+              <a:prstGeom prst="straightConnector1">
+                <a:avLst/>
+              </a:prstGeom>
+              <a:ln>
+                <a:tailEnd type="triangle"/>
+              </a:ln>
+            </p:spPr>
+            <p:style>
+              <a:lnRef idx="1">
+                <a:schemeClr val="accent1"/>
+              </a:lnRef>
+              <a:fillRef idx="0">
+                <a:schemeClr val="accent1"/>
+              </a:fillRef>
+              <a:effectRef idx="0">
+                <a:schemeClr val="accent1"/>
+              </a:effectRef>
+              <a:fontRef idx="minor">
+                <a:schemeClr val="tx1"/>
+              </a:fontRef>
+            </p:style>
+          </p:cxnSp>
+          <p:cxnSp>
+            <p:nvCxnSpPr>
+              <p:cNvPr id="28" name="Straight Arrow Connector 27"/>
+              <p:cNvCxnSpPr/>
+              <p:nvPr/>
+            </p:nvCxnSpPr>
+            <p:spPr>
+              <a:xfrm flipV="1">
+                <a:off x="7228115" y="4138748"/>
+                <a:ext cx="674914" cy="4354"/>
+              </a:xfrm>
+              <a:prstGeom prst="straightConnector1">
+                <a:avLst/>
+              </a:prstGeom>
+              <a:ln>
+                <a:tailEnd type="triangle"/>
+              </a:ln>
+            </p:spPr>
+            <p:style>
+              <a:lnRef idx="1">
+                <a:schemeClr val="accent1"/>
+              </a:lnRef>
+              <a:fillRef idx="0">
+                <a:schemeClr val="accent1"/>
+              </a:fillRef>
+              <a:effectRef idx="0">
+                <a:schemeClr val="accent1"/>
+              </a:effectRef>
+              <a:fontRef idx="minor">
+                <a:schemeClr val="tx1"/>
+              </a:fontRef>
+            </p:style>
+          </p:cxnSp>
+          <p:sp>
+            <p:nvSpPr>
+              <p:cNvPr id="29" name="TextBox 28"/>
+              <p:cNvSpPr txBox="1"/>
+              <p:nvPr/>
+            </p:nvSpPr>
+            <p:spPr>
+              <a:xfrm>
+                <a:off x="6711692" y="3893121"/>
+                <a:ext cx="420628" cy="369332"/>
+              </a:xfrm>
+              <a:prstGeom prst="rect">
+                <a:avLst/>
+              </a:prstGeom>
+              <a:noFill/>
+            </p:spPr>
+            <p:txBody>
+              <a:bodyPr wrap="none" rtlCol="0">
+                <a:spAutoFit/>
+              </a:bodyPr>
+              <a:lstStyle/>
+              <a:p>
+                <a:r>
+                  <a:rPr lang="en-US" dirty="0">
+                    <a:solidFill>
+                      <a:schemeClr val="accent1"/>
+                    </a:solidFill>
+                  </a:rPr>
+                  <a:t>. . .</a:t>
+                </a:r>
+              </a:p>
+            </p:txBody>
+          </p:sp>
+        </p:grpSp>
+        <p:sp>
+          <p:nvSpPr>
+            <p:cNvPr id="32" name="TextBox 31"/>
+            <p:cNvSpPr txBox="1"/>
+            <p:nvPr/>
+          </p:nvSpPr>
+          <p:spPr>
+            <a:xfrm>
+              <a:off x="1870191" y="3941018"/>
+              <a:ext cx="862095" cy="369332"/>
+            </a:xfrm>
+            <a:prstGeom prst="rect">
+              <a:avLst/>
+            </a:prstGeom>
+            <a:noFill/>
+          </p:spPr>
+          <p:txBody>
+            <a:bodyPr wrap="none" rtlCol="0">
+              <a:spAutoFit/>
+            </a:bodyPr>
+            <a:lstStyle/>
+            <a:p>
+              <a:r>
+                <a:rPr lang="en-US" dirty="0">
+                  <a:solidFill>
+                    <a:schemeClr val="tx2"/>
+                  </a:solidFill>
+                </a:rPr>
+                <a:t>Hidden</a:t>
+              </a:r>
+            </a:p>
+          </p:txBody>
+        </p:sp>
+        <p:sp>
+          <p:nvSpPr>
+            <p:cNvPr id="33" name="TextBox 32"/>
+            <p:cNvSpPr txBox="1"/>
+            <p:nvPr/>
+          </p:nvSpPr>
+          <p:spPr>
+            <a:xfrm>
+              <a:off x="1737462" y="5195054"/>
+              <a:ext cx="994824" cy="369332"/>
+            </a:xfrm>
+            <a:prstGeom prst="rect">
+              <a:avLst/>
+            </a:prstGeom>
+            <a:noFill/>
+          </p:spPr>
+          <p:txBody>
+            <a:bodyPr wrap="none" rtlCol="0">
+              <a:spAutoFit/>
+            </a:bodyPr>
+            <a:lstStyle/>
+            <a:p>
+              <a:r>
+                <a:rPr lang="en-US" dirty="0">
+                  <a:solidFill>
+                    <a:schemeClr val="tx2"/>
+                  </a:solidFill>
+                </a:rPr>
+                <a:t>Observe</a:t>
+              </a:r>
+            </a:p>
+          </p:txBody>
+        </p:sp>
+      </p:grpSp>
     </p:spTree>
     <p:extLst>
       <p:ext uri="{BB962C8B-B14F-4D97-AF65-F5344CB8AC3E}">
-        <p14:creationId xmlns:p14="http://schemas.microsoft.com/office/powerpoint/2010/main" val="3773473026"/>
+        <p14:creationId xmlns:p14="http://schemas.microsoft.com/office/powerpoint/2010/main" val="1070327070"/>
       </p:ext>
     </p:extLst>
   </p:cSld>
@@ -4971,7 +8339,7 @@
           <a:p>
             <a:r>
               <a:rPr lang="en-US" dirty="0"/>
-              <a:t>Suggested methods</a:t>
+              <a:t>Outline for work</a:t>
             </a:r>
           </a:p>
         </p:txBody>
@@ -4988,19 +8356,28 @@
         </p:nvSpPr>
         <p:spPr/>
         <p:txBody>
-          <a:bodyPr>
+          <a:bodyPr anchor="t">
             <a:normAutofit/>
           </a:bodyPr>
           <a:lstStyle/>
           <a:p>
-            <a:endParaRPr lang="en-US" sz="2000" dirty="0"/>
+            <a:r>
+              <a:rPr lang="en-US" sz="2000" dirty="0"/>
+              <a:t>Find suitable method</a:t>
+            </a:r>
+          </a:p>
+          <a:p>
+            <a:r>
+              <a:rPr lang="en-US" sz="2000" dirty="0"/>
+              <a:t>Implement algorithm</a:t>
+            </a:r>
           </a:p>
         </p:txBody>
       </p:sp>
     </p:spTree>
     <p:extLst>
       <p:ext uri="{BB962C8B-B14F-4D97-AF65-F5344CB8AC3E}">
-        <p14:creationId xmlns:p14="http://schemas.microsoft.com/office/powerpoint/2010/main" val="1070327070"/>
+        <p14:creationId xmlns:p14="http://schemas.microsoft.com/office/powerpoint/2010/main" val="1312933840"/>
       </p:ext>
     </p:extLst>
   </p:cSld>
@@ -5044,7 +8421,7 @@
           <a:p>
             <a:r>
               <a:rPr lang="en-US" dirty="0"/>
-              <a:t>Outline for work</a:t>
+              <a:t>Reference</a:t>
             </a:r>
           </a:p>
         </p:txBody>
@@ -5061,20 +8438,66 @@
         </p:nvSpPr>
         <p:spPr/>
         <p:txBody>
-          <a:bodyPr>
-            <a:normAutofit/>
-          </a:bodyPr>
+          <a:bodyPr anchor="t"/>
           <a:lstStyle/>
           <a:p>
             <a:r>
-              <a:rPr lang="en-US" sz="2000" dirty="0"/>
-              <a:t>Find suitable method</a:t>
-            </a:r>
-          </a:p>
-          <a:p>
-            <a:r>
-              <a:rPr lang="en-US" sz="2000" dirty="0"/>
-              <a:t>Implement algorithm</a:t>
+              <a:rPr lang="en-US" dirty="0"/>
+              <a:t>James, N. A., &amp; Matteson, D. S. (2013). </a:t>
+            </a:r>
+            <a:r>
+              <a:rPr lang="en-US" dirty="0" err="1"/>
+              <a:t>ecp</a:t>
+            </a:r>
+            <a:r>
+              <a:rPr lang="en-US" dirty="0"/>
+              <a:t>: An R package for nonparametric multiple change point analysis of multivariate data. </a:t>
+            </a:r>
+            <a:r>
+              <a:rPr lang="en-US" i="1" dirty="0" err="1"/>
+              <a:t>arXiv</a:t>
+            </a:r>
+            <a:r>
+              <a:rPr lang="en-US" i="1" dirty="0"/>
+              <a:t> preprint arXiv:1309.3295</a:t>
+            </a:r>
+            <a:r>
+              <a:rPr lang="en-US" dirty="0"/>
+              <a:t>.</a:t>
+            </a:r>
+          </a:p>
+          <a:p>
+            <a:r>
+              <a:rPr lang="en-US" dirty="0"/>
+              <a:t>Luong, T. M., </a:t>
+            </a:r>
+            <a:r>
+              <a:rPr lang="en-US" dirty="0" err="1"/>
+              <a:t>Perduca</a:t>
+            </a:r>
+            <a:r>
+              <a:rPr lang="en-US" dirty="0"/>
+              <a:t>, V., &amp; </a:t>
+            </a:r>
+            <a:r>
+              <a:rPr lang="en-US" dirty="0" err="1"/>
+              <a:t>Nuel</a:t>
+            </a:r>
+            <a:r>
+              <a:rPr lang="en-US" dirty="0"/>
+              <a:t>, G. (2012). Hidden Markov Model Applications in Change-Point Analysis. </a:t>
+            </a:r>
+            <a:r>
+              <a:rPr lang="en-US" i="1" dirty="0" err="1"/>
+              <a:t>arXiv</a:t>
+            </a:r>
+            <a:r>
+              <a:rPr lang="en-US" i="1" dirty="0"/>
+              <a:t> preprint arXiv:1212.1778</a:t>
+            </a:r>
+            <a:r>
+              <a:rPr lang="en-US" dirty="0"/>
+              <a:t>.</a:t>
             </a:r>
           </a:p>
         </p:txBody>
@@ -5082,7 +8505,7 @@
     </p:spTree>
     <p:extLst>
       <p:ext uri="{BB962C8B-B14F-4D97-AF65-F5344CB8AC3E}">
-        <p14:creationId xmlns:p14="http://schemas.microsoft.com/office/powerpoint/2010/main" val="1312933840"/>
+        <p14:creationId xmlns:p14="http://schemas.microsoft.com/office/powerpoint/2010/main" val="189646909"/>
       </p:ext>
     </p:extLst>
   </p:cSld>
@@ -5359,4 +8782,594 @@
     </a:ext>
   </a:extLst>
 </a:theme>
+</file>
+
+<file path=ppt/theme/theme2.xml><?xml version="1.0" encoding="utf-8"?>
+<a:theme xmlns:a="http://schemas.openxmlformats.org/drawingml/2006/main" name="Office Theme">
+  <a:themeElements>
+    <a:clrScheme name="Office">
+      <a:dk1>
+        <a:sysClr val="windowText" lastClr="000000"/>
+      </a:dk1>
+      <a:lt1>
+        <a:sysClr val="window" lastClr="FFFFFF"/>
+      </a:lt1>
+      <a:dk2>
+        <a:srgbClr val="44546A"/>
+      </a:dk2>
+      <a:lt2>
+        <a:srgbClr val="E7E6E6"/>
+      </a:lt2>
+      <a:accent1>
+        <a:srgbClr val="5B9BD5"/>
+      </a:accent1>
+      <a:accent2>
+        <a:srgbClr val="ED7D31"/>
+      </a:accent2>
+      <a:accent3>
+        <a:srgbClr val="A5A5A5"/>
+      </a:accent3>
+      <a:accent4>
+        <a:srgbClr val="FFC000"/>
+      </a:accent4>
+      <a:accent5>
+        <a:srgbClr val="4472C4"/>
+      </a:accent5>
+      <a:accent6>
+        <a:srgbClr val="70AD47"/>
+      </a:accent6>
+      <a:hlink>
+        <a:srgbClr val="0563C1"/>
+      </a:hlink>
+      <a:folHlink>
+        <a:srgbClr val="954F72"/>
+      </a:folHlink>
+    </a:clrScheme>
+    <a:fontScheme name="Office">
+      <a:majorFont>
+        <a:latin typeface="Calibri Light" panose="020F0302020204030204"/>
+        <a:ea typeface=""/>
+        <a:cs typeface=""/>
+        <a:font script="Jpan" typeface="游ゴシック Light"/>
+        <a:font script="Hang" typeface="맑은 고딕"/>
+        <a:font script="Hans" typeface="等线 Light"/>
+        <a:font script="Hant" typeface="新細明體"/>
+        <a:font script="Arab" typeface="Times New Roman"/>
+        <a:font script="Hebr" typeface="Times New Roman"/>
+        <a:font script="Thai" typeface="Angsana New"/>
+        <a:font script="Ethi" typeface="Nyala"/>
+        <a:font script="Beng" typeface="Vrinda"/>
+        <a:font script="Gujr" typeface="Shruti"/>
+        <a:font script="Khmr" typeface="MoolBoran"/>
+        <a:font script="Knda" typeface="Tunga"/>
+        <a:font script="Guru" typeface="Raavi"/>
+        <a:font script="Cans" typeface="Euphemia"/>
+        <a:font script="Cher" typeface="Plantagenet Cherokee"/>
+        <a:font script="Yiii" typeface="Microsoft Yi Baiti"/>
+        <a:font script="Tibt" typeface="Microsoft Himalaya"/>
+        <a:font script="Thaa" typeface="MV Boli"/>
+        <a:font script="Deva" typeface="Mangal"/>
+        <a:font script="Telu" typeface="Gautami"/>
+        <a:font script="Taml" typeface="Latha"/>
+        <a:font script="Syrc" typeface="Estrangelo Edessa"/>
+        <a:font script="Orya" typeface="Kalinga"/>
+        <a:font script="Mlym" typeface="Kartika"/>
+        <a:font script="Laoo" typeface="DokChampa"/>
+        <a:font script="Sinh" typeface="Iskoola Pota"/>
+        <a:font script="Mong" typeface="Mongolian Baiti"/>
+        <a:font script="Viet" typeface="Times New Roman"/>
+        <a:font script="Uigh" typeface="Microsoft Uighur"/>
+        <a:font script="Geor" typeface="Sylfaen"/>
+        <a:font script="Armn" typeface="Arial"/>
+        <a:font script="Bugi" typeface="Leelawadee UI"/>
+        <a:font script="Bopo" typeface="Microsoft JhengHei"/>
+        <a:font script="Java" typeface="Javanese Text"/>
+        <a:font script="Lisu" typeface="Segoe UI"/>
+        <a:font script="Mymr" typeface="Myanmar Text"/>
+        <a:font script="Nkoo" typeface="Ebrima"/>
+        <a:font script="Olck" typeface="Nirmala UI"/>
+        <a:font script="Osma" typeface="Ebrima"/>
+        <a:font script="Phag" typeface="Phagspa"/>
+        <a:font script="Syrn" typeface="Estrangelo Edessa"/>
+        <a:font script="Syrj" typeface="Estrangelo Edessa"/>
+        <a:font script="Syre" typeface="Estrangelo Edessa"/>
+        <a:font script="Sora" typeface="Nirmala UI"/>
+        <a:font script="Tale" typeface="Microsoft Tai Le"/>
+        <a:font script="Talu" typeface="Microsoft New Tai Lue"/>
+        <a:font script="Tfng" typeface="Ebrima"/>
+      </a:majorFont>
+      <a:minorFont>
+        <a:latin typeface="Calibri" panose="020F0502020204030204"/>
+        <a:ea typeface=""/>
+        <a:cs typeface=""/>
+        <a:font script="Jpan" typeface="游ゴシック"/>
+        <a:font script="Hang" typeface="맑은 고딕"/>
+        <a:font script="Hans" typeface="等线"/>
+        <a:font script="Hant" typeface="新細明體"/>
+        <a:font script="Arab" typeface="Arial"/>
+        <a:font script="Hebr" typeface="Arial"/>
+        <a:font script="Thai" typeface="Cordia New"/>
+        <a:font script="Ethi" typeface="Nyala"/>
+        <a:font script="Beng" typeface="Vrinda"/>
+        <a:font script="Gujr" typeface="Shruti"/>
+        <a:font script="Khmr" typeface="DaunPenh"/>
+        <a:font script="Knda" typeface="Tunga"/>
+        <a:font script="Guru" typeface="Raavi"/>
+        <a:font script="Cans" typeface="Euphemia"/>
+        <a:font script="Cher" typeface="Plantagenet Cherokee"/>
+        <a:font script="Yiii" typeface="Microsoft Yi Baiti"/>
+        <a:font script="Tibt" typeface="Microsoft Himalaya"/>
+        <a:font script="Thaa" typeface="MV Boli"/>
+        <a:font script="Deva" typeface="Mangal"/>
+        <a:font script="Telu" typeface="Gautami"/>
+        <a:font script="Taml" typeface="Latha"/>
+        <a:font script="Syrc" typeface="Estrangelo Edessa"/>
+        <a:font script="Orya" typeface="Kalinga"/>
+        <a:font script="Mlym" typeface="Kartika"/>
+        <a:font script="Laoo" typeface="DokChampa"/>
+        <a:font script="Sinh" typeface="Iskoola Pota"/>
+        <a:font script="Mong" typeface="Mongolian Baiti"/>
+        <a:font script="Viet" typeface="Arial"/>
+        <a:font script="Uigh" typeface="Microsoft Uighur"/>
+        <a:font script="Geor" typeface="Sylfaen"/>
+        <a:font script="Armn" typeface="Arial"/>
+        <a:font script="Bugi" typeface="Leelawadee UI"/>
+        <a:font script="Bopo" typeface="Microsoft JhengHei"/>
+        <a:font script="Java" typeface="Javanese Text"/>
+        <a:font script="Lisu" typeface="Segoe UI"/>
+        <a:font script="Mymr" typeface="Myanmar Text"/>
+        <a:font script="Nkoo" typeface="Ebrima"/>
+        <a:font script="Olck" typeface="Nirmala UI"/>
+        <a:font script="Osma" typeface="Ebrima"/>
+        <a:font script="Phag" typeface="Phagspa"/>
+        <a:font script="Syrn" typeface="Estrangelo Edessa"/>
+        <a:font script="Syrj" typeface="Estrangelo Edessa"/>
+        <a:font script="Syre" typeface="Estrangelo Edessa"/>
+        <a:font script="Sora" typeface="Nirmala UI"/>
+        <a:font script="Tale" typeface="Microsoft Tai Le"/>
+        <a:font script="Talu" typeface="Microsoft New Tai Lue"/>
+        <a:font script="Tfng" typeface="Ebrima"/>
+      </a:minorFont>
+    </a:fontScheme>
+    <a:fmtScheme name="Office">
+      <a:fillStyleLst>
+        <a:solidFill>
+          <a:schemeClr val="phClr"/>
+        </a:solidFill>
+        <a:gradFill rotWithShape="1">
+          <a:gsLst>
+            <a:gs pos="0">
+              <a:schemeClr val="phClr">
+                <a:lumMod val="110000"/>
+                <a:satMod val="105000"/>
+                <a:tint val="67000"/>
+              </a:schemeClr>
+            </a:gs>
+            <a:gs pos="50000">
+              <a:schemeClr val="phClr">
+                <a:lumMod val="105000"/>
+                <a:satMod val="103000"/>
+                <a:tint val="73000"/>
+              </a:schemeClr>
+            </a:gs>
+            <a:gs pos="100000">
+              <a:schemeClr val="phClr">
+                <a:lumMod val="105000"/>
+                <a:satMod val="109000"/>
+                <a:tint val="81000"/>
+              </a:schemeClr>
+            </a:gs>
+          </a:gsLst>
+          <a:lin ang="5400000" scaled="0"/>
+        </a:gradFill>
+        <a:gradFill rotWithShape="1">
+          <a:gsLst>
+            <a:gs pos="0">
+              <a:schemeClr val="phClr">
+                <a:satMod val="103000"/>
+                <a:lumMod val="102000"/>
+                <a:tint val="94000"/>
+              </a:schemeClr>
+            </a:gs>
+            <a:gs pos="50000">
+              <a:schemeClr val="phClr">
+                <a:satMod val="110000"/>
+                <a:lumMod val="100000"/>
+                <a:shade val="100000"/>
+              </a:schemeClr>
+            </a:gs>
+            <a:gs pos="100000">
+              <a:schemeClr val="phClr">
+                <a:lumMod val="99000"/>
+                <a:satMod val="120000"/>
+                <a:shade val="78000"/>
+              </a:schemeClr>
+            </a:gs>
+          </a:gsLst>
+          <a:lin ang="5400000" scaled="0"/>
+        </a:gradFill>
+      </a:fillStyleLst>
+      <a:lnStyleLst>
+        <a:ln w="6350" cap="flat" cmpd="sng" algn="ctr">
+          <a:solidFill>
+            <a:schemeClr val="phClr"/>
+          </a:solidFill>
+          <a:prstDash val="solid"/>
+          <a:miter lim="800000"/>
+        </a:ln>
+        <a:ln w="12700" cap="flat" cmpd="sng" algn="ctr">
+          <a:solidFill>
+            <a:schemeClr val="phClr"/>
+          </a:solidFill>
+          <a:prstDash val="solid"/>
+          <a:miter lim="800000"/>
+        </a:ln>
+        <a:ln w="19050" cap="flat" cmpd="sng" algn="ctr">
+          <a:solidFill>
+            <a:schemeClr val="phClr"/>
+          </a:solidFill>
+          <a:prstDash val="solid"/>
+          <a:miter lim="800000"/>
+        </a:ln>
+      </a:lnStyleLst>
+      <a:effectStyleLst>
+        <a:effectStyle>
+          <a:effectLst/>
+        </a:effectStyle>
+        <a:effectStyle>
+          <a:effectLst/>
+        </a:effectStyle>
+        <a:effectStyle>
+          <a:effectLst>
+            <a:outerShdw blurRad="57150" dist="19050" dir="5400000" algn="ctr" rotWithShape="0">
+              <a:srgbClr val="000000">
+                <a:alpha val="63000"/>
+              </a:srgbClr>
+            </a:outerShdw>
+          </a:effectLst>
+        </a:effectStyle>
+      </a:effectStyleLst>
+      <a:bgFillStyleLst>
+        <a:solidFill>
+          <a:schemeClr val="phClr"/>
+        </a:solidFill>
+        <a:solidFill>
+          <a:schemeClr val="phClr">
+            <a:tint val="95000"/>
+            <a:satMod val="170000"/>
+          </a:schemeClr>
+        </a:solidFill>
+        <a:gradFill rotWithShape="1">
+          <a:gsLst>
+            <a:gs pos="0">
+              <a:schemeClr val="phClr">
+                <a:tint val="93000"/>
+                <a:satMod val="150000"/>
+                <a:shade val="98000"/>
+                <a:lumMod val="102000"/>
+              </a:schemeClr>
+            </a:gs>
+            <a:gs pos="50000">
+              <a:schemeClr val="phClr">
+                <a:tint val="98000"/>
+                <a:satMod val="130000"/>
+                <a:shade val="90000"/>
+                <a:lumMod val="103000"/>
+              </a:schemeClr>
+            </a:gs>
+            <a:gs pos="100000">
+              <a:schemeClr val="phClr">
+                <a:shade val="63000"/>
+                <a:satMod val="120000"/>
+              </a:schemeClr>
+            </a:gs>
+          </a:gsLst>
+          <a:lin ang="5400000" scaled="0"/>
+        </a:gradFill>
+      </a:bgFillStyleLst>
+    </a:fmtScheme>
+  </a:themeElements>
+  <a:objectDefaults/>
+  <a:extraClrSchemeLst/>
+  <a:extLst>
+    <a:ext uri="{05A4C25C-085E-4340-85A3-A5531E510DB2}">
+      <thm15:themeFamily xmlns:thm15="http://schemas.microsoft.com/office/thememl/2012/main" name="Office Theme" id="{62F939B6-93AF-4DB8-9C6B-D6C7DFDC589F}" vid="{4A3C46E8-61CC-4603-A589-7422A47A8E4A}"/>
+    </a:ext>
+  </a:extLst>
+</a:theme>
+</file>
+
+<file path=ppt/theme/theme3.xml><?xml version="1.0" encoding="utf-8"?>
+<a:theme xmlns:a="http://schemas.openxmlformats.org/drawingml/2006/main" name="Office Theme">
+  <a:themeElements>
+    <a:clrScheme name="Office">
+      <a:dk1>
+        <a:sysClr val="windowText" lastClr="000000"/>
+      </a:dk1>
+      <a:lt1>
+        <a:sysClr val="window" lastClr="FFFFFF"/>
+      </a:lt1>
+      <a:dk2>
+        <a:srgbClr val="44546A"/>
+      </a:dk2>
+      <a:lt2>
+        <a:srgbClr val="E7E6E6"/>
+      </a:lt2>
+      <a:accent1>
+        <a:srgbClr val="5B9BD5"/>
+      </a:accent1>
+      <a:accent2>
+        <a:srgbClr val="ED7D31"/>
+      </a:accent2>
+      <a:accent3>
+        <a:srgbClr val="A5A5A5"/>
+      </a:accent3>
+      <a:accent4>
+        <a:srgbClr val="FFC000"/>
+      </a:accent4>
+      <a:accent5>
+        <a:srgbClr val="4472C4"/>
+      </a:accent5>
+      <a:accent6>
+        <a:srgbClr val="70AD47"/>
+      </a:accent6>
+      <a:hlink>
+        <a:srgbClr val="0563C1"/>
+      </a:hlink>
+      <a:folHlink>
+        <a:srgbClr val="954F72"/>
+      </a:folHlink>
+    </a:clrScheme>
+    <a:fontScheme name="Office">
+      <a:majorFont>
+        <a:latin typeface="Calibri Light" panose="020F0302020204030204"/>
+        <a:ea typeface=""/>
+        <a:cs typeface=""/>
+        <a:font script="Jpan" typeface="游ゴシック Light"/>
+        <a:font script="Hang" typeface="맑은 고딕"/>
+        <a:font script="Hans" typeface="等线 Light"/>
+        <a:font script="Hant" typeface="新細明體"/>
+        <a:font script="Arab" typeface="Times New Roman"/>
+        <a:font script="Hebr" typeface="Times New Roman"/>
+        <a:font script="Thai" typeface="Angsana New"/>
+        <a:font script="Ethi" typeface="Nyala"/>
+        <a:font script="Beng" typeface="Vrinda"/>
+        <a:font script="Gujr" typeface="Shruti"/>
+        <a:font script="Khmr" typeface="MoolBoran"/>
+        <a:font script="Knda" typeface="Tunga"/>
+        <a:font script="Guru" typeface="Raavi"/>
+        <a:font script="Cans" typeface="Euphemia"/>
+        <a:font script="Cher" typeface="Plantagenet Cherokee"/>
+        <a:font script="Yiii" typeface="Microsoft Yi Baiti"/>
+        <a:font script="Tibt" typeface="Microsoft Himalaya"/>
+        <a:font script="Thaa" typeface="MV Boli"/>
+        <a:font script="Deva" typeface="Mangal"/>
+        <a:font script="Telu" typeface="Gautami"/>
+        <a:font script="Taml" typeface="Latha"/>
+        <a:font script="Syrc" typeface="Estrangelo Edessa"/>
+        <a:font script="Orya" typeface="Kalinga"/>
+        <a:font script="Mlym" typeface="Kartika"/>
+        <a:font script="Laoo" typeface="DokChampa"/>
+        <a:font script="Sinh" typeface="Iskoola Pota"/>
+        <a:font script="Mong" typeface="Mongolian Baiti"/>
+        <a:font script="Viet" typeface="Times New Roman"/>
+        <a:font script="Uigh" typeface="Microsoft Uighur"/>
+        <a:font script="Geor" typeface="Sylfaen"/>
+        <a:font script="Armn" typeface="Arial"/>
+        <a:font script="Bugi" typeface="Leelawadee UI"/>
+        <a:font script="Bopo" typeface="Microsoft JhengHei"/>
+        <a:font script="Java" typeface="Javanese Text"/>
+        <a:font script="Lisu" typeface="Segoe UI"/>
+        <a:font script="Mymr" typeface="Myanmar Text"/>
+        <a:font script="Nkoo" typeface="Ebrima"/>
+        <a:font script="Olck" typeface="Nirmala UI"/>
+        <a:font script="Osma" typeface="Ebrima"/>
+        <a:font script="Phag" typeface="Phagspa"/>
+        <a:font script="Syrn" typeface="Estrangelo Edessa"/>
+        <a:font script="Syrj" typeface="Estrangelo Edessa"/>
+        <a:font script="Syre" typeface="Estrangelo Edessa"/>
+        <a:font script="Sora" typeface="Nirmala UI"/>
+        <a:font script="Tale" typeface="Microsoft Tai Le"/>
+        <a:font script="Talu" typeface="Microsoft New Tai Lue"/>
+        <a:font script="Tfng" typeface="Ebrima"/>
+      </a:majorFont>
+      <a:minorFont>
+        <a:latin typeface="Calibri" panose="020F0502020204030204"/>
+        <a:ea typeface=""/>
+        <a:cs typeface=""/>
+        <a:font script="Jpan" typeface="游ゴシック"/>
+        <a:font script="Hang" typeface="맑은 고딕"/>
+        <a:font script="Hans" typeface="等线"/>
+        <a:font script="Hant" typeface="新細明體"/>
+        <a:font script="Arab" typeface="Arial"/>
+        <a:font script="Hebr" typeface="Arial"/>
+        <a:font script="Thai" typeface="Cordia New"/>
+        <a:font script="Ethi" typeface="Nyala"/>
+        <a:font script="Beng" typeface="Vrinda"/>
+        <a:font script="Gujr" typeface="Shruti"/>
+        <a:font script="Khmr" typeface="DaunPenh"/>
+        <a:font script="Knda" typeface="Tunga"/>
+        <a:font script="Guru" typeface="Raavi"/>
+        <a:font script="Cans" typeface="Euphemia"/>
+        <a:font script="Cher" typeface="Plantagenet Cherokee"/>
+        <a:font script="Yiii" typeface="Microsoft Yi Baiti"/>
+        <a:font script="Tibt" typeface="Microsoft Himalaya"/>
+        <a:font script="Thaa" typeface="MV Boli"/>
+        <a:font script="Deva" typeface="Mangal"/>
+        <a:font script="Telu" typeface="Gautami"/>
+        <a:font script="Taml" typeface="Latha"/>
+        <a:font script="Syrc" typeface="Estrangelo Edessa"/>
+        <a:font script="Orya" typeface="Kalinga"/>
+        <a:font script="Mlym" typeface="Kartika"/>
+        <a:font script="Laoo" typeface="DokChampa"/>
+        <a:font script="Sinh" typeface="Iskoola Pota"/>
+        <a:font script="Mong" typeface="Mongolian Baiti"/>
+        <a:font script="Viet" typeface="Arial"/>
+        <a:font script="Uigh" typeface="Microsoft Uighur"/>
+        <a:font script="Geor" typeface="Sylfaen"/>
+        <a:font script="Armn" typeface="Arial"/>
+        <a:font script="Bugi" typeface="Leelawadee UI"/>
+        <a:font script="Bopo" typeface="Microsoft JhengHei"/>
+        <a:font script="Java" typeface="Javanese Text"/>
+        <a:font script="Lisu" typeface="Segoe UI"/>
+        <a:font script="Mymr" typeface="Myanmar Text"/>
+        <a:font script="Nkoo" typeface="Ebrima"/>
+        <a:font script="Olck" typeface="Nirmala UI"/>
+        <a:font script="Osma" typeface="Ebrima"/>
+        <a:font script="Phag" typeface="Phagspa"/>
+        <a:font script="Syrn" typeface="Estrangelo Edessa"/>
+        <a:font script="Syrj" typeface="Estrangelo Edessa"/>
+        <a:font script="Syre" typeface="Estrangelo Edessa"/>
+        <a:font script="Sora" typeface="Nirmala UI"/>
+        <a:font script="Tale" typeface="Microsoft Tai Le"/>
+        <a:font script="Talu" typeface="Microsoft New Tai Lue"/>
+        <a:font script="Tfng" typeface="Ebrima"/>
+      </a:minorFont>
+    </a:fontScheme>
+    <a:fmtScheme name="Office">
+      <a:fillStyleLst>
+        <a:solidFill>
+          <a:schemeClr val="phClr"/>
+        </a:solidFill>
+        <a:gradFill rotWithShape="1">
+          <a:gsLst>
+            <a:gs pos="0">
+              <a:schemeClr val="phClr">
+                <a:lumMod val="110000"/>
+                <a:satMod val="105000"/>
+                <a:tint val="67000"/>
+              </a:schemeClr>
+            </a:gs>
+            <a:gs pos="50000">
+              <a:schemeClr val="phClr">
+                <a:lumMod val="105000"/>
+                <a:satMod val="103000"/>
+                <a:tint val="73000"/>
+              </a:schemeClr>
+            </a:gs>
+            <a:gs pos="100000">
+              <a:schemeClr val="phClr">
+                <a:lumMod val="105000"/>
+                <a:satMod val="109000"/>
+                <a:tint val="81000"/>
+              </a:schemeClr>
+            </a:gs>
+          </a:gsLst>
+          <a:lin ang="5400000" scaled="0"/>
+        </a:gradFill>
+        <a:gradFill rotWithShape="1">
+          <a:gsLst>
+            <a:gs pos="0">
+              <a:schemeClr val="phClr">
+                <a:satMod val="103000"/>
+                <a:lumMod val="102000"/>
+                <a:tint val="94000"/>
+              </a:schemeClr>
+            </a:gs>
+            <a:gs pos="50000">
+              <a:schemeClr val="phClr">
+                <a:satMod val="110000"/>
+                <a:lumMod val="100000"/>
+                <a:shade val="100000"/>
+              </a:schemeClr>
+            </a:gs>
+            <a:gs pos="100000">
+              <a:schemeClr val="phClr">
+                <a:lumMod val="99000"/>
+                <a:satMod val="120000"/>
+                <a:shade val="78000"/>
+              </a:schemeClr>
+            </a:gs>
+          </a:gsLst>
+          <a:lin ang="5400000" scaled="0"/>
+        </a:gradFill>
+      </a:fillStyleLst>
+      <a:lnStyleLst>
+        <a:ln w="6350" cap="flat" cmpd="sng" algn="ctr">
+          <a:solidFill>
+            <a:schemeClr val="phClr"/>
+          </a:solidFill>
+          <a:prstDash val="solid"/>
+          <a:miter lim="800000"/>
+        </a:ln>
+        <a:ln w="12700" cap="flat" cmpd="sng" algn="ctr">
+          <a:solidFill>
+            <a:schemeClr val="phClr"/>
+          </a:solidFill>
+          <a:prstDash val="solid"/>
+          <a:miter lim="800000"/>
+        </a:ln>
+        <a:ln w="19050" cap="flat" cmpd="sng" algn="ctr">
+          <a:solidFill>
+            <a:schemeClr val="phClr"/>
+          </a:solidFill>
+          <a:prstDash val="solid"/>
+          <a:miter lim="800000"/>
+        </a:ln>
+      </a:lnStyleLst>
+      <a:effectStyleLst>
+        <a:effectStyle>
+          <a:effectLst/>
+        </a:effectStyle>
+        <a:effectStyle>
+          <a:effectLst/>
+        </a:effectStyle>
+        <a:effectStyle>
+          <a:effectLst>
+            <a:outerShdw blurRad="57150" dist="19050" dir="5400000" algn="ctr" rotWithShape="0">
+              <a:srgbClr val="000000">
+                <a:alpha val="63000"/>
+              </a:srgbClr>
+            </a:outerShdw>
+          </a:effectLst>
+        </a:effectStyle>
+      </a:effectStyleLst>
+      <a:bgFillStyleLst>
+        <a:solidFill>
+          <a:schemeClr val="phClr"/>
+        </a:solidFill>
+        <a:solidFill>
+          <a:schemeClr val="phClr">
+            <a:tint val="95000"/>
+            <a:satMod val="170000"/>
+          </a:schemeClr>
+        </a:solidFill>
+        <a:gradFill rotWithShape="1">
+          <a:gsLst>
+            <a:gs pos="0">
+              <a:schemeClr val="phClr">
+                <a:tint val="93000"/>
+                <a:satMod val="150000"/>
+                <a:shade val="98000"/>
+                <a:lumMod val="102000"/>
+              </a:schemeClr>
+            </a:gs>
+            <a:gs pos="50000">
+              <a:schemeClr val="phClr">
+                <a:tint val="98000"/>
+                <a:satMod val="130000"/>
+                <a:shade val="90000"/>
+                <a:lumMod val="103000"/>
+              </a:schemeClr>
+            </a:gs>
+            <a:gs pos="100000">
+              <a:schemeClr val="phClr">
+                <a:shade val="63000"/>
+                <a:satMod val="120000"/>
+              </a:schemeClr>
+            </a:gs>
+          </a:gsLst>
+          <a:lin ang="5400000" scaled="0"/>
+        </a:gradFill>
+      </a:bgFillStyleLst>
+    </a:fmtScheme>
+  </a:themeElements>
+  <a:objectDefaults/>
+  <a:extraClrSchemeLst/>
+  <a:extLst>
+    <a:ext uri="{05A4C25C-085E-4340-85A3-A5531E510DB2}">
+      <thm15:themeFamily xmlns:thm15="http://schemas.microsoft.com/office/thememl/2012/main" name="Office Theme" id="{62F939B6-93AF-4DB8-9C6B-D6C7DFDC589F}" vid="{4A3C46E8-61CC-4603-A589-7422A47A8E4A}"/>
+    </a:ext>
+  </a:extLst>
+</a:theme>
 </file>
--- a/Presentation/1-Proposal seminar.pptx
+++ b/Presentation/1-Proposal seminar.pptx
@@ -22,7 +22,7 @@
     <p:sldId id="261" r:id="rId10"/>
   </p:sldIdLst>
   <p:sldSz cx="12192000" cy="6858000"/>
-  <p:notesSz cx="7102475" cy="10233025"/>
+  <p:notesSz cx="10233025" cy="7102475"/>
   <p:defaultTextStyle>
     <a:defPPr>
       <a:defRPr lang="en-US"/>
@@ -160,18 +160,18 @@
         </p:nvSpPr>
         <p:spPr>
           <a:xfrm>
-            <a:off x="0" y="3"/>
-            <a:ext cx="3077739" cy="513430"/>
+            <a:off x="0" y="2"/>
+            <a:ext cx="4434311" cy="356359"/>
           </a:xfrm>
           <a:prstGeom prst="rect">
             <a:avLst/>
           </a:prstGeom>
         </p:spPr>
         <p:txBody>
-          <a:bodyPr vert="horz" lIns="95079" tIns="47540" rIns="95079" bIns="47540" rtlCol="0"/>
+          <a:bodyPr vert="horz" lIns="94652" tIns="47326" rIns="94652" bIns="47326" rtlCol="0"/>
           <a:lstStyle>
             <a:lvl1pPr algn="l">
-              <a:defRPr sz="1200"/>
+              <a:defRPr sz="1100"/>
             </a:lvl1pPr>
           </a:lstStyle>
           <a:p>
@@ -191,24 +191,24 @@
         </p:nvSpPr>
         <p:spPr>
           <a:xfrm>
-            <a:off x="4023093" y="3"/>
-            <a:ext cx="3077739" cy="513430"/>
+            <a:off x="5796349" y="2"/>
+            <a:ext cx="4434311" cy="356359"/>
           </a:xfrm>
           <a:prstGeom prst="rect">
             <a:avLst/>
           </a:prstGeom>
         </p:spPr>
         <p:txBody>
-          <a:bodyPr vert="horz" lIns="95079" tIns="47540" rIns="95079" bIns="47540" rtlCol="0"/>
+          <a:bodyPr vert="horz" lIns="94652" tIns="47326" rIns="94652" bIns="47326" rtlCol="0"/>
           <a:lstStyle>
             <a:lvl1pPr algn="r">
-              <a:defRPr sz="1200"/>
+              <a:defRPr sz="1100"/>
             </a:lvl1pPr>
           </a:lstStyle>
           <a:p>
             <a:fld id="{D4B88662-1E45-47A2-8E9E-64CF72FDD06B}" type="datetimeFigureOut">
               <a:rPr lang="en-US" smtClean="0"/>
-              <a:t>2/8/2017</a:t>
+              <a:t>2/9/2017</a:t>
             </a:fld>
             <a:endParaRPr lang="en-US"/>
           </a:p>
@@ -226,18 +226,18 @@
         </p:nvSpPr>
         <p:spPr>
           <a:xfrm>
-            <a:off x="0" y="9719598"/>
-            <a:ext cx="3077739" cy="513428"/>
+            <a:off x="0" y="6746119"/>
+            <a:ext cx="4434311" cy="356357"/>
           </a:xfrm>
           <a:prstGeom prst="rect">
             <a:avLst/>
           </a:prstGeom>
         </p:spPr>
         <p:txBody>
-          <a:bodyPr vert="horz" lIns="95079" tIns="47540" rIns="95079" bIns="47540" rtlCol="0" anchor="b"/>
+          <a:bodyPr vert="horz" lIns="94652" tIns="47326" rIns="94652" bIns="47326" rtlCol="0" anchor="b"/>
           <a:lstStyle>
             <a:lvl1pPr algn="l">
-              <a:defRPr sz="1200"/>
+              <a:defRPr sz="1100"/>
             </a:lvl1pPr>
           </a:lstStyle>
           <a:p>
@@ -257,18 +257,18 @@
         </p:nvSpPr>
         <p:spPr>
           <a:xfrm>
-            <a:off x="4023093" y="9719598"/>
-            <a:ext cx="3077739" cy="513428"/>
+            <a:off x="5796349" y="6746119"/>
+            <a:ext cx="4434311" cy="356357"/>
           </a:xfrm>
           <a:prstGeom prst="rect">
             <a:avLst/>
           </a:prstGeom>
         </p:spPr>
         <p:txBody>
-          <a:bodyPr vert="horz" lIns="95079" tIns="47540" rIns="95079" bIns="47540" rtlCol="0" anchor="b"/>
+          <a:bodyPr vert="horz" lIns="94652" tIns="47326" rIns="94652" bIns="47326" rtlCol="0" anchor="b"/>
           <a:lstStyle>
             <a:lvl1pPr algn="r">
-              <a:defRPr sz="1200"/>
+              <a:defRPr sz="1100"/>
             </a:lvl1pPr>
           </a:lstStyle>
           <a:p>
@@ -325,18 +325,18 @@
         </p:nvSpPr>
         <p:spPr>
           <a:xfrm>
-            <a:off x="0" y="3"/>
-            <a:ext cx="3077739" cy="513430"/>
+            <a:off x="0" y="2"/>
+            <a:ext cx="4434311" cy="356359"/>
           </a:xfrm>
           <a:prstGeom prst="rect">
             <a:avLst/>
           </a:prstGeom>
         </p:spPr>
         <p:txBody>
-          <a:bodyPr vert="horz" lIns="95079" tIns="47540" rIns="95079" bIns="47540" rtlCol="0"/>
+          <a:bodyPr vert="horz" lIns="94652" tIns="47326" rIns="94652" bIns="47326" rtlCol="0"/>
           <a:lstStyle>
             <a:lvl1pPr algn="l">
-              <a:defRPr sz="1200"/>
+              <a:defRPr sz="1100"/>
             </a:lvl1pPr>
           </a:lstStyle>
           <a:p>
@@ -356,24 +356,24 @@
         </p:nvSpPr>
         <p:spPr>
           <a:xfrm>
-            <a:off x="4023093" y="3"/>
-            <a:ext cx="3077739" cy="513430"/>
+            <a:off x="5796349" y="2"/>
+            <a:ext cx="4434311" cy="356359"/>
           </a:xfrm>
           <a:prstGeom prst="rect">
             <a:avLst/>
           </a:prstGeom>
         </p:spPr>
         <p:txBody>
-          <a:bodyPr vert="horz" lIns="95079" tIns="47540" rIns="95079" bIns="47540" rtlCol="0"/>
+          <a:bodyPr vert="horz" lIns="94652" tIns="47326" rIns="94652" bIns="47326" rtlCol="0"/>
           <a:lstStyle>
             <a:lvl1pPr algn="r">
-              <a:defRPr sz="1200"/>
+              <a:defRPr sz="1100"/>
             </a:lvl1pPr>
           </a:lstStyle>
           <a:p>
             <a:fld id="{41B29D5C-5C04-480A-9659-9A97AE2F4290}" type="datetimeFigureOut">
               <a:rPr lang="en-US" smtClean="0"/>
-              <a:t>2/8/2017</a:t>
+              <a:t>2/9/2017</a:t>
             </a:fld>
             <a:endParaRPr lang="en-US"/>
           </a:p>
@@ -391,8 +391,8 @@
         </p:nvSpPr>
         <p:spPr>
           <a:xfrm>
-            <a:off x="481013" y="1277938"/>
-            <a:ext cx="6140450" cy="3454400"/>
+            <a:off x="2986088" y="887413"/>
+            <a:ext cx="4260850" cy="2397125"/>
           </a:xfrm>
           <a:prstGeom prst="rect">
             <a:avLst/>
@@ -405,7 +405,7 @@
           </a:ln>
         </p:spPr>
         <p:txBody>
-          <a:bodyPr vert="horz" lIns="95079" tIns="47540" rIns="95079" bIns="47540" rtlCol="0" anchor="ctr"/>
+          <a:bodyPr vert="horz" lIns="94652" tIns="47326" rIns="94652" bIns="47326" rtlCol="0" anchor="ctr"/>
           <a:lstStyle/>
           <a:p>
             <a:endParaRPr lang="en-US"/>
@@ -424,15 +424,15 @@
         </p:nvSpPr>
         <p:spPr>
           <a:xfrm>
-            <a:off x="710248" y="4924645"/>
-            <a:ext cx="5681980" cy="4029254"/>
+            <a:off x="1023304" y="3418069"/>
+            <a:ext cx="8186419" cy="2796600"/>
           </a:xfrm>
           <a:prstGeom prst="rect">
             <a:avLst/>
           </a:prstGeom>
         </p:spPr>
         <p:txBody>
-          <a:bodyPr vert="horz" lIns="95079" tIns="47540" rIns="95079" bIns="47540" rtlCol="0"/>
+          <a:bodyPr vert="horz" lIns="94652" tIns="47326" rIns="94652" bIns="47326" rtlCol="0"/>
           <a:lstStyle/>
           <a:p>
             <a:pPr lvl="0"/>
@@ -468,7 +468,6 @@
               <a:rPr lang="en-US"/>
               <a:t>Fifth level</a:t>
             </a:r>
-            <a:endParaRPr lang="en-US"/>
           </a:p>
         </p:txBody>
       </p:sp>
@@ -484,18 +483,18 @@
         </p:nvSpPr>
         <p:spPr>
           <a:xfrm>
-            <a:off x="0" y="9719598"/>
-            <a:ext cx="3077739" cy="513428"/>
+            <a:off x="0" y="6746119"/>
+            <a:ext cx="4434311" cy="356357"/>
           </a:xfrm>
           <a:prstGeom prst="rect">
             <a:avLst/>
           </a:prstGeom>
         </p:spPr>
         <p:txBody>
-          <a:bodyPr vert="horz" lIns="95079" tIns="47540" rIns="95079" bIns="47540" rtlCol="0" anchor="b"/>
+          <a:bodyPr vert="horz" lIns="94652" tIns="47326" rIns="94652" bIns="47326" rtlCol="0" anchor="b"/>
           <a:lstStyle>
             <a:lvl1pPr algn="l">
-              <a:defRPr sz="1200"/>
+              <a:defRPr sz="1100"/>
             </a:lvl1pPr>
           </a:lstStyle>
           <a:p>
@@ -515,18 +514,18 @@
         </p:nvSpPr>
         <p:spPr>
           <a:xfrm>
-            <a:off x="4023093" y="9719598"/>
-            <a:ext cx="3077739" cy="513428"/>
+            <a:off x="5796349" y="6746119"/>
+            <a:ext cx="4434311" cy="356357"/>
           </a:xfrm>
           <a:prstGeom prst="rect">
             <a:avLst/>
           </a:prstGeom>
         </p:spPr>
         <p:txBody>
-          <a:bodyPr vert="horz" lIns="95079" tIns="47540" rIns="95079" bIns="47540" rtlCol="0" anchor="b"/>
+          <a:bodyPr vert="horz" lIns="94652" tIns="47326" rIns="94652" bIns="47326" rtlCol="0" anchor="b"/>
           <a:lstStyle>
             <a:lvl1pPr algn="r">
-              <a:defRPr sz="1200"/>
+              <a:defRPr sz="1100"/>
             </a:lvl1pPr>
           </a:lstStyle>
           <a:p>
@@ -809,6 +808,99 @@
 </p:notes>
 </file>
 
+<file path=ppt/notesSlides/notesSlide3.xml><?xml version="1.0" encoding="utf-8"?>
+<p:notes xmlns:a="http://schemas.openxmlformats.org/drawingml/2006/main" xmlns:r="http://schemas.openxmlformats.org/officeDocument/2006/relationships" xmlns:p="http://schemas.openxmlformats.org/presentationml/2006/main">
+  <p:cSld>
+    <p:spTree>
+      <p:nvGrpSpPr>
+        <p:cNvPr id="1" name=""/>
+        <p:cNvGrpSpPr/>
+        <p:nvPr/>
+      </p:nvGrpSpPr>
+      <p:grpSpPr>
+        <a:xfrm>
+          <a:off x="0" y="0"/>
+          <a:ext cx="0" cy="0"/>
+          <a:chOff x="0" y="0"/>
+          <a:chExt cx="0" cy="0"/>
+        </a:xfrm>
+      </p:grpSpPr>
+      <p:sp>
+        <p:nvSpPr>
+          <p:cNvPr id="2" name="Slide Image Placeholder 1"/>
+          <p:cNvSpPr>
+            <a:spLocks noGrp="1" noRot="1" noChangeAspect="1"/>
+          </p:cNvSpPr>
+          <p:nvPr>
+            <p:ph type="sldImg"/>
+          </p:nvPr>
+        </p:nvSpPr>
+        <p:spPr/>
+      </p:sp>
+      <p:sp>
+        <p:nvSpPr>
+          <p:cNvPr id="3" name="Notes Placeholder 2"/>
+          <p:cNvSpPr>
+            <a:spLocks noGrp="1"/>
+          </p:cNvSpPr>
+          <p:nvPr>
+            <p:ph type="body" idx="1"/>
+          </p:nvPr>
+        </p:nvSpPr>
+        <p:spPr/>
+        <p:txBody>
+          <a:bodyPr/>
+          <a:lstStyle/>
+          <a:p>
+            <a:r>
+              <a:rPr lang="en-US" dirty="0"/>
+              <a:t>It is only the outcome, not the state that is visible to an external observer and therefore states are ``hidden'' to the outside; hence the name Hidden Markov Model is a perfect solution for addressing detection.</a:t>
+            </a:r>
+          </a:p>
+          <a:p>
+            <a:r>
+              <a:rPr lang="en-US" dirty="0"/>
+              <a:t>Hidden Markov model works on Markov chain property in which probability of each subsequent state depends on the previous state</a:t>
+            </a:r>
+          </a:p>
+        </p:txBody>
+      </p:sp>
+      <p:sp>
+        <p:nvSpPr>
+          <p:cNvPr id="4" name="Slide Number Placeholder 3"/>
+          <p:cNvSpPr>
+            <a:spLocks noGrp="1"/>
+          </p:cNvSpPr>
+          <p:nvPr>
+            <p:ph type="sldNum" sz="quarter" idx="10"/>
+          </p:nvPr>
+        </p:nvSpPr>
+        <p:spPr/>
+        <p:txBody>
+          <a:bodyPr/>
+          <a:lstStyle/>
+          <a:p>
+            <a:fld id="{616B0102-43C5-42A1-BC9D-A7087B77041F}" type="slidenum">
+              <a:rPr lang="en-US" smtClean="0"/>
+              <a:t>7</a:t>
+            </a:fld>
+            <a:endParaRPr lang="en-US"/>
+          </a:p>
+        </p:txBody>
+      </p:sp>
+    </p:spTree>
+    <p:extLst>
+      <p:ext uri="{BB962C8B-B14F-4D97-AF65-F5344CB8AC3E}">
+        <p14:creationId xmlns:p14="http://schemas.microsoft.com/office/powerpoint/2010/main" val="784927014"/>
+      </p:ext>
+    </p:extLst>
+  </p:cSld>
+  <p:clrMapOvr>
+    <a:masterClrMapping/>
+  </p:clrMapOvr>
+</p:notes>
+</file>
+
 <file path=ppt/slideLayouts/slideLayout1.xml><?xml version="1.0" encoding="utf-8"?>
 <p:sldLayout xmlns:a="http://schemas.openxmlformats.org/drawingml/2006/main" xmlns:r="http://schemas.openxmlformats.org/officeDocument/2006/relationships" xmlns:p="http://schemas.openxmlformats.org/presentationml/2006/main" type="title" preserve="1">
   <p:cSld name="Title Slide">
@@ -1055,7 +1147,7 @@
             <a:fld id="{B61BEF0D-F0BB-DE4B-95CE-6DB70DBA9567}" type="datetimeFigureOut">
               <a:rPr lang="en-US" smtClean="0"/>
               <a:pPr/>
-              <a:t>2/8/2017</a:t>
+              <a:t>2/9/2017</a:t>
             </a:fld>
             <a:endParaRPr lang="en-US" dirty="0"/>
           </a:p>
@@ -1319,7 +1411,7 @@
             <a:fld id="{B61BEF0D-F0BB-DE4B-95CE-6DB70DBA9567}" type="datetimeFigureOut">
               <a:rPr lang="en-US" smtClean="0"/>
               <a:pPr/>
-              <a:t>2/8/2017</a:t>
+              <a:t>2/9/2017</a:t>
             </a:fld>
             <a:endParaRPr lang="en-US" dirty="0"/>
           </a:p>
@@ -1556,7 +1648,7 @@
             <a:fld id="{B61BEF0D-F0BB-DE4B-95CE-6DB70DBA9567}" type="datetimeFigureOut">
               <a:rPr lang="en-US" smtClean="0"/>
               <a:pPr/>
-              <a:t>2/8/2017</a:t>
+              <a:t>2/9/2017</a:t>
             </a:fld>
             <a:endParaRPr lang="en-US" dirty="0"/>
           </a:p>
@@ -1798,7 +1890,7 @@
             <a:fld id="{B61BEF0D-F0BB-DE4B-95CE-6DB70DBA9567}" type="datetimeFigureOut">
               <a:rPr lang="en-US" smtClean="0"/>
               <a:pPr/>
-              <a:t>2/8/2017</a:t>
+              <a:t>2/9/2017</a:t>
             </a:fld>
             <a:endParaRPr lang="en-US" dirty="0"/>
           </a:p>
@@ -2107,7 +2199,7 @@
             <a:fld id="{B61BEF0D-F0BB-DE4B-95CE-6DB70DBA9567}" type="datetimeFigureOut">
               <a:rPr lang="en-US" smtClean="0"/>
               <a:pPr/>
-              <a:t>2/8/2017</a:t>
+              <a:t>2/9/2017</a:t>
             </a:fld>
             <a:endParaRPr lang="en-US" dirty="0"/>
           </a:p>
@@ -2411,7 +2503,7 @@
             <a:fld id="{B61BEF0D-F0BB-DE4B-95CE-6DB70DBA9567}" type="datetimeFigureOut">
               <a:rPr lang="en-US" smtClean="0"/>
               <a:pPr/>
-              <a:t>2/8/2017</a:t>
+              <a:t>2/9/2017</a:t>
             </a:fld>
             <a:endParaRPr lang="en-US" dirty="0"/>
           </a:p>
@@ -2835,7 +2927,7 @@
             <a:fld id="{B61BEF0D-F0BB-DE4B-95CE-6DB70DBA9567}" type="datetimeFigureOut">
               <a:rPr lang="en-US" smtClean="0"/>
               <a:pPr/>
-              <a:t>2/8/2017</a:t>
+              <a:t>2/9/2017</a:t>
             </a:fld>
             <a:endParaRPr lang="en-US" dirty="0"/>
           </a:p>
@@ -2932,7 +3024,7 @@
             <a:fld id="{B61BEF0D-F0BB-DE4B-95CE-6DB70DBA9567}" type="datetimeFigureOut">
               <a:rPr lang="en-US" smtClean="0"/>
               <a:pPr/>
-              <a:t>2/8/2017</a:t>
+              <a:t>2/9/2017</a:t>
             </a:fld>
             <a:endParaRPr lang="en-US" dirty="0"/>
           </a:p>
@@ -3096,7 +3188,7 @@
             <a:fld id="{B61BEF0D-F0BB-DE4B-95CE-6DB70DBA9567}" type="datetimeFigureOut">
               <a:rPr lang="en-US" smtClean="0"/>
               <a:pPr/>
-              <a:t>2/8/2017</a:t>
+              <a:t>2/9/2017</a:t>
             </a:fld>
             <a:endParaRPr lang="en-US" dirty="0"/>
           </a:p>
@@ -3476,7 +3568,7 @@
             <a:fld id="{B61BEF0D-F0BB-DE4B-95CE-6DB70DBA9567}" type="datetimeFigureOut">
               <a:rPr lang="en-US" smtClean="0"/>
               <a:pPr/>
-              <a:t>2/8/2017</a:t>
+              <a:t>2/9/2017</a:t>
             </a:fld>
             <a:endParaRPr lang="en-US" dirty="0"/>
           </a:p>
@@ -3767,7 +3859,7 @@
             <a:fld id="{B61BEF0D-F0BB-DE4B-95CE-6DB70DBA9567}" type="datetimeFigureOut">
               <a:rPr lang="en-US" smtClean="0"/>
               <a:pPr/>
-              <a:t>2/8/2017</a:t>
+              <a:t>2/9/2017</a:t>
             </a:fld>
             <a:endParaRPr lang="en-US" dirty="0"/>
           </a:p>
@@ -3980,7 +4072,7 @@
             <a:fld id="{B61BEF0D-F0BB-DE4B-95CE-6DB70DBA9567}" type="datetimeFigureOut">
               <a:rPr lang="en-US" smtClean="0"/>
               <a:pPr/>
-              <a:t>2/8/2017</a:t>
+              <a:t>2/9/2017</a:t>
             </a:fld>
             <a:endParaRPr lang="en-US" dirty="0"/>
           </a:p>
@@ -4953,8 +5045,8 @@
         </p:nvSpPr>
         <p:spPr>
           <a:xfrm>
-            <a:off x="581192" y="2180496"/>
-            <a:ext cx="11029615" cy="3678303"/>
+            <a:off x="581192" y="2180495"/>
+            <a:ext cx="11029615" cy="4114800"/>
           </a:xfrm>
           <a:prstGeom prst="rect">
             <a:avLst/>
@@ -5166,18 +5258,18 @@
           </a:lstStyle>
           <a:p>
             <a:r>
+              <a:rPr lang="en-US" sz="2400" dirty="0"/>
+              <a:t>Ericsson</a:t>
+            </a:r>
+          </a:p>
+          <a:p>
+            <a:pPr lvl="1"/>
+            <a:r>
               <a:rPr lang="en-US" sz="2000" dirty="0"/>
-              <a:t>Ericsson</a:t>
-            </a:r>
-          </a:p>
-          <a:p>
-            <a:pPr lvl="1"/>
-            <a:r>
-              <a:rPr lang="en-US" sz="1800" dirty="0"/>
               <a:t>Executed many </a:t>
             </a:r>
             <a:r>
-              <a:rPr lang="en-US" sz="1800" dirty="0">
+              <a:rPr lang="en-US" sz="2000" dirty="0">
                 <a:solidFill>
                   <a:schemeClr val="accent2">
                     <a:lumMod val="75000"/>
@@ -5187,7 +5279,7 @@
               <a:t>test</a:t>
             </a:r>
             <a:r>
-              <a:rPr lang="sv-SE" sz="1800" dirty="0">
+              <a:rPr lang="sv-SE" sz="2000" dirty="0">
                 <a:solidFill>
                   <a:schemeClr val="accent2">
                     <a:lumMod val="75000"/>
@@ -5197,7 +5289,7 @@
               <a:t> </a:t>
             </a:r>
             <a:r>
-              <a:rPr lang="en-US" sz="1800" dirty="0">
+              <a:rPr lang="en-US" sz="2000" dirty="0">
                 <a:solidFill>
                   <a:schemeClr val="accent2">
                     <a:lumMod val="75000"/>
@@ -5207,18 +5299,18 @@
               <a:t>runs</a:t>
             </a:r>
             <a:r>
-              <a:rPr lang="en-US" sz="1800" dirty="0"/>
-              <a:t> for evaluating the performance characteristics of the products (software package)</a:t>
+              <a:rPr lang="en-US" sz="2000" dirty="0"/>
+              <a:t> for evaluating the performance characteristics of the products</a:t>
             </a:r>
           </a:p>
           <a:p>
             <a:pPr lvl="1"/>
             <a:r>
-              <a:rPr lang="en-US" sz="1800" dirty="0"/>
+              <a:rPr lang="en-US" sz="2000" dirty="0"/>
               <a:t>Performance metric: </a:t>
             </a:r>
             <a:r>
-              <a:rPr lang="en-US" sz="1800" dirty="0">
+              <a:rPr lang="en-US" sz="2000" dirty="0">
                 <a:solidFill>
                   <a:schemeClr val="accent2">
                     <a:lumMod val="75000"/>
@@ -5228,18 +5320,18 @@
               <a:t>CPU Utilization</a:t>
             </a:r>
             <a:r>
-              <a:rPr lang="en-US" sz="1800" dirty="0"/>
+              <a:rPr lang="en-US" sz="2000" dirty="0"/>
               <a:t>, Memory usage, Latency</a:t>
             </a:r>
           </a:p>
           <a:p>
             <a:pPr lvl="1"/>
             <a:r>
-              <a:rPr lang="en-US" sz="1800" dirty="0"/>
+              <a:rPr lang="en-US" sz="2000" dirty="0"/>
               <a:t>Manually do </a:t>
             </a:r>
             <a:r>
-              <a:rPr lang="en-US" sz="1800" dirty="0">
+              <a:rPr lang="en-US" sz="2000" dirty="0">
                 <a:solidFill>
                   <a:schemeClr val="accent2">
                     <a:lumMod val="75000"/>
@@ -5249,7 +5341,7 @@
               <a:t>visual</a:t>
             </a:r>
             <a:r>
-              <a:rPr lang="sv-SE" sz="1800" dirty="0">
+              <a:rPr lang="sv-SE" sz="2000" dirty="0">
                 <a:solidFill>
                   <a:schemeClr val="accent2">
                     <a:lumMod val="75000"/>
@@ -5259,7 +5351,7 @@
               <a:t> </a:t>
             </a:r>
             <a:r>
-              <a:rPr lang="en-US" sz="1800" dirty="0">
+              <a:rPr lang="en-US" sz="2000" dirty="0">
                 <a:solidFill>
                   <a:schemeClr val="accent2">
                     <a:lumMod val="75000"/>
@@ -5268,10 +5360,7 @@
               </a:rPr>
               <a:t>inspection</a:t>
             </a:r>
-            <a:r>
-              <a:rPr lang="en-US" sz="1800" dirty="0"/>
-              <a:t> if thing goes wrong</a:t>
-            </a:r>
+            <a:endParaRPr lang="en-US" sz="2000" dirty="0"/>
           </a:p>
         </p:txBody>
       </p:sp>
@@ -5361,8 +5450,8 @@
         </p:nvSpPr>
         <p:spPr>
           <a:xfrm>
-            <a:off x="581192" y="2180496"/>
-            <a:ext cx="11029615" cy="3678303"/>
+            <a:off x="581192" y="2180495"/>
+            <a:ext cx="11029615" cy="4114800"/>
           </a:xfrm>
           <a:prstGeom prst="rect">
             <a:avLst/>
@@ -5574,11 +5663,11 @@
           </a:lstStyle>
           <a:p>
             <a:r>
-              <a:rPr lang="en-US" sz="2000" dirty="0"/>
+              <a:rPr lang="en-US" sz="2400" dirty="0"/>
               <a:t>Detect the </a:t>
             </a:r>
             <a:r>
-              <a:rPr lang="en-US" sz="2000" dirty="0">
+              <a:rPr lang="en-US" sz="2400" dirty="0">
                 <a:solidFill>
                   <a:schemeClr val="accent2">
                     <a:lumMod val="75000"/>
@@ -5588,11 +5677,11 @@
               <a:t>degradation</a:t>
             </a:r>
             <a:r>
-              <a:rPr lang="en-US" sz="2000" dirty="0"/>
+              <a:rPr lang="en-US" sz="2400" dirty="0"/>
               <a:t>, </a:t>
             </a:r>
             <a:r>
-              <a:rPr lang="en-US" sz="2000" dirty="0">
+              <a:rPr lang="en-US" sz="2400" dirty="0">
                 <a:solidFill>
                   <a:schemeClr val="accent2">
                     <a:lumMod val="75000"/>
@@ -5602,11 +5691,11 @@
               <a:t>improvement </a:t>
             </a:r>
             <a:r>
-              <a:rPr lang="en-US" sz="2000" dirty="0"/>
+              <a:rPr lang="en-US" sz="2400" dirty="0"/>
               <a:t>or </a:t>
             </a:r>
             <a:r>
-              <a:rPr lang="en-US" sz="2000" dirty="0">
+              <a:rPr lang="en-US" sz="2400" dirty="0">
                 <a:solidFill>
                   <a:schemeClr val="accent2">
                     <a:lumMod val="75000"/>
@@ -5616,17 +5705,17 @@
               <a:t>steady state </a:t>
             </a:r>
             <a:r>
-              <a:rPr lang="en-US" sz="2000" dirty="0"/>
+              <a:rPr lang="en-US" sz="2400" dirty="0"/>
               <a:t>in CPU Utilization</a:t>
             </a:r>
           </a:p>
           <a:p>
             <a:r>
-              <a:rPr lang="en-US" sz="2000" dirty="0"/>
+              <a:rPr lang="en-US" sz="2400" dirty="0"/>
               <a:t>Detect whether there is some changes in </a:t>
             </a:r>
             <a:r>
-              <a:rPr lang="en-US" sz="2000" dirty="0">
+              <a:rPr lang="en-US" sz="2400" dirty="0">
                 <a:solidFill>
                   <a:schemeClr val="accent2">
                     <a:lumMod val="75000"/>
@@ -5636,7 +5725,7 @@
               <a:t>test environment</a:t>
             </a:r>
             <a:r>
-              <a:rPr lang="en-US" sz="2000" dirty="0"/>
+              <a:rPr lang="en-US" sz="2400" dirty="0"/>
               <a:t> that impact on CPU Utilization </a:t>
             </a:r>
           </a:p>
@@ -5730,8 +5819,8 @@
         </p:nvSpPr>
         <p:spPr>
           <a:xfrm>
-            <a:off x="581192" y="2180496"/>
-            <a:ext cx="11029615" cy="3678303"/>
+            <a:off x="581192" y="2180495"/>
+            <a:ext cx="11029615" cy="4114800"/>
           </a:xfrm>
         </p:spPr>
         <p:txBody>
@@ -5741,45 +5830,45 @@
           <a:lstStyle/>
           <a:p>
             <a:r>
-              <a:rPr lang="en-US" sz="2000" dirty="0"/>
+              <a:rPr lang="en-US" sz="2400" dirty="0"/>
               <a:t>There are 2 datasets: 1</a:t>
             </a:r>
             <a:r>
-              <a:rPr lang="en-US" sz="2000" baseline="30000" dirty="0"/>
+              <a:rPr lang="en-US" sz="2400" baseline="30000" dirty="0"/>
               <a:t>st</a:t>
             </a:r>
             <a:r>
-              <a:rPr lang="en-US" sz="2000" dirty="0"/>
+              <a:rPr lang="en-US" sz="2400" dirty="0"/>
               <a:t> and 2</a:t>
             </a:r>
             <a:r>
-              <a:rPr lang="en-US" sz="2000" baseline="30000" dirty="0"/>
+              <a:rPr lang="en-US" sz="2400" baseline="30000" dirty="0"/>
               <a:t>nd</a:t>
             </a:r>
             <a:r>
-              <a:rPr lang="en-US" sz="2000" dirty="0"/>
+              <a:rPr lang="en-US" sz="2400" dirty="0"/>
               <a:t> generation</a:t>
             </a:r>
           </a:p>
           <a:p>
             <a:r>
-              <a:rPr lang="en-US" sz="2000" dirty="0"/>
+              <a:rPr lang="en-US" sz="2400" dirty="0"/>
               <a:t>The 2</a:t>
             </a:r>
             <a:r>
-              <a:rPr lang="en-US" sz="2000" baseline="30000" dirty="0"/>
+              <a:rPr lang="en-US" sz="2400" baseline="30000" dirty="0"/>
               <a:t>nd</a:t>
             </a:r>
             <a:r>
-              <a:rPr lang="en-US" sz="2000" dirty="0"/>
+              <a:rPr lang="en-US" sz="2400" dirty="0"/>
               <a:t> generation data consists of 17 columns</a:t>
             </a:r>
-            <a:endParaRPr lang="en-US" sz="1800" dirty="0"/>
+            <a:endParaRPr lang="en-US" sz="2000" dirty="0"/>
           </a:p>
           <a:p>
             <a:pPr lvl="1"/>
             <a:r>
-              <a:rPr lang="en-US" sz="1800" dirty="0" err="1">
+              <a:rPr lang="en-US" sz="2000" dirty="0" err="1">
                 <a:solidFill>
                   <a:schemeClr val="accent2">
                     <a:lumMod val="75000"/>
@@ -5789,7 +5878,7 @@
               <a:t>DuProdName</a:t>
             </a:r>
             <a:r>
-              <a:rPr lang="en-US" sz="1800" dirty="0">
+              <a:rPr lang="en-US" sz="2000" dirty="0">
                 <a:solidFill>
                   <a:schemeClr val="accent2">
                     <a:lumMod val="75000"/>
@@ -5799,14 +5888,14 @@
               <a:t>: </a:t>
             </a:r>
             <a:r>
-              <a:rPr lang="en-US" sz="1800" dirty="0"/>
+              <a:rPr lang="en-US" sz="2000" dirty="0"/>
               <a:t>Product name</a:t>
             </a:r>
           </a:p>
           <a:p>
             <a:pPr lvl="1"/>
             <a:r>
-              <a:rPr lang="en-US" sz="1800" dirty="0" err="1">
+              <a:rPr lang="en-US" sz="2000" dirty="0" err="1">
                 <a:solidFill>
                   <a:schemeClr val="accent2">
                     <a:lumMod val="75000"/>
@@ -5816,7 +5905,7 @@
               <a:t>Fdd</a:t>
             </a:r>
             <a:r>
-              <a:rPr lang="en-US" sz="1800" dirty="0">
+              <a:rPr lang="en-US" sz="2000" dirty="0">
                 <a:solidFill>
                   <a:schemeClr val="accent2">
                     <a:lumMod val="75000"/>
@@ -5826,7 +5915,7 @@
               <a:t>/</a:t>
             </a:r>
             <a:r>
-              <a:rPr lang="en-US" sz="1800" dirty="0" err="1">
+              <a:rPr lang="en-US" sz="2000" dirty="0" err="1">
                 <a:solidFill>
                   <a:schemeClr val="accent2">
                     <a:lumMod val="75000"/>
@@ -5836,7 +5925,7 @@
               <a:t>Tdd</a:t>
             </a:r>
             <a:r>
-              <a:rPr lang="en-US" sz="1800" dirty="0">
+              <a:rPr lang="en-US" sz="2000" dirty="0">
                 <a:solidFill>
                   <a:schemeClr val="accent2">
                     <a:lumMod val="75000"/>
@@ -5846,14 +5935,14 @@
               <a:t>: </a:t>
             </a:r>
             <a:r>
-              <a:rPr lang="en-US" sz="1800" dirty="0"/>
+              <a:rPr lang="en-US" sz="2000" dirty="0"/>
               <a:t>Different type of Antenna</a:t>
             </a:r>
           </a:p>
           <a:p>
             <a:pPr lvl="1"/>
             <a:r>
-              <a:rPr lang="en-US" sz="1800" dirty="0" err="1">
+              <a:rPr lang="en-US" sz="2000" dirty="0" err="1">
                 <a:solidFill>
                   <a:schemeClr val="accent2">
                     <a:lumMod val="75000"/>
@@ -5863,7 +5952,7 @@
               <a:t>NumCells</a:t>
             </a:r>
             <a:r>
-              <a:rPr lang="sv-SE" sz="1800" dirty="0">
+              <a:rPr lang="sv-SE" sz="2000" dirty="0">
                 <a:solidFill>
                   <a:schemeClr val="accent2">
                     <a:lumMod val="75000"/>
@@ -5873,22 +5962,22 @@
               <a:t>: </a:t>
             </a:r>
             <a:r>
-              <a:rPr lang="en-US" sz="1800" dirty="0"/>
+              <a:rPr lang="en-US" sz="2000" dirty="0"/>
               <a:t>Number</a:t>
             </a:r>
             <a:r>
-              <a:rPr lang="sv-SE" sz="1800" dirty="0"/>
+              <a:rPr lang="sv-SE" sz="2000" dirty="0"/>
               <a:t> o</a:t>
             </a:r>
             <a:r>
-              <a:rPr lang="en-US" sz="1800" dirty="0"/>
+              <a:rPr lang="en-US" sz="2000" dirty="0"/>
               <a:t>f cells</a:t>
             </a:r>
           </a:p>
           <a:p>
             <a:pPr lvl="1"/>
             <a:r>
-              <a:rPr lang="en-US" sz="1800" dirty="0">
+              <a:rPr lang="en-US" sz="2000" dirty="0">
                 <a:solidFill>
                   <a:schemeClr val="accent2">
                     <a:lumMod val="75000"/>
@@ -5898,7 +5987,7 @@
               <a:t>Release</a:t>
             </a:r>
             <a:r>
-              <a:rPr lang="sv-SE" sz="1800" dirty="0">
+              <a:rPr lang="sv-SE" sz="2000" dirty="0">
                 <a:solidFill>
                   <a:schemeClr val="accent2">
                     <a:lumMod val="75000"/>
@@ -5908,14 +5997,14 @@
               <a:t>: </a:t>
             </a:r>
             <a:r>
-              <a:rPr lang="sv-SE" sz="1800" dirty="0"/>
+              <a:rPr lang="sv-SE" sz="2000" dirty="0"/>
               <a:t>Software</a:t>
             </a:r>
           </a:p>
           <a:p>
             <a:pPr lvl="1"/>
             <a:r>
-              <a:rPr lang="en-US" sz="1800" dirty="0">
+              <a:rPr lang="en-US" sz="2000" dirty="0">
                 <a:solidFill>
                   <a:schemeClr val="accent2">
                     <a:lumMod val="75000"/>
@@ -5925,7 +6014,7 @@
               <a:t>SW</a:t>
             </a:r>
             <a:r>
-              <a:rPr lang="sv-SE" sz="1800" dirty="0">
+              <a:rPr lang="sv-SE" sz="2000" dirty="0">
                 <a:solidFill>
                   <a:schemeClr val="accent2">
                     <a:lumMod val="75000"/>
@@ -5935,22 +6024,22 @@
               <a:t>: </a:t>
             </a:r>
             <a:r>
-              <a:rPr lang="en-US" sz="1800" dirty="0"/>
+              <a:rPr lang="en-US" sz="2000" dirty="0"/>
               <a:t>Software</a:t>
             </a:r>
             <a:r>
-              <a:rPr lang="sv-SE" sz="1800" dirty="0"/>
+              <a:rPr lang="sv-SE" sz="2000" dirty="0"/>
               <a:t> </a:t>
             </a:r>
             <a:r>
-              <a:rPr lang="en-US" sz="1800" dirty="0"/>
+              <a:rPr lang="en-US" sz="2000" dirty="0"/>
               <a:t>package</a:t>
             </a:r>
           </a:p>
           <a:p>
             <a:pPr lvl="1"/>
             <a:r>
-              <a:rPr lang="en-US" sz="1800" dirty="0" err="1">
+              <a:rPr lang="en-US" sz="2000" dirty="0" err="1">
                 <a:solidFill>
                   <a:schemeClr val="accent2">
                     <a:lumMod val="75000"/>
@@ -5960,7 +6049,7 @@
               <a:t>TotCpu</a:t>
             </a:r>
             <a:r>
-              <a:rPr lang="sv-SE" sz="1800" dirty="0">
+              <a:rPr lang="sv-SE" sz="2000" dirty="0">
                 <a:solidFill>
                   <a:schemeClr val="accent2">
                     <a:lumMod val="75000"/>
@@ -5970,14 +6059,14 @@
               <a:t>%: </a:t>
             </a:r>
             <a:r>
-              <a:rPr lang="sv-SE" sz="1800" dirty="0"/>
+              <a:rPr lang="sv-SE" sz="2000" dirty="0"/>
               <a:t>CPU </a:t>
             </a:r>
             <a:r>
-              <a:rPr lang="sv-SE" sz="1800" dirty="0" err="1"/>
+              <a:rPr lang="sv-SE" sz="2000" dirty="0" err="1"/>
               <a:t>Utilization</a:t>
             </a:r>
-            <a:endParaRPr lang="sv-SE" sz="1800" dirty="0"/>
+            <a:endParaRPr lang="sv-SE" sz="2000" dirty="0"/>
           </a:p>
         </p:txBody>
       </p:sp>
@@ -5989,7 +6078,7 @@
         </p:nvGrpSpPr>
         <p:grpSpPr>
           <a:xfrm>
-            <a:off x="4781005" y="3168774"/>
+            <a:off x="5734594" y="3349622"/>
             <a:ext cx="3297446" cy="992777"/>
             <a:chOff x="5068388" y="3291840"/>
             <a:chExt cx="3297446" cy="992777"/>
@@ -6004,7 +6093,7 @@
           <p:spPr>
             <a:xfrm>
               <a:off x="5712223" y="3603562"/>
-              <a:ext cx="2653611" cy="369332"/>
+              <a:ext cx="2653611" cy="400110"/>
             </a:xfrm>
             <a:prstGeom prst="rect">
               <a:avLst/>
@@ -6018,7 +6107,7 @@
             <a:lstStyle/>
             <a:p>
               <a:r>
-                <a:rPr lang="sv-SE" dirty="0">
+                <a:rPr lang="sv-SE" sz="2000" dirty="0">
                   <a:solidFill>
                     <a:schemeClr val="accent2">
                       <a:lumMod val="75000"/>
@@ -6027,7 +6116,7 @@
                 </a:rPr>
                 <a:t>Test Environment</a:t>
               </a:r>
-              <a:endParaRPr lang="en-US" dirty="0">
+              <a:endParaRPr lang="en-US" sz="2000" dirty="0">
                 <a:solidFill>
                   <a:schemeClr val="accent2">
                     <a:lumMod val="75000"/>
@@ -6138,7 +6227,12 @@
             <p:ph idx="1"/>
           </p:nvPr>
         </p:nvSpPr>
-        <p:spPr/>
+        <p:spPr>
+          <a:xfrm>
+            <a:off x="581192" y="2180496"/>
+            <a:ext cx="11029615" cy="4115801"/>
+          </a:xfrm>
+        </p:spPr>
         <p:txBody>
           <a:bodyPr anchor="t">
             <a:normAutofit/>
@@ -6146,26 +6240,26 @@
           <a:lstStyle/>
           <a:p>
             <a:r>
+              <a:rPr lang="en-US" sz="2400" dirty="0"/>
+              <a:t>Change point</a:t>
+            </a:r>
+            <a:r>
+              <a:rPr lang="sv-SE" sz="2400" dirty="0"/>
+              <a:t> </a:t>
+            </a:r>
+            <a:r>
+              <a:rPr lang="en-US" sz="2400" dirty="0"/>
+              <a:t>detection</a:t>
+            </a:r>
+          </a:p>
+          <a:p>
+            <a:pPr lvl="1"/>
+            <a:r>
               <a:rPr lang="en-US" sz="2000" dirty="0"/>
-              <a:t>Change point</a:t>
-            </a:r>
-            <a:r>
-              <a:rPr lang="sv-SE" sz="2000" dirty="0"/>
-              <a:t> </a:t>
-            </a:r>
-            <a:r>
-              <a:rPr lang="en-US" sz="2000" dirty="0"/>
-              <a:t>detection</a:t>
-            </a:r>
-          </a:p>
-          <a:p>
-            <a:pPr lvl="1"/>
-            <a:r>
-              <a:rPr lang="en-US" sz="1800" dirty="0"/>
               <a:t>Discovering </a:t>
             </a:r>
             <a:r>
-              <a:rPr lang="en-US" sz="1800" dirty="0">
+              <a:rPr lang="en-US" sz="2000" dirty="0">
                 <a:solidFill>
                   <a:schemeClr val="accent2">
                     <a:lumMod val="75000"/>
@@ -6175,18 +6269,18 @@
               <a:t>time point</a:t>
             </a:r>
             <a:r>
-              <a:rPr lang="en-US" sz="1800" dirty="0"/>
+              <a:rPr lang="en-US" sz="2000" dirty="0"/>
               <a:t> where property of time series is changed. </a:t>
             </a:r>
           </a:p>
           <a:p>
             <a:pPr lvl="1"/>
             <a:r>
-              <a:rPr lang="en-US" sz="1800" dirty="0"/>
+              <a:rPr lang="en-US" sz="2000" dirty="0"/>
               <a:t>It is a technique to detect </a:t>
             </a:r>
             <a:r>
-              <a:rPr lang="en-US" sz="1800" dirty="0">
+              <a:rPr lang="en-US" sz="2000" dirty="0">
                 <a:solidFill>
                   <a:schemeClr val="accent2">
                     <a:lumMod val="75000"/>
@@ -6196,29 +6290,29 @@
               <a:t>abrupt changes</a:t>
             </a:r>
             <a:r>
-              <a:rPr lang="en-US" sz="1800" dirty="0"/>
+              <a:rPr lang="en-US" sz="2000" dirty="0"/>
               <a:t> in time series data when the time instant is unknown.</a:t>
             </a:r>
           </a:p>
           <a:p>
             <a:pPr lvl="1"/>
             <a:r>
-              <a:rPr lang="en-US" sz="1800" dirty="0"/>
+              <a:rPr lang="en-US" sz="2000" dirty="0"/>
               <a:t>R package: </a:t>
             </a:r>
             <a:r>
-              <a:rPr lang="en-US" sz="1800" dirty="0" err="1"/>
+              <a:rPr lang="en-US" sz="2000" dirty="0" err="1"/>
               <a:t>ecp</a:t>
             </a:r>
             <a:r>
-              <a:rPr lang="en-US" sz="1800" dirty="0"/>
+              <a:rPr lang="en-US" sz="2000" dirty="0"/>
               <a:t> (James and Matteson, 2013) </a:t>
             </a:r>
           </a:p>
           <a:p>
             <a:pPr lvl="1"/>
             <a:r>
-              <a:rPr lang="en-US" sz="1800" dirty="0"/>
+              <a:rPr lang="en-US" sz="2000" dirty="0"/>
               <a:t>Hidden Markov Model (Luong et al., 2012)</a:t>
             </a:r>
           </a:p>
@@ -6286,7 +6380,12 @@
             <p:ph idx="1"/>
           </p:nvPr>
         </p:nvSpPr>
-        <p:spPr/>
+        <p:spPr>
+          <a:xfrm>
+            <a:off x="581192" y="2180496"/>
+            <a:ext cx="11029615" cy="4115801"/>
+          </a:xfrm>
+        </p:spPr>
         <p:txBody>
           <a:bodyPr anchor="t">
             <a:normAutofit/>
@@ -6294,15 +6393,15 @@
           <a:lstStyle/>
           <a:p>
             <a:r>
-              <a:rPr lang="en-US" sz="2000" dirty="0" err="1"/>
+              <a:rPr lang="en-US" sz="2400" dirty="0" err="1"/>
               <a:t>ecp</a:t>
             </a:r>
-            <a:endParaRPr lang="en-US" sz="2000" dirty="0"/>
+            <a:endParaRPr lang="en-US" sz="2400" dirty="0"/>
           </a:p>
           <a:p>
             <a:pPr lvl="1"/>
             <a:r>
-              <a:rPr lang="en-US" sz="1800" dirty="0">
+              <a:rPr lang="en-US" sz="2000" dirty="0">
                 <a:solidFill>
                   <a:schemeClr val="accent2">
                     <a:lumMod val="75000"/>
@@ -6312,25 +6411,25 @@
               <a:t>Nonparametric test </a:t>
             </a:r>
             <a:r>
+              <a:rPr lang="en-US" sz="2000" dirty="0"/>
+              <a:t>for multiple change point analysis</a:t>
+            </a:r>
+          </a:p>
+          <a:p>
+            <a:pPr lvl="2"/>
+            <a:r>
               <a:rPr lang="en-US" sz="1800" dirty="0"/>
-              <a:t>for multiple change point analysis</a:t>
-            </a:r>
-          </a:p>
-          <a:p>
-            <a:pPr lvl="2"/>
-            <a:r>
-              <a:rPr lang="en-US" sz="1600" dirty="0"/>
               <a:t>It is able to detect change point in an unknown underlying distribution</a:t>
             </a:r>
           </a:p>
           <a:p>
             <a:pPr lvl="1"/>
             <a:r>
-              <a:rPr lang="en-US" sz="1800" dirty="0"/>
+              <a:rPr lang="en-US" sz="2000" dirty="0"/>
               <a:t>Applicable to both </a:t>
             </a:r>
             <a:r>
-              <a:rPr lang="en-US" sz="1800" dirty="0">
+              <a:rPr lang="en-US" sz="2000" dirty="0">
                 <a:solidFill>
                   <a:schemeClr val="accent2">
                     <a:lumMod val="75000"/>
@@ -6340,11 +6439,11 @@
               <a:t>univariate</a:t>
             </a:r>
             <a:r>
-              <a:rPr lang="en-US" sz="1800" dirty="0"/>
+              <a:rPr lang="en-US" sz="2000" dirty="0"/>
               <a:t> and </a:t>
             </a:r>
             <a:r>
-              <a:rPr lang="en-US" sz="1800" dirty="0">
+              <a:rPr lang="en-US" sz="2000" dirty="0">
                 <a:solidFill>
                   <a:schemeClr val="accent2">
                     <a:lumMod val="75000"/>
@@ -6354,34 +6453,54 @@
               <a:t>multivariate</a:t>
             </a:r>
             <a:r>
+              <a:rPr lang="en-US" sz="2000" dirty="0"/>
+              <a:t> observations</a:t>
+            </a:r>
+          </a:p>
+          <a:p>
+            <a:pPr lvl="1"/>
+            <a:r>
+              <a:rPr lang="en-US" sz="2000" dirty="0"/>
+              <a:t>Hierarchical estimation</a:t>
+            </a:r>
+          </a:p>
+          <a:p>
+            <a:pPr lvl="2"/>
+            <a:r>
+              <a:rPr lang="en-US" sz="1800" dirty="0">
+                <a:solidFill>
+                  <a:schemeClr val="accent2">
+                    <a:lumMod val="75000"/>
+                  </a:schemeClr>
+                </a:solidFill>
+              </a:rPr>
+              <a:t>Divisive:</a:t>
+            </a:r>
+            <a:r>
               <a:rPr lang="en-US" sz="1800" dirty="0"/>
-              <a:t> observations</a:t>
+              <a:t> recursively partition a time series and perform a permutation test to find the statistical significance of an estimated change point. </a:t>
+            </a:r>
+          </a:p>
+          <a:p>
+            <a:pPr lvl="2"/>
+            <a:r>
+              <a:rPr lang="en-US" sz="1800" dirty="0">
+                <a:solidFill>
+                  <a:schemeClr val="accent2">
+                    <a:lumMod val="75000"/>
+                  </a:schemeClr>
+                </a:solidFill>
+              </a:rPr>
+              <a:t>Agglomerative: </a:t>
+            </a:r>
+            <a:r>
+              <a:rPr lang="en-US" sz="1800" dirty="0"/>
+              <a:t>maximize goodness-of-fit test after merging segments in the iteration. It required an initial segmentation for the time series.</a:t>
             </a:r>
           </a:p>
           <a:p>
             <a:pPr lvl="1"/>
-            <a:r>
-              <a:rPr lang="en-US" sz="1800" dirty="0"/>
-              <a:t>Hierarchical estimation</a:t>
-            </a:r>
-          </a:p>
-          <a:p>
-            <a:pPr lvl="2"/>
-            <a:r>
-              <a:rPr lang="en-US" sz="1600" dirty="0"/>
-              <a:t>Divisive: recursively partition a time series and perform a permutation test to find the statistical significance of an estimated change point. </a:t>
-            </a:r>
-          </a:p>
-          <a:p>
-            <a:pPr lvl="2"/>
-            <a:r>
-              <a:rPr lang="en-US" sz="1600" dirty="0"/>
-              <a:t>Agglomerative: maximize goodness-of-fit test after merging segments in the iteration. It required an initial segmentation for the time series.</a:t>
-            </a:r>
-          </a:p>
-          <a:p>
-            <a:pPr lvl="1"/>
-            <a:endParaRPr lang="en-US" sz="1800" dirty="0"/>
+            <a:endParaRPr lang="en-US" sz="2000" dirty="0"/>
           </a:p>
         </p:txBody>
       </p:sp>
@@ -6450,7 +6569,7 @@
             <p:spPr>
               <a:xfrm>
                 <a:off x="581192" y="2180496"/>
-                <a:ext cx="11029615" cy="3678303"/>
+                <a:ext cx="11029615" cy="4114800"/>
               </a:xfrm>
               <a:prstGeom prst="rect">
                 <a:avLst/>
@@ -6669,7 +6788,7 @@
               <a:p>
                 <a:pPr lvl="1"/>
                 <a:r>
-                  <a:rPr lang="en-US" sz="1800" dirty="0"/>
+                  <a:rPr lang="en-US" sz="2000" dirty="0"/>
                   <a:t>State: Normal, Good, Bad</a:t>
                 </a:r>
               </a:p>
@@ -6678,13 +6797,13 @@
                 <a14:m>
                   <m:oMath xmlns:m="http://schemas.openxmlformats.org/officeDocument/2006/math">
                     <m:r>
-                      <a:rPr lang="sv-SE" sz="1800" i="1">
+                      <a:rPr lang="sv-SE" sz="2000" i="1">
                         <a:latin typeface="Cambria Math" panose="02040503050406030204" pitchFamily="18" charset="0"/>
                       </a:rPr>
                       <m:t>𝑌</m:t>
                     </m:r>
                     <m:r>
-                      <a:rPr lang="sv-SE" sz="1800">
+                      <a:rPr lang="sv-SE" sz="2000">
                         <a:latin typeface="Cambria Math" panose="02040503050406030204" pitchFamily="18" charset="0"/>
                       </a:rPr>
                       <m:t>=</m:t>
@@ -6692,7 +6811,7 @@
                     <m:d>
                       <m:dPr>
                         <m:ctrlPr>
-                          <a:rPr lang="sv-SE" sz="1800" i="1">
+                          <a:rPr lang="sv-SE" sz="2000" i="1">
                             <a:latin typeface="Cambria Math" panose="02040503050406030204" pitchFamily="18" charset="0"/>
                           </a:rPr>
                         </m:ctrlPr>
@@ -6701,14 +6820,14 @@
                         <m:sSub>
                           <m:sSubPr>
                             <m:ctrlPr>
-                              <a:rPr lang="sv-SE" sz="1800" i="1">
+                              <a:rPr lang="sv-SE" sz="2000" i="1">
                                 <a:latin typeface="Cambria Math" panose="02040503050406030204" pitchFamily="18" charset="0"/>
                               </a:rPr>
                             </m:ctrlPr>
                           </m:sSubPr>
                           <m:e>
                             <m:r>
-                              <a:rPr lang="sv-SE" sz="1800" i="1">
+                              <a:rPr lang="sv-SE" sz="2000" i="1">
                                 <a:latin typeface="Cambria Math" panose="02040503050406030204" pitchFamily="18" charset="0"/>
                               </a:rPr>
                               <m:t>𝑌</m:t>
@@ -6716,7 +6835,7 @@
                           </m:e>
                           <m:sub>
                             <m:r>
-                              <a:rPr lang="sv-SE" sz="1800" i="1">
+                              <a:rPr lang="sv-SE" sz="2000" i="1">
                                 <a:latin typeface="Cambria Math" panose="02040503050406030204" pitchFamily="18" charset="0"/>
                               </a:rPr>
                               <m:t>1</m:t>
@@ -6724,7 +6843,7 @@
                           </m:sub>
                         </m:sSub>
                         <m:r>
-                          <a:rPr lang="sv-SE" sz="1800" i="1">
+                          <a:rPr lang="sv-SE" sz="2000" i="1">
                             <a:latin typeface="Cambria Math" panose="02040503050406030204" pitchFamily="18" charset="0"/>
                           </a:rPr>
                           <m:t>,</m:t>
@@ -6732,14 +6851,14 @@
                         <m:sSub>
                           <m:sSubPr>
                             <m:ctrlPr>
-                              <a:rPr lang="sv-SE" sz="1800" i="1">
+                              <a:rPr lang="sv-SE" sz="2000" i="1">
                                 <a:latin typeface="Cambria Math" panose="02040503050406030204" pitchFamily="18" charset="0"/>
                               </a:rPr>
                             </m:ctrlPr>
                           </m:sSubPr>
                           <m:e>
                             <m:r>
-                              <a:rPr lang="sv-SE" sz="1800" i="1">
+                              <a:rPr lang="sv-SE" sz="2000" i="1">
                                 <a:latin typeface="Cambria Math" panose="02040503050406030204" pitchFamily="18" charset="0"/>
                               </a:rPr>
                               <m:t>𝑌</m:t>
@@ -6747,7 +6866,7 @@
                           </m:e>
                           <m:sub>
                             <m:r>
-                              <a:rPr lang="sv-SE" sz="1800" i="1">
+                              <a:rPr lang="sv-SE" sz="2000" i="1">
                                 <a:latin typeface="Cambria Math" panose="02040503050406030204" pitchFamily="18" charset="0"/>
                               </a:rPr>
                               <m:t>2</m:t>
@@ -6755,7 +6874,7 @@
                           </m:sub>
                         </m:sSub>
                         <m:r>
-                          <a:rPr lang="sv-SE" sz="1800" i="1">
+                          <a:rPr lang="sv-SE" sz="2000" i="1">
                             <a:latin typeface="Cambria Math" panose="02040503050406030204" pitchFamily="18" charset="0"/>
                           </a:rPr>
                           <m:t>,…,</m:t>
@@ -6763,14 +6882,14 @@
                         <m:sSub>
                           <m:sSubPr>
                             <m:ctrlPr>
-                              <a:rPr lang="sv-SE" sz="1800" i="1">
+                              <a:rPr lang="sv-SE" sz="2000" i="1">
                                 <a:latin typeface="Cambria Math" panose="02040503050406030204" pitchFamily="18" charset="0"/>
                               </a:rPr>
                             </m:ctrlPr>
                           </m:sSubPr>
                           <m:e>
                             <m:r>
-                              <a:rPr lang="sv-SE" sz="1800" i="1">
+                              <a:rPr lang="sv-SE" sz="2000" i="1">
                                 <a:latin typeface="Cambria Math" panose="02040503050406030204" pitchFamily="18" charset="0"/>
                               </a:rPr>
                               <m:t>𝑌</m:t>
@@ -6778,7 +6897,7 @@
                           </m:e>
                           <m:sub>
                             <m:r>
-                              <a:rPr lang="sv-SE" sz="1800" i="1">
+                              <a:rPr lang="sv-SE" sz="2000" i="1">
                                 <a:latin typeface="Cambria Math" panose="02040503050406030204" pitchFamily="18" charset="0"/>
                               </a:rPr>
                               <m:t>𝑇</m:t>
@@ -6788,7 +6907,7 @@
                       </m:e>
                     </m:d>
                     <m:r>
-                      <a:rPr lang="sv-SE" sz="1800" i="1">
+                      <a:rPr lang="sv-SE" sz="2000" i="1">
                         <a:latin typeface="Cambria Math" panose="02040503050406030204" pitchFamily="18" charset="0"/>
                       </a:rPr>
                       <m:t>=</m:t>
@@ -6796,7 +6915,7 @@
                   </m:oMath>
                 </a14:m>
                 <a:r>
-                  <a:rPr lang="en-US" sz="1800" dirty="0"/>
+                  <a:rPr lang="en-US" sz="2000" dirty="0"/>
                   <a:t> CPU Utilization</a:t>
                 </a:r>
               </a:p>
@@ -6838,15 +6957,15 @@
             <p:spPr>
               <a:xfrm>
                 <a:off x="581192" y="2180496"/>
-                <a:ext cx="11029615" cy="3678303"/>
+                <a:ext cx="11029615" cy="4114800"/>
               </a:xfrm>
               <a:prstGeom prst="rect">
                 <a:avLst/>
               </a:prstGeom>
               <a:blipFill>
-                <a:blip r:embed="rId2"/>
+                <a:blip r:embed="rId3"/>
                 <a:stretch>
-                  <a:fillRect l="-276" t="-995"/>
+                  <a:fillRect l="-276" t="-889"/>
                 </a:stretch>
               </a:blipFill>
             </p:spPr>
@@ -6893,8 +7012,8 @@
               <a:chExt cx="6030686" cy="1894114"/>
             </a:xfrm>
           </p:grpSpPr>
-          <mc:AlternateContent xmlns:mc="http://schemas.openxmlformats.org/markup-compatibility/2006">
-            <mc:Choice xmlns:a14="http://schemas.microsoft.com/office/drawing/2010/main" Requires="a14">
+          <mc:AlternateContent xmlns:mc="http://schemas.openxmlformats.org/markup-compatibility/2006" xmlns:a14="http://schemas.microsoft.com/office/drawing/2010/main">
+            <mc:Choice Requires="a14">
               <p:sp>
                 <p:nvSpPr>
                   <p:cNvPr id="4" name="Oval 3"/>
@@ -6981,7 +7100,7 @@
                 </p:txBody>
               </p:sp>
             </mc:Choice>
-            <mc:Fallback>
+            <mc:Fallback xmlns="">
               <p:sp>
                 <p:nvSpPr>
                   <p:cNvPr id="4" name="Oval 3"/>
@@ -6999,7 +7118,7 @@
                     <a:avLst/>
                   </a:prstGeom>
                   <a:blipFill>
-                    <a:blip r:embed="rId3"/>
+                    <a:blip r:embed="rId4"/>
                     <a:stretch>
                       <a:fillRect/>
                     </a:stretch>
@@ -7020,8 +7139,8 @@
               </p:sp>
             </mc:Fallback>
           </mc:AlternateContent>
-          <mc:AlternateContent xmlns:mc="http://schemas.openxmlformats.org/markup-compatibility/2006">
-            <mc:Choice xmlns:a14="http://schemas.microsoft.com/office/drawing/2010/main" Requires="a14">
+          <mc:AlternateContent xmlns:mc="http://schemas.openxmlformats.org/markup-compatibility/2006" xmlns:a14="http://schemas.microsoft.com/office/drawing/2010/main">
+            <mc:Choice Requires="a14">
               <p:sp>
                 <p:nvSpPr>
                   <p:cNvPr id="5" name="Oval 4"/>
@@ -7108,7 +7227,7 @@
                 </p:txBody>
               </p:sp>
             </mc:Choice>
-            <mc:Fallback>
+            <mc:Fallback xmlns="">
               <p:sp>
                 <p:nvSpPr>
                   <p:cNvPr id="5" name="Oval 4"/>
@@ -7126,7 +7245,7 @@
                     <a:avLst/>
                   </a:prstGeom>
                   <a:blipFill>
-                    <a:blip r:embed="rId4"/>
+                    <a:blip r:embed="rId5"/>
                     <a:stretch>
                       <a:fillRect/>
                     </a:stretch>
@@ -7147,8 +7266,8 @@
               </p:sp>
             </mc:Fallback>
           </mc:AlternateContent>
-          <mc:AlternateContent xmlns:mc="http://schemas.openxmlformats.org/markup-compatibility/2006">
-            <mc:Choice xmlns:a14="http://schemas.microsoft.com/office/drawing/2010/main" Requires="a14">
+          <mc:AlternateContent xmlns:mc="http://schemas.openxmlformats.org/markup-compatibility/2006" xmlns:a14="http://schemas.microsoft.com/office/drawing/2010/main">
+            <mc:Choice Requires="a14">
               <p:sp>
                 <p:nvSpPr>
                   <p:cNvPr id="6" name="Oval 5"/>
@@ -7235,7 +7354,7 @@
                 </p:txBody>
               </p:sp>
             </mc:Choice>
-            <mc:Fallback>
+            <mc:Fallback xmlns="">
               <p:sp>
                 <p:nvSpPr>
                   <p:cNvPr id="6" name="Oval 5"/>
@@ -7253,7 +7372,7 @@
                     <a:avLst/>
                   </a:prstGeom>
                   <a:blipFill>
-                    <a:blip r:embed="rId5"/>
+                    <a:blip r:embed="rId6"/>
                     <a:stretch>
                       <a:fillRect/>
                     </a:stretch>
@@ -7274,8 +7393,8 @@
               </p:sp>
             </mc:Fallback>
           </mc:AlternateContent>
-          <mc:AlternateContent xmlns:mc="http://schemas.openxmlformats.org/markup-compatibility/2006">
-            <mc:Choice xmlns:a14="http://schemas.microsoft.com/office/drawing/2010/main" Requires="a14">
+          <mc:AlternateContent xmlns:mc="http://schemas.openxmlformats.org/markup-compatibility/2006" xmlns:a14="http://schemas.microsoft.com/office/drawing/2010/main">
+            <mc:Choice Requires="a14">
               <p:sp>
                 <p:nvSpPr>
                   <p:cNvPr id="7" name="Oval 6"/>
@@ -7362,7 +7481,7 @@
                 </p:txBody>
               </p:sp>
             </mc:Choice>
-            <mc:Fallback>
+            <mc:Fallback xmlns="">
               <p:sp>
                 <p:nvSpPr>
                   <p:cNvPr id="7" name="Oval 6"/>
@@ -7380,7 +7499,7 @@
                     <a:avLst/>
                   </a:prstGeom>
                   <a:blipFill>
-                    <a:blip r:embed="rId6"/>
+                    <a:blip r:embed="rId7"/>
                     <a:stretch>
                       <a:fillRect/>
                     </a:stretch>
@@ -7401,8 +7520,8 @@
               </p:sp>
             </mc:Fallback>
           </mc:AlternateContent>
-          <mc:AlternateContent xmlns:mc="http://schemas.openxmlformats.org/markup-compatibility/2006">
-            <mc:Choice xmlns:a14="http://schemas.microsoft.com/office/drawing/2010/main" Requires="a14">
+          <mc:AlternateContent xmlns:mc="http://schemas.openxmlformats.org/markup-compatibility/2006" xmlns:a14="http://schemas.microsoft.com/office/drawing/2010/main">
+            <mc:Choice Requires="a14">
               <p:sp>
                 <p:nvSpPr>
                   <p:cNvPr id="8" name="Oval 7"/>
@@ -7489,7 +7608,7 @@
                 </p:txBody>
               </p:sp>
             </mc:Choice>
-            <mc:Fallback>
+            <mc:Fallback xmlns="">
               <p:sp>
                 <p:nvSpPr>
                   <p:cNvPr id="8" name="Oval 7"/>
@@ -7507,7 +7626,7 @@
                     <a:avLst/>
                   </a:prstGeom>
                   <a:blipFill>
-                    <a:blip r:embed="rId7"/>
+                    <a:blip r:embed="rId8"/>
                     <a:stretch>
                       <a:fillRect/>
                     </a:stretch>
@@ -7528,8 +7647,8 @@
               </p:sp>
             </mc:Fallback>
           </mc:AlternateContent>
-          <mc:AlternateContent xmlns:mc="http://schemas.openxmlformats.org/markup-compatibility/2006">
-            <mc:Choice xmlns:a14="http://schemas.microsoft.com/office/drawing/2010/main" Requires="a14">
+          <mc:AlternateContent xmlns:mc="http://schemas.openxmlformats.org/markup-compatibility/2006" xmlns:a14="http://schemas.microsoft.com/office/drawing/2010/main">
+            <mc:Choice Requires="a14">
               <p:sp>
                 <p:nvSpPr>
                   <p:cNvPr id="9" name="Oval 8"/>
@@ -7616,7 +7735,7 @@
                 </p:txBody>
               </p:sp>
             </mc:Choice>
-            <mc:Fallback>
+            <mc:Fallback xmlns="">
               <p:sp>
                 <p:nvSpPr>
                   <p:cNvPr id="9" name="Oval 8"/>
@@ -7634,7 +7753,7 @@
                     <a:avLst/>
                   </a:prstGeom>
                   <a:blipFill>
-                    <a:blip r:embed="rId8"/>
+                    <a:blip r:embed="rId9"/>
                     <a:stretch>
                       <a:fillRect/>
                     </a:stretch>
@@ -7655,8 +7774,8 @@
               </p:sp>
             </mc:Fallback>
           </mc:AlternateContent>
-          <mc:AlternateContent xmlns:mc="http://schemas.openxmlformats.org/markup-compatibility/2006">
-            <mc:Choice xmlns:a14="http://schemas.microsoft.com/office/drawing/2010/main" Requires="a14">
+          <mc:AlternateContent xmlns:mc="http://schemas.openxmlformats.org/markup-compatibility/2006" xmlns:a14="http://schemas.microsoft.com/office/drawing/2010/main">
+            <mc:Choice Requires="a14">
               <p:sp>
                 <p:nvSpPr>
                   <p:cNvPr id="10" name="Oval 9"/>
@@ -7743,7 +7862,7 @@
                 </p:txBody>
               </p:sp>
             </mc:Choice>
-            <mc:Fallback>
+            <mc:Fallback xmlns="">
               <p:sp>
                 <p:nvSpPr>
                   <p:cNvPr id="10" name="Oval 9"/>
@@ -7761,7 +7880,7 @@
                     <a:avLst/>
                   </a:prstGeom>
                   <a:blipFill>
-                    <a:blip r:embed="rId9"/>
+                    <a:blip r:embed="rId10"/>
                     <a:stretch>
                       <a:fillRect/>
                     </a:stretch>
@@ -7782,8 +7901,8 @@
               </p:sp>
             </mc:Fallback>
           </mc:AlternateContent>
-          <mc:AlternateContent xmlns:mc="http://schemas.openxmlformats.org/markup-compatibility/2006">
-            <mc:Choice xmlns:a14="http://schemas.microsoft.com/office/drawing/2010/main" Requires="a14">
+          <mc:AlternateContent xmlns:mc="http://schemas.openxmlformats.org/markup-compatibility/2006" xmlns:a14="http://schemas.microsoft.com/office/drawing/2010/main">
+            <mc:Choice Requires="a14">
               <p:sp>
                 <p:nvSpPr>
                   <p:cNvPr id="11" name="Oval 10"/>
@@ -7870,7 +7989,7 @@
                 </p:txBody>
               </p:sp>
             </mc:Choice>
-            <mc:Fallback>
+            <mc:Fallback xmlns="">
               <p:sp>
                 <p:nvSpPr>
                   <p:cNvPr id="11" name="Oval 10"/>
@@ -7888,7 +8007,7 @@
                     <a:avLst/>
                   </a:prstGeom>
                   <a:blipFill>
-                    <a:blip r:embed="rId10"/>
+                    <a:blip r:embed="rId11"/>
                     <a:stretch>
                       <a:fillRect/>
                     </a:stretch>
@@ -8354,7 +8473,12 @@
             <p:ph idx="1"/>
           </p:nvPr>
         </p:nvSpPr>
-        <p:spPr/>
+        <p:spPr>
+          <a:xfrm>
+            <a:off x="581192" y="2180495"/>
+            <a:ext cx="11029615" cy="4114800"/>
+          </a:xfrm>
+        </p:spPr>
         <p:txBody>
           <a:bodyPr anchor="t">
             <a:normAutofit/>
@@ -8362,15 +8486,27 @@
           <a:lstStyle/>
           <a:p>
             <a:r>
-              <a:rPr lang="en-US" sz="2000" dirty="0"/>
-              <a:t>Find suitable method</a:t>
-            </a:r>
-          </a:p>
-          <a:p>
-            <a:r>
-              <a:rPr lang="en-US" sz="2000" dirty="0"/>
-              <a:t>Implement algorithm</a:t>
-            </a:r>
+              <a:rPr lang="en-US" sz="2400" dirty="0"/>
+              <a:t>Find suitable method to detect the change in CPU Utilization</a:t>
+            </a:r>
+          </a:p>
+          <a:p>
+            <a:r>
+              <a:rPr lang="en-US" sz="2400" dirty="0"/>
+              <a:t>Implement algorithm in R </a:t>
+            </a:r>
+          </a:p>
+          <a:p>
+            <a:r>
+              <a:rPr lang="en-US" sz="2400" dirty="0"/>
+              <a:t>Apply algorithm with the data</a:t>
+            </a:r>
+          </a:p>
+          <a:p>
+            <a:endParaRPr lang="en-US" sz="2400" dirty="0"/>
+          </a:p>
+          <a:p>
+            <a:endParaRPr lang="en-US" sz="2400" dirty="0"/>
           </a:p>
         </p:txBody>
       </p:sp>

--- a/Presentation/1-Proposal seminar.pptx
+++ b/Presentation/1-Proposal seminar.pptx
@@ -22,7 +22,7 @@
     <p:sldId id="261" r:id="rId10"/>
   </p:sldIdLst>
   <p:sldSz cx="12192000" cy="6858000"/>
-  <p:notesSz cx="10233025" cy="7102475"/>
+  <p:notesSz cx="9874250" cy="6797675"/>
   <p:defaultTextStyle>
     <a:defPPr>
       <a:defRPr lang="en-US"/>
@@ -161,14 +161,14 @@
         <p:spPr>
           <a:xfrm>
             <a:off x="0" y="2"/>
-            <a:ext cx="4434311" cy="356359"/>
+            <a:ext cx="4278842" cy="341066"/>
           </a:xfrm>
           <a:prstGeom prst="rect">
             <a:avLst/>
           </a:prstGeom>
         </p:spPr>
         <p:txBody>
-          <a:bodyPr vert="horz" lIns="94652" tIns="47326" rIns="94652" bIns="47326" rtlCol="0"/>
+          <a:bodyPr vert="horz" lIns="90620" tIns="45310" rIns="90620" bIns="45310" rtlCol="0"/>
           <a:lstStyle>
             <a:lvl1pPr algn="l">
               <a:defRPr sz="1100"/>
@@ -191,15 +191,15 @@
         </p:nvSpPr>
         <p:spPr>
           <a:xfrm>
-            <a:off x="5796349" y="2"/>
-            <a:ext cx="4434311" cy="356359"/>
+            <a:off x="5593127" y="2"/>
+            <a:ext cx="4278842" cy="341066"/>
           </a:xfrm>
           <a:prstGeom prst="rect">
             <a:avLst/>
           </a:prstGeom>
         </p:spPr>
         <p:txBody>
-          <a:bodyPr vert="horz" lIns="94652" tIns="47326" rIns="94652" bIns="47326" rtlCol="0"/>
+          <a:bodyPr vert="horz" lIns="90620" tIns="45310" rIns="90620" bIns="45310" rtlCol="0"/>
           <a:lstStyle>
             <a:lvl1pPr algn="r">
               <a:defRPr sz="1100"/>
@@ -208,7 +208,7 @@
           <a:p>
             <a:fld id="{D4B88662-1E45-47A2-8E9E-64CF72FDD06B}" type="datetimeFigureOut">
               <a:rPr lang="en-US" smtClean="0"/>
-              <a:t>2/9/2017</a:t>
+              <a:t>2/10/2017</a:t>
             </a:fld>
             <a:endParaRPr lang="en-US"/>
           </a:p>
@@ -226,15 +226,15 @@
         </p:nvSpPr>
         <p:spPr>
           <a:xfrm>
-            <a:off x="0" y="6746119"/>
-            <a:ext cx="4434311" cy="356357"/>
+            <a:off x="0" y="6456612"/>
+            <a:ext cx="4278842" cy="341064"/>
           </a:xfrm>
           <a:prstGeom prst="rect">
             <a:avLst/>
           </a:prstGeom>
         </p:spPr>
         <p:txBody>
-          <a:bodyPr vert="horz" lIns="94652" tIns="47326" rIns="94652" bIns="47326" rtlCol="0" anchor="b"/>
+          <a:bodyPr vert="horz" lIns="90620" tIns="45310" rIns="90620" bIns="45310" rtlCol="0" anchor="b"/>
           <a:lstStyle>
             <a:lvl1pPr algn="l">
               <a:defRPr sz="1100"/>
@@ -257,15 +257,15 @@
         </p:nvSpPr>
         <p:spPr>
           <a:xfrm>
-            <a:off x="5796349" y="6746119"/>
-            <a:ext cx="4434311" cy="356357"/>
+            <a:off x="5593127" y="6456612"/>
+            <a:ext cx="4278842" cy="341064"/>
           </a:xfrm>
           <a:prstGeom prst="rect">
             <a:avLst/>
           </a:prstGeom>
         </p:spPr>
         <p:txBody>
-          <a:bodyPr vert="horz" lIns="94652" tIns="47326" rIns="94652" bIns="47326" rtlCol="0" anchor="b"/>
+          <a:bodyPr vert="horz" lIns="90620" tIns="45310" rIns="90620" bIns="45310" rtlCol="0" anchor="b"/>
           <a:lstStyle>
             <a:lvl1pPr algn="r">
               <a:defRPr sz="1100"/>
@@ -326,14 +326,14 @@
         <p:spPr>
           <a:xfrm>
             <a:off x="0" y="2"/>
-            <a:ext cx="4434311" cy="356359"/>
+            <a:ext cx="4278842" cy="341066"/>
           </a:xfrm>
           <a:prstGeom prst="rect">
             <a:avLst/>
           </a:prstGeom>
         </p:spPr>
         <p:txBody>
-          <a:bodyPr vert="horz" lIns="94652" tIns="47326" rIns="94652" bIns="47326" rtlCol="0"/>
+          <a:bodyPr vert="horz" lIns="90620" tIns="45310" rIns="90620" bIns="45310" rtlCol="0"/>
           <a:lstStyle>
             <a:lvl1pPr algn="l">
               <a:defRPr sz="1100"/>
@@ -356,15 +356,15 @@
         </p:nvSpPr>
         <p:spPr>
           <a:xfrm>
-            <a:off x="5796349" y="2"/>
-            <a:ext cx="4434311" cy="356359"/>
+            <a:off x="5593127" y="2"/>
+            <a:ext cx="4278842" cy="341066"/>
           </a:xfrm>
           <a:prstGeom prst="rect">
             <a:avLst/>
           </a:prstGeom>
         </p:spPr>
         <p:txBody>
-          <a:bodyPr vert="horz" lIns="94652" tIns="47326" rIns="94652" bIns="47326" rtlCol="0"/>
+          <a:bodyPr vert="horz" lIns="90620" tIns="45310" rIns="90620" bIns="45310" rtlCol="0"/>
           <a:lstStyle>
             <a:lvl1pPr algn="r">
               <a:defRPr sz="1100"/>
@@ -373,7 +373,7 @@
           <a:p>
             <a:fld id="{41B29D5C-5C04-480A-9659-9A97AE2F4290}" type="datetimeFigureOut">
               <a:rPr lang="en-US" smtClean="0"/>
-              <a:t>2/9/2017</a:t>
+              <a:t>2/10/2017</a:t>
             </a:fld>
             <a:endParaRPr lang="en-US"/>
           </a:p>
@@ -391,8 +391,8 @@
         </p:nvSpPr>
         <p:spPr>
           <a:xfrm>
-            <a:off x="2986088" y="887413"/>
-            <a:ext cx="4260850" cy="2397125"/>
+            <a:off x="2898775" y="849313"/>
+            <a:ext cx="4076700" cy="2293937"/>
           </a:xfrm>
           <a:prstGeom prst="rect">
             <a:avLst/>
@@ -405,7 +405,7 @@
           </a:ln>
         </p:spPr>
         <p:txBody>
-          <a:bodyPr vert="horz" lIns="94652" tIns="47326" rIns="94652" bIns="47326" rtlCol="0" anchor="ctr"/>
+          <a:bodyPr vert="horz" lIns="90620" tIns="45310" rIns="90620" bIns="45310" rtlCol="0" anchor="ctr"/>
           <a:lstStyle/>
           <a:p>
             <a:endParaRPr lang="en-US"/>
@@ -424,15 +424,15 @@
         </p:nvSpPr>
         <p:spPr>
           <a:xfrm>
-            <a:off x="1023304" y="3418069"/>
-            <a:ext cx="8186419" cy="2796600"/>
+            <a:off x="987427" y="3271384"/>
+            <a:ext cx="7899399" cy="2676585"/>
           </a:xfrm>
           <a:prstGeom prst="rect">
             <a:avLst/>
           </a:prstGeom>
         </p:spPr>
         <p:txBody>
-          <a:bodyPr vert="horz" lIns="94652" tIns="47326" rIns="94652" bIns="47326" rtlCol="0"/>
+          <a:bodyPr vert="horz" lIns="90620" tIns="45310" rIns="90620" bIns="45310" rtlCol="0"/>
           <a:lstStyle/>
           <a:p>
             <a:pPr lvl="0"/>
@@ -483,15 +483,15 @@
         </p:nvSpPr>
         <p:spPr>
           <a:xfrm>
-            <a:off x="0" y="6746119"/>
-            <a:ext cx="4434311" cy="356357"/>
+            <a:off x="0" y="6456612"/>
+            <a:ext cx="4278842" cy="341064"/>
           </a:xfrm>
           <a:prstGeom prst="rect">
             <a:avLst/>
           </a:prstGeom>
         </p:spPr>
         <p:txBody>
-          <a:bodyPr vert="horz" lIns="94652" tIns="47326" rIns="94652" bIns="47326" rtlCol="0" anchor="b"/>
+          <a:bodyPr vert="horz" lIns="90620" tIns="45310" rIns="90620" bIns="45310" rtlCol="0" anchor="b"/>
           <a:lstStyle>
             <a:lvl1pPr algn="l">
               <a:defRPr sz="1100"/>
@@ -514,15 +514,15 @@
         </p:nvSpPr>
         <p:spPr>
           <a:xfrm>
-            <a:off x="5796349" y="6746119"/>
-            <a:ext cx="4434311" cy="356357"/>
+            <a:off x="5593127" y="6456612"/>
+            <a:ext cx="4278842" cy="341064"/>
           </a:xfrm>
           <a:prstGeom prst="rect">
             <a:avLst/>
           </a:prstGeom>
         </p:spPr>
         <p:txBody>
-          <a:bodyPr vert="horz" lIns="94652" tIns="47326" rIns="94652" bIns="47326" rtlCol="0" anchor="b"/>
+          <a:bodyPr vert="horz" lIns="90620" tIns="45310" rIns="90620" bIns="45310" rtlCol="0" anchor="b"/>
           <a:lstStyle>
             <a:lvl1pPr algn="r">
               <a:defRPr sz="1100"/>
@@ -684,7 +684,7 @@
           <a:bodyPr/>
           <a:lstStyle/>
           <a:p>
-            <a:endParaRPr lang="en-US" dirty="0"/>
+            <a:endParaRPr lang="en-US"/>
           </a:p>
         </p:txBody>
       </p:sp>
@@ -705,7 +705,7 @@
           <a:p>
             <a:fld id="{616B0102-43C5-42A1-BC9D-A7087B77041F}" type="slidenum">
               <a:rPr lang="en-US" smtClean="0"/>
-              <a:t>2</a:t>
+              <a:t>1</a:t>
             </a:fld>
             <a:endParaRPr lang="en-US"/>
           </a:p>
@@ -714,7 +714,7 @@
     </p:spTree>
     <p:extLst>
       <p:ext uri="{BB962C8B-B14F-4D97-AF65-F5344CB8AC3E}">
-        <p14:creationId xmlns:p14="http://schemas.microsoft.com/office/powerpoint/2010/main" val="2868224789"/>
+        <p14:creationId xmlns:p14="http://schemas.microsoft.com/office/powerpoint/2010/main" val="4136654447"/>
       </p:ext>
     </p:extLst>
   </p:cSld>
@@ -789,7 +789,7 @@
           <a:p>
             <a:fld id="{616B0102-43C5-42A1-BC9D-A7087B77041F}" type="slidenum">
               <a:rPr lang="en-US" smtClean="0"/>
-              <a:t>3</a:t>
+              <a:t>2</a:t>
             </a:fld>
             <a:endParaRPr lang="en-US"/>
           </a:p>
@@ -798,7 +798,7 @@
     </p:spTree>
     <p:extLst>
       <p:ext uri="{BB962C8B-B14F-4D97-AF65-F5344CB8AC3E}">
-        <p14:creationId xmlns:p14="http://schemas.microsoft.com/office/powerpoint/2010/main" val="4060455353"/>
+        <p14:creationId xmlns:p14="http://schemas.microsoft.com/office/powerpoint/2010/main" val="2868224789"/>
       </p:ext>
     </p:extLst>
   </p:cSld>
@@ -852,6 +852,342 @@
           <a:bodyPr/>
           <a:lstStyle/>
           <a:p>
+            <a:endParaRPr lang="en-US" dirty="0"/>
+          </a:p>
+        </p:txBody>
+      </p:sp>
+      <p:sp>
+        <p:nvSpPr>
+          <p:cNvPr id="4" name="Slide Number Placeholder 3"/>
+          <p:cNvSpPr>
+            <a:spLocks noGrp="1"/>
+          </p:cNvSpPr>
+          <p:nvPr>
+            <p:ph type="sldNum" sz="quarter" idx="10"/>
+          </p:nvPr>
+        </p:nvSpPr>
+        <p:spPr/>
+        <p:txBody>
+          <a:bodyPr/>
+          <a:lstStyle/>
+          <a:p>
+            <a:fld id="{616B0102-43C5-42A1-BC9D-A7087B77041F}" type="slidenum">
+              <a:rPr lang="en-US" smtClean="0"/>
+              <a:t>3</a:t>
+            </a:fld>
+            <a:endParaRPr lang="en-US"/>
+          </a:p>
+        </p:txBody>
+      </p:sp>
+    </p:spTree>
+    <p:extLst>
+      <p:ext uri="{BB962C8B-B14F-4D97-AF65-F5344CB8AC3E}">
+        <p14:creationId xmlns:p14="http://schemas.microsoft.com/office/powerpoint/2010/main" val="4060455353"/>
+      </p:ext>
+    </p:extLst>
+  </p:cSld>
+  <p:clrMapOvr>
+    <a:masterClrMapping/>
+  </p:clrMapOvr>
+</p:notes>
+</file>
+
+<file path=ppt/notesSlides/notesSlide4.xml><?xml version="1.0" encoding="utf-8"?>
+<p:notes xmlns:a="http://schemas.openxmlformats.org/drawingml/2006/main" xmlns:r="http://schemas.openxmlformats.org/officeDocument/2006/relationships" xmlns:p="http://schemas.openxmlformats.org/presentationml/2006/main">
+  <p:cSld>
+    <p:spTree>
+      <p:nvGrpSpPr>
+        <p:cNvPr id="1" name=""/>
+        <p:cNvGrpSpPr/>
+        <p:nvPr/>
+      </p:nvGrpSpPr>
+      <p:grpSpPr>
+        <a:xfrm>
+          <a:off x="0" y="0"/>
+          <a:ext cx="0" cy="0"/>
+          <a:chOff x="0" y="0"/>
+          <a:chExt cx="0" cy="0"/>
+        </a:xfrm>
+      </p:grpSpPr>
+      <p:sp>
+        <p:nvSpPr>
+          <p:cNvPr id="2" name="Slide Image Placeholder 1"/>
+          <p:cNvSpPr>
+            <a:spLocks noGrp="1" noRot="1" noChangeAspect="1"/>
+          </p:cNvSpPr>
+          <p:nvPr>
+            <p:ph type="sldImg"/>
+          </p:nvPr>
+        </p:nvSpPr>
+        <p:spPr/>
+      </p:sp>
+      <p:sp>
+        <p:nvSpPr>
+          <p:cNvPr id="3" name="Notes Placeholder 2"/>
+          <p:cNvSpPr>
+            <a:spLocks noGrp="1"/>
+          </p:cNvSpPr>
+          <p:nvPr>
+            <p:ph type="body" idx="1"/>
+          </p:nvPr>
+        </p:nvSpPr>
+        <p:spPr/>
+        <p:txBody>
+          <a:bodyPr/>
+          <a:lstStyle/>
+          <a:p>
+            <a:endParaRPr lang="en-US"/>
+          </a:p>
+        </p:txBody>
+      </p:sp>
+      <p:sp>
+        <p:nvSpPr>
+          <p:cNvPr id="4" name="Slide Number Placeholder 3"/>
+          <p:cNvSpPr>
+            <a:spLocks noGrp="1"/>
+          </p:cNvSpPr>
+          <p:nvPr>
+            <p:ph type="sldNum" sz="quarter" idx="10"/>
+          </p:nvPr>
+        </p:nvSpPr>
+        <p:spPr/>
+        <p:txBody>
+          <a:bodyPr/>
+          <a:lstStyle/>
+          <a:p>
+            <a:fld id="{616B0102-43C5-42A1-BC9D-A7087B77041F}" type="slidenum">
+              <a:rPr lang="en-US" smtClean="0"/>
+              <a:t>4</a:t>
+            </a:fld>
+            <a:endParaRPr lang="en-US"/>
+          </a:p>
+        </p:txBody>
+      </p:sp>
+    </p:spTree>
+    <p:extLst>
+      <p:ext uri="{BB962C8B-B14F-4D97-AF65-F5344CB8AC3E}">
+        <p14:creationId xmlns:p14="http://schemas.microsoft.com/office/powerpoint/2010/main" val="3200003836"/>
+      </p:ext>
+    </p:extLst>
+  </p:cSld>
+  <p:clrMapOvr>
+    <a:masterClrMapping/>
+  </p:clrMapOvr>
+</p:notes>
+</file>
+
+<file path=ppt/notesSlides/notesSlide5.xml><?xml version="1.0" encoding="utf-8"?>
+<p:notes xmlns:a="http://schemas.openxmlformats.org/drawingml/2006/main" xmlns:r="http://schemas.openxmlformats.org/officeDocument/2006/relationships" xmlns:p="http://schemas.openxmlformats.org/presentationml/2006/main">
+  <p:cSld>
+    <p:spTree>
+      <p:nvGrpSpPr>
+        <p:cNvPr id="1" name=""/>
+        <p:cNvGrpSpPr/>
+        <p:nvPr/>
+      </p:nvGrpSpPr>
+      <p:grpSpPr>
+        <a:xfrm>
+          <a:off x="0" y="0"/>
+          <a:ext cx="0" cy="0"/>
+          <a:chOff x="0" y="0"/>
+          <a:chExt cx="0" cy="0"/>
+        </a:xfrm>
+      </p:grpSpPr>
+      <p:sp>
+        <p:nvSpPr>
+          <p:cNvPr id="2" name="Slide Image Placeholder 1"/>
+          <p:cNvSpPr>
+            <a:spLocks noGrp="1" noRot="1" noChangeAspect="1"/>
+          </p:cNvSpPr>
+          <p:nvPr>
+            <p:ph type="sldImg"/>
+          </p:nvPr>
+        </p:nvSpPr>
+        <p:spPr/>
+      </p:sp>
+      <p:sp>
+        <p:nvSpPr>
+          <p:cNvPr id="3" name="Notes Placeholder 2"/>
+          <p:cNvSpPr>
+            <a:spLocks noGrp="1"/>
+          </p:cNvSpPr>
+          <p:nvPr>
+            <p:ph type="body" idx="1"/>
+          </p:nvPr>
+        </p:nvSpPr>
+        <p:spPr/>
+        <p:txBody>
+          <a:bodyPr/>
+          <a:lstStyle/>
+          <a:p>
+            <a:endParaRPr lang="en-US"/>
+          </a:p>
+        </p:txBody>
+      </p:sp>
+      <p:sp>
+        <p:nvSpPr>
+          <p:cNvPr id="4" name="Slide Number Placeholder 3"/>
+          <p:cNvSpPr>
+            <a:spLocks noGrp="1"/>
+          </p:cNvSpPr>
+          <p:nvPr>
+            <p:ph type="sldNum" sz="quarter" idx="10"/>
+          </p:nvPr>
+        </p:nvSpPr>
+        <p:spPr/>
+        <p:txBody>
+          <a:bodyPr/>
+          <a:lstStyle/>
+          <a:p>
+            <a:fld id="{616B0102-43C5-42A1-BC9D-A7087B77041F}" type="slidenum">
+              <a:rPr lang="en-US" smtClean="0"/>
+              <a:t>5</a:t>
+            </a:fld>
+            <a:endParaRPr lang="en-US"/>
+          </a:p>
+        </p:txBody>
+      </p:sp>
+    </p:spTree>
+    <p:extLst>
+      <p:ext uri="{BB962C8B-B14F-4D97-AF65-F5344CB8AC3E}">
+        <p14:creationId xmlns:p14="http://schemas.microsoft.com/office/powerpoint/2010/main" val="259133903"/>
+      </p:ext>
+    </p:extLst>
+  </p:cSld>
+  <p:clrMapOvr>
+    <a:masterClrMapping/>
+  </p:clrMapOvr>
+</p:notes>
+</file>
+
+<file path=ppt/notesSlides/notesSlide6.xml><?xml version="1.0" encoding="utf-8"?>
+<p:notes xmlns:a="http://schemas.openxmlformats.org/drawingml/2006/main" xmlns:r="http://schemas.openxmlformats.org/officeDocument/2006/relationships" xmlns:p="http://schemas.openxmlformats.org/presentationml/2006/main">
+  <p:cSld>
+    <p:spTree>
+      <p:nvGrpSpPr>
+        <p:cNvPr id="1" name=""/>
+        <p:cNvGrpSpPr/>
+        <p:nvPr/>
+      </p:nvGrpSpPr>
+      <p:grpSpPr>
+        <a:xfrm>
+          <a:off x="0" y="0"/>
+          <a:ext cx="0" cy="0"/>
+          <a:chOff x="0" y="0"/>
+          <a:chExt cx="0" cy="0"/>
+        </a:xfrm>
+      </p:grpSpPr>
+      <p:sp>
+        <p:nvSpPr>
+          <p:cNvPr id="2" name="Slide Image Placeholder 1"/>
+          <p:cNvSpPr>
+            <a:spLocks noGrp="1" noRot="1" noChangeAspect="1"/>
+          </p:cNvSpPr>
+          <p:nvPr>
+            <p:ph type="sldImg"/>
+          </p:nvPr>
+        </p:nvSpPr>
+        <p:spPr/>
+      </p:sp>
+      <p:sp>
+        <p:nvSpPr>
+          <p:cNvPr id="3" name="Notes Placeholder 2"/>
+          <p:cNvSpPr>
+            <a:spLocks noGrp="1"/>
+          </p:cNvSpPr>
+          <p:nvPr>
+            <p:ph type="body" idx="1"/>
+          </p:nvPr>
+        </p:nvSpPr>
+        <p:spPr/>
+        <p:txBody>
+          <a:bodyPr/>
+          <a:lstStyle/>
+          <a:p>
+            <a:endParaRPr lang="en-US"/>
+          </a:p>
+        </p:txBody>
+      </p:sp>
+      <p:sp>
+        <p:nvSpPr>
+          <p:cNvPr id="4" name="Slide Number Placeholder 3"/>
+          <p:cNvSpPr>
+            <a:spLocks noGrp="1"/>
+          </p:cNvSpPr>
+          <p:nvPr>
+            <p:ph type="sldNum" sz="quarter" idx="10"/>
+          </p:nvPr>
+        </p:nvSpPr>
+        <p:spPr/>
+        <p:txBody>
+          <a:bodyPr/>
+          <a:lstStyle/>
+          <a:p>
+            <a:fld id="{616B0102-43C5-42A1-BC9D-A7087B77041F}" type="slidenum">
+              <a:rPr lang="en-US" smtClean="0"/>
+              <a:t>6</a:t>
+            </a:fld>
+            <a:endParaRPr lang="en-US"/>
+          </a:p>
+        </p:txBody>
+      </p:sp>
+    </p:spTree>
+    <p:extLst>
+      <p:ext uri="{BB962C8B-B14F-4D97-AF65-F5344CB8AC3E}">
+        <p14:creationId xmlns:p14="http://schemas.microsoft.com/office/powerpoint/2010/main" val="819860439"/>
+      </p:ext>
+    </p:extLst>
+  </p:cSld>
+  <p:clrMapOvr>
+    <a:masterClrMapping/>
+  </p:clrMapOvr>
+</p:notes>
+</file>
+
+<file path=ppt/notesSlides/notesSlide7.xml><?xml version="1.0" encoding="utf-8"?>
+<p:notes xmlns:a="http://schemas.openxmlformats.org/drawingml/2006/main" xmlns:r="http://schemas.openxmlformats.org/officeDocument/2006/relationships" xmlns:p="http://schemas.openxmlformats.org/presentationml/2006/main">
+  <p:cSld>
+    <p:spTree>
+      <p:nvGrpSpPr>
+        <p:cNvPr id="1" name=""/>
+        <p:cNvGrpSpPr/>
+        <p:nvPr/>
+      </p:nvGrpSpPr>
+      <p:grpSpPr>
+        <a:xfrm>
+          <a:off x="0" y="0"/>
+          <a:ext cx="0" cy="0"/>
+          <a:chOff x="0" y="0"/>
+          <a:chExt cx="0" cy="0"/>
+        </a:xfrm>
+      </p:grpSpPr>
+      <p:sp>
+        <p:nvSpPr>
+          <p:cNvPr id="2" name="Slide Image Placeholder 1"/>
+          <p:cNvSpPr>
+            <a:spLocks noGrp="1" noRot="1" noChangeAspect="1"/>
+          </p:cNvSpPr>
+          <p:nvPr>
+            <p:ph type="sldImg"/>
+          </p:nvPr>
+        </p:nvSpPr>
+        <p:spPr/>
+      </p:sp>
+      <p:sp>
+        <p:nvSpPr>
+          <p:cNvPr id="3" name="Notes Placeholder 2"/>
+          <p:cNvSpPr>
+            <a:spLocks noGrp="1"/>
+          </p:cNvSpPr>
+          <p:nvPr>
+            <p:ph type="body" idx="1"/>
+          </p:nvPr>
+        </p:nvSpPr>
+        <p:spPr/>
+        <p:txBody>
+          <a:bodyPr/>
+          <a:lstStyle/>
+          <a:p>
             <a:r>
               <a:rPr lang="en-US" dirty="0"/>
               <a:t>It is only the outcome, not the state that is visible to an external observer and therefore states are ``hidden'' to the outside; hence the name Hidden Markov Model is a perfect solution for addressing detection.</a:t>
@@ -892,6 +1228,90 @@
     <p:extLst>
       <p:ext uri="{BB962C8B-B14F-4D97-AF65-F5344CB8AC3E}">
         <p14:creationId xmlns:p14="http://schemas.microsoft.com/office/powerpoint/2010/main" val="784927014"/>
+      </p:ext>
+    </p:extLst>
+  </p:cSld>
+  <p:clrMapOvr>
+    <a:masterClrMapping/>
+  </p:clrMapOvr>
+</p:notes>
+</file>
+
+<file path=ppt/notesSlides/notesSlide8.xml><?xml version="1.0" encoding="utf-8"?>
+<p:notes xmlns:a="http://schemas.openxmlformats.org/drawingml/2006/main" xmlns:r="http://schemas.openxmlformats.org/officeDocument/2006/relationships" xmlns:p="http://schemas.openxmlformats.org/presentationml/2006/main">
+  <p:cSld>
+    <p:spTree>
+      <p:nvGrpSpPr>
+        <p:cNvPr id="1" name=""/>
+        <p:cNvGrpSpPr/>
+        <p:nvPr/>
+      </p:nvGrpSpPr>
+      <p:grpSpPr>
+        <a:xfrm>
+          <a:off x="0" y="0"/>
+          <a:ext cx="0" cy="0"/>
+          <a:chOff x="0" y="0"/>
+          <a:chExt cx="0" cy="0"/>
+        </a:xfrm>
+      </p:grpSpPr>
+      <p:sp>
+        <p:nvSpPr>
+          <p:cNvPr id="2" name="Slide Image Placeholder 1"/>
+          <p:cNvSpPr>
+            <a:spLocks noGrp="1" noRot="1" noChangeAspect="1"/>
+          </p:cNvSpPr>
+          <p:nvPr>
+            <p:ph type="sldImg"/>
+          </p:nvPr>
+        </p:nvSpPr>
+        <p:spPr/>
+      </p:sp>
+      <p:sp>
+        <p:nvSpPr>
+          <p:cNvPr id="3" name="Notes Placeholder 2"/>
+          <p:cNvSpPr>
+            <a:spLocks noGrp="1"/>
+          </p:cNvSpPr>
+          <p:nvPr>
+            <p:ph type="body" idx="1"/>
+          </p:nvPr>
+        </p:nvSpPr>
+        <p:spPr/>
+        <p:txBody>
+          <a:bodyPr/>
+          <a:lstStyle/>
+          <a:p>
+            <a:endParaRPr lang="en-US"/>
+          </a:p>
+        </p:txBody>
+      </p:sp>
+      <p:sp>
+        <p:nvSpPr>
+          <p:cNvPr id="4" name="Slide Number Placeholder 3"/>
+          <p:cNvSpPr>
+            <a:spLocks noGrp="1"/>
+          </p:cNvSpPr>
+          <p:nvPr>
+            <p:ph type="sldNum" sz="quarter" idx="10"/>
+          </p:nvPr>
+        </p:nvSpPr>
+        <p:spPr/>
+        <p:txBody>
+          <a:bodyPr/>
+          <a:lstStyle/>
+          <a:p>
+            <a:fld id="{616B0102-43C5-42A1-BC9D-A7087B77041F}" type="slidenum">
+              <a:rPr lang="en-US" smtClean="0"/>
+              <a:t>8</a:t>
+            </a:fld>
+            <a:endParaRPr lang="en-US"/>
+          </a:p>
+        </p:txBody>
+      </p:sp>
+    </p:spTree>
+    <p:extLst>
+      <p:ext uri="{BB962C8B-B14F-4D97-AF65-F5344CB8AC3E}">
+        <p14:creationId xmlns:p14="http://schemas.microsoft.com/office/powerpoint/2010/main" val="3133556114"/>
       </p:ext>
     </p:extLst>
   </p:cSld>
@@ -1147,7 +1567,7 @@
             <a:fld id="{B61BEF0D-F0BB-DE4B-95CE-6DB70DBA9567}" type="datetimeFigureOut">
               <a:rPr lang="en-US" smtClean="0"/>
               <a:pPr/>
-              <a:t>2/9/2017</a:t>
+              <a:t>2/10/2017</a:t>
             </a:fld>
             <a:endParaRPr lang="en-US" dirty="0"/>
           </a:p>
@@ -1411,7 +1831,7 @@
             <a:fld id="{B61BEF0D-F0BB-DE4B-95CE-6DB70DBA9567}" type="datetimeFigureOut">
               <a:rPr lang="en-US" smtClean="0"/>
               <a:pPr/>
-              <a:t>2/9/2017</a:t>
+              <a:t>2/10/2017</a:t>
             </a:fld>
             <a:endParaRPr lang="en-US" dirty="0"/>
           </a:p>
@@ -1648,7 +2068,7 @@
             <a:fld id="{B61BEF0D-F0BB-DE4B-95CE-6DB70DBA9567}" type="datetimeFigureOut">
               <a:rPr lang="en-US" smtClean="0"/>
               <a:pPr/>
-              <a:t>2/9/2017</a:t>
+              <a:t>2/10/2017</a:t>
             </a:fld>
             <a:endParaRPr lang="en-US" dirty="0"/>
           </a:p>
@@ -1890,7 +2310,7 @@
             <a:fld id="{B61BEF0D-F0BB-DE4B-95CE-6DB70DBA9567}" type="datetimeFigureOut">
               <a:rPr lang="en-US" smtClean="0"/>
               <a:pPr/>
-              <a:t>2/9/2017</a:t>
+              <a:t>2/10/2017</a:t>
             </a:fld>
             <a:endParaRPr lang="en-US" dirty="0"/>
           </a:p>
@@ -2199,7 +2619,7 @@
             <a:fld id="{B61BEF0D-F0BB-DE4B-95CE-6DB70DBA9567}" type="datetimeFigureOut">
               <a:rPr lang="en-US" smtClean="0"/>
               <a:pPr/>
-              <a:t>2/9/2017</a:t>
+              <a:t>2/10/2017</a:t>
             </a:fld>
             <a:endParaRPr lang="en-US" dirty="0"/>
           </a:p>
@@ -2503,7 +2923,7 @@
             <a:fld id="{B61BEF0D-F0BB-DE4B-95CE-6DB70DBA9567}" type="datetimeFigureOut">
               <a:rPr lang="en-US" smtClean="0"/>
               <a:pPr/>
-              <a:t>2/9/2017</a:t>
+              <a:t>2/10/2017</a:t>
             </a:fld>
             <a:endParaRPr lang="en-US" dirty="0"/>
           </a:p>
@@ -2927,7 +3347,7 @@
             <a:fld id="{B61BEF0D-F0BB-DE4B-95CE-6DB70DBA9567}" type="datetimeFigureOut">
               <a:rPr lang="en-US" smtClean="0"/>
               <a:pPr/>
-              <a:t>2/9/2017</a:t>
+              <a:t>2/10/2017</a:t>
             </a:fld>
             <a:endParaRPr lang="en-US" dirty="0"/>
           </a:p>
@@ -3024,7 +3444,7 @@
             <a:fld id="{B61BEF0D-F0BB-DE4B-95CE-6DB70DBA9567}" type="datetimeFigureOut">
               <a:rPr lang="en-US" smtClean="0"/>
               <a:pPr/>
-              <a:t>2/9/2017</a:t>
+              <a:t>2/10/2017</a:t>
             </a:fld>
             <a:endParaRPr lang="en-US" dirty="0"/>
           </a:p>
@@ -3188,7 +3608,7 @@
             <a:fld id="{B61BEF0D-F0BB-DE4B-95CE-6DB70DBA9567}" type="datetimeFigureOut">
               <a:rPr lang="en-US" smtClean="0"/>
               <a:pPr/>
-              <a:t>2/9/2017</a:t>
+              <a:t>2/10/2017</a:t>
             </a:fld>
             <a:endParaRPr lang="en-US" dirty="0"/>
           </a:p>
@@ -3568,7 +3988,7 @@
             <a:fld id="{B61BEF0D-F0BB-DE4B-95CE-6DB70DBA9567}" type="datetimeFigureOut">
               <a:rPr lang="en-US" smtClean="0"/>
               <a:pPr/>
-              <a:t>2/9/2017</a:t>
+              <a:t>2/10/2017</a:t>
             </a:fld>
             <a:endParaRPr lang="en-US" dirty="0"/>
           </a:p>
@@ -3859,7 +4279,7 @@
             <a:fld id="{B61BEF0D-F0BB-DE4B-95CE-6DB70DBA9567}" type="datetimeFigureOut">
               <a:rPr lang="en-US" smtClean="0"/>
               <a:pPr/>
-              <a:t>2/9/2017</a:t>
+              <a:t>2/10/2017</a:t>
             </a:fld>
             <a:endParaRPr lang="en-US" dirty="0"/>
           </a:p>
@@ -4072,7 +4492,7 @@
             <a:fld id="{B61BEF0D-F0BB-DE4B-95CE-6DB70DBA9567}" type="datetimeFigureOut">
               <a:rPr lang="en-US" smtClean="0"/>
               <a:pPr/>
-              <a:t>2/9/2017</a:t>
+              <a:t>2/10/2017</a:t>
             </a:fld>
             <a:endParaRPr lang="en-US" dirty="0"/>
           </a:p>
@@ -6556,8 +6976,8 @@
           </a:p>
         </p:txBody>
       </p:sp>
-      <mc:AlternateContent xmlns:mc="http://schemas.openxmlformats.org/markup-compatibility/2006">
-        <mc:Choice xmlns:a14="http://schemas.microsoft.com/office/drawing/2010/main" Requires="a14">
+      <mc:AlternateContent xmlns:mc="http://schemas.openxmlformats.org/markup-compatibility/2006" xmlns:a14="http://schemas.microsoft.com/office/drawing/2010/main">
+        <mc:Choice Requires="a14">
           <p:sp>
             <p:nvSpPr>
               <p:cNvPr id="31" name="Content Placeholder 2"/>
@@ -6945,7 +7365,7 @@
             </p:txBody>
           </p:sp>
         </mc:Choice>
-        <mc:Fallback>
+        <mc:Fallback xmlns="">
           <p:sp>
             <p:nvSpPr>
               <p:cNvPr id="31" name="Content Placeholder 2"/>
@@ -8487,7 +8907,7 @@
           <a:p>
             <a:r>
               <a:rPr lang="en-US" sz="2400" dirty="0"/>
-              <a:t>Find suitable method to detect the change in CPU Utilization</a:t>
+              <a:t>Find suitable method to detect the changes in CPU Utilization</a:t>
             </a:r>
           </a:p>
           <a:p>
@@ -8574,65 +8994,67 @@
         </p:nvSpPr>
         <p:spPr/>
         <p:txBody>
-          <a:bodyPr anchor="t"/>
+          <a:bodyPr anchor="t">
+            <a:normAutofit/>
+          </a:bodyPr>
           <a:lstStyle/>
           <a:p>
             <a:r>
-              <a:rPr lang="en-US" dirty="0"/>
+              <a:rPr lang="en-US" sz="2000" dirty="0"/>
               <a:t>James, N. A., &amp; Matteson, D. S. (2013). </a:t>
             </a:r>
             <a:r>
-              <a:rPr lang="en-US" dirty="0" err="1"/>
+              <a:rPr lang="en-US" sz="2000" dirty="0" err="1"/>
               <a:t>ecp</a:t>
             </a:r>
             <a:r>
-              <a:rPr lang="en-US" dirty="0"/>
+              <a:rPr lang="en-US" sz="2000" dirty="0"/>
               <a:t>: An R package for nonparametric multiple change point analysis of multivariate data. </a:t>
             </a:r>
             <a:r>
-              <a:rPr lang="en-US" i="1" dirty="0" err="1"/>
+              <a:rPr lang="en-US" sz="2000" i="1" dirty="0" err="1"/>
               <a:t>arXiv</a:t>
             </a:r>
             <a:r>
-              <a:rPr lang="en-US" i="1" dirty="0"/>
+              <a:rPr lang="en-US" sz="2000" i="1" dirty="0"/>
               <a:t> preprint arXiv:1309.3295</a:t>
             </a:r>
             <a:r>
-              <a:rPr lang="en-US" dirty="0"/>
+              <a:rPr lang="en-US" sz="2000" dirty="0"/>
               <a:t>.</a:t>
             </a:r>
           </a:p>
           <a:p>
             <a:r>
-              <a:rPr lang="en-US" dirty="0"/>
+              <a:rPr lang="en-US" sz="2000" dirty="0"/>
               <a:t>Luong, T. M., </a:t>
             </a:r>
             <a:r>
-              <a:rPr lang="en-US" dirty="0" err="1"/>
+              <a:rPr lang="en-US" sz="2000" dirty="0" err="1"/>
               <a:t>Perduca</a:t>
             </a:r>
             <a:r>
-              <a:rPr lang="en-US" dirty="0"/>
+              <a:rPr lang="en-US" sz="2000" dirty="0"/>
               <a:t>, V., &amp; </a:t>
             </a:r>
             <a:r>
-              <a:rPr lang="en-US" dirty="0" err="1"/>
+              <a:rPr lang="en-US" sz="2000" dirty="0" err="1"/>
               <a:t>Nuel</a:t>
             </a:r>
             <a:r>
-              <a:rPr lang="en-US" dirty="0"/>
+              <a:rPr lang="en-US" sz="2000" dirty="0"/>
               <a:t>, G. (2012). Hidden Markov Model Applications in Change-Point Analysis. </a:t>
             </a:r>
             <a:r>
-              <a:rPr lang="en-US" i="1" dirty="0" err="1"/>
+              <a:rPr lang="en-US" sz="2000" i="1" dirty="0" err="1"/>
               <a:t>arXiv</a:t>
             </a:r>
             <a:r>
-              <a:rPr lang="en-US" i="1" dirty="0"/>
+              <a:rPr lang="en-US" sz="2000" i="1" dirty="0"/>
               <a:t> preprint arXiv:1212.1778</a:t>
             </a:r>
             <a:r>
-              <a:rPr lang="en-US" dirty="0"/>
+              <a:rPr lang="en-US" sz="2000" dirty="0"/>
               <a:t>.</a:t>
             </a:r>
           </a:p>

--- a/Presentation/1-Proposal seminar.pptx
+++ b/Presentation/1-Proposal seminar.pptx
@@ -22,7 +22,7 @@
     <p:sldId id="261" r:id="rId10"/>
   </p:sldIdLst>
   <p:sldSz cx="12192000" cy="6858000"/>
-  <p:notesSz cx="9874250" cy="6797675"/>
+  <p:notesSz cx="6797675" cy="9874250"/>
   <p:defaultTextStyle>
     <a:defPPr>
       <a:defRPr lang="en-US"/>
@@ -160,8 +160,8 @@
         </p:nvSpPr>
         <p:spPr>
           <a:xfrm>
-            <a:off x="0" y="2"/>
-            <a:ext cx="4278842" cy="341066"/>
+            <a:off x="0" y="3"/>
+            <a:ext cx="2945659" cy="495430"/>
           </a:xfrm>
           <a:prstGeom prst="rect">
             <a:avLst/>
@@ -191,8 +191,8 @@
         </p:nvSpPr>
         <p:spPr>
           <a:xfrm>
-            <a:off x="5593127" y="2"/>
-            <a:ext cx="4278842" cy="341066"/>
+            <a:off x="3850446" y="3"/>
+            <a:ext cx="2945659" cy="495430"/>
           </a:xfrm>
           <a:prstGeom prst="rect">
             <a:avLst/>
@@ -208,7 +208,7 @@
           <a:p>
             <a:fld id="{D4B88662-1E45-47A2-8E9E-64CF72FDD06B}" type="datetimeFigureOut">
               <a:rPr lang="en-US" smtClean="0"/>
-              <a:t>2/10/2017</a:t>
+              <a:t>2017-02-12</a:t>
             </a:fld>
             <a:endParaRPr lang="en-US"/>
           </a:p>
@@ -226,8 +226,8 @@
         </p:nvSpPr>
         <p:spPr>
           <a:xfrm>
-            <a:off x="0" y="6456612"/>
-            <a:ext cx="4278842" cy="341064"/>
+            <a:off x="0" y="9378824"/>
+            <a:ext cx="2945659" cy="495427"/>
           </a:xfrm>
           <a:prstGeom prst="rect">
             <a:avLst/>
@@ -257,8 +257,8 @@
         </p:nvSpPr>
         <p:spPr>
           <a:xfrm>
-            <a:off x="5593127" y="6456612"/>
-            <a:ext cx="4278842" cy="341064"/>
+            <a:off x="3850446" y="9378824"/>
+            <a:ext cx="2945659" cy="495427"/>
           </a:xfrm>
           <a:prstGeom prst="rect">
             <a:avLst/>
@@ -325,8 +325,8 @@
         </p:nvSpPr>
         <p:spPr>
           <a:xfrm>
-            <a:off x="0" y="2"/>
-            <a:ext cx="4278842" cy="341066"/>
+            <a:off x="0" y="3"/>
+            <a:ext cx="2945659" cy="495430"/>
           </a:xfrm>
           <a:prstGeom prst="rect">
             <a:avLst/>
@@ -356,8 +356,8 @@
         </p:nvSpPr>
         <p:spPr>
           <a:xfrm>
-            <a:off x="5593127" y="2"/>
-            <a:ext cx="4278842" cy="341066"/>
+            <a:off x="3850446" y="3"/>
+            <a:ext cx="2945659" cy="495430"/>
           </a:xfrm>
           <a:prstGeom prst="rect">
             <a:avLst/>
@@ -373,7 +373,7 @@
           <a:p>
             <a:fld id="{41B29D5C-5C04-480A-9659-9A97AE2F4290}" type="datetimeFigureOut">
               <a:rPr lang="en-US" smtClean="0"/>
-              <a:t>2/10/2017</a:t>
+              <a:t>2017-02-12</a:t>
             </a:fld>
             <a:endParaRPr lang="en-US"/>
           </a:p>
@@ -391,8 +391,8 @@
         </p:nvSpPr>
         <p:spPr>
           <a:xfrm>
-            <a:off x="2898775" y="849313"/>
-            <a:ext cx="4076700" cy="2293937"/>
+            <a:off x="438150" y="1233488"/>
+            <a:ext cx="5921375" cy="3332162"/>
           </a:xfrm>
           <a:prstGeom prst="rect">
             <a:avLst/>
@@ -424,8 +424,8 @@
         </p:nvSpPr>
         <p:spPr>
           <a:xfrm>
-            <a:off x="987427" y="3271384"/>
-            <a:ext cx="7899399" cy="2676585"/>
+            <a:off x="679769" y="4751988"/>
+            <a:ext cx="5438139" cy="3887987"/>
           </a:xfrm>
           <a:prstGeom prst="rect">
             <a:avLst/>
@@ -483,8 +483,8 @@
         </p:nvSpPr>
         <p:spPr>
           <a:xfrm>
-            <a:off x="0" y="6456612"/>
-            <a:ext cx="4278842" cy="341064"/>
+            <a:off x="0" y="9378824"/>
+            <a:ext cx="2945659" cy="495427"/>
           </a:xfrm>
           <a:prstGeom prst="rect">
             <a:avLst/>
@@ -514,8 +514,8 @@
         </p:nvSpPr>
         <p:spPr>
           <a:xfrm>
-            <a:off x="5593127" y="6456612"/>
-            <a:ext cx="4278842" cy="341064"/>
+            <a:off x="3850446" y="9378824"/>
+            <a:ext cx="2945659" cy="495427"/>
           </a:xfrm>
           <a:prstGeom prst="rect">
             <a:avLst/>
@@ -768,7 +768,30 @@
           <a:bodyPr/>
           <a:lstStyle/>
           <a:p>
-            <a:endParaRPr lang="en-US" dirty="0"/>
+            <a:r>
+              <a:rPr lang="en-US" dirty="0"/>
+              <a:t>The commissioner for this thesis is Ericsson. In Ericsson, numerous number of test runs have been executed to test and evaluate the performance of their product. They have to visualize the performance of the test run for the release of upgrade software over time. </a:t>
+            </a:r>
+          </a:p>
+          <a:p>
+            <a:r>
+              <a:rPr lang="en-US" dirty="0"/>
+              <a:t>Up until now, whenever they want to look at the performance of the upgrade software, they have to manually do visual inspection by themselves. That is someone to visualize the plot whether everything is normal or not. With the rise of test run and data generated by them, it becomes much more difficult and </a:t>
+            </a:r>
+            <a:r>
+              <a:rPr lang="en-US" dirty="0" err="1"/>
+              <a:t>laborsome</a:t>
+            </a:r>
+            <a:r>
+              <a:rPr lang="en-US" dirty="0"/>
+              <a:t> to do it. This is why they have come up with an idea to have an algorithm or tool that will automatically detect when there is some changes in the performance. So that they will be able to deal with it in a timely manner.</a:t>
+            </a:r>
+          </a:p>
+          <a:p>
+            <a:r>
+              <a:rPr lang="en-US" dirty="0"/>
+              <a:t>The performance metric are CPU utilization, memory usage and latencies. In this thesis, we will mainly focus on the CPU utilization first as it is one of the essential factor that need to be optimized.</a:t>
+            </a:r>
           </a:p>
         </p:txBody>
       </p:sp>
@@ -852,7 +875,35 @@
           <a:bodyPr/>
           <a:lstStyle/>
           <a:p>
+            <a:r>
+              <a:rPr lang="en-US" dirty="0"/>
+              <a:t>There are two main objectives for this thesis. The first one is to implement algorithm or tool that can be able to detect whether the performance is in the degradation, improvement or steady state. In other words, Ericsson want to have a tool that can tell them whenever there is a change such as increase or decrease in the CPU utilization.</a:t>
+            </a:r>
+          </a:p>
+          <a:p>
             <a:endParaRPr lang="en-US" dirty="0"/>
+          </a:p>
+          <a:p>
+            <a:r>
+              <a:rPr lang="en-US" dirty="0"/>
+              <a:t>Apart from identifying the change, there is also a time when there is nothing change in the software itself but </a:t>
+            </a:r>
+            <a:r>
+              <a:rPr lang="en-GB" sz="1200" kern="1200" dirty="0">
+                <a:solidFill>
+                  <a:schemeClr val="tx1"/>
+                </a:solidFill>
+                <a:effectLst/>
+                <a:latin typeface="+mn-lt"/>
+                <a:ea typeface="+mn-ea"/>
+                <a:cs typeface="+mn-cs"/>
+              </a:rPr>
+              <a:t>the change in the test environment have an impact on CPU utilization. </a:t>
+            </a:r>
+            <a:r>
+              <a:rPr lang="en-US" dirty="0"/>
+              <a:t>Therefore, they want the algorithm to be able to identify whether there is some changes happened in the test environment or not.</a:t>
+            </a:r>
           </a:p>
         </p:txBody>
       </p:sp>
@@ -936,7 +987,32 @@
           <a:bodyPr/>
           <a:lstStyle/>
           <a:p>
-            <a:endParaRPr lang="en-US"/>
+            <a:r>
+              <a:rPr lang="en-US" dirty="0"/>
+              <a:t>As of now, I have only been able to deal with data in the second generation. This dataset was collect on twenty January which consists of 17 columns and two thousand seven hundred and eighty one rows. The important variables to look into are shown in the slide. </a:t>
+            </a:r>
+          </a:p>
+          <a:p>
+            <a:endParaRPr lang="en-US" dirty="0"/>
+          </a:p>
+          <a:p>
+            <a:r>
+              <a:rPr lang="en-US" dirty="0"/>
+              <a:t>According to Ericsson, these three variables are considered as a test environment. </a:t>
+            </a:r>
+          </a:p>
+          <a:p>
+            <a:r>
+              <a:rPr lang="en-US" dirty="0" err="1"/>
+              <a:t>EventsPerSec</a:t>
+            </a:r>
+            <a:r>
+              <a:rPr lang="en-US" dirty="0"/>
+              <a:t> contains several components that are used to determined the type of test run.</a:t>
+            </a:r>
+          </a:p>
+          <a:p>
+            <a:endParaRPr lang="en-US" dirty="0"/>
           </a:p>
         </p:txBody>
       </p:sp>
@@ -1020,7 +1096,27 @@
           <a:bodyPr/>
           <a:lstStyle/>
           <a:p>
-            <a:endParaRPr lang="en-US"/>
+            <a:r>
+              <a:rPr lang="en-US" dirty="0"/>
+              <a:t>For this thesis, we are focusing on the change point detection or anomaly detection. That is we are trying to discover time point where the property of time series is change. Change point detection is a technique to detect the abrupt changes in time series data when the time instant is unknown.</a:t>
+            </a:r>
+          </a:p>
+          <a:p>
+            <a:endParaRPr lang="en-US" dirty="0"/>
+          </a:p>
+          <a:p>
+            <a:r>
+              <a:rPr lang="en-US" dirty="0"/>
+              <a:t>We have come up with two possible methods to identify the change point. The first method is an exist algorithm which can be found in the R package called </a:t>
+            </a:r>
+            <a:r>
+              <a:rPr lang="en-US" dirty="0" err="1"/>
+              <a:t>ecp</a:t>
+            </a:r>
+            <a:r>
+              <a:rPr lang="en-US" dirty="0"/>
+              <a:t>. Another possible method that can be used to detect the change point is Hidden Markov model. We found one article that use this method and we think that the idea is interesting and might be able to work well with this problem.</a:t>
+            </a:r>
           </a:p>
         </p:txBody>
       </p:sp>
@@ -1104,7 +1200,34 @@
           <a:bodyPr/>
           <a:lstStyle/>
           <a:p>
-            <a:endParaRPr lang="en-US"/>
+            <a:r>
+              <a:rPr lang="en-US" dirty="0"/>
+              <a:t>It is a nonparametric test for multiple change point analysis. That is the algorithm is able to detect any change point in an unknown underlying distribution. Since real world data doesn’t always have a well defined structure and most of the time it is not in a known form. Therefore, it is always violated the assumption of the parametric test that assume that the distribution of data is known. </a:t>
+            </a:r>
+          </a:p>
+          <a:p>
+            <a:r>
+              <a:rPr lang="en-US" dirty="0"/>
+              <a:t>The algorithm is also applicable to both univariate and multivariate observations. </a:t>
+            </a:r>
+          </a:p>
+          <a:p>
+            <a:r>
+              <a:rPr lang="en-US" dirty="0"/>
+              <a:t>It uses an idea from hierarchical clustering estimation which consists of two approaches. </a:t>
+            </a:r>
+          </a:p>
+          <a:p>
+            <a:r>
+              <a:rPr lang="en-US" dirty="0"/>
+              <a:t>The first one is decisive procedure. The algorithm will find multiple change point by iteratively locating a single change point in each segment. So the algorithm recursively partition a time series and perform a permutation test to determine an estimated change point.</a:t>
+            </a:r>
+          </a:p>
+          <a:p>
+            <a:r>
+              <a:rPr lang="en-US" dirty="0"/>
+              <a:t>The agglomerative procedure tries to maximize goodness-of-fit test after merging neighboring segment in the iteration. The location of estimated change point is determined by the iteration that maximized goodness-of-fit test. This algorithm required an initial segmentation for the time series in order to reduce the computational time. </a:t>
+            </a:r>
           </a:p>
         </p:txBody>
       </p:sp>
@@ -1190,13 +1313,22 @@
           <a:p>
             <a:r>
               <a:rPr lang="en-US" dirty="0"/>
-              <a:t>It is only the outcome, not the state that is visible to an external observer and therefore states are ``hidden'' to the outside; hence the name Hidden Markov Model is a perfect solution for addressing detection.</a:t>
+              <a:t>Hidden Markov model is used when only the outcome is visible to an observer and states are hidden to the outside. Hence the name Hidden Markov Model is a perfect solution for addressing detection. </a:t>
             </a:r>
           </a:p>
           <a:p>
             <a:r>
               <a:rPr lang="en-US" dirty="0"/>
-              <a:t>Hidden Markov model works on Markov chain property in which probability of each subsequent state depends on the previous state</a:t>
+              <a:t>Since we have less or no information at all about what have been changed in the software that make an impact on the performance or the CPU utilization, it might be possible to say that the hidden state are normal, good, or bad of the code in the software. The observe value is the CPU utilization. HMM can therefore identify change points by observations where a switch in hidden states is most likely to occur.</a:t>
+            </a:r>
+          </a:p>
+          <a:p>
+            <a:endParaRPr lang="en-US" dirty="0"/>
+          </a:p>
+          <a:p>
+            <a:r>
+              <a:rPr lang="en-US" dirty="0"/>
+              <a:t>All in all, this is some rough idea for the method that will be used for detecting the change point in the time series. </a:t>
             </a:r>
           </a:p>
         </p:txBody>
@@ -1281,7 +1413,7 @@
           <a:bodyPr/>
           <a:lstStyle/>
           <a:p>
-            <a:endParaRPr lang="en-US"/>
+            <a:endParaRPr lang="en-US" dirty="0"/>
           </a:p>
         </p:txBody>
       </p:sp>
@@ -1312,6 +1444,90 @@
     <p:extLst>
       <p:ext uri="{BB962C8B-B14F-4D97-AF65-F5344CB8AC3E}">
         <p14:creationId xmlns:p14="http://schemas.microsoft.com/office/powerpoint/2010/main" val="3133556114"/>
+      </p:ext>
+    </p:extLst>
+  </p:cSld>
+  <p:clrMapOvr>
+    <a:masterClrMapping/>
+  </p:clrMapOvr>
+</p:notes>
+</file>
+
+<file path=ppt/notesSlides/notesSlide9.xml><?xml version="1.0" encoding="utf-8"?>
+<p:notes xmlns:a="http://schemas.openxmlformats.org/drawingml/2006/main" xmlns:r="http://schemas.openxmlformats.org/officeDocument/2006/relationships" xmlns:p="http://schemas.openxmlformats.org/presentationml/2006/main">
+  <p:cSld>
+    <p:spTree>
+      <p:nvGrpSpPr>
+        <p:cNvPr id="1" name=""/>
+        <p:cNvGrpSpPr/>
+        <p:nvPr/>
+      </p:nvGrpSpPr>
+      <p:grpSpPr>
+        <a:xfrm>
+          <a:off x="0" y="0"/>
+          <a:ext cx="0" cy="0"/>
+          <a:chOff x="0" y="0"/>
+          <a:chExt cx="0" cy="0"/>
+        </a:xfrm>
+      </p:grpSpPr>
+      <p:sp>
+        <p:nvSpPr>
+          <p:cNvPr id="2" name="Slide Image Placeholder 1"/>
+          <p:cNvSpPr>
+            <a:spLocks noGrp="1" noRot="1" noChangeAspect="1"/>
+          </p:cNvSpPr>
+          <p:nvPr>
+            <p:ph type="sldImg"/>
+          </p:nvPr>
+        </p:nvSpPr>
+        <p:spPr/>
+      </p:sp>
+      <p:sp>
+        <p:nvSpPr>
+          <p:cNvPr id="3" name="Notes Placeholder 2"/>
+          <p:cNvSpPr>
+            <a:spLocks noGrp="1"/>
+          </p:cNvSpPr>
+          <p:nvPr>
+            <p:ph type="body" idx="1"/>
+          </p:nvPr>
+        </p:nvSpPr>
+        <p:spPr/>
+        <p:txBody>
+          <a:bodyPr/>
+          <a:lstStyle/>
+          <a:p>
+            <a:endParaRPr lang="en-US"/>
+          </a:p>
+        </p:txBody>
+      </p:sp>
+      <p:sp>
+        <p:nvSpPr>
+          <p:cNvPr id="4" name="Slide Number Placeholder 3"/>
+          <p:cNvSpPr>
+            <a:spLocks noGrp="1"/>
+          </p:cNvSpPr>
+          <p:nvPr>
+            <p:ph type="sldNum" sz="quarter" idx="10"/>
+          </p:nvPr>
+        </p:nvSpPr>
+        <p:spPr/>
+        <p:txBody>
+          <a:bodyPr/>
+          <a:lstStyle/>
+          <a:p>
+            <a:fld id="{616B0102-43C5-42A1-BC9D-A7087B77041F}" type="slidenum">
+              <a:rPr lang="en-US" smtClean="0"/>
+              <a:t>9</a:t>
+            </a:fld>
+            <a:endParaRPr lang="en-US"/>
+          </a:p>
+        </p:txBody>
+      </p:sp>
+    </p:spTree>
+    <p:extLst>
+      <p:ext uri="{BB962C8B-B14F-4D97-AF65-F5344CB8AC3E}">
+        <p14:creationId xmlns:p14="http://schemas.microsoft.com/office/powerpoint/2010/main" val="2501389060"/>
       </p:ext>
     </p:extLst>
   </p:cSld>
@@ -1567,7 +1783,7 @@
             <a:fld id="{B61BEF0D-F0BB-DE4B-95CE-6DB70DBA9567}" type="datetimeFigureOut">
               <a:rPr lang="en-US" smtClean="0"/>
               <a:pPr/>
-              <a:t>2/10/2017</a:t>
+              <a:t>2017-02-12</a:t>
             </a:fld>
             <a:endParaRPr lang="en-US" dirty="0"/>
           </a:p>
@@ -1831,7 +2047,7 @@
             <a:fld id="{B61BEF0D-F0BB-DE4B-95CE-6DB70DBA9567}" type="datetimeFigureOut">
               <a:rPr lang="en-US" smtClean="0"/>
               <a:pPr/>
-              <a:t>2/10/2017</a:t>
+              <a:t>2017-02-12</a:t>
             </a:fld>
             <a:endParaRPr lang="en-US" dirty="0"/>
           </a:p>
@@ -2068,7 +2284,7 @@
             <a:fld id="{B61BEF0D-F0BB-DE4B-95CE-6DB70DBA9567}" type="datetimeFigureOut">
               <a:rPr lang="en-US" smtClean="0"/>
               <a:pPr/>
-              <a:t>2/10/2017</a:t>
+              <a:t>2017-02-12</a:t>
             </a:fld>
             <a:endParaRPr lang="en-US" dirty="0"/>
           </a:p>
@@ -2310,7 +2526,7 @@
             <a:fld id="{B61BEF0D-F0BB-DE4B-95CE-6DB70DBA9567}" type="datetimeFigureOut">
               <a:rPr lang="en-US" smtClean="0"/>
               <a:pPr/>
-              <a:t>2/10/2017</a:t>
+              <a:t>2017-02-12</a:t>
             </a:fld>
             <a:endParaRPr lang="en-US" dirty="0"/>
           </a:p>
@@ -2619,7 +2835,7 @@
             <a:fld id="{B61BEF0D-F0BB-DE4B-95CE-6DB70DBA9567}" type="datetimeFigureOut">
               <a:rPr lang="en-US" smtClean="0"/>
               <a:pPr/>
-              <a:t>2/10/2017</a:t>
+              <a:t>2017-02-12</a:t>
             </a:fld>
             <a:endParaRPr lang="en-US" dirty="0"/>
           </a:p>
@@ -2923,7 +3139,7 @@
             <a:fld id="{B61BEF0D-F0BB-DE4B-95CE-6DB70DBA9567}" type="datetimeFigureOut">
               <a:rPr lang="en-US" smtClean="0"/>
               <a:pPr/>
-              <a:t>2/10/2017</a:t>
+              <a:t>2017-02-12</a:t>
             </a:fld>
             <a:endParaRPr lang="en-US" dirty="0"/>
           </a:p>
@@ -3347,7 +3563,7 @@
             <a:fld id="{B61BEF0D-F0BB-DE4B-95CE-6DB70DBA9567}" type="datetimeFigureOut">
               <a:rPr lang="en-US" smtClean="0"/>
               <a:pPr/>
-              <a:t>2/10/2017</a:t>
+              <a:t>2017-02-12</a:t>
             </a:fld>
             <a:endParaRPr lang="en-US" dirty="0"/>
           </a:p>
@@ -3444,7 +3660,7 @@
             <a:fld id="{B61BEF0D-F0BB-DE4B-95CE-6DB70DBA9567}" type="datetimeFigureOut">
               <a:rPr lang="en-US" smtClean="0"/>
               <a:pPr/>
-              <a:t>2/10/2017</a:t>
+              <a:t>2017-02-12</a:t>
             </a:fld>
             <a:endParaRPr lang="en-US" dirty="0"/>
           </a:p>
@@ -3608,7 +3824,7 @@
             <a:fld id="{B61BEF0D-F0BB-DE4B-95CE-6DB70DBA9567}" type="datetimeFigureOut">
               <a:rPr lang="en-US" smtClean="0"/>
               <a:pPr/>
-              <a:t>2/10/2017</a:t>
+              <a:t>2017-02-12</a:t>
             </a:fld>
             <a:endParaRPr lang="en-US" dirty="0"/>
           </a:p>
@@ -3988,7 +4204,7 @@
             <a:fld id="{B61BEF0D-F0BB-DE4B-95CE-6DB70DBA9567}" type="datetimeFigureOut">
               <a:rPr lang="en-US" smtClean="0"/>
               <a:pPr/>
-              <a:t>2/10/2017</a:t>
+              <a:t>2017-02-12</a:t>
             </a:fld>
             <a:endParaRPr lang="en-US" dirty="0"/>
           </a:p>
@@ -4279,7 +4495,7 @@
             <a:fld id="{B61BEF0D-F0BB-DE4B-95CE-6DB70DBA9567}" type="datetimeFigureOut">
               <a:rPr lang="en-US" smtClean="0"/>
               <a:pPr/>
-              <a:t>2/10/2017</a:t>
+              <a:t>2017-02-12</a:t>
             </a:fld>
             <a:endParaRPr lang="en-US" dirty="0"/>
           </a:p>
@@ -4492,7 +4708,7 @@
             <a:fld id="{B61BEF0D-F0BB-DE4B-95CE-6DB70DBA9567}" type="datetimeFigureOut">
               <a:rPr lang="en-US" smtClean="0"/>
               <a:pPr/>
-              <a:t>2/10/2017</a:t>
+              <a:t>2017-02-12</a:t>
             </a:fld>
             <a:endParaRPr lang="en-US" dirty="0"/>
           </a:p>
@@ -5727,7 +5943,7 @@
             <a:pPr lvl="1"/>
             <a:r>
               <a:rPr lang="en-US" sz="2000" dirty="0"/>
-              <a:t>Performance metric: </a:t>
+              <a:t>Manually do </a:t>
             </a:r>
             <a:r>
               <a:rPr lang="en-US" sz="2000" dirty="0">
@@ -5737,38 +5953,35 @@
                   </a:schemeClr>
                 </a:solidFill>
               </a:rPr>
-              <a:t>CPU Utilization</a:t>
-            </a:r>
-            <a:r>
-              <a:rPr lang="en-US" sz="2000" dirty="0"/>
-              <a:t>, Memory usage, Latency</a:t>
-            </a:r>
-          </a:p>
-          <a:p>
-            <a:pPr lvl="1"/>
-            <a:r>
-              <a:rPr lang="en-US" sz="2000" dirty="0"/>
-              <a:t>Manually do </a:t>
-            </a:r>
-            <a:r>
-              <a:rPr lang="en-US" sz="2000" dirty="0">
+              <a:t>visual</a:t>
+            </a:r>
+            <a:r>
+              <a:rPr lang="sv-SE" sz="2000" dirty="0">
                 <a:solidFill>
                   <a:schemeClr val="accent2">
                     <a:lumMod val="75000"/>
                   </a:schemeClr>
                 </a:solidFill>
               </a:rPr>
-              <a:t>visual</a:t>
-            </a:r>
-            <a:r>
-              <a:rPr lang="sv-SE" sz="2000" dirty="0">
+              <a:t> </a:t>
+            </a:r>
+            <a:r>
+              <a:rPr lang="en-US" sz="2000" dirty="0">
                 <a:solidFill>
                   <a:schemeClr val="accent2">
                     <a:lumMod val="75000"/>
                   </a:schemeClr>
                 </a:solidFill>
               </a:rPr>
-              <a:t> </a:t>
+              <a:t>inspection</a:t>
+            </a:r>
+            <a:endParaRPr lang="en-US" sz="2000" dirty="0"/>
+          </a:p>
+          <a:p>
+            <a:pPr lvl="1"/>
+            <a:r>
+              <a:rPr lang="en-US" sz="2000" dirty="0"/>
+              <a:t>Performance metric: </a:t>
             </a:r>
             <a:r>
               <a:rPr lang="en-US" sz="2000" dirty="0">
@@ -5778,9 +5991,12 @@
                   </a:schemeClr>
                 </a:solidFill>
               </a:rPr>
-              <a:t>inspection</a:t>
-            </a:r>
-            <a:endParaRPr lang="en-US" sz="2000" dirty="0"/>
+              <a:t>CPU Utilization</a:t>
+            </a:r>
+            <a:r>
+              <a:rPr lang="en-US" sz="2000" dirty="0"/>
+              <a:t>, Memory usage, Latency</a:t>
+            </a:r>
           </a:p>
         </p:txBody>
       </p:sp>
@@ -6281,9 +6497,16 @@
             </a:r>
             <a:r>
               <a:rPr lang="en-US" sz="2400" dirty="0"/>
-              <a:t> generation data consists of 17 columns</a:t>
-            </a:r>
-            <a:endParaRPr lang="en-US" sz="2000" dirty="0"/>
+              <a:t> generation data consists of 17 columns and 2781 rows</a:t>
+            </a:r>
+            <a:r>
+              <a:rPr lang="en-US" sz="2000" i="1" dirty="0"/>
+              <a:t> </a:t>
+            </a:r>
+            <a:r>
+              <a:rPr lang="en-US" sz="1800" i="1" dirty="0"/>
+              <a:t>(collected 2017-01-20)</a:t>
+            </a:r>
           </a:p>
           <a:p>
             <a:pPr lvl="1"/>
@@ -6404,7 +6627,7 @@
                   </a:schemeClr>
                 </a:solidFill>
               </a:rPr>
-              <a:t>Release</a:t>
+              <a:t>SW</a:t>
             </a:r>
             <a:r>
               <a:rPr lang="sv-SE" sz="2000" dirty="0">
@@ -6417,21 +6640,29 @@
               <a:t>: </a:t>
             </a:r>
             <a:r>
+              <a:rPr lang="en-US" sz="2000" dirty="0"/>
+              <a:t>Software</a:t>
+            </a:r>
+            <a:r>
               <a:rPr lang="sv-SE" sz="2000" dirty="0"/>
-              <a:t>Software</a:t>
+              <a:t> </a:t>
+            </a:r>
+            <a:r>
+              <a:rPr lang="en-US" sz="2000" dirty="0"/>
+              <a:t>package</a:t>
             </a:r>
           </a:p>
           <a:p>
             <a:pPr lvl="1"/>
             <a:r>
-              <a:rPr lang="en-US" sz="2000" dirty="0">
+              <a:rPr lang="en-US" sz="2000" dirty="0" err="1">
                 <a:solidFill>
                   <a:schemeClr val="accent2">
                     <a:lumMod val="75000"/>
                   </a:schemeClr>
                 </a:solidFill>
               </a:rPr>
-              <a:t>SW</a:t>
+              <a:t>TotCpu</a:t>
             </a:r>
             <a:r>
               <a:rPr lang="sv-SE" sz="2000" dirty="0">
@@ -6441,32 +6672,29 @@
                   </a:schemeClr>
                 </a:solidFill>
               </a:rPr>
-              <a:t>: </a:t>
-            </a:r>
-            <a:r>
-              <a:rPr lang="en-US" sz="2000" dirty="0"/>
-              <a:t>Software</a:t>
+              <a:t>%: </a:t>
             </a:r>
             <a:r>
               <a:rPr lang="sv-SE" sz="2000" dirty="0"/>
-              <a:t> </a:t>
-            </a:r>
-            <a:r>
-              <a:rPr lang="en-US" sz="2000" dirty="0"/>
-              <a:t>package</a:t>
-            </a:r>
+              <a:t>CPU </a:t>
+            </a:r>
+            <a:r>
+              <a:rPr lang="sv-SE" sz="2000" dirty="0" err="1"/>
+              <a:t>Utilization</a:t>
+            </a:r>
+            <a:endParaRPr lang="sv-SE" sz="2000" dirty="0"/>
           </a:p>
           <a:p>
             <a:pPr lvl="1"/>
             <a:r>
-              <a:rPr lang="en-US" sz="2000" dirty="0" err="1">
+              <a:rPr lang="sv-SE" sz="2000" dirty="0" err="1">
                 <a:solidFill>
                   <a:schemeClr val="accent2">
                     <a:lumMod val="75000"/>
                   </a:schemeClr>
                 </a:solidFill>
               </a:rPr>
-              <a:t>TotCpu</a:t>
+              <a:t>EventsPerSec</a:t>
             </a:r>
             <a:r>
               <a:rPr lang="sv-SE" sz="2000" dirty="0">
@@ -6476,17 +6704,16 @@
                   </a:schemeClr>
                 </a:solidFill>
               </a:rPr>
-              <a:t>%: </a:t>
+              <a:t>: </a:t>
             </a:r>
             <a:r>
               <a:rPr lang="sv-SE" sz="2000" dirty="0"/>
-              <a:t>CPU </a:t>
-            </a:r>
-            <a:r>
-              <a:rPr lang="sv-SE" sz="2000" dirty="0" err="1"/>
-              <a:t>Utilization</a:t>
-            </a:r>
-            <a:endParaRPr lang="sv-SE" sz="2000" dirty="0"/>
+              <a:t>Events </a:t>
+            </a:r>
+            <a:r>
+              <a:rPr lang="en-US" sz="2000" dirty="0"/>
+              <a:t>intensity</a:t>
+            </a:r>
           </a:p>
         </p:txBody>
       </p:sp>
@@ -7201,7 +7428,7 @@
               </a:lstStyle>
               <a:p>
                 <a:r>
-                  <a:rPr lang="en-US" sz="2000" dirty="0"/>
+                  <a:rPr lang="en-US" sz="2400" dirty="0"/>
                   <a:t>Hidden Markov model</a:t>
                 </a:r>
               </a:p>
@@ -7385,7 +7612,7 @@
               <a:blipFill>
                 <a:blip r:embed="rId3"/>
                 <a:stretch>
-                  <a:fillRect l="-276" t="-889"/>
+                  <a:fillRect l="-552" t="-1185"/>
                 </a:stretch>
               </a:blipFill>
             </p:spPr>
@@ -8919,7 +9146,13 @@
           <a:p>
             <a:r>
               <a:rPr lang="en-US" sz="2400" dirty="0"/>
-              <a:t>Apply algorithm with the data</a:t>
+              <a:t>Training algorithm with the data</a:t>
+            </a:r>
+          </a:p>
+          <a:p>
+            <a:r>
+              <a:rPr lang="en-US" sz="2400" dirty="0"/>
+              <a:t>Evaluate the model and obtained results</a:t>
             </a:r>
           </a:p>
           <a:p>
